--- a/Presentation-1-September15.pptx
+++ b/Presentation-1-September15.pptx
@@ -1,28 +1,127 @@
 
 <file path=ppt/presentation.xml><?xml version="1.0" encoding="utf-8"?>
-<p:presentation xmlns:a="http://schemas.openxmlformats.org/drawingml/2006/main" xmlns:p="http://schemas.openxmlformats.org/presentationml/2006/main" xmlns:r="http://schemas.openxmlformats.org/officeDocument/2006/relationships" xmlns:p14="http://schemas.microsoft.com/office/powerpoint/2010/main" xmlns:p15="http://schemas.microsoft.com/office/powerpoint/2012/main" xmlns:mc="http://schemas.openxmlformats.org/markup-compatibility/2006">
+<p:presentation xmlns:a="http://schemas.openxmlformats.org/drawingml/2006/main" xmlns:r="http://schemas.openxmlformats.org/officeDocument/2006/relationships" xmlns:p="http://schemas.openxmlformats.org/presentationml/2006/main">
   <p:sldMasterIdLst>
-    <p:sldMasterId id="2147483648" r:id="rId2"/>
-    <p:sldMasterId id="2147483661" r:id="rId3"/>
+    <p:sldMasterId id="2147483648" r:id="rId1"/>
+    <p:sldMasterId id="2147483661" r:id="rId2"/>
   </p:sldMasterIdLst>
   <p:sldIdLst>
-    <p:sldId id="256" r:id="rId4"/>
-    <p:sldId id="257" r:id="rId5"/>
-    <p:sldId id="258" r:id="rId6"/>
-    <p:sldId id="259" r:id="rId7"/>
-    <p:sldId id="260" r:id="rId8"/>
-    <p:sldId id="261" r:id="rId9"/>
-    <p:sldId id="262" r:id="rId10"/>
-    <p:sldId id="263" r:id="rId11"/>
-    <p:sldId id="264" r:id="rId12"/>
+    <p:sldId id="256" r:id="rId3"/>
+    <p:sldId id="257" r:id="rId4"/>
+    <p:sldId id="258" r:id="rId5"/>
+    <p:sldId id="259" r:id="rId6"/>
+    <p:sldId id="260" r:id="rId7"/>
+    <p:sldId id="261" r:id="rId8"/>
+    <p:sldId id="262" r:id="rId9"/>
+    <p:sldId id="263" r:id="rId10"/>
+    <p:sldId id="264" r:id="rId11"/>
   </p:sldIdLst>
   <p:sldSz cx="12192000" cy="6858000"/>
   <p:notesSz cx="7772400" cy="10058400"/>
+  <p:defaultTextStyle>
+    <a:defPPr>
+      <a:defRPr lang="en-US"/>
+    </a:defPPr>
+    <a:lvl1pPr marL="0" algn="l" defTabSz="914400" rtl="0" eaLnBrk="1" latinLnBrk="0" hangingPunct="1">
+      <a:defRPr sz="1800" kern="1200">
+        <a:solidFill>
+          <a:schemeClr val="tx1"/>
+        </a:solidFill>
+        <a:latin typeface="+mn-lt"/>
+        <a:ea typeface="+mn-ea"/>
+        <a:cs typeface="+mn-cs"/>
+      </a:defRPr>
+    </a:lvl1pPr>
+    <a:lvl2pPr marL="457200" algn="l" defTabSz="914400" rtl="0" eaLnBrk="1" latinLnBrk="0" hangingPunct="1">
+      <a:defRPr sz="1800" kern="1200">
+        <a:solidFill>
+          <a:schemeClr val="tx1"/>
+        </a:solidFill>
+        <a:latin typeface="+mn-lt"/>
+        <a:ea typeface="+mn-ea"/>
+        <a:cs typeface="+mn-cs"/>
+      </a:defRPr>
+    </a:lvl2pPr>
+    <a:lvl3pPr marL="914400" algn="l" defTabSz="914400" rtl="0" eaLnBrk="1" latinLnBrk="0" hangingPunct="1">
+      <a:defRPr sz="1800" kern="1200">
+        <a:solidFill>
+          <a:schemeClr val="tx1"/>
+        </a:solidFill>
+        <a:latin typeface="+mn-lt"/>
+        <a:ea typeface="+mn-ea"/>
+        <a:cs typeface="+mn-cs"/>
+      </a:defRPr>
+    </a:lvl3pPr>
+    <a:lvl4pPr marL="1371600" algn="l" defTabSz="914400" rtl="0" eaLnBrk="1" latinLnBrk="0" hangingPunct="1">
+      <a:defRPr sz="1800" kern="1200">
+        <a:solidFill>
+          <a:schemeClr val="tx1"/>
+        </a:solidFill>
+        <a:latin typeface="+mn-lt"/>
+        <a:ea typeface="+mn-ea"/>
+        <a:cs typeface="+mn-cs"/>
+      </a:defRPr>
+    </a:lvl4pPr>
+    <a:lvl5pPr marL="1828800" algn="l" defTabSz="914400" rtl="0" eaLnBrk="1" latinLnBrk="0" hangingPunct="1">
+      <a:defRPr sz="1800" kern="1200">
+        <a:solidFill>
+          <a:schemeClr val="tx1"/>
+        </a:solidFill>
+        <a:latin typeface="+mn-lt"/>
+        <a:ea typeface="+mn-ea"/>
+        <a:cs typeface="+mn-cs"/>
+      </a:defRPr>
+    </a:lvl5pPr>
+    <a:lvl6pPr marL="2286000" algn="l" defTabSz="914400" rtl="0" eaLnBrk="1" latinLnBrk="0" hangingPunct="1">
+      <a:defRPr sz="1800" kern="1200">
+        <a:solidFill>
+          <a:schemeClr val="tx1"/>
+        </a:solidFill>
+        <a:latin typeface="+mn-lt"/>
+        <a:ea typeface="+mn-ea"/>
+        <a:cs typeface="+mn-cs"/>
+      </a:defRPr>
+    </a:lvl6pPr>
+    <a:lvl7pPr marL="2743200" algn="l" defTabSz="914400" rtl="0" eaLnBrk="1" latinLnBrk="0" hangingPunct="1">
+      <a:defRPr sz="1800" kern="1200">
+        <a:solidFill>
+          <a:schemeClr val="tx1"/>
+        </a:solidFill>
+        <a:latin typeface="+mn-lt"/>
+        <a:ea typeface="+mn-ea"/>
+        <a:cs typeface="+mn-cs"/>
+      </a:defRPr>
+    </a:lvl7pPr>
+    <a:lvl8pPr marL="3200400" algn="l" defTabSz="914400" rtl="0" eaLnBrk="1" latinLnBrk="0" hangingPunct="1">
+      <a:defRPr sz="1800" kern="1200">
+        <a:solidFill>
+          <a:schemeClr val="tx1"/>
+        </a:solidFill>
+        <a:latin typeface="+mn-lt"/>
+        <a:ea typeface="+mn-ea"/>
+        <a:cs typeface="+mn-cs"/>
+      </a:defRPr>
+    </a:lvl8pPr>
+    <a:lvl9pPr marL="3657600" algn="l" defTabSz="914400" rtl="0" eaLnBrk="1" latinLnBrk="0" hangingPunct="1">
+      <a:defRPr sz="1800" kern="1200">
+        <a:solidFill>
+          <a:schemeClr val="tx1"/>
+        </a:solidFill>
+        <a:latin typeface="+mn-lt"/>
+        <a:ea typeface="+mn-ea"/>
+        <a:cs typeface="+mn-cs"/>
+      </a:defRPr>
+    </a:lvl9pPr>
+  </p:defaultTextStyle>
 </p:presentation>
 </file>
 
+<file path=ppt/revisionInfo.xml><?xml version="1.0" encoding="utf-8"?>
+<p1510:revInfo xmlns:a="http://schemas.openxmlformats.org/drawingml/2006/main" xmlns:r="http://schemas.openxmlformats.org/officeDocument/2006/relationships" xmlns:p1510="http://schemas.microsoft.com/office/powerpoint/2015/10/main"/>
+</file>
+
 <file path=ppt/slideLayouts/slideLayout1.xml><?xml version="1.0" encoding="utf-8"?>
-<p:sldLayout xmlns:a="http://schemas.openxmlformats.org/drawingml/2006/main" xmlns:p="http://schemas.openxmlformats.org/presentationml/2006/main" xmlns:r="http://schemas.openxmlformats.org/officeDocument/2006/relationships" xmlns:p14="http://schemas.microsoft.com/office/powerpoint/2010/main" xmlns:p15="http://schemas.microsoft.com/office/powerpoint/2012/main" xmlns:mc="http://schemas.openxmlformats.org/markup-compatibility/2006" type="blank" preserve="1">
+<p:sldLayout xmlns:a="http://schemas.openxmlformats.org/drawingml/2006/main" xmlns:r="http://schemas.openxmlformats.org/officeDocument/2006/relationships" xmlns:p="http://schemas.openxmlformats.org/presentationml/2006/main" type="blank" preserve="1">
   <p:cSld name="Blank Slide">
     <p:spTree>
       <p:nvGrpSpPr>
@@ -40,11 +139,14 @@
       </p:grpSpPr>
     </p:spTree>
   </p:cSld>
+  <p:clrMapOvr>
+    <a:masterClrMapping/>
+  </p:clrMapOvr>
 </p:sldLayout>
 </file>
 
 <file path=ppt/slideLayouts/slideLayout10.xml><?xml version="1.0" encoding="utf-8"?>
-<p:sldLayout xmlns:a="http://schemas.openxmlformats.org/drawingml/2006/main" xmlns:p="http://schemas.openxmlformats.org/presentationml/2006/main" xmlns:r="http://schemas.openxmlformats.org/officeDocument/2006/relationships" xmlns:p14="http://schemas.microsoft.com/office/powerpoint/2010/main" xmlns:p15="http://schemas.microsoft.com/office/powerpoint/2012/main" xmlns:mc="http://schemas.openxmlformats.org/markup-compatibility/2006" type="objOverTx" preserve="1">
+<p:sldLayout xmlns:a="http://schemas.openxmlformats.org/drawingml/2006/main" xmlns:r="http://schemas.openxmlformats.org/officeDocument/2006/relationships" xmlns:p="http://schemas.openxmlformats.org/presentationml/2006/main" type="objOverTx" preserve="1">
   <p:cSld name="Title, Content over Content">
     <p:spTree>
       <p:nvGrpSpPr>
@@ -80,15 +182,16 @@
           </a:prstGeom>
         </p:spPr>
         <p:txBody>
-          <a:bodyPr lIns="0" rIns="0" tIns="0" bIns="0" anchor="ctr"/>
-          <a:p>
-            <a:endParaRPr b="0" lang="en-US" sz="1800" spc="-1" strike="noStrike">
+          <a:bodyPr lIns="0" tIns="0" rIns="0" bIns="0" anchor="ctr"/>
+          <a:lstStyle/>
+          <a:p>
+            <a:endParaRPr lang="en-US" sz="1800" b="0" strike="noStrike" spc="-1">
               <a:solidFill>
                 <a:srgbClr val="000000"/>
               </a:solidFill>
               <a:uFill>
                 <a:solidFill>
-                  <a:srgbClr val="ffffff"/>
+                  <a:srgbClr val="FFFFFF"/>
                 </a:solidFill>
               </a:uFill>
               <a:latin typeface="Corbel"/>
@@ -116,15 +219,16 @@
           </a:prstGeom>
         </p:spPr>
         <p:txBody>
-          <a:bodyPr lIns="0" rIns="0" tIns="0" bIns="0"/>
-          <a:p>
-            <a:endParaRPr b="0" lang="en-US" sz="2000" spc="-1" strike="noStrike">
+          <a:bodyPr lIns="0" tIns="0" rIns="0" bIns="0"/>
+          <a:lstStyle/>
+          <a:p>
+            <a:endParaRPr lang="en-US" sz="2000" b="0" strike="noStrike" spc="-1">
               <a:solidFill>
                 <a:srgbClr val="262626"/>
               </a:solidFill>
               <a:uFill>
                 <a:solidFill>
-                  <a:srgbClr val="ffffff"/>
+                  <a:srgbClr val="FFFFFF"/>
                 </a:solidFill>
               </a:uFill>
               <a:latin typeface="Corbel"/>
@@ -152,15 +256,16 @@
           </a:prstGeom>
         </p:spPr>
         <p:txBody>
-          <a:bodyPr lIns="0" rIns="0" tIns="0" bIns="0"/>
-          <a:p>
-            <a:endParaRPr b="0" lang="en-US" sz="2000" spc="-1" strike="noStrike">
+          <a:bodyPr lIns="0" tIns="0" rIns="0" bIns="0"/>
+          <a:lstStyle/>
+          <a:p>
+            <a:endParaRPr lang="en-US" sz="2000" b="0" strike="noStrike" spc="-1">
               <a:solidFill>
                 <a:srgbClr val="262626"/>
               </a:solidFill>
               <a:uFill>
                 <a:solidFill>
-                  <a:srgbClr val="ffffff"/>
+                  <a:srgbClr val="FFFFFF"/>
                 </a:solidFill>
               </a:uFill>
               <a:latin typeface="Corbel"/>
@@ -170,11 +275,14 @@
       </p:sp>
     </p:spTree>
   </p:cSld>
+  <p:clrMapOvr>
+    <a:masterClrMapping/>
+  </p:clrMapOvr>
 </p:sldLayout>
 </file>
 
 <file path=ppt/slideLayouts/slideLayout11.xml><?xml version="1.0" encoding="utf-8"?>
-<p:sldLayout xmlns:a="http://schemas.openxmlformats.org/drawingml/2006/main" xmlns:p="http://schemas.openxmlformats.org/presentationml/2006/main" xmlns:r="http://schemas.openxmlformats.org/officeDocument/2006/relationships" xmlns:p14="http://schemas.microsoft.com/office/powerpoint/2010/main" xmlns:p15="http://schemas.microsoft.com/office/powerpoint/2012/main" xmlns:mc="http://schemas.openxmlformats.org/markup-compatibility/2006" type="fourObj" preserve="1">
+<p:sldLayout xmlns:a="http://schemas.openxmlformats.org/drawingml/2006/main" xmlns:r="http://schemas.openxmlformats.org/officeDocument/2006/relationships" xmlns:p="http://schemas.openxmlformats.org/presentationml/2006/main" type="fourObj" preserve="1">
   <p:cSld name="Title, 4 Content">
     <p:spTree>
       <p:nvGrpSpPr>
@@ -210,15 +318,16 @@
           </a:prstGeom>
         </p:spPr>
         <p:txBody>
-          <a:bodyPr lIns="0" rIns="0" tIns="0" bIns="0" anchor="ctr"/>
-          <a:p>
-            <a:endParaRPr b="0" lang="en-US" sz="1800" spc="-1" strike="noStrike">
+          <a:bodyPr lIns="0" tIns="0" rIns="0" bIns="0" anchor="ctr"/>
+          <a:lstStyle/>
+          <a:p>
+            <a:endParaRPr lang="en-US" sz="1800" b="0" strike="noStrike" spc="-1">
               <a:solidFill>
                 <a:srgbClr val="000000"/>
               </a:solidFill>
               <a:uFill>
                 <a:solidFill>
-                  <a:srgbClr val="ffffff"/>
+                  <a:srgbClr val="FFFFFF"/>
                 </a:solidFill>
               </a:uFill>
               <a:latin typeface="Corbel"/>
@@ -246,15 +355,16 @@
           </a:prstGeom>
         </p:spPr>
         <p:txBody>
-          <a:bodyPr lIns="0" rIns="0" tIns="0" bIns="0"/>
-          <a:p>
-            <a:endParaRPr b="0" lang="en-US" sz="2000" spc="-1" strike="noStrike">
+          <a:bodyPr lIns="0" tIns="0" rIns="0" bIns="0"/>
+          <a:lstStyle/>
+          <a:p>
+            <a:endParaRPr lang="en-US" sz="2000" b="0" strike="noStrike" spc="-1">
               <a:solidFill>
                 <a:srgbClr val="262626"/>
               </a:solidFill>
               <a:uFill>
                 <a:solidFill>
-                  <a:srgbClr val="ffffff"/>
+                  <a:srgbClr val="FFFFFF"/>
                 </a:solidFill>
               </a:uFill>
               <a:latin typeface="Corbel"/>
@@ -282,15 +392,16 @@
           </a:prstGeom>
         </p:spPr>
         <p:txBody>
-          <a:bodyPr lIns="0" rIns="0" tIns="0" bIns="0"/>
-          <a:p>
-            <a:endParaRPr b="0" lang="en-US" sz="2000" spc="-1" strike="noStrike">
+          <a:bodyPr lIns="0" tIns="0" rIns="0" bIns="0"/>
+          <a:lstStyle/>
+          <a:p>
+            <a:endParaRPr lang="en-US" sz="2000" b="0" strike="noStrike" spc="-1">
               <a:solidFill>
                 <a:srgbClr val="262626"/>
               </a:solidFill>
               <a:uFill>
                 <a:solidFill>
-                  <a:srgbClr val="ffffff"/>
+                  <a:srgbClr val="FFFFFF"/>
                 </a:solidFill>
               </a:uFill>
               <a:latin typeface="Corbel"/>
@@ -318,15 +429,16 @@
           </a:prstGeom>
         </p:spPr>
         <p:txBody>
-          <a:bodyPr lIns="0" rIns="0" tIns="0" bIns="0"/>
-          <a:p>
-            <a:endParaRPr b="0" lang="en-US" sz="2000" spc="-1" strike="noStrike">
+          <a:bodyPr lIns="0" tIns="0" rIns="0" bIns="0"/>
+          <a:lstStyle/>
+          <a:p>
+            <a:endParaRPr lang="en-US" sz="2000" b="0" strike="noStrike" spc="-1">
               <a:solidFill>
                 <a:srgbClr val="262626"/>
               </a:solidFill>
               <a:uFill>
                 <a:solidFill>
-                  <a:srgbClr val="ffffff"/>
+                  <a:srgbClr val="FFFFFF"/>
                 </a:solidFill>
               </a:uFill>
               <a:latin typeface="Corbel"/>
@@ -354,15 +466,16 @@
           </a:prstGeom>
         </p:spPr>
         <p:txBody>
-          <a:bodyPr lIns="0" rIns="0" tIns="0" bIns="0"/>
-          <a:p>
-            <a:endParaRPr b="0" lang="en-US" sz="2000" spc="-1" strike="noStrike">
+          <a:bodyPr lIns="0" tIns="0" rIns="0" bIns="0"/>
+          <a:lstStyle/>
+          <a:p>
+            <a:endParaRPr lang="en-US" sz="2000" b="0" strike="noStrike" spc="-1">
               <a:solidFill>
                 <a:srgbClr val="262626"/>
               </a:solidFill>
               <a:uFill>
                 <a:solidFill>
-                  <a:srgbClr val="ffffff"/>
+                  <a:srgbClr val="FFFFFF"/>
                 </a:solidFill>
               </a:uFill>
               <a:latin typeface="Corbel"/>
@@ -372,11 +485,14 @@
       </p:sp>
     </p:spTree>
   </p:cSld>
+  <p:clrMapOvr>
+    <a:masterClrMapping/>
+  </p:clrMapOvr>
 </p:sldLayout>
 </file>
 
 <file path=ppt/slideLayouts/slideLayout12.xml><?xml version="1.0" encoding="utf-8"?>
-<p:sldLayout xmlns:a="http://schemas.openxmlformats.org/drawingml/2006/main" xmlns:p="http://schemas.openxmlformats.org/presentationml/2006/main" xmlns:r="http://schemas.openxmlformats.org/officeDocument/2006/relationships" xmlns:p14="http://schemas.microsoft.com/office/powerpoint/2010/main" xmlns:p15="http://schemas.microsoft.com/office/powerpoint/2012/main" xmlns:mc="http://schemas.openxmlformats.org/markup-compatibility/2006" type="blank" preserve="1">
+<p:sldLayout xmlns:a="http://schemas.openxmlformats.org/drawingml/2006/main" xmlns:r="http://schemas.openxmlformats.org/officeDocument/2006/relationships" xmlns:p="http://schemas.openxmlformats.org/presentationml/2006/main" type="blank" preserve="1">
   <p:cSld name="Title, 6 Content">
     <p:spTree>
       <p:nvGrpSpPr>
@@ -412,15 +528,16 @@
           </a:prstGeom>
         </p:spPr>
         <p:txBody>
-          <a:bodyPr lIns="0" rIns="0" tIns="0" bIns="0" anchor="ctr"/>
-          <a:p>
-            <a:endParaRPr b="0" lang="en-US" sz="1800" spc="-1" strike="noStrike">
+          <a:bodyPr lIns="0" tIns="0" rIns="0" bIns="0" anchor="ctr"/>
+          <a:lstStyle/>
+          <a:p>
+            <a:endParaRPr lang="en-US" sz="1800" b="0" strike="noStrike" spc="-1">
               <a:solidFill>
                 <a:srgbClr val="000000"/>
               </a:solidFill>
               <a:uFill>
                 <a:solidFill>
-                  <a:srgbClr val="ffffff"/>
+                  <a:srgbClr val="FFFFFF"/>
                 </a:solidFill>
               </a:uFill>
               <a:latin typeface="Corbel"/>
@@ -448,15 +565,16 @@
           </a:prstGeom>
         </p:spPr>
         <p:txBody>
-          <a:bodyPr lIns="0" rIns="0" tIns="0" bIns="0"/>
-          <a:p>
-            <a:endParaRPr b="0" lang="en-US" sz="2000" spc="-1" strike="noStrike">
+          <a:bodyPr lIns="0" tIns="0" rIns="0" bIns="0"/>
+          <a:lstStyle/>
+          <a:p>
+            <a:endParaRPr lang="en-US" sz="2000" b="0" strike="noStrike" spc="-1">
               <a:solidFill>
                 <a:srgbClr val="262626"/>
               </a:solidFill>
               <a:uFill>
                 <a:solidFill>
-                  <a:srgbClr val="ffffff"/>
+                  <a:srgbClr val="FFFFFF"/>
                 </a:solidFill>
               </a:uFill>
               <a:latin typeface="Corbel"/>
@@ -484,15 +602,16 @@
           </a:prstGeom>
         </p:spPr>
         <p:txBody>
-          <a:bodyPr lIns="0" rIns="0" tIns="0" bIns="0"/>
-          <a:p>
-            <a:endParaRPr b="0" lang="en-US" sz="2000" spc="-1" strike="noStrike">
+          <a:bodyPr lIns="0" tIns="0" rIns="0" bIns="0"/>
+          <a:lstStyle/>
+          <a:p>
+            <a:endParaRPr lang="en-US" sz="2000" b="0" strike="noStrike" spc="-1">
               <a:solidFill>
                 <a:srgbClr val="262626"/>
               </a:solidFill>
               <a:uFill>
                 <a:solidFill>
-                  <a:srgbClr val="ffffff"/>
+                  <a:srgbClr val="FFFFFF"/>
                 </a:solidFill>
               </a:uFill>
               <a:latin typeface="Corbel"/>
@@ -502,7 +621,7 @@
       </p:sp>
       <p:pic>
         <p:nvPicPr>
-          <p:cNvPr id="41" name="" descr=""/>
+          <p:cNvPr id="41" name="Picture 40"/>
           <p:cNvPicPr/>
           <p:nvPr/>
         </p:nvPicPr>
@@ -525,12 +644,12 @@
       </p:pic>
       <p:pic>
         <p:nvPicPr>
-          <p:cNvPr id="42" name="" descr=""/>
+          <p:cNvPr id="42" name="Picture 41"/>
           <p:cNvPicPr/>
           <p:nvPr/>
         </p:nvPicPr>
         <p:blipFill>
-          <a:blip r:embed="rId3"/>
+          <a:blip r:embed="rId2"/>
           <a:stretch/>
         </p:blipFill>
         <p:spPr>
@@ -548,11 +667,14 @@
       </p:pic>
     </p:spTree>
   </p:cSld>
+  <p:clrMapOvr>
+    <a:masterClrMapping/>
+  </p:clrMapOvr>
 </p:sldLayout>
 </file>
 
 <file path=ppt/slideLayouts/slideLayout13.xml><?xml version="1.0" encoding="utf-8"?>
-<p:sldLayout xmlns:a="http://schemas.openxmlformats.org/drawingml/2006/main" xmlns:p="http://schemas.openxmlformats.org/presentationml/2006/main" xmlns:r="http://schemas.openxmlformats.org/officeDocument/2006/relationships" xmlns:p14="http://schemas.microsoft.com/office/powerpoint/2010/main" xmlns:p15="http://schemas.microsoft.com/office/powerpoint/2012/main" xmlns:mc="http://schemas.openxmlformats.org/markup-compatibility/2006" type="blank" preserve="1">
+<p:sldLayout xmlns:a="http://schemas.openxmlformats.org/drawingml/2006/main" xmlns:r="http://schemas.openxmlformats.org/officeDocument/2006/relationships" xmlns:p="http://schemas.openxmlformats.org/presentationml/2006/main" type="blank" preserve="1">
   <p:cSld name="Blank Slide">
     <p:spTree>
       <p:nvGrpSpPr>
@@ -570,11 +692,14 @@
       </p:grpSpPr>
     </p:spTree>
   </p:cSld>
+  <p:clrMapOvr>
+    <a:masterClrMapping/>
+  </p:clrMapOvr>
 </p:sldLayout>
 </file>
 
 <file path=ppt/slideLayouts/slideLayout14.xml><?xml version="1.0" encoding="utf-8"?>
-<p:sldLayout xmlns:a="http://schemas.openxmlformats.org/drawingml/2006/main" xmlns:p="http://schemas.openxmlformats.org/presentationml/2006/main" xmlns:r="http://schemas.openxmlformats.org/officeDocument/2006/relationships" xmlns:p14="http://schemas.microsoft.com/office/powerpoint/2010/main" xmlns:p15="http://schemas.microsoft.com/office/powerpoint/2012/main" xmlns:mc="http://schemas.openxmlformats.org/markup-compatibility/2006" type="tx" preserve="1">
+<p:sldLayout xmlns:a="http://schemas.openxmlformats.org/drawingml/2006/main" xmlns:r="http://schemas.openxmlformats.org/officeDocument/2006/relationships" xmlns:p="http://schemas.openxmlformats.org/presentationml/2006/main" type="tx" preserve="1">
   <p:cSld name="Title Slide">
     <p:spTree>
       <p:nvGrpSpPr>
@@ -610,15 +735,16 @@
           </a:prstGeom>
         </p:spPr>
         <p:txBody>
-          <a:bodyPr lIns="0" rIns="0" tIns="0" bIns="0" anchor="ctr"/>
-          <a:p>
-            <a:endParaRPr b="0" lang="en-US" sz="1800" spc="-1" strike="noStrike">
+          <a:bodyPr lIns="0" tIns="0" rIns="0" bIns="0" anchor="ctr"/>
+          <a:lstStyle/>
+          <a:p>
+            <a:endParaRPr lang="en-US" sz="1800" b="0" strike="noStrike" spc="-1">
               <a:solidFill>
                 <a:srgbClr val="000000"/>
               </a:solidFill>
               <a:uFill>
                 <a:solidFill>
-                  <a:srgbClr val="ffffff"/>
+                  <a:srgbClr val="FFFFFF"/>
                 </a:solidFill>
               </a:uFill>
               <a:latin typeface="Corbel"/>
@@ -646,16 +772,17 @@
           </a:prstGeom>
         </p:spPr>
         <p:txBody>
-          <a:bodyPr lIns="0" rIns="0" tIns="0" bIns="0" anchor="ctr"/>
+          <a:bodyPr lIns="0" tIns="0" rIns="0" bIns="0" anchor="ctr"/>
+          <a:lstStyle/>
           <a:p>
             <a:pPr algn="ctr"/>
-            <a:endParaRPr b="0" lang="en-US" sz="3200" spc="-1" strike="noStrike">
+            <a:endParaRPr lang="en-US" sz="3200" b="0" strike="noStrike" spc="-1">
               <a:solidFill>
                 <a:srgbClr val="000000"/>
               </a:solidFill>
               <a:uFill>
                 <a:solidFill>
-                  <a:srgbClr val="ffffff"/>
+                  <a:srgbClr val="FFFFFF"/>
                 </a:solidFill>
               </a:uFill>
               <a:latin typeface="Arial"/>
@@ -665,11 +792,14 @@
       </p:sp>
     </p:spTree>
   </p:cSld>
+  <p:clrMapOvr>
+    <a:masterClrMapping/>
+  </p:clrMapOvr>
 </p:sldLayout>
 </file>
 
 <file path=ppt/slideLayouts/slideLayout15.xml><?xml version="1.0" encoding="utf-8"?>
-<p:sldLayout xmlns:a="http://schemas.openxmlformats.org/drawingml/2006/main" xmlns:p="http://schemas.openxmlformats.org/presentationml/2006/main" xmlns:r="http://schemas.openxmlformats.org/officeDocument/2006/relationships" xmlns:p14="http://schemas.microsoft.com/office/powerpoint/2010/main" xmlns:p15="http://schemas.microsoft.com/office/powerpoint/2012/main" xmlns:mc="http://schemas.openxmlformats.org/markup-compatibility/2006" type="obj" preserve="1">
+<p:sldLayout xmlns:a="http://schemas.openxmlformats.org/drawingml/2006/main" xmlns:r="http://schemas.openxmlformats.org/officeDocument/2006/relationships" xmlns:p="http://schemas.openxmlformats.org/presentationml/2006/main" type="obj" preserve="1">
   <p:cSld name="Title, Content">
     <p:spTree>
       <p:nvGrpSpPr>
@@ -705,15 +835,16 @@
           </a:prstGeom>
         </p:spPr>
         <p:txBody>
-          <a:bodyPr lIns="0" rIns="0" tIns="0" bIns="0" anchor="ctr"/>
-          <a:p>
-            <a:endParaRPr b="0" lang="en-US" sz="1800" spc="-1" strike="noStrike">
+          <a:bodyPr lIns="0" tIns="0" rIns="0" bIns="0" anchor="ctr"/>
+          <a:lstStyle/>
+          <a:p>
+            <a:endParaRPr lang="en-US" sz="1800" b="0" strike="noStrike" spc="-1">
               <a:solidFill>
                 <a:srgbClr val="000000"/>
               </a:solidFill>
               <a:uFill>
                 <a:solidFill>
-                  <a:srgbClr val="ffffff"/>
+                  <a:srgbClr val="FFFFFF"/>
                 </a:solidFill>
               </a:uFill>
               <a:latin typeface="Corbel"/>
@@ -741,15 +872,16 @@
           </a:prstGeom>
         </p:spPr>
         <p:txBody>
-          <a:bodyPr lIns="0" rIns="0" tIns="0" bIns="0"/>
-          <a:p>
-            <a:endParaRPr b="0" lang="en-US" sz="2000" spc="-1" strike="noStrike">
+          <a:bodyPr lIns="0" tIns="0" rIns="0" bIns="0"/>
+          <a:lstStyle/>
+          <a:p>
+            <a:endParaRPr lang="en-US" sz="2000" b="0" strike="noStrike" spc="-1">
               <a:solidFill>
                 <a:srgbClr val="262626"/>
               </a:solidFill>
               <a:uFill>
                 <a:solidFill>
-                  <a:srgbClr val="ffffff"/>
+                  <a:srgbClr val="FFFFFF"/>
                 </a:solidFill>
               </a:uFill>
               <a:latin typeface="Corbel"/>
@@ -759,11 +891,14 @@
       </p:sp>
     </p:spTree>
   </p:cSld>
+  <p:clrMapOvr>
+    <a:masterClrMapping/>
+  </p:clrMapOvr>
 </p:sldLayout>
 </file>
 
 <file path=ppt/slideLayouts/slideLayout16.xml><?xml version="1.0" encoding="utf-8"?>
-<p:sldLayout xmlns:a="http://schemas.openxmlformats.org/drawingml/2006/main" xmlns:p="http://schemas.openxmlformats.org/presentationml/2006/main" xmlns:r="http://schemas.openxmlformats.org/officeDocument/2006/relationships" xmlns:p14="http://schemas.microsoft.com/office/powerpoint/2010/main" xmlns:p15="http://schemas.microsoft.com/office/powerpoint/2012/main" xmlns:mc="http://schemas.openxmlformats.org/markup-compatibility/2006" type="twoObj" preserve="1">
+<p:sldLayout xmlns:a="http://schemas.openxmlformats.org/drawingml/2006/main" xmlns:r="http://schemas.openxmlformats.org/officeDocument/2006/relationships" xmlns:p="http://schemas.openxmlformats.org/presentationml/2006/main" type="twoObj" preserve="1">
   <p:cSld name="Title, 2 Content">
     <p:spTree>
       <p:nvGrpSpPr>
@@ -799,15 +934,16 @@
           </a:prstGeom>
         </p:spPr>
         <p:txBody>
-          <a:bodyPr lIns="0" rIns="0" tIns="0" bIns="0" anchor="ctr"/>
-          <a:p>
-            <a:endParaRPr b="0" lang="en-US" sz="1800" spc="-1" strike="noStrike">
+          <a:bodyPr lIns="0" tIns="0" rIns="0" bIns="0" anchor="ctr"/>
+          <a:lstStyle/>
+          <a:p>
+            <a:endParaRPr lang="en-US" sz="1800" b="0" strike="noStrike" spc="-1">
               <a:solidFill>
                 <a:srgbClr val="000000"/>
               </a:solidFill>
               <a:uFill>
                 <a:solidFill>
-                  <a:srgbClr val="ffffff"/>
+                  <a:srgbClr val="FFFFFF"/>
                 </a:solidFill>
               </a:uFill>
               <a:latin typeface="Corbel"/>
@@ -835,15 +971,16 @@
           </a:prstGeom>
         </p:spPr>
         <p:txBody>
-          <a:bodyPr lIns="0" rIns="0" tIns="0" bIns="0"/>
-          <a:p>
-            <a:endParaRPr b="0" lang="en-US" sz="2000" spc="-1" strike="noStrike">
+          <a:bodyPr lIns="0" tIns="0" rIns="0" bIns="0"/>
+          <a:lstStyle/>
+          <a:p>
+            <a:endParaRPr lang="en-US" sz="2000" b="0" strike="noStrike" spc="-1">
               <a:solidFill>
                 <a:srgbClr val="262626"/>
               </a:solidFill>
               <a:uFill>
                 <a:solidFill>
-                  <a:srgbClr val="ffffff"/>
+                  <a:srgbClr val="FFFFFF"/>
                 </a:solidFill>
               </a:uFill>
               <a:latin typeface="Corbel"/>
@@ -871,15 +1008,16 @@
           </a:prstGeom>
         </p:spPr>
         <p:txBody>
-          <a:bodyPr lIns="0" rIns="0" tIns="0" bIns="0"/>
-          <a:p>
-            <a:endParaRPr b="0" lang="en-US" sz="2000" spc="-1" strike="noStrike">
+          <a:bodyPr lIns="0" tIns="0" rIns="0" bIns="0"/>
+          <a:lstStyle/>
+          <a:p>
+            <a:endParaRPr lang="en-US" sz="2000" b="0" strike="noStrike" spc="-1">
               <a:solidFill>
                 <a:srgbClr val="262626"/>
               </a:solidFill>
               <a:uFill>
                 <a:solidFill>
-                  <a:srgbClr val="ffffff"/>
+                  <a:srgbClr val="FFFFFF"/>
                 </a:solidFill>
               </a:uFill>
               <a:latin typeface="Corbel"/>
@@ -889,11 +1027,14 @@
       </p:sp>
     </p:spTree>
   </p:cSld>
+  <p:clrMapOvr>
+    <a:masterClrMapping/>
+  </p:clrMapOvr>
 </p:sldLayout>
 </file>
 
 <file path=ppt/slideLayouts/slideLayout17.xml><?xml version="1.0" encoding="utf-8"?>
-<p:sldLayout xmlns:a="http://schemas.openxmlformats.org/drawingml/2006/main" xmlns:p="http://schemas.openxmlformats.org/presentationml/2006/main" xmlns:r="http://schemas.openxmlformats.org/officeDocument/2006/relationships" xmlns:p14="http://schemas.microsoft.com/office/powerpoint/2010/main" xmlns:p15="http://schemas.microsoft.com/office/powerpoint/2012/main" xmlns:mc="http://schemas.openxmlformats.org/markup-compatibility/2006" type="titleOnly" preserve="1">
+<p:sldLayout xmlns:a="http://schemas.openxmlformats.org/drawingml/2006/main" xmlns:r="http://schemas.openxmlformats.org/officeDocument/2006/relationships" xmlns:p="http://schemas.openxmlformats.org/presentationml/2006/main" type="titleOnly" preserve="1">
   <p:cSld name="Title Only">
     <p:spTree>
       <p:nvGrpSpPr>
@@ -929,15 +1070,16 @@
           </a:prstGeom>
         </p:spPr>
         <p:txBody>
-          <a:bodyPr lIns="0" rIns="0" tIns="0" bIns="0" anchor="ctr"/>
-          <a:p>
-            <a:endParaRPr b="0" lang="en-US" sz="1800" spc="-1" strike="noStrike">
+          <a:bodyPr lIns="0" tIns="0" rIns="0" bIns="0" anchor="ctr"/>
+          <a:lstStyle/>
+          <a:p>
+            <a:endParaRPr lang="en-US" sz="1800" b="0" strike="noStrike" spc="-1">
               <a:solidFill>
                 <a:srgbClr val="000000"/>
               </a:solidFill>
               <a:uFill>
                 <a:solidFill>
-                  <a:srgbClr val="ffffff"/>
+                  <a:srgbClr val="FFFFFF"/>
                 </a:solidFill>
               </a:uFill>
               <a:latin typeface="Corbel"/>
@@ -947,11 +1089,14 @@
       </p:sp>
     </p:spTree>
   </p:cSld>
+  <p:clrMapOvr>
+    <a:masterClrMapping/>
+  </p:clrMapOvr>
 </p:sldLayout>
 </file>
 
 <file path=ppt/slideLayouts/slideLayout18.xml><?xml version="1.0" encoding="utf-8"?>
-<p:sldLayout xmlns:a="http://schemas.openxmlformats.org/drawingml/2006/main" xmlns:p="http://schemas.openxmlformats.org/presentationml/2006/main" xmlns:r="http://schemas.openxmlformats.org/officeDocument/2006/relationships" xmlns:p14="http://schemas.microsoft.com/office/powerpoint/2010/main" xmlns:p15="http://schemas.microsoft.com/office/powerpoint/2012/main" xmlns:mc="http://schemas.openxmlformats.org/markup-compatibility/2006" type="objOnly" preserve="1">
+<p:sldLayout xmlns:a="http://schemas.openxmlformats.org/drawingml/2006/main" xmlns:r="http://schemas.openxmlformats.org/officeDocument/2006/relationships" xmlns:p="http://schemas.openxmlformats.org/presentationml/2006/main" type="objOnly" preserve="1">
   <p:cSld name="Centered Text">
     <p:spTree>
       <p:nvGrpSpPr>
@@ -987,16 +1132,17 @@
           </a:prstGeom>
         </p:spPr>
         <p:txBody>
-          <a:bodyPr lIns="0" rIns="0" tIns="0" bIns="0" anchor="ctr"/>
+          <a:bodyPr lIns="0" tIns="0" rIns="0" bIns="0" anchor="ctr"/>
+          <a:lstStyle/>
           <a:p>
             <a:pPr algn="ctr"/>
-            <a:endParaRPr b="0" lang="en-US" sz="3200" spc="-1" strike="noStrike">
+            <a:endParaRPr lang="en-US" sz="3200" b="0" strike="noStrike" spc="-1">
               <a:solidFill>
                 <a:srgbClr val="000000"/>
               </a:solidFill>
               <a:uFill>
                 <a:solidFill>
-                  <a:srgbClr val="ffffff"/>
+                  <a:srgbClr val="FFFFFF"/>
                 </a:solidFill>
               </a:uFill>
               <a:latin typeface="Arial"/>
@@ -1006,11 +1152,14 @@
       </p:sp>
     </p:spTree>
   </p:cSld>
+  <p:clrMapOvr>
+    <a:masterClrMapping/>
+  </p:clrMapOvr>
 </p:sldLayout>
 </file>
 
 <file path=ppt/slideLayouts/slideLayout19.xml><?xml version="1.0" encoding="utf-8"?>
-<p:sldLayout xmlns:a="http://schemas.openxmlformats.org/drawingml/2006/main" xmlns:p="http://schemas.openxmlformats.org/presentationml/2006/main" xmlns:r="http://schemas.openxmlformats.org/officeDocument/2006/relationships" xmlns:p14="http://schemas.microsoft.com/office/powerpoint/2010/main" xmlns:p15="http://schemas.microsoft.com/office/powerpoint/2012/main" xmlns:mc="http://schemas.openxmlformats.org/markup-compatibility/2006" type="twoObjAndObj" preserve="1">
+<p:sldLayout xmlns:a="http://schemas.openxmlformats.org/drawingml/2006/main" xmlns:r="http://schemas.openxmlformats.org/officeDocument/2006/relationships" xmlns:p="http://schemas.openxmlformats.org/presentationml/2006/main" type="twoObjAndObj" preserve="1">
   <p:cSld name="Title, 2 Content and Content">
     <p:spTree>
       <p:nvGrpSpPr>
@@ -1046,15 +1195,16 @@
           </a:prstGeom>
         </p:spPr>
         <p:txBody>
-          <a:bodyPr lIns="0" rIns="0" tIns="0" bIns="0" anchor="ctr"/>
-          <a:p>
-            <a:endParaRPr b="0" lang="en-US" sz="1800" spc="-1" strike="noStrike">
+          <a:bodyPr lIns="0" tIns="0" rIns="0" bIns="0" anchor="ctr"/>
+          <a:lstStyle/>
+          <a:p>
+            <a:endParaRPr lang="en-US" sz="1800" b="0" strike="noStrike" spc="-1">
               <a:solidFill>
                 <a:srgbClr val="000000"/>
               </a:solidFill>
               <a:uFill>
                 <a:solidFill>
-                  <a:srgbClr val="ffffff"/>
+                  <a:srgbClr val="FFFFFF"/>
                 </a:solidFill>
               </a:uFill>
               <a:latin typeface="Corbel"/>
@@ -1082,15 +1232,16 @@
           </a:prstGeom>
         </p:spPr>
         <p:txBody>
-          <a:bodyPr lIns="0" rIns="0" tIns="0" bIns="0"/>
-          <a:p>
-            <a:endParaRPr b="0" lang="en-US" sz="2000" spc="-1" strike="noStrike">
+          <a:bodyPr lIns="0" tIns="0" rIns="0" bIns="0"/>
+          <a:lstStyle/>
+          <a:p>
+            <a:endParaRPr lang="en-US" sz="2000" b="0" strike="noStrike" spc="-1">
               <a:solidFill>
                 <a:srgbClr val="262626"/>
               </a:solidFill>
               <a:uFill>
                 <a:solidFill>
-                  <a:srgbClr val="ffffff"/>
+                  <a:srgbClr val="FFFFFF"/>
                 </a:solidFill>
               </a:uFill>
               <a:latin typeface="Corbel"/>
@@ -1118,15 +1269,16 @@
           </a:prstGeom>
         </p:spPr>
         <p:txBody>
-          <a:bodyPr lIns="0" rIns="0" tIns="0" bIns="0"/>
-          <a:p>
-            <a:endParaRPr b="0" lang="en-US" sz="2000" spc="-1" strike="noStrike">
+          <a:bodyPr lIns="0" tIns="0" rIns="0" bIns="0"/>
+          <a:lstStyle/>
+          <a:p>
+            <a:endParaRPr lang="en-US" sz="2000" b="0" strike="noStrike" spc="-1">
               <a:solidFill>
                 <a:srgbClr val="262626"/>
               </a:solidFill>
               <a:uFill>
                 <a:solidFill>
-                  <a:srgbClr val="ffffff"/>
+                  <a:srgbClr val="FFFFFF"/>
                 </a:solidFill>
               </a:uFill>
               <a:latin typeface="Corbel"/>
@@ -1154,15 +1306,16 @@
           </a:prstGeom>
         </p:spPr>
         <p:txBody>
-          <a:bodyPr lIns="0" rIns="0" tIns="0" bIns="0"/>
-          <a:p>
-            <a:endParaRPr b="0" lang="en-US" sz="2000" spc="-1" strike="noStrike">
+          <a:bodyPr lIns="0" tIns="0" rIns="0" bIns="0"/>
+          <a:lstStyle/>
+          <a:p>
+            <a:endParaRPr lang="en-US" sz="2000" b="0" strike="noStrike" spc="-1">
               <a:solidFill>
                 <a:srgbClr val="262626"/>
               </a:solidFill>
               <a:uFill>
                 <a:solidFill>
-                  <a:srgbClr val="ffffff"/>
+                  <a:srgbClr val="FFFFFF"/>
                 </a:solidFill>
               </a:uFill>
               <a:latin typeface="Corbel"/>
@@ -1172,11 +1325,14 @@
       </p:sp>
     </p:spTree>
   </p:cSld>
+  <p:clrMapOvr>
+    <a:masterClrMapping/>
+  </p:clrMapOvr>
 </p:sldLayout>
 </file>
 
 <file path=ppt/slideLayouts/slideLayout2.xml><?xml version="1.0" encoding="utf-8"?>
-<p:sldLayout xmlns:a="http://schemas.openxmlformats.org/drawingml/2006/main" xmlns:p="http://schemas.openxmlformats.org/presentationml/2006/main" xmlns:r="http://schemas.openxmlformats.org/officeDocument/2006/relationships" xmlns:p14="http://schemas.microsoft.com/office/powerpoint/2010/main" xmlns:p15="http://schemas.microsoft.com/office/powerpoint/2012/main" xmlns:mc="http://schemas.openxmlformats.org/markup-compatibility/2006" type="tx" preserve="1">
+<p:sldLayout xmlns:a="http://schemas.openxmlformats.org/drawingml/2006/main" xmlns:r="http://schemas.openxmlformats.org/officeDocument/2006/relationships" xmlns:p="http://schemas.openxmlformats.org/presentationml/2006/main" type="tx" preserve="1">
   <p:cSld name="Title Slide">
     <p:spTree>
       <p:nvGrpSpPr>
@@ -1212,15 +1368,16 @@
           </a:prstGeom>
         </p:spPr>
         <p:txBody>
-          <a:bodyPr lIns="0" rIns="0" tIns="0" bIns="0" anchor="ctr"/>
-          <a:p>
-            <a:endParaRPr b="0" lang="en-US" sz="1800" spc="-1" strike="noStrike">
+          <a:bodyPr lIns="0" tIns="0" rIns="0" bIns="0" anchor="ctr"/>
+          <a:lstStyle/>
+          <a:p>
+            <a:endParaRPr lang="en-US" sz="1800" b="0" strike="noStrike" spc="-1">
               <a:solidFill>
                 <a:srgbClr val="000000"/>
               </a:solidFill>
               <a:uFill>
                 <a:solidFill>
-                  <a:srgbClr val="ffffff"/>
+                  <a:srgbClr val="FFFFFF"/>
                 </a:solidFill>
               </a:uFill>
               <a:latin typeface="Corbel"/>
@@ -1248,16 +1405,17 @@
           </a:prstGeom>
         </p:spPr>
         <p:txBody>
-          <a:bodyPr lIns="0" rIns="0" tIns="0" bIns="0" anchor="ctr"/>
+          <a:bodyPr lIns="0" tIns="0" rIns="0" bIns="0" anchor="ctr"/>
+          <a:lstStyle/>
           <a:p>
             <a:pPr algn="ctr"/>
-            <a:endParaRPr b="0" lang="en-US" sz="3200" spc="-1" strike="noStrike">
+            <a:endParaRPr lang="en-US" sz="3200" b="0" strike="noStrike" spc="-1">
               <a:solidFill>
-                <a:srgbClr val="ffffff"/>
+                <a:srgbClr val="FFFFFF"/>
               </a:solidFill>
               <a:uFill>
                 <a:solidFill>
-                  <a:srgbClr val="ffffff"/>
+                  <a:srgbClr val="FFFFFF"/>
                 </a:solidFill>
               </a:uFill>
               <a:latin typeface="Arial"/>
@@ -1267,11 +1425,14 @@
       </p:sp>
     </p:spTree>
   </p:cSld>
+  <p:clrMapOvr>
+    <a:masterClrMapping/>
+  </p:clrMapOvr>
 </p:sldLayout>
 </file>
 
 <file path=ppt/slideLayouts/slideLayout20.xml><?xml version="1.0" encoding="utf-8"?>
-<p:sldLayout xmlns:a="http://schemas.openxmlformats.org/drawingml/2006/main" xmlns:p="http://schemas.openxmlformats.org/presentationml/2006/main" xmlns:r="http://schemas.openxmlformats.org/officeDocument/2006/relationships" xmlns:p14="http://schemas.microsoft.com/office/powerpoint/2010/main" xmlns:p15="http://schemas.microsoft.com/office/powerpoint/2012/main" xmlns:mc="http://schemas.openxmlformats.org/markup-compatibility/2006" type="objAndTwoObj" preserve="1">
+<p:sldLayout xmlns:a="http://schemas.openxmlformats.org/drawingml/2006/main" xmlns:r="http://schemas.openxmlformats.org/officeDocument/2006/relationships" xmlns:p="http://schemas.openxmlformats.org/presentationml/2006/main" type="objAndTwoObj" preserve="1">
   <p:cSld name="Title Content and 2 Content">
     <p:spTree>
       <p:nvGrpSpPr>
@@ -1307,15 +1468,16 @@
           </a:prstGeom>
         </p:spPr>
         <p:txBody>
-          <a:bodyPr lIns="0" rIns="0" tIns="0" bIns="0" anchor="ctr"/>
-          <a:p>
-            <a:endParaRPr b="0" lang="en-US" sz="1800" spc="-1" strike="noStrike">
+          <a:bodyPr lIns="0" tIns="0" rIns="0" bIns="0" anchor="ctr"/>
+          <a:lstStyle/>
+          <a:p>
+            <a:endParaRPr lang="en-US" sz="1800" b="0" strike="noStrike" spc="-1">
               <a:solidFill>
                 <a:srgbClr val="000000"/>
               </a:solidFill>
               <a:uFill>
                 <a:solidFill>
-                  <a:srgbClr val="ffffff"/>
+                  <a:srgbClr val="FFFFFF"/>
                 </a:solidFill>
               </a:uFill>
               <a:latin typeface="Corbel"/>
@@ -1343,15 +1505,16 @@
           </a:prstGeom>
         </p:spPr>
         <p:txBody>
-          <a:bodyPr lIns="0" rIns="0" tIns="0" bIns="0"/>
-          <a:p>
-            <a:endParaRPr b="0" lang="en-US" sz="2000" spc="-1" strike="noStrike">
+          <a:bodyPr lIns="0" tIns="0" rIns="0" bIns="0"/>
+          <a:lstStyle/>
+          <a:p>
+            <a:endParaRPr lang="en-US" sz="2000" b="0" strike="noStrike" spc="-1">
               <a:solidFill>
                 <a:srgbClr val="262626"/>
               </a:solidFill>
               <a:uFill>
                 <a:solidFill>
-                  <a:srgbClr val="ffffff"/>
+                  <a:srgbClr val="FFFFFF"/>
                 </a:solidFill>
               </a:uFill>
               <a:latin typeface="Corbel"/>
@@ -1379,15 +1542,16 @@
           </a:prstGeom>
         </p:spPr>
         <p:txBody>
-          <a:bodyPr lIns="0" rIns="0" tIns="0" bIns="0"/>
-          <a:p>
-            <a:endParaRPr b="0" lang="en-US" sz="2000" spc="-1" strike="noStrike">
+          <a:bodyPr lIns="0" tIns="0" rIns="0" bIns="0"/>
+          <a:lstStyle/>
+          <a:p>
+            <a:endParaRPr lang="en-US" sz="2000" b="0" strike="noStrike" spc="-1">
               <a:solidFill>
                 <a:srgbClr val="262626"/>
               </a:solidFill>
               <a:uFill>
                 <a:solidFill>
-                  <a:srgbClr val="ffffff"/>
+                  <a:srgbClr val="FFFFFF"/>
                 </a:solidFill>
               </a:uFill>
               <a:latin typeface="Corbel"/>
@@ -1415,15 +1579,16 @@
           </a:prstGeom>
         </p:spPr>
         <p:txBody>
-          <a:bodyPr lIns="0" rIns="0" tIns="0" bIns="0"/>
-          <a:p>
-            <a:endParaRPr b="0" lang="en-US" sz="2000" spc="-1" strike="noStrike">
+          <a:bodyPr lIns="0" tIns="0" rIns="0" bIns="0"/>
+          <a:lstStyle/>
+          <a:p>
+            <a:endParaRPr lang="en-US" sz="2000" b="0" strike="noStrike" spc="-1">
               <a:solidFill>
                 <a:srgbClr val="262626"/>
               </a:solidFill>
               <a:uFill>
                 <a:solidFill>
-                  <a:srgbClr val="ffffff"/>
+                  <a:srgbClr val="FFFFFF"/>
                 </a:solidFill>
               </a:uFill>
               <a:latin typeface="Corbel"/>
@@ -1433,11 +1598,14 @@
       </p:sp>
     </p:spTree>
   </p:cSld>
+  <p:clrMapOvr>
+    <a:masterClrMapping/>
+  </p:clrMapOvr>
 </p:sldLayout>
 </file>
 
 <file path=ppt/slideLayouts/slideLayout21.xml><?xml version="1.0" encoding="utf-8"?>
-<p:sldLayout xmlns:a="http://schemas.openxmlformats.org/drawingml/2006/main" xmlns:p="http://schemas.openxmlformats.org/presentationml/2006/main" xmlns:r="http://schemas.openxmlformats.org/officeDocument/2006/relationships" xmlns:p14="http://schemas.microsoft.com/office/powerpoint/2010/main" xmlns:p15="http://schemas.microsoft.com/office/powerpoint/2012/main" xmlns:mc="http://schemas.openxmlformats.org/markup-compatibility/2006" type="twoObjOverTx" preserve="1">
+<p:sldLayout xmlns:a="http://schemas.openxmlformats.org/drawingml/2006/main" xmlns:r="http://schemas.openxmlformats.org/officeDocument/2006/relationships" xmlns:p="http://schemas.openxmlformats.org/presentationml/2006/main" type="twoObjOverTx" preserve="1">
   <p:cSld name="Title, 2 Content over Content">
     <p:spTree>
       <p:nvGrpSpPr>
@@ -1473,15 +1641,16 @@
           </a:prstGeom>
         </p:spPr>
         <p:txBody>
-          <a:bodyPr lIns="0" rIns="0" tIns="0" bIns="0" anchor="ctr"/>
-          <a:p>
-            <a:endParaRPr b="0" lang="en-US" sz="1800" spc="-1" strike="noStrike">
+          <a:bodyPr lIns="0" tIns="0" rIns="0" bIns="0" anchor="ctr"/>
+          <a:lstStyle/>
+          <a:p>
+            <a:endParaRPr lang="en-US" sz="1800" b="0" strike="noStrike" spc="-1">
               <a:solidFill>
                 <a:srgbClr val="000000"/>
               </a:solidFill>
               <a:uFill>
                 <a:solidFill>
-                  <a:srgbClr val="ffffff"/>
+                  <a:srgbClr val="FFFFFF"/>
                 </a:solidFill>
               </a:uFill>
               <a:latin typeface="Corbel"/>
@@ -1509,15 +1678,16 @@
           </a:prstGeom>
         </p:spPr>
         <p:txBody>
-          <a:bodyPr lIns="0" rIns="0" tIns="0" bIns="0"/>
-          <a:p>
-            <a:endParaRPr b="0" lang="en-US" sz="2000" spc="-1" strike="noStrike">
+          <a:bodyPr lIns="0" tIns="0" rIns="0" bIns="0"/>
+          <a:lstStyle/>
+          <a:p>
+            <a:endParaRPr lang="en-US" sz="2000" b="0" strike="noStrike" spc="-1">
               <a:solidFill>
                 <a:srgbClr val="262626"/>
               </a:solidFill>
               <a:uFill>
                 <a:solidFill>
-                  <a:srgbClr val="ffffff"/>
+                  <a:srgbClr val="FFFFFF"/>
                 </a:solidFill>
               </a:uFill>
               <a:latin typeface="Corbel"/>
@@ -1545,15 +1715,16 @@
           </a:prstGeom>
         </p:spPr>
         <p:txBody>
-          <a:bodyPr lIns="0" rIns="0" tIns="0" bIns="0"/>
-          <a:p>
-            <a:endParaRPr b="0" lang="en-US" sz="2000" spc="-1" strike="noStrike">
+          <a:bodyPr lIns="0" tIns="0" rIns="0" bIns="0"/>
+          <a:lstStyle/>
+          <a:p>
+            <a:endParaRPr lang="en-US" sz="2000" b="0" strike="noStrike" spc="-1">
               <a:solidFill>
                 <a:srgbClr val="262626"/>
               </a:solidFill>
               <a:uFill>
                 <a:solidFill>
-                  <a:srgbClr val="ffffff"/>
+                  <a:srgbClr val="FFFFFF"/>
                 </a:solidFill>
               </a:uFill>
               <a:latin typeface="Corbel"/>
@@ -1581,15 +1752,16 @@
           </a:prstGeom>
         </p:spPr>
         <p:txBody>
-          <a:bodyPr lIns="0" rIns="0" tIns="0" bIns="0"/>
-          <a:p>
-            <a:endParaRPr b="0" lang="en-US" sz="2000" spc="-1" strike="noStrike">
+          <a:bodyPr lIns="0" tIns="0" rIns="0" bIns="0"/>
+          <a:lstStyle/>
+          <a:p>
+            <a:endParaRPr lang="en-US" sz="2000" b="0" strike="noStrike" spc="-1">
               <a:solidFill>
                 <a:srgbClr val="262626"/>
               </a:solidFill>
               <a:uFill>
                 <a:solidFill>
-                  <a:srgbClr val="ffffff"/>
+                  <a:srgbClr val="FFFFFF"/>
                 </a:solidFill>
               </a:uFill>
               <a:latin typeface="Corbel"/>
@@ -1599,11 +1771,14 @@
       </p:sp>
     </p:spTree>
   </p:cSld>
+  <p:clrMapOvr>
+    <a:masterClrMapping/>
+  </p:clrMapOvr>
 </p:sldLayout>
 </file>
 
 <file path=ppt/slideLayouts/slideLayout22.xml><?xml version="1.0" encoding="utf-8"?>
-<p:sldLayout xmlns:a="http://schemas.openxmlformats.org/drawingml/2006/main" xmlns:p="http://schemas.openxmlformats.org/presentationml/2006/main" xmlns:r="http://schemas.openxmlformats.org/officeDocument/2006/relationships" xmlns:p14="http://schemas.microsoft.com/office/powerpoint/2010/main" xmlns:p15="http://schemas.microsoft.com/office/powerpoint/2012/main" xmlns:mc="http://schemas.openxmlformats.org/markup-compatibility/2006" type="objOverTx" preserve="1">
+<p:sldLayout xmlns:a="http://schemas.openxmlformats.org/drawingml/2006/main" xmlns:r="http://schemas.openxmlformats.org/officeDocument/2006/relationships" xmlns:p="http://schemas.openxmlformats.org/presentationml/2006/main" type="objOverTx" preserve="1">
   <p:cSld name="Title, Content over Content">
     <p:spTree>
       <p:nvGrpSpPr>
@@ -1639,15 +1814,16 @@
           </a:prstGeom>
         </p:spPr>
         <p:txBody>
-          <a:bodyPr lIns="0" rIns="0" tIns="0" bIns="0" anchor="ctr"/>
-          <a:p>
-            <a:endParaRPr b="0" lang="en-US" sz="1800" spc="-1" strike="noStrike">
+          <a:bodyPr lIns="0" tIns="0" rIns="0" bIns="0" anchor="ctr"/>
+          <a:lstStyle/>
+          <a:p>
+            <a:endParaRPr lang="en-US" sz="1800" b="0" strike="noStrike" spc="-1">
               <a:solidFill>
                 <a:srgbClr val="000000"/>
               </a:solidFill>
               <a:uFill>
                 <a:solidFill>
-                  <a:srgbClr val="ffffff"/>
+                  <a:srgbClr val="FFFFFF"/>
                 </a:solidFill>
               </a:uFill>
               <a:latin typeface="Corbel"/>
@@ -1675,15 +1851,16 @@
           </a:prstGeom>
         </p:spPr>
         <p:txBody>
-          <a:bodyPr lIns="0" rIns="0" tIns="0" bIns="0"/>
-          <a:p>
-            <a:endParaRPr b="0" lang="en-US" sz="2000" spc="-1" strike="noStrike">
+          <a:bodyPr lIns="0" tIns="0" rIns="0" bIns="0"/>
+          <a:lstStyle/>
+          <a:p>
+            <a:endParaRPr lang="en-US" sz="2000" b="0" strike="noStrike" spc="-1">
               <a:solidFill>
                 <a:srgbClr val="262626"/>
               </a:solidFill>
               <a:uFill>
                 <a:solidFill>
-                  <a:srgbClr val="ffffff"/>
+                  <a:srgbClr val="FFFFFF"/>
                 </a:solidFill>
               </a:uFill>
               <a:latin typeface="Corbel"/>
@@ -1711,15 +1888,16 @@
           </a:prstGeom>
         </p:spPr>
         <p:txBody>
-          <a:bodyPr lIns="0" rIns="0" tIns="0" bIns="0"/>
-          <a:p>
-            <a:endParaRPr b="0" lang="en-US" sz="2000" spc="-1" strike="noStrike">
+          <a:bodyPr lIns="0" tIns="0" rIns="0" bIns="0"/>
+          <a:lstStyle/>
+          <a:p>
+            <a:endParaRPr lang="en-US" sz="2000" b="0" strike="noStrike" spc="-1">
               <a:solidFill>
                 <a:srgbClr val="262626"/>
               </a:solidFill>
               <a:uFill>
                 <a:solidFill>
-                  <a:srgbClr val="ffffff"/>
+                  <a:srgbClr val="FFFFFF"/>
                 </a:solidFill>
               </a:uFill>
               <a:latin typeface="Corbel"/>
@@ -1729,11 +1907,14 @@
       </p:sp>
     </p:spTree>
   </p:cSld>
+  <p:clrMapOvr>
+    <a:masterClrMapping/>
+  </p:clrMapOvr>
 </p:sldLayout>
 </file>
 
 <file path=ppt/slideLayouts/slideLayout23.xml><?xml version="1.0" encoding="utf-8"?>
-<p:sldLayout xmlns:a="http://schemas.openxmlformats.org/drawingml/2006/main" xmlns:p="http://schemas.openxmlformats.org/presentationml/2006/main" xmlns:r="http://schemas.openxmlformats.org/officeDocument/2006/relationships" xmlns:p14="http://schemas.microsoft.com/office/powerpoint/2010/main" xmlns:p15="http://schemas.microsoft.com/office/powerpoint/2012/main" xmlns:mc="http://schemas.openxmlformats.org/markup-compatibility/2006" type="fourObj" preserve="1">
+<p:sldLayout xmlns:a="http://schemas.openxmlformats.org/drawingml/2006/main" xmlns:r="http://schemas.openxmlformats.org/officeDocument/2006/relationships" xmlns:p="http://schemas.openxmlformats.org/presentationml/2006/main" type="fourObj" preserve="1">
   <p:cSld name="Title, 4 Content">
     <p:spTree>
       <p:nvGrpSpPr>
@@ -1769,15 +1950,16 @@
           </a:prstGeom>
         </p:spPr>
         <p:txBody>
-          <a:bodyPr lIns="0" rIns="0" tIns="0" bIns="0" anchor="ctr"/>
-          <a:p>
-            <a:endParaRPr b="0" lang="en-US" sz="1800" spc="-1" strike="noStrike">
+          <a:bodyPr lIns="0" tIns="0" rIns="0" bIns="0" anchor="ctr"/>
+          <a:lstStyle/>
+          <a:p>
+            <a:endParaRPr lang="en-US" sz="1800" b="0" strike="noStrike" spc="-1">
               <a:solidFill>
                 <a:srgbClr val="000000"/>
               </a:solidFill>
               <a:uFill>
                 <a:solidFill>
-                  <a:srgbClr val="ffffff"/>
+                  <a:srgbClr val="FFFFFF"/>
                 </a:solidFill>
               </a:uFill>
               <a:latin typeface="Corbel"/>
@@ -1805,15 +1987,16 @@
           </a:prstGeom>
         </p:spPr>
         <p:txBody>
-          <a:bodyPr lIns="0" rIns="0" tIns="0" bIns="0"/>
-          <a:p>
-            <a:endParaRPr b="0" lang="en-US" sz="2000" spc="-1" strike="noStrike">
+          <a:bodyPr lIns="0" tIns="0" rIns="0" bIns="0"/>
+          <a:lstStyle/>
+          <a:p>
+            <a:endParaRPr lang="en-US" sz="2000" b="0" strike="noStrike" spc="-1">
               <a:solidFill>
                 <a:srgbClr val="262626"/>
               </a:solidFill>
               <a:uFill>
                 <a:solidFill>
-                  <a:srgbClr val="ffffff"/>
+                  <a:srgbClr val="FFFFFF"/>
                 </a:solidFill>
               </a:uFill>
               <a:latin typeface="Corbel"/>
@@ -1841,15 +2024,16 @@
           </a:prstGeom>
         </p:spPr>
         <p:txBody>
-          <a:bodyPr lIns="0" rIns="0" tIns="0" bIns="0"/>
-          <a:p>
-            <a:endParaRPr b="0" lang="en-US" sz="2000" spc="-1" strike="noStrike">
+          <a:bodyPr lIns="0" tIns="0" rIns="0" bIns="0"/>
+          <a:lstStyle/>
+          <a:p>
+            <a:endParaRPr lang="en-US" sz="2000" b="0" strike="noStrike" spc="-1">
               <a:solidFill>
                 <a:srgbClr val="262626"/>
               </a:solidFill>
               <a:uFill>
                 <a:solidFill>
-                  <a:srgbClr val="ffffff"/>
+                  <a:srgbClr val="FFFFFF"/>
                 </a:solidFill>
               </a:uFill>
               <a:latin typeface="Corbel"/>
@@ -1877,15 +2061,16 @@
           </a:prstGeom>
         </p:spPr>
         <p:txBody>
-          <a:bodyPr lIns="0" rIns="0" tIns="0" bIns="0"/>
-          <a:p>
-            <a:endParaRPr b="0" lang="en-US" sz="2000" spc="-1" strike="noStrike">
+          <a:bodyPr lIns="0" tIns="0" rIns="0" bIns="0"/>
+          <a:lstStyle/>
+          <a:p>
+            <a:endParaRPr lang="en-US" sz="2000" b="0" strike="noStrike" spc="-1">
               <a:solidFill>
                 <a:srgbClr val="262626"/>
               </a:solidFill>
               <a:uFill>
                 <a:solidFill>
-                  <a:srgbClr val="ffffff"/>
+                  <a:srgbClr val="FFFFFF"/>
                 </a:solidFill>
               </a:uFill>
               <a:latin typeface="Corbel"/>
@@ -1913,15 +2098,16 @@
           </a:prstGeom>
         </p:spPr>
         <p:txBody>
-          <a:bodyPr lIns="0" rIns="0" tIns="0" bIns="0"/>
-          <a:p>
-            <a:endParaRPr b="0" lang="en-US" sz="2000" spc="-1" strike="noStrike">
+          <a:bodyPr lIns="0" tIns="0" rIns="0" bIns="0"/>
+          <a:lstStyle/>
+          <a:p>
+            <a:endParaRPr lang="en-US" sz="2000" b="0" strike="noStrike" spc="-1">
               <a:solidFill>
                 <a:srgbClr val="262626"/>
               </a:solidFill>
               <a:uFill>
                 <a:solidFill>
-                  <a:srgbClr val="ffffff"/>
+                  <a:srgbClr val="FFFFFF"/>
                 </a:solidFill>
               </a:uFill>
               <a:latin typeface="Corbel"/>
@@ -1931,11 +2117,14 @@
       </p:sp>
     </p:spTree>
   </p:cSld>
+  <p:clrMapOvr>
+    <a:masterClrMapping/>
+  </p:clrMapOvr>
 </p:sldLayout>
 </file>
 
 <file path=ppt/slideLayouts/slideLayout24.xml><?xml version="1.0" encoding="utf-8"?>
-<p:sldLayout xmlns:a="http://schemas.openxmlformats.org/drawingml/2006/main" xmlns:p="http://schemas.openxmlformats.org/presentationml/2006/main" xmlns:r="http://schemas.openxmlformats.org/officeDocument/2006/relationships" xmlns:p14="http://schemas.microsoft.com/office/powerpoint/2010/main" xmlns:p15="http://schemas.microsoft.com/office/powerpoint/2012/main" xmlns:mc="http://schemas.openxmlformats.org/markup-compatibility/2006" type="blank" preserve="1">
+<p:sldLayout xmlns:a="http://schemas.openxmlformats.org/drawingml/2006/main" xmlns:r="http://schemas.openxmlformats.org/officeDocument/2006/relationships" xmlns:p="http://schemas.openxmlformats.org/presentationml/2006/main" type="blank" preserve="1">
   <p:cSld name="Title, 6 Content">
     <p:spTree>
       <p:nvGrpSpPr>
@@ -1971,15 +2160,16 @@
           </a:prstGeom>
         </p:spPr>
         <p:txBody>
-          <a:bodyPr lIns="0" rIns="0" tIns="0" bIns="0" anchor="ctr"/>
-          <a:p>
-            <a:endParaRPr b="0" lang="en-US" sz="1800" spc="-1" strike="noStrike">
+          <a:bodyPr lIns="0" tIns="0" rIns="0" bIns="0" anchor="ctr"/>
+          <a:lstStyle/>
+          <a:p>
+            <a:endParaRPr lang="en-US" sz="1800" b="0" strike="noStrike" spc="-1">
               <a:solidFill>
                 <a:srgbClr val="000000"/>
               </a:solidFill>
               <a:uFill>
                 <a:solidFill>
-                  <a:srgbClr val="ffffff"/>
+                  <a:srgbClr val="FFFFFF"/>
                 </a:solidFill>
               </a:uFill>
               <a:latin typeface="Corbel"/>
@@ -2007,15 +2197,16 @@
           </a:prstGeom>
         </p:spPr>
         <p:txBody>
-          <a:bodyPr lIns="0" rIns="0" tIns="0" bIns="0"/>
-          <a:p>
-            <a:endParaRPr b="0" lang="en-US" sz="2000" spc="-1" strike="noStrike">
+          <a:bodyPr lIns="0" tIns="0" rIns="0" bIns="0"/>
+          <a:lstStyle/>
+          <a:p>
+            <a:endParaRPr lang="en-US" sz="2000" b="0" strike="noStrike" spc="-1">
               <a:solidFill>
                 <a:srgbClr val="262626"/>
               </a:solidFill>
               <a:uFill>
                 <a:solidFill>
-                  <a:srgbClr val="ffffff"/>
+                  <a:srgbClr val="FFFFFF"/>
                 </a:solidFill>
               </a:uFill>
               <a:latin typeface="Corbel"/>
@@ -2043,15 +2234,16 @@
           </a:prstGeom>
         </p:spPr>
         <p:txBody>
-          <a:bodyPr lIns="0" rIns="0" tIns="0" bIns="0"/>
-          <a:p>
-            <a:endParaRPr b="0" lang="en-US" sz="2000" spc="-1" strike="noStrike">
+          <a:bodyPr lIns="0" tIns="0" rIns="0" bIns="0"/>
+          <a:lstStyle/>
+          <a:p>
+            <a:endParaRPr lang="en-US" sz="2000" b="0" strike="noStrike" spc="-1">
               <a:solidFill>
                 <a:srgbClr val="262626"/>
               </a:solidFill>
               <a:uFill>
                 <a:solidFill>
-                  <a:srgbClr val="ffffff"/>
+                  <a:srgbClr val="FFFFFF"/>
                 </a:solidFill>
               </a:uFill>
               <a:latin typeface="Corbel"/>
@@ -2061,7 +2253,7 @@
       </p:sp>
       <p:pic>
         <p:nvPicPr>
-          <p:cNvPr id="82" name="" descr=""/>
+          <p:cNvPr id="82" name="Picture 81"/>
           <p:cNvPicPr/>
           <p:nvPr/>
         </p:nvPicPr>
@@ -2084,12 +2276,12 @@
       </p:pic>
       <p:pic>
         <p:nvPicPr>
-          <p:cNvPr id="83" name="" descr=""/>
+          <p:cNvPr id="83" name="Picture 82"/>
           <p:cNvPicPr/>
           <p:nvPr/>
         </p:nvPicPr>
         <p:blipFill>
-          <a:blip r:embed="rId3"/>
+          <a:blip r:embed="rId2"/>
           <a:stretch/>
         </p:blipFill>
         <p:spPr>
@@ -2107,11 +2299,14 @@
       </p:pic>
     </p:spTree>
   </p:cSld>
+  <p:clrMapOvr>
+    <a:masterClrMapping/>
+  </p:clrMapOvr>
 </p:sldLayout>
 </file>
 
 <file path=ppt/slideLayouts/slideLayout3.xml><?xml version="1.0" encoding="utf-8"?>
-<p:sldLayout xmlns:a="http://schemas.openxmlformats.org/drawingml/2006/main" xmlns:p="http://schemas.openxmlformats.org/presentationml/2006/main" xmlns:r="http://schemas.openxmlformats.org/officeDocument/2006/relationships" xmlns:p14="http://schemas.microsoft.com/office/powerpoint/2010/main" xmlns:p15="http://schemas.microsoft.com/office/powerpoint/2012/main" xmlns:mc="http://schemas.openxmlformats.org/markup-compatibility/2006" type="obj" preserve="1">
+<p:sldLayout xmlns:a="http://schemas.openxmlformats.org/drawingml/2006/main" xmlns:r="http://schemas.openxmlformats.org/officeDocument/2006/relationships" xmlns:p="http://schemas.openxmlformats.org/presentationml/2006/main" type="obj" preserve="1">
   <p:cSld name="Title, Content">
     <p:spTree>
       <p:nvGrpSpPr>
@@ -2147,15 +2342,16 @@
           </a:prstGeom>
         </p:spPr>
         <p:txBody>
-          <a:bodyPr lIns="0" rIns="0" tIns="0" bIns="0" anchor="ctr"/>
-          <a:p>
-            <a:endParaRPr b="0" lang="en-US" sz="1800" spc="-1" strike="noStrike">
+          <a:bodyPr lIns="0" tIns="0" rIns="0" bIns="0" anchor="ctr"/>
+          <a:lstStyle/>
+          <a:p>
+            <a:endParaRPr lang="en-US" sz="1800" b="0" strike="noStrike" spc="-1">
               <a:solidFill>
                 <a:srgbClr val="000000"/>
               </a:solidFill>
               <a:uFill>
                 <a:solidFill>
-                  <a:srgbClr val="ffffff"/>
+                  <a:srgbClr val="FFFFFF"/>
                 </a:solidFill>
               </a:uFill>
               <a:latin typeface="Corbel"/>
@@ -2183,15 +2379,16 @@
           </a:prstGeom>
         </p:spPr>
         <p:txBody>
-          <a:bodyPr lIns="0" rIns="0" tIns="0" bIns="0"/>
-          <a:p>
-            <a:endParaRPr b="0" lang="en-US" sz="2000" spc="-1" strike="noStrike">
+          <a:bodyPr lIns="0" tIns="0" rIns="0" bIns="0"/>
+          <a:lstStyle/>
+          <a:p>
+            <a:endParaRPr lang="en-US" sz="2000" b="0" strike="noStrike" spc="-1">
               <a:solidFill>
                 <a:srgbClr val="262626"/>
               </a:solidFill>
               <a:uFill>
                 <a:solidFill>
-                  <a:srgbClr val="ffffff"/>
+                  <a:srgbClr val="FFFFFF"/>
                 </a:solidFill>
               </a:uFill>
               <a:latin typeface="Corbel"/>
@@ -2201,11 +2398,14 @@
       </p:sp>
     </p:spTree>
   </p:cSld>
+  <p:clrMapOvr>
+    <a:masterClrMapping/>
+  </p:clrMapOvr>
 </p:sldLayout>
 </file>
 
 <file path=ppt/slideLayouts/slideLayout4.xml><?xml version="1.0" encoding="utf-8"?>
-<p:sldLayout xmlns:a="http://schemas.openxmlformats.org/drawingml/2006/main" xmlns:p="http://schemas.openxmlformats.org/presentationml/2006/main" xmlns:r="http://schemas.openxmlformats.org/officeDocument/2006/relationships" xmlns:p14="http://schemas.microsoft.com/office/powerpoint/2010/main" xmlns:p15="http://schemas.microsoft.com/office/powerpoint/2012/main" xmlns:mc="http://schemas.openxmlformats.org/markup-compatibility/2006" type="twoObj" preserve="1">
+<p:sldLayout xmlns:a="http://schemas.openxmlformats.org/drawingml/2006/main" xmlns:r="http://schemas.openxmlformats.org/officeDocument/2006/relationships" xmlns:p="http://schemas.openxmlformats.org/presentationml/2006/main" type="twoObj" preserve="1">
   <p:cSld name="Title, 2 Content">
     <p:spTree>
       <p:nvGrpSpPr>
@@ -2241,15 +2441,16 @@
           </a:prstGeom>
         </p:spPr>
         <p:txBody>
-          <a:bodyPr lIns="0" rIns="0" tIns="0" bIns="0" anchor="ctr"/>
-          <a:p>
-            <a:endParaRPr b="0" lang="en-US" sz="1800" spc="-1" strike="noStrike">
+          <a:bodyPr lIns="0" tIns="0" rIns="0" bIns="0" anchor="ctr"/>
+          <a:lstStyle/>
+          <a:p>
+            <a:endParaRPr lang="en-US" sz="1800" b="0" strike="noStrike" spc="-1">
               <a:solidFill>
                 <a:srgbClr val="000000"/>
               </a:solidFill>
               <a:uFill>
                 <a:solidFill>
-                  <a:srgbClr val="ffffff"/>
+                  <a:srgbClr val="FFFFFF"/>
                 </a:solidFill>
               </a:uFill>
               <a:latin typeface="Corbel"/>
@@ -2277,15 +2478,16 @@
           </a:prstGeom>
         </p:spPr>
         <p:txBody>
-          <a:bodyPr lIns="0" rIns="0" tIns="0" bIns="0"/>
-          <a:p>
-            <a:endParaRPr b="0" lang="en-US" sz="2000" spc="-1" strike="noStrike">
+          <a:bodyPr lIns="0" tIns="0" rIns="0" bIns="0"/>
+          <a:lstStyle/>
+          <a:p>
+            <a:endParaRPr lang="en-US" sz="2000" b="0" strike="noStrike" spc="-1">
               <a:solidFill>
                 <a:srgbClr val="262626"/>
               </a:solidFill>
               <a:uFill>
                 <a:solidFill>
-                  <a:srgbClr val="ffffff"/>
+                  <a:srgbClr val="FFFFFF"/>
                 </a:solidFill>
               </a:uFill>
               <a:latin typeface="Corbel"/>
@@ -2313,15 +2515,16 @@
           </a:prstGeom>
         </p:spPr>
         <p:txBody>
-          <a:bodyPr lIns="0" rIns="0" tIns="0" bIns="0"/>
-          <a:p>
-            <a:endParaRPr b="0" lang="en-US" sz="2000" spc="-1" strike="noStrike">
+          <a:bodyPr lIns="0" tIns="0" rIns="0" bIns="0"/>
+          <a:lstStyle/>
+          <a:p>
+            <a:endParaRPr lang="en-US" sz="2000" b="0" strike="noStrike" spc="-1">
               <a:solidFill>
                 <a:srgbClr val="262626"/>
               </a:solidFill>
               <a:uFill>
                 <a:solidFill>
-                  <a:srgbClr val="ffffff"/>
+                  <a:srgbClr val="FFFFFF"/>
                 </a:solidFill>
               </a:uFill>
               <a:latin typeface="Corbel"/>
@@ -2331,11 +2534,14 @@
       </p:sp>
     </p:spTree>
   </p:cSld>
+  <p:clrMapOvr>
+    <a:masterClrMapping/>
+  </p:clrMapOvr>
 </p:sldLayout>
 </file>
 
 <file path=ppt/slideLayouts/slideLayout5.xml><?xml version="1.0" encoding="utf-8"?>
-<p:sldLayout xmlns:a="http://schemas.openxmlformats.org/drawingml/2006/main" xmlns:p="http://schemas.openxmlformats.org/presentationml/2006/main" xmlns:r="http://schemas.openxmlformats.org/officeDocument/2006/relationships" xmlns:p14="http://schemas.microsoft.com/office/powerpoint/2010/main" xmlns:p15="http://schemas.microsoft.com/office/powerpoint/2012/main" xmlns:mc="http://schemas.openxmlformats.org/markup-compatibility/2006" type="titleOnly" preserve="1">
+<p:sldLayout xmlns:a="http://schemas.openxmlformats.org/drawingml/2006/main" xmlns:r="http://schemas.openxmlformats.org/officeDocument/2006/relationships" xmlns:p="http://schemas.openxmlformats.org/presentationml/2006/main" type="titleOnly" preserve="1">
   <p:cSld name="Title Only">
     <p:spTree>
       <p:nvGrpSpPr>
@@ -2371,15 +2577,16 @@
           </a:prstGeom>
         </p:spPr>
         <p:txBody>
-          <a:bodyPr lIns="0" rIns="0" tIns="0" bIns="0" anchor="ctr"/>
-          <a:p>
-            <a:endParaRPr b="0" lang="en-US" sz="1800" spc="-1" strike="noStrike">
+          <a:bodyPr lIns="0" tIns="0" rIns="0" bIns="0" anchor="ctr"/>
+          <a:lstStyle/>
+          <a:p>
+            <a:endParaRPr lang="en-US" sz="1800" b="0" strike="noStrike" spc="-1">
               <a:solidFill>
                 <a:srgbClr val="000000"/>
               </a:solidFill>
               <a:uFill>
                 <a:solidFill>
-                  <a:srgbClr val="ffffff"/>
+                  <a:srgbClr val="FFFFFF"/>
                 </a:solidFill>
               </a:uFill>
               <a:latin typeface="Corbel"/>
@@ -2389,11 +2596,14 @@
       </p:sp>
     </p:spTree>
   </p:cSld>
+  <p:clrMapOvr>
+    <a:masterClrMapping/>
+  </p:clrMapOvr>
 </p:sldLayout>
 </file>
 
 <file path=ppt/slideLayouts/slideLayout6.xml><?xml version="1.0" encoding="utf-8"?>
-<p:sldLayout xmlns:a="http://schemas.openxmlformats.org/drawingml/2006/main" xmlns:p="http://schemas.openxmlformats.org/presentationml/2006/main" xmlns:r="http://schemas.openxmlformats.org/officeDocument/2006/relationships" xmlns:p14="http://schemas.microsoft.com/office/powerpoint/2010/main" xmlns:p15="http://schemas.microsoft.com/office/powerpoint/2012/main" xmlns:mc="http://schemas.openxmlformats.org/markup-compatibility/2006" type="objOnly" preserve="1">
+<p:sldLayout xmlns:a="http://schemas.openxmlformats.org/drawingml/2006/main" xmlns:r="http://schemas.openxmlformats.org/officeDocument/2006/relationships" xmlns:p="http://schemas.openxmlformats.org/presentationml/2006/main" type="objOnly" preserve="1">
   <p:cSld name="Centered Text">
     <p:spTree>
       <p:nvGrpSpPr>
@@ -2429,16 +2639,17 @@
           </a:prstGeom>
         </p:spPr>
         <p:txBody>
-          <a:bodyPr lIns="0" rIns="0" tIns="0" bIns="0" anchor="ctr"/>
+          <a:bodyPr lIns="0" tIns="0" rIns="0" bIns="0" anchor="ctr"/>
+          <a:lstStyle/>
           <a:p>
             <a:pPr algn="ctr"/>
-            <a:endParaRPr b="0" lang="en-US" sz="3200" spc="-1" strike="noStrike">
+            <a:endParaRPr lang="en-US" sz="3200" b="0" strike="noStrike" spc="-1">
               <a:solidFill>
-                <a:srgbClr val="ffffff"/>
+                <a:srgbClr val="FFFFFF"/>
               </a:solidFill>
               <a:uFill>
                 <a:solidFill>
-                  <a:srgbClr val="ffffff"/>
+                  <a:srgbClr val="FFFFFF"/>
                 </a:solidFill>
               </a:uFill>
               <a:latin typeface="Arial"/>
@@ -2448,11 +2659,14 @@
       </p:sp>
     </p:spTree>
   </p:cSld>
+  <p:clrMapOvr>
+    <a:masterClrMapping/>
+  </p:clrMapOvr>
 </p:sldLayout>
 </file>
 
 <file path=ppt/slideLayouts/slideLayout7.xml><?xml version="1.0" encoding="utf-8"?>
-<p:sldLayout xmlns:a="http://schemas.openxmlformats.org/drawingml/2006/main" xmlns:p="http://schemas.openxmlformats.org/presentationml/2006/main" xmlns:r="http://schemas.openxmlformats.org/officeDocument/2006/relationships" xmlns:p14="http://schemas.microsoft.com/office/powerpoint/2010/main" xmlns:p15="http://schemas.microsoft.com/office/powerpoint/2012/main" xmlns:mc="http://schemas.openxmlformats.org/markup-compatibility/2006" type="twoObjAndObj" preserve="1">
+<p:sldLayout xmlns:a="http://schemas.openxmlformats.org/drawingml/2006/main" xmlns:r="http://schemas.openxmlformats.org/officeDocument/2006/relationships" xmlns:p="http://schemas.openxmlformats.org/presentationml/2006/main" type="twoObjAndObj" preserve="1">
   <p:cSld name="Title, 2 Content and Content">
     <p:spTree>
       <p:nvGrpSpPr>
@@ -2488,15 +2702,16 @@
           </a:prstGeom>
         </p:spPr>
         <p:txBody>
-          <a:bodyPr lIns="0" rIns="0" tIns="0" bIns="0" anchor="ctr"/>
-          <a:p>
-            <a:endParaRPr b="0" lang="en-US" sz="1800" spc="-1" strike="noStrike">
+          <a:bodyPr lIns="0" tIns="0" rIns="0" bIns="0" anchor="ctr"/>
+          <a:lstStyle/>
+          <a:p>
+            <a:endParaRPr lang="en-US" sz="1800" b="0" strike="noStrike" spc="-1">
               <a:solidFill>
                 <a:srgbClr val="000000"/>
               </a:solidFill>
               <a:uFill>
                 <a:solidFill>
-                  <a:srgbClr val="ffffff"/>
+                  <a:srgbClr val="FFFFFF"/>
                 </a:solidFill>
               </a:uFill>
               <a:latin typeface="Corbel"/>
@@ -2524,15 +2739,16 @@
           </a:prstGeom>
         </p:spPr>
         <p:txBody>
-          <a:bodyPr lIns="0" rIns="0" tIns="0" bIns="0"/>
-          <a:p>
-            <a:endParaRPr b="0" lang="en-US" sz="2000" spc="-1" strike="noStrike">
+          <a:bodyPr lIns="0" tIns="0" rIns="0" bIns="0"/>
+          <a:lstStyle/>
+          <a:p>
+            <a:endParaRPr lang="en-US" sz="2000" b="0" strike="noStrike" spc="-1">
               <a:solidFill>
                 <a:srgbClr val="262626"/>
               </a:solidFill>
               <a:uFill>
                 <a:solidFill>
-                  <a:srgbClr val="ffffff"/>
+                  <a:srgbClr val="FFFFFF"/>
                 </a:solidFill>
               </a:uFill>
               <a:latin typeface="Corbel"/>
@@ -2560,15 +2776,16 @@
           </a:prstGeom>
         </p:spPr>
         <p:txBody>
-          <a:bodyPr lIns="0" rIns="0" tIns="0" bIns="0"/>
-          <a:p>
-            <a:endParaRPr b="0" lang="en-US" sz="2000" spc="-1" strike="noStrike">
+          <a:bodyPr lIns="0" tIns="0" rIns="0" bIns="0"/>
+          <a:lstStyle/>
+          <a:p>
+            <a:endParaRPr lang="en-US" sz="2000" b="0" strike="noStrike" spc="-1">
               <a:solidFill>
                 <a:srgbClr val="262626"/>
               </a:solidFill>
               <a:uFill>
                 <a:solidFill>
-                  <a:srgbClr val="ffffff"/>
+                  <a:srgbClr val="FFFFFF"/>
                 </a:solidFill>
               </a:uFill>
               <a:latin typeface="Corbel"/>
@@ -2596,15 +2813,16 @@
           </a:prstGeom>
         </p:spPr>
         <p:txBody>
-          <a:bodyPr lIns="0" rIns="0" tIns="0" bIns="0"/>
-          <a:p>
-            <a:endParaRPr b="0" lang="en-US" sz="2000" spc="-1" strike="noStrike">
+          <a:bodyPr lIns="0" tIns="0" rIns="0" bIns="0"/>
+          <a:lstStyle/>
+          <a:p>
+            <a:endParaRPr lang="en-US" sz="2000" b="0" strike="noStrike" spc="-1">
               <a:solidFill>
                 <a:srgbClr val="262626"/>
               </a:solidFill>
               <a:uFill>
                 <a:solidFill>
-                  <a:srgbClr val="ffffff"/>
+                  <a:srgbClr val="FFFFFF"/>
                 </a:solidFill>
               </a:uFill>
               <a:latin typeface="Corbel"/>
@@ -2614,11 +2832,14 @@
       </p:sp>
     </p:spTree>
   </p:cSld>
+  <p:clrMapOvr>
+    <a:masterClrMapping/>
+  </p:clrMapOvr>
 </p:sldLayout>
 </file>
 
 <file path=ppt/slideLayouts/slideLayout8.xml><?xml version="1.0" encoding="utf-8"?>
-<p:sldLayout xmlns:a="http://schemas.openxmlformats.org/drawingml/2006/main" xmlns:p="http://schemas.openxmlformats.org/presentationml/2006/main" xmlns:r="http://schemas.openxmlformats.org/officeDocument/2006/relationships" xmlns:p14="http://schemas.microsoft.com/office/powerpoint/2010/main" xmlns:p15="http://schemas.microsoft.com/office/powerpoint/2012/main" xmlns:mc="http://schemas.openxmlformats.org/markup-compatibility/2006" type="objAndTwoObj" preserve="1">
+<p:sldLayout xmlns:a="http://schemas.openxmlformats.org/drawingml/2006/main" xmlns:r="http://schemas.openxmlformats.org/officeDocument/2006/relationships" xmlns:p="http://schemas.openxmlformats.org/presentationml/2006/main" type="objAndTwoObj" preserve="1">
   <p:cSld name="Title Content and 2 Content">
     <p:spTree>
       <p:nvGrpSpPr>
@@ -2654,15 +2875,16 @@
           </a:prstGeom>
         </p:spPr>
         <p:txBody>
-          <a:bodyPr lIns="0" rIns="0" tIns="0" bIns="0" anchor="ctr"/>
-          <a:p>
-            <a:endParaRPr b="0" lang="en-US" sz="1800" spc="-1" strike="noStrike">
+          <a:bodyPr lIns="0" tIns="0" rIns="0" bIns="0" anchor="ctr"/>
+          <a:lstStyle/>
+          <a:p>
+            <a:endParaRPr lang="en-US" sz="1800" b="0" strike="noStrike" spc="-1">
               <a:solidFill>
                 <a:srgbClr val="000000"/>
               </a:solidFill>
               <a:uFill>
                 <a:solidFill>
-                  <a:srgbClr val="ffffff"/>
+                  <a:srgbClr val="FFFFFF"/>
                 </a:solidFill>
               </a:uFill>
               <a:latin typeface="Corbel"/>
@@ -2690,15 +2912,16 @@
           </a:prstGeom>
         </p:spPr>
         <p:txBody>
-          <a:bodyPr lIns="0" rIns="0" tIns="0" bIns="0"/>
-          <a:p>
-            <a:endParaRPr b="0" lang="en-US" sz="2000" spc="-1" strike="noStrike">
+          <a:bodyPr lIns="0" tIns="0" rIns="0" bIns="0"/>
+          <a:lstStyle/>
+          <a:p>
+            <a:endParaRPr lang="en-US" sz="2000" b="0" strike="noStrike" spc="-1">
               <a:solidFill>
                 <a:srgbClr val="262626"/>
               </a:solidFill>
               <a:uFill>
                 <a:solidFill>
-                  <a:srgbClr val="ffffff"/>
+                  <a:srgbClr val="FFFFFF"/>
                 </a:solidFill>
               </a:uFill>
               <a:latin typeface="Corbel"/>
@@ -2726,15 +2949,16 @@
           </a:prstGeom>
         </p:spPr>
         <p:txBody>
-          <a:bodyPr lIns="0" rIns="0" tIns="0" bIns="0"/>
-          <a:p>
-            <a:endParaRPr b="0" lang="en-US" sz="2000" spc="-1" strike="noStrike">
+          <a:bodyPr lIns="0" tIns="0" rIns="0" bIns="0"/>
+          <a:lstStyle/>
+          <a:p>
+            <a:endParaRPr lang="en-US" sz="2000" b="0" strike="noStrike" spc="-1">
               <a:solidFill>
                 <a:srgbClr val="262626"/>
               </a:solidFill>
               <a:uFill>
                 <a:solidFill>
-                  <a:srgbClr val="ffffff"/>
+                  <a:srgbClr val="FFFFFF"/>
                 </a:solidFill>
               </a:uFill>
               <a:latin typeface="Corbel"/>
@@ -2762,15 +2986,16 @@
           </a:prstGeom>
         </p:spPr>
         <p:txBody>
-          <a:bodyPr lIns="0" rIns="0" tIns="0" bIns="0"/>
-          <a:p>
-            <a:endParaRPr b="0" lang="en-US" sz="2000" spc="-1" strike="noStrike">
+          <a:bodyPr lIns="0" tIns="0" rIns="0" bIns="0"/>
+          <a:lstStyle/>
+          <a:p>
+            <a:endParaRPr lang="en-US" sz="2000" b="0" strike="noStrike" spc="-1">
               <a:solidFill>
                 <a:srgbClr val="262626"/>
               </a:solidFill>
               <a:uFill>
                 <a:solidFill>
-                  <a:srgbClr val="ffffff"/>
+                  <a:srgbClr val="FFFFFF"/>
                 </a:solidFill>
               </a:uFill>
               <a:latin typeface="Corbel"/>
@@ -2780,11 +3005,14 @@
       </p:sp>
     </p:spTree>
   </p:cSld>
+  <p:clrMapOvr>
+    <a:masterClrMapping/>
+  </p:clrMapOvr>
 </p:sldLayout>
 </file>
 
 <file path=ppt/slideLayouts/slideLayout9.xml><?xml version="1.0" encoding="utf-8"?>
-<p:sldLayout xmlns:a="http://schemas.openxmlformats.org/drawingml/2006/main" xmlns:p="http://schemas.openxmlformats.org/presentationml/2006/main" xmlns:r="http://schemas.openxmlformats.org/officeDocument/2006/relationships" xmlns:p14="http://schemas.microsoft.com/office/powerpoint/2010/main" xmlns:p15="http://schemas.microsoft.com/office/powerpoint/2012/main" xmlns:mc="http://schemas.openxmlformats.org/markup-compatibility/2006" type="twoObjOverTx" preserve="1">
+<p:sldLayout xmlns:a="http://schemas.openxmlformats.org/drawingml/2006/main" xmlns:r="http://schemas.openxmlformats.org/officeDocument/2006/relationships" xmlns:p="http://schemas.openxmlformats.org/presentationml/2006/main" type="twoObjOverTx" preserve="1">
   <p:cSld name="Title, 2 Content over Content">
     <p:spTree>
       <p:nvGrpSpPr>
@@ -2820,15 +3048,16 @@
           </a:prstGeom>
         </p:spPr>
         <p:txBody>
-          <a:bodyPr lIns="0" rIns="0" tIns="0" bIns="0" anchor="ctr"/>
-          <a:p>
-            <a:endParaRPr b="0" lang="en-US" sz="1800" spc="-1" strike="noStrike">
+          <a:bodyPr lIns="0" tIns="0" rIns="0" bIns="0" anchor="ctr"/>
+          <a:lstStyle/>
+          <a:p>
+            <a:endParaRPr lang="en-US" sz="1800" b="0" strike="noStrike" spc="-1">
               <a:solidFill>
                 <a:srgbClr val="000000"/>
               </a:solidFill>
               <a:uFill>
                 <a:solidFill>
-                  <a:srgbClr val="ffffff"/>
+                  <a:srgbClr val="FFFFFF"/>
                 </a:solidFill>
               </a:uFill>
               <a:latin typeface="Corbel"/>
@@ -2856,15 +3085,16 @@
           </a:prstGeom>
         </p:spPr>
         <p:txBody>
-          <a:bodyPr lIns="0" rIns="0" tIns="0" bIns="0"/>
-          <a:p>
-            <a:endParaRPr b="0" lang="en-US" sz="2000" spc="-1" strike="noStrike">
+          <a:bodyPr lIns="0" tIns="0" rIns="0" bIns="0"/>
+          <a:lstStyle/>
+          <a:p>
+            <a:endParaRPr lang="en-US" sz="2000" b="0" strike="noStrike" spc="-1">
               <a:solidFill>
                 <a:srgbClr val="262626"/>
               </a:solidFill>
               <a:uFill>
                 <a:solidFill>
-                  <a:srgbClr val="ffffff"/>
+                  <a:srgbClr val="FFFFFF"/>
                 </a:solidFill>
               </a:uFill>
               <a:latin typeface="Corbel"/>
@@ -2892,15 +3122,16 @@
           </a:prstGeom>
         </p:spPr>
         <p:txBody>
-          <a:bodyPr lIns="0" rIns="0" tIns="0" bIns="0"/>
-          <a:p>
-            <a:endParaRPr b="0" lang="en-US" sz="2000" spc="-1" strike="noStrike">
+          <a:bodyPr lIns="0" tIns="0" rIns="0" bIns="0"/>
+          <a:lstStyle/>
+          <a:p>
+            <a:endParaRPr lang="en-US" sz="2000" b="0" strike="noStrike" spc="-1">
               <a:solidFill>
                 <a:srgbClr val="262626"/>
               </a:solidFill>
               <a:uFill>
                 <a:solidFill>
-                  <a:srgbClr val="ffffff"/>
+                  <a:srgbClr val="FFFFFF"/>
                 </a:solidFill>
               </a:uFill>
               <a:latin typeface="Corbel"/>
@@ -2928,15 +3159,16 @@
           </a:prstGeom>
         </p:spPr>
         <p:txBody>
-          <a:bodyPr lIns="0" rIns="0" tIns="0" bIns="0"/>
-          <a:p>
-            <a:endParaRPr b="0" lang="en-US" sz="2000" spc="-1" strike="noStrike">
+          <a:bodyPr lIns="0" tIns="0" rIns="0" bIns="0"/>
+          <a:lstStyle/>
+          <a:p>
+            <a:endParaRPr lang="en-US" sz="2000" b="0" strike="noStrike" spc="-1">
               <a:solidFill>
                 <a:srgbClr val="262626"/>
               </a:solidFill>
               <a:uFill>
                 <a:solidFill>
-                  <a:srgbClr val="ffffff"/>
+                  <a:srgbClr val="FFFFFF"/>
                 </a:solidFill>
               </a:uFill>
               <a:latin typeface="Corbel"/>
@@ -2946,17 +3178,21 @@
       </p:sp>
     </p:spTree>
   </p:cSld>
+  <p:clrMapOvr>
+    <a:masterClrMapping/>
+  </p:clrMapOvr>
 </p:sldLayout>
 </file>
 
 <file path=ppt/slideMasters/slideMaster1.xml><?xml version="1.0" encoding="utf-8"?>
-<p:sldMaster xmlns:a="http://schemas.openxmlformats.org/drawingml/2006/main" xmlns:p="http://schemas.openxmlformats.org/presentationml/2006/main" xmlns:r="http://schemas.openxmlformats.org/officeDocument/2006/relationships" xmlns:p14="http://schemas.microsoft.com/office/powerpoint/2010/main" xmlns:p15="http://schemas.microsoft.com/office/powerpoint/2012/main" xmlns:mc="http://schemas.openxmlformats.org/markup-compatibility/2006">
+<p:sldMaster xmlns:a="http://schemas.openxmlformats.org/drawingml/2006/main" xmlns:r="http://schemas.openxmlformats.org/officeDocument/2006/relationships" xmlns:p="http://schemas.openxmlformats.org/presentationml/2006/main">
   <p:cSld>
     <p:bg>
       <p:bgPr>
         <a:solidFill>
-          <a:srgbClr val="1d1a1d"/>
+          <a:srgbClr val="1D1A1D"/>
         </a:solidFill>
+        <a:effectLst/>
       </p:bgPr>
     </p:bg>
     <p:spTree>
@@ -2975,7 +3211,7 @@
       </p:grpSpPr>
       <p:sp>
         <p:nvSpPr>
-          <p:cNvPr id="0" name="CustomShape 1" hidden="1"/>
+          <p:cNvPr id="9" name="CustomShape 1" hidden="1"/>
           <p:cNvSpPr/>
           <p:nvPr/>
         </p:nvSpPr>
@@ -2988,6 +3224,7 @@
             <a:avLst/>
             <a:gdLst/>
             <a:ahLst/>
+            <a:cxnLst/>
             <a:rect l="l" t="t" r="r" b="b"/>
             <a:pathLst>
               <a:path w="1799" h="3612">
@@ -3168,15 +3405,21 @@
           </a:ln>
         </p:spPr>
         <p:style>
-          <a:lnRef idx="0"/>
-          <a:fillRef idx="0"/>
-          <a:effectRef idx="0"/>
+          <a:lnRef idx="0">
+            <a:scrgbClr r="0" g="0" b="0"/>
+          </a:lnRef>
+          <a:fillRef idx="0">
+            <a:scrgbClr r="0" g="0" b="0"/>
+          </a:fillRef>
+          <a:effectRef idx="0">
+            <a:scrgbClr r="0" g="0" b="0"/>
+          </a:effectRef>
           <a:fontRef idx="minor"/>
         </p:style>
       </p:sp>
       <p:sp>
         <p:nvSpPr>
-          <p:cNvPr id="1" name="Line 2"/>
+          <p:cNvPr id="10" name="Line 2"/>
           <p:cNvSpPr/>
           <p:nvPr/>
         </p:nvSpPr>
@@ -3226,6 +3469,7 @@
             <a:avLst/>
             <a:gdLst/>
             <a:ahLst/>
+            <a:cxnLst/>
             <a:rect l="l" t="t" r="r" b="b"/>
             <a:pathLst>
               <a:path w="1799" h="3612">
@@ -3403,9 +3647,15 @@
           </a:ln>
         </p:spPr>
         <p:style>
-          <a:lnRef idx="0"/>
-          <a:fillRef idx="0"/>
-          <a:effectRef idx="0"/>
+          <a:lnRef idx="0">
+            <a:scrgbClr r="0" g="0" b="0"/>
+          </a:lnRef>
+          <a:fillRef idx="0">
+            <a:scrgbClr r="0" g="0" b="0"/>
+          </a:fillRef>
+          <a:effectRef idx="0">
+            <a:scrgbClr r="0" g="0" b="0"/>
+          </a:effectRef>
           <a:fontRef idx="minor"/>
         </p:style>
       </p:sp>
@@ -3430,6 +3680,7 @@
         </p:spPr>
         <p:txBody>
           <a:bodyPr/>
+          <a:lstStyle/>
           <a:p>
             <a:pPr>
               <a:lnSpc>
@@ -3437,194 +3688,26 @@
               </a:lnSpc>
             </a:pPr>
             <a:r>
-              <a:rPr b="0" i="1" lang="en-US" sz="7700" spc="-1" strike="noStrike" cap="all">
-                <a:solidFill>
-                  <a:srgbClr val="f5f5f5"/>
+              <a:rPr lang="en-US" sz="7700" b="0" i="1" strike="noStrike" cap="all" spc="-1">
+                <a:solidFill>
+                  <a:srgbClr val="F5F5F5"/>
                 </a:solidFill>
                 <a:uFill>
                   <a:solidFill>
-                    <a:srgbClr val="ffffff"/>
+                    <a:srgbClr val="FFFFFF"/>
                   </a:solidFill>
                 </a:uFill>
                 <a:latin typeface="Century Schoolbook"/>
               </a:rPr>
-              <a:t>Cli</a:t>
+              <a:t>Click to edit Master title style</a:t>
             </a:r>
-            <a:r>
-              <a:rPr b="0" i="1" lang="en-US" sz="7700" spc="-1" strike="noStrike" cap="all">
-                <a:solidFill>
-                  <a:srgbClr val="f5f5f5"/>
-                </a:solidFill>
-                <a:uFill>
-                  <a:solidFill>
-                    <a:srgbClr val="ffffff"/>
-                  </a:solidFill>
-                </a:uFill>
-                <a:latin typeface="Century Schoolbook"/>
-              </a:rPr>
-              <a:t>ck </a:t>
-            </a:r>
-            <a:r>
-              <a:rPr b="0" i="1" lang="en-US" sz="7700" spc="-1" strike="noStrike" cap="all">
-                <a:solidFill>
-                  <a:srgbClr val="f5f5f5"/>
-                </a:solidFill>
-                <a:uFill>
-                  <a:solidFill>
-                    <a:srgbClr val="ffffff"/>
-                  </a:solidFill>
-                </a:uFill>
-                <a:latin typeface="Century Schoolbook"/>
-              </a:rPr>
-              <a:t>to </a:t>
-            </a:r>
-            <a:r>
-              <a:rPr b="0" i="1" lang="en-US" sz="7700" spc="-1" strike="noStrike" cap="all">
-                <a:solidFill>
-                  <a:srgbClr val="f5f5f5"/>
-                </a:solidFill>
-                <a:uFill>
-                  <a:solidFill>
-                    <a:srgbClr val="ffffff"/>
-                  </a:solidFill>
-                </a:uFill>
-                <a:latin typeface="Century Schoolbook"/>
-              </a:rPr>
-              <a:t>ed</a:t>
-            </a:r>
-            <a:r>
-              <a:rPr b="0" i="1" lang="en-US" sz="7700" spc="-1" strike="noStrike" cap="all">
-                <a:solidFill>
-                  <a:srgbClr val="f5f5f5"/>
-                </a:solidFill>
-                <a:uFill>
-                  <a:solidFill>
-                    <a:srgbClr val="ffffff"/>
-                  </a:solidFill>
-                </a:uFill>
-                <a:latin typeface="Century Schoolbook"/>
-              </a:rPr>
-              <a:t>it </a:t>
-            </a:r>
-            <a:r>
-              <a:rPr b="0" i="1" lang="en-US" sz="7700" spc="-1" strike="noStrike" cap="all">
-                <a:solidFill>
-                  <a:srgbClr val="f5f5f5"/>
-                </a:solidFill>
-                <a:uFill>
-                  <a:solidFill>
-                    <a:srgbClr val="ffffff"/>
-                  </a:solidFill>
-                </a:uFill>
-                <a:latin typeface="Century Schoolbook"/>
-              </a:rPr>
-              <a:t>Ma</a:t>
-            </a:r>
-            <a:r>
-              <a:rPr b="0" i="1" lang="en-US" sz="7700" spc="-1" strike="noStrike" cap="all">
-                <a:solidFill>
-                  <a:srgbClr val="f5f5f5"/>
-                </a:solidFill>
-                <a:uFill>
-                  <a:solidFill>
-                    <a:srgbClr val="ffffff"/>
-                  </a:solidFill>
-                </a:uFill>
-                <a:latin typeface="Century Schoolbook"/>
-              </a:rPr>
-              <a:t>st</a:t>
-            </a:r>
-            <a:r>
-              <a:rPr b="0" i="1" lang="en-US" sz="7700" spc="-1" strike="noStrike" cap="all">
-                <a:solidFill>
-                  <a:srgbClr val="f5f5f5"/>
-                </a:solidFill>
-                <a:uFill>
-                  <a:solidFill>
-                    <a:srgbClr val="ffffff"/>
-                  </a:solidFill>
-                </a:uFill>
-                <a:latin typeface="Century Schoolbook"/>
-              </a:rPr>
-              <a:t>er </a:t>
-            </a:r>
-            <a:r>
-              <a:rPr b="0" i="1" lang="en-US" sz="7700" spc="-1" strike="noStrike" cap="all">
-                <a:solidFill>
-                  <a:srgbClr val="f5f5f5"/>
-                </a:solidFill>
-                <a:uFill>
-                  <a:solidFill>
-                    <a:srgbClr val="ffffff"/>
-                  </a:solidFill>
-                </a:uFill>
-                <a:latin typeface="Century Schoolbook"/>
-              </a:rPr>
-              <a:t>tit</a:t>
-            </a:r>
-            <a:r>
-              <a:rPr b="0" i="1" lang="en-US" sz="7700" spc="-1" strike="noStrike" cap="all">
-                <a:solidFill>
-                  <a:srgbClr val="f5f5f5"/>
-                </a:solidFill>
-                <a:uFill>
-                  <a:solidFill>
-                    <a:srgbClr val="ffffff"/>
-                  </a:solidFill>
-                </a:uFill>
-                <a:latin typeface="Century Schoolbook"/>
-              </a:rPr>
-              <a:t>le </a:t>
-            </a:r>
-            <a:r>
-              <a:rPr b="0" i="1" lang="en-US" sz="7700" spc="-1" strike="noStrike" cap="all">
-                <a:solidFill>
-                  <a:srgbClr val="f5f5f5"/>
-                </a:solidFill>
-                <a:uFill>
-                  <a:solidFill>
-                    <a:srgbClr val="ffffff"/>
-                  </a:solidFill>
-                </a:uFill>
-                <a:latin typeface="Century Schoolbook"/>
-              </a:rPr>
-              <a:t>st</a:t>
-            </a:r>
-            <a:r>
-              <a:rPr b="0" i="1" lang="en-US" sz="7700" spc="-1" strike="noStrike" cap="all">
-                <a:solidFill>
-                  <a:srgbClr val="f5f5f5"/>
-                </a:solidFill>
-                <a:uFill>
-                  <a:solidFill>
-                    <a:srgbClr val="ffffff"/>
-                  </a:solidFill>
-                </a:uFill>
-                <a:latin typeface="Century Schoolbook"/>
-              </a:rPr>
-              <a:t>yl</a:t>
-            </a:r>
-            <a:r>
-              <a:rPr b="0" i="1" lang="en-US" sz="7700" spc="-1" strike="noStrike" cap="all">
-                <a:solidFill>
-                  <a:srgbClr val="f5f5f5"/>
-                </a:solidFill>
-                <a:uFill>
-                  <a:solidFill>
-                    <a:srgbClr val="ffffff"/>
-                  </a:solidFill>
-                </a:uFill>
-                <a:latin typeface="Century Schoolbook"/>
-              </a:rPr>
-              <a:t>e</a:t>
-            </a:r>
-            <a:endParaRPr b="0" lang="en-US" sz="1800" spc="-1" strike="noStrike">
+            <a:endParaRPr lang="en-US" sz="1800" b="0" strike="noStrike" spc="-1">
               <a:solidFill>
-                <a:srgbClr val="ffffff"/>
+                <a:srgbClr val="FFFFFF"/>
               </a:solidFill>
               <a:uFill>
                 <a:solidFill>
-                  <a:srgbClr val="ffffff"/>
+                  <a:srgbClr val="FFFFFF"/>
                 </a:solidFill>
               </a:uFill>
               <a:latin typeface="Corbel"/>
@@ -3653,6 +3736,7 @@
         </p:spPr>
         <p:txBody>
           <a:bodyPr/>
+          <a:lstStyle/>
           <a:p>
             <a:pPr>
               <a:lnSpc>
@@ -3660,26 +3744,26 @@
               </a:lnSpc>
             </a:pPr>
             <a:r>
-              <a:rPr b="0" i="1" lang="en-US" sz="1200" spc="-1" strike="noStrike">
-                <a:solidFill>
-                  <a:srgbClr val="f6f6f6"/>
+              <a:rPr lang="en-US" sz="1200" b="0" i="1" strike="noStrike" spc="-1">
+                <a:solidFill>
+                  <a:srgbClr val="F6F6F6"/>
                 </a:solidFill>
                 <a:uFill>
                   <a:solidFill>
-                    <a:srgbClr val="ffffff"/>
+                    <a:srgbClr val="FFFFFF"/>
                   </a:solidFill>
                 </a:uFill>
                 <a:latin typeface="Century Schoolbook"/>
               </a:rPr>
               <a:t>9/14/17</a:t>
             </a:r>
-            <a:endParaRPr b="0" lang="en-US" sz="1400" spc="-1" strike="noStrike">
+            <a:endParaRPr lang="en-US" sz="1400" b="0" strike="noStrike" spc="-1">
               <a:solidFill>
-                <a:srgbClr val="ffffff"/>
+                <a:srgbClr val="FFFFFF"/>
               </a:solidFill>
               <a:uFill>
                 <a:solidFill>
-                  <a:srgbClr val="ffffff"/>
+                  <a:srgbClr val="FFFFFF"/>
                 </a:solidFill>
               </a:uFill>
               <a:latin typeface="Times New Roman"/>
@@ -3708,14 +3792,15 @@
         </p:spPr>
         <p:txBody>
           <a:bodyPr/>
-          <a:p>
-            <a:endParaRPr b="0" lang="en-US" sz="2400" spc="-1" strike="noStrike">
+          <a:lstStyle/>
+          <a:p>
+            <a:endParaRPr lang="en-US" sz="2400" b="0" strike="noStrike" spc="-1">
               <a:solidFill>
-                <a:srgbClr val="ffffff"/>
+                <a:srgbClr val="FFFFFF"/>
               </a:solidFill>
               <a:uFill>
                 <a:solidFill>
-                  <a:srgbClr val="ffffff"/>
+                  <a:srgbClr val="FFFFFF"/>
                 </a:solidFill>
               </a:uFill>
               <a:latin typeface="Times New Roman"/>
@@ -3744,6 +3829,7 @@
         </p:spPr>
         <p:txBody>
           <a:bodyPr anchor="ctr"/>
+          <a:lstStyle/>
           <a:p>
             <a:pPr algn="r">
               <a:lnSpc>
@@ -3751,26 +3837,26 @@
               </a:lnSpc>
             </a:pPr>
             <a:fld id="{01A1B4B0-B4E0-47EE-8756-637B794ECB79}" type="slidenum">
-              <a:rPr b="0" i="1" lang="en-US" sz="1200" spc="-1" strike="noStrike">
-                <a:solidFill>
-                  <a:srgbClr val="1d1a1d"/>
+              <a:rPr lang="en-US" sz="1200" b="0" i="1" strike="noStrike" spc="-1">
+                <a:solidFill>
+                  <a:srgbClr val="1D1A1D"/>
                 </a:solidFill>
                 <a:uFill>
                   <a:solidFill>
-                    <a:srgbClr val="ffffff"/>
+                    <a:srgbClr val="FFFFFF"/>
                   </a:solidFill>
                 </a:uFill>
                 <a:latin typeface="Century Schoolbook"/>
               </a:rPr>
-              <a:t>4</a:t>
+              <a:t>‹#›</a:t>
             </a:fld>
-            <a:endParaRPr b="0" lang="en-US" sz="1400" spc="-1" strike="noStrike">
+            <a:endParaRPr lang="en-US" sz="1400" b="0" strike="noStrike" spc="-1">
               <a:solidFill>
-                <a:srgbClr val="ffffff"/>
+                <a:srgbClr val="FFFFFF"/>
               </a:solidFill>
               <a:uFill>
                 <a:solidFill>
-                  <a:srgbClr val="ffffff"/>
+                  <a:srgbClr val="FFFFFF"/>
                 </a:solidFill>
               </a:uFill>
               <a:latin typeface="Times New Roman"/>
@@ -3832,282 +3918,487 @@
           </a:prstGeom>
         </p:spPr>
         <p:txBody>
-          <a:bodyPr lIns="0" rIns="0" tIns="0" bIns="0"/>
+          <a:bodyPr lIns="0" tIns="0" rIns="0" bIns="0"/>
+          <a:lstStyle/>
           <a:p>
             <a:pPr marL="432000" indent="-324000">
               <a:buClr>
-                <a:srgbClr val="ffffff"/>
+                <a:srgbClr val="FFFFFF"/>
               </a:buClr>
               <a:buSzPct val="45000"/>
               <a:buFont typeface="Wingdings" charset="2"/>
               <a:buChar char=""/>
             </a:pPr>
             <a:r>
-              <a:rPr b="0" lang="en-US" sz="2000" spc="-1" strike="noStrike">
-                <a:solidFill>
-                  <a:srgbClr val="ffffff"/>
+              <a:rPr lang="en-US" sz="2000" b="0" strike="noStrike" spc="-1">
+                <a:solidFill>
+                  <a:srgbClr val="FFFFFF"/>
                 </a:solidFill>
                 <a:uFill>
                   <a:solidFill>
-                    <a:srgbClr val="ffffff"/>
+                    <a:srgbClr val="FFFFFF"/>
                   </a:solidFill>
                 </a:uFill>
                 <a:latin typeface="Corbel"/>
               </a:rPr>
               <a:t>Click to edit the outline text format</a:t>
             </a:r>
-            <a:endParaRPr b="0" lang="en-US" sz="2000" spc="-1" strike="noStrike">
-              <a:solidFill>
-                <a:srgbClr val="ffffff"/>
-              </a:solidFill>
-              <a:uFill>
-                <a:solidFill>
-                  <a:srgbClr val="ffffff"/>
-                </a:solidFill>
-              </a:uFill>
-              <a:latin typeface="Corbel"/>
-            </a:endParaRPr>
-          </a:p>
-          <a:p>
-            <a:pPr lvl="1" marL="864000" indent="-324000">
+          </a:p>
+          <a:p>
+            <a:pPr marL="864000" lvl="1" indent="-324000">
               <a:buClr>
-                <a:srgbClr val="ffffff"/>
+                <a:srgbClr val="FFFFFF"/>
               </a:buClr>
               <a:buSzPct val="75000"/>
               <a:buFont typeface="Symbol" charset="2"/>
               <a:buChar char=""/>
             </a:pPr>
             <a:r>
-              <a:rPr b="0" lang="en-US" sz="1600" spc="-1" strike="noStrike">
-                <a:solidFill>
-                  <a:srgbClr val="ffffff"/>
+              <a:rPr lang="en-US" sz="1600" b="0" strike="noStrike" spc="-1">
+                <a:solidFill>
+                  <a:srgbClr val="FFFFFF"/>
                 </a:solidFill>
                 <a:uFill>
                   <a:solidFill>
-                    <a:srgbClr val="ffffff"/>
+                    <a:srgbClr val="FFFFFF"/>
                   </a:solidFill>
                 </a:uFill>
                 <a:latin typeface="Corbel"/>
               </a:rPr>
               <a:t>Second Outline Level</a:t>
             </a:r>
-            <a:endParaRPr b="0" lang="en-US" sz="1600" spc="-1" strike="noStrike">
-              <a:solidFill>
-                <a:srgbClr val="ffffff"/>
-              </a:solidFill>
-              <a:uFill>
-                <a:solidFill>
-                  <a:srgbClr val="ffffff"/>
-                </a:solidFill>
-              </a:uFill>
-              <a:latin typeface="Corbel"/>
-            </a:endParaRPr>
-          </a:p>
-          <a:p>
-            <a:pPr lvl="2" marL="1296000" indent="-288000">
+          </a:p>
+          <a:p>
+            <a:pPr marL="1296000" lvl="2" indent="-288000">
               <a:buClr>
-                <a:srgbClr val="ffffff"/>
+                <a:srgbClr val="FFFFFF"/>
               </a:buClr>
               <a:buSzPct val="45000"/>
               <a:buFont typeface="Wingdings" charset="2"/>
               <a:buChar char=""/>
             </a:pPr>
             <a:r>
-              <a:rPr b="0" lang="en-US" sz="1400" spc="-1" strike="noStrike">
-                <a:solidFill>
-                  <a:srgbClr val="ffffff"/>
+              <a:rPr lang="en-US" sz="1400" b="0" strike="noStrike" spc="-1">
+                <a:solidFill>
+                  <a:srgbClr val="FFFFFF"/>
                 </a:solidFill>
                 <a:uFill>
                   <a:solidFill>
-                    <a:srgbClr val="ffffff"/>
+                    <a:srgbClr val="FFFFFF"/>
                   </a:solidFill>
                 </a:uFill>
                 <a:latin typeface="Corbel"/>
               </a:rPr>
               <a:t>Third Outline Level</a:t>
             </a:r>
-            <a:endParaRPr b="0" lang="en-US" sz="1400" spc="-1" strike="noStrike">
-              <a:solidFill>
-                <a:srgbClr val="ffffff"/>
-              </a:solidFill>
-              <a:uFill>
-                <a:solidFill>
-                  <a:srgbClr val="ffffff"/>
-                </a:solidFill>
-              </a:uFill>
-              <a:latin typeface="Corbel"/>
-            </a:endParaRPr>
-          </a:p>
-          <a:p>
-            <a:pPr lvl="3" marL="1728000" indent="-216000">
+          </a:p>
+          <a:p>
+            <a:pPr marL="1728000" lvl="3" indent="-216000">
               <a:buClr>
-                <a:srgbClr val="ffffff"/>
+                <a:srgbClr val="FFFFFF"/>
               </a:buClr>
               <a:buSzPct val="75000"/>
               <a:buFont typeface="Symbol" charset="2"/>
               <a:buChar char=""/>
             </a:pPr>
             <a:r>
-              <a:rPr b="0" i="1" lang="en-US" sz="1400" spc="-1" strike="noStrike">
-                <a:solidFill>
-                  <a:srgbClr val="ffffff"/>
+              <a:rPr lang="en-US" sz="1400" b="0" i="1" strike="noStrike" spc="-1">
+                <a:solidFill>
+                  <a:srgbClr val="FFFFFF"/>
                 </a:solidFill>
                 <a:uFill>
                   <a:solidFill>
-                    <a:srgbClr val="ffffff"/>
+                    <a:srgbClr val="FFFFFF"/>
                   </a:solidFill>
                 </a:uFill>
                 <a:latin typeface="Corbel"/>
               </a:rPr>
               <a:t>Fourth Outline Level</a:t>
             </a:r>
-            <a:endParaRPr b="0" i="1" lang="en-US" sz="1400" spc="-1" strike="noStrike">
-              <a:solidFill>
-                <a:srgbClr val="ffffff"/>
-              </a:solidFill>
-              <a:uFill>
-                <a:solidFill>
-                  <a:srgbClr val="ffffff"/>
-                </a:solidFill>
-              </a:uFill>
-              <a:latin typeface="Corbel"/>
-            </a:endParaRPr>
-          </a:p>
-          <a:p>
-            <a:pPr lvl="4" marL="2160000" indent="-216000">
+          </a:p>
+          <a:p>
+            <a:pPr marL="2160000" lvl="4" indent="-216000">
               <a:buClr>
-                <a:srgbClr val="ffffff"/>
+                <a:srgbClr val="FFFFFF"/>
               </a:buClr>
               <a:buSzPct val="45000"/>
               <a:buFont typeface="Wingdings" charset="2"/>
               <a:buChar char=""/>
             </a:pPr>
             <a:r>
-              <a:rPr b="0" i="1" lang="en-US" sz="2000" spc="-1" strike="noStrike">
-                <a:solidFill>
-                  <a:srgbClr val="ffffff"/>
+              <a:rPr lang="en-US" sz="2000" b="0" i="1" strike="noStrike" spc="-1">
+                <a:solidFill>
+                  <a:srgbClr val="FFFFFF"/>
                 </a:solidFill>
                 <a:uFill>
                   <a:solidFill>
-                    <a:srgbClr val="ffffff"/>
+                    <a:srgbClr val="FFFFFF"/>
                   </a:solidFill>
                 </a:uFill>
                 <a:latin typeface="Corbel"/>
               </a:rPr>
               <a:t>Fifth Outline Level</a:t>
             </a:r>
-            <a:endParaRPr b="0" i="1" lang="en-US" sz="2000" spc="-1" strike="noStrike">
-              <a:solidFill>
-                <a:srgbClr val="ffffff"/>
-              </a:solidFill>
-              <a:uFill>
-                <a:solidFill>
-                  <a:srgbClr val="ffffff"/>
-                </a:solidFill>
-              </a:uFill>
-              <a:latin typeface="Corbel"/>
-            </a:endParaRPr>
-          </a:p>
-          <a:p>
-            <a:pPr lvl="5" marL="2592000" indent="-216000">
+          </a:p>
+          <a:p>
+            <a:pPr marL="2592000" lvl="5" indent="-216000">
               <a:buClr>
-                <a:srgbClr val="ffffff"/>
+                <a:srgbClr val="FFFFFF"/>
               </a:buClr>
               <a:buSzPct val="45000"/>
               <a:buFont typeface="Wingdings" charset="2"/>
               <a:buChar char=""/>
             </a:pPr>
             <a:r>
-              <a:rPr b="0" i="1" lang="en-US" sz="2000" spc="-1" strike="noStrike">
-                <a:solidFill>
-                  <a:srgbClr val="ffffff"/>
+              <a:rPr lang="en-US" sz="2000" b="0" i="1" strike="noStrike" spc="-1">
+                <a:solidFill>
+                  <a:srgbClr val="FFFFFF"/>
                 </a:solidFill>
                 <a:uFill>
                   <a:solidFill>
-                    <a:srgbClr val="ffffff"/>
+                    <a:srgbClr val="FFFFFF"/>
                   </a:solidFill>
                 </a:uFill>
                 <a:latin typeface="Corbel"/>
               </a:rPr>
               <a:t>Sixth Outline Level</a:t>
             </a:r>
-            <a:endParaRPr b="0" i="1" lang="en-US" sz="2000" spc="-1" strike="noStrike">
-              <a:solidFill>
-                <a:srgbClr val="ffffff"/>
-              </a:solidFill>
-              <a:uFill>
-                <a:solidFill>
-                  <a:srgbClr val="ffffff"/>
-                </a:solidFill>
-              </a:uFill>
-              <a:latin typeface="Corbel"/>
-            </a:endParaRPr>
-          </a:p>
-          <a:p>
-            <a:pPr lvl="6" marL="3024000" indent="-216000">
+          </a:p>
+          <a:p>
+            <a:pPr marL="3024000" lvl="6" indent="-216000">
               <a:buClr>
-                <a:srgbClr val="ffffff"/>
+                <a:srgbClr val="FFFFFF"/>
               </a:buClr>
               <a:buSzPct val="45000"/>
               <a:buFont typeface="Wingdings" charset="2"/>
               <a:buChar char=""/>
             </a:pPr>
             <a:r>
-              <a:rPr b="0" i="1" lang="en-US" sz="2000" spc="-1" strike="noStrike">
-                <a:solidFill>
-                  <a:srgbClr val="ffffff"/>
+              <a:rPr lang="en-US" sz="2000" b="0" i="1" strike="noStrike" spc="-1">
+                <a:solidFill>
+                  <a:srgbClr val="FFFFFF"/>
                 </a:solidFill>
                 <a:uFill>
                   <a:solidFill>
-                    <a:srgbClr val="ffffff"/>
+                    <a:srgbClr val="FFFFFF"/>
                   </a:solidFill>
                 </a:uFill>
                 <a:latin typeface="Corbel"/>
               </a:rPr>
               <a:t>Seventh Outline Level</a:t>
             </a:r>
-            <a:endParaRPr b="0" i="1" lang="en-US" sz="2000" spc="-1" strike="noStrike">
-              <a:solidFill>
-                <a:srgbClr val="ffffff"/>
-              </a:solidFill>
-              <a:uFill>
-                <a:solidFill>
-                  <a:srgbClr val="ffffff"/>
-                </a:solidFill>
-              </a:uFill>
-              <a:latin typeface="Corbel"/>
-            </a:endParaRPr>
           </a:p>
         </p:txBody>
       </p:sp>
     </p:spTree>
   </p:cSld>
-  <p:clrMap bg1="lt1" bg2="lt2" tx1="dk1" tx2="dk2" accent1="accent1" accent2="accent2" accent3="accent3" accent4="accent4" accent5="accent5" accent6="accent6" hlink="hlink" folHlink="folHlink"/>
+  <p:clrMap bg1="lt1" tx1="dk1" bg2="lt2" tx2="dk2" accent1="accent1" accent2="accent2" accent3="accent3" accent4="accent4" accent5="accent5" accent6="accent6" hlink="hlink" folHlink="folHlink"/>
   <p:sldLayoutIdLst>
-    <p:sldLayoutId id="2147483649" r:id="rId2"/>
-    <p:sldLayoutId id="2147483650" r:id="rId3"/>
-    <p:sldLayoutId id="2147483651" r:id="rId4"/>
-    <p:sldLayoutId id="2147483652" r:id="rId5"/>
-    <p:sldLayoutId id="2147483653" r:id="rId6"/>
-    <p:sldLayoutId id="2147483654" r:id="rId7"/>
-    <p:sldLayoutId id="2147483655" r:id="rId8"/>
-    <p:sldLayoutId id="2147483656" r:id="rId9"/>
-    <p:sldLayoutId id="2147483657" r:id="rId10"/>
-    <p:sldLayoutId id="2147483658" r:id="rId11"/>
-    <p:sldLayoutId id="2147483659" r:id="rId12"/>
-    <p:sldLayoutId id="2147483660" r:id="rId13"/>
+    <p:sldLayoutId id="2147483649" r:id="rId1"/>
+    <p:sldLayoutId id="2147483650" r:id="rId2"/>
+    <p:sldLayoutId id="2147483651" r:id="rId3"/>
+    <p:sldLayoutId id="2147483652" r:id="rId4"/>
+    <p:sldLayoutId id="2147483653" r:id="rId5"/>
+    <p:sldLayoutId id="2147483654" r:id="rId6"/>
+    <p:sldLayoutId id="2147483655" r:id="rId7"/>
+    <p:sldLayoutId id="2147483656" r:id="rId8"/>
+    <p:sldLayoutId id="2147483657" r:id="rId9"/>
+    <p:sldLayoutId id="2147483658" r:id="rId10"/>
+    <p:sldLayoutId id="2147483659" r:id="rId11"/>
+    <p:sldLayoutId id="2147483660" r:id="rId12"/>
   </p:sldLayoutIdLst>
+  <p:txStyles>
+    <p:titleStyle>
+      <a:lvl1pPr algn="l" defTabSz="914400" rtl="0" eaLnBrk="1" latinLnBrk="0" hangingPunct="1">
+        <a:lnSpc>
+          <a:spcPct val="90000"/>
+        </a:lnSpc>
+        <a:spcBef>
+          <a:spcPct val="0"/>
+        </a:spcBef>
+        <a:buNone/>
+        <a:defRPr sz="4400" kern="1200">
+          <a:solidFill>
+            <a:schemeClr val="tx1"/>
+          </a:solidFill>
+          <a:latin typeface="+mj-lt"/>
+          <a:ea typeface="+mj-ea"/>
+          <a:cs typeface="+mj-cs"/>
+        </a:defRPr>
+      </a:lvl1pPr>
+    </p:titleStyle>
+    <p:bodyStyle>
+      <a:lvl1pPr marL="228600" indent="-228600" algn="l" defTabSz="914400" rtl="0" eaLnBrk="1" latinLnBrk="0" hangingPunct="1">
+        <a:lnSpc>
+          <a:spcPct val="90000"/>
+        </a:lnSpc>
+        <a:spcBef>
+          <a:spcPts val="1000"/>
+        </a:spcBef>
+        <a:buFont typeface="Arial" panose="020B0604020202020204" pitchFamily="34" charset="0"/>
+        <a:buChar char="•"/>
+        <a:defRPr sz="2800" kern="1200">
+          <a:solidFill>
+            <a:schemeClr val="tx1"/>
+          </a:solidFill>
+          <a:latin typeface="+mn-lt"/>
+          <a:ea typeface="+mn-ea"/>
+          <a:cs typeface="+mn-cs"/>
+        </a:defRPr>
+      </a:lvl1pPr>
+      <a:lvl2pPr marL="685800" indent="-228600" algn="l" defTabSz="914400" rtl="0" eaLnBrk="1" latinLnBrk="0" hangingPunct="1">
+        <a:lnSpc>
+          <a:spcPct val="90000"/>
+        </a:lnSpc>
+        <a:spcBef>
+          <a:spcPts val="500"/>
+        </a:spcBef>
+        <a:buFont typeface="Arial" panose="020B0604020202020204" pitchFamily="34" charset="0"/>
+        <a:buChar char="•"/>
+        <a:defRPr sz="2400" kern="1200">
+          <a:solidFill>
+            <a:schemeClr val="tx1"/>
+          </a:solidFill>
+          <a:latin typeface="+mn-lt"/>
+          <a:ea typeface="+mn-ea"/>
+          <a:cs typeface="+mn-cs"/>
+        </a:defRPr>
+      </a:lvl2pPr>
+      <a:lvl3pPr marL="1143000" indent="-228600" algn="l" defTabSz="914400" rtl="0" eaLnBrk="1" latinLnBrk="0" hangingPunct="1">
+        <a:lnSpc>
+          <a:spcPct val="90000"/>
+        </a:lnSpc>
+        <a:spcBef>
+          <a:spcPts val="500"/>
+        </a:spcBef>
+        <a:buFont typeface="Arial" panose="020B0604020202020204" pitchFamily="34" charset="0"/>
+        <a:buChar char="•"/>
+        <a:defRPr sz="2000" kern="1200">
+          <a:solidFill>
+            <a:schemeClr val="tx1"/>
+          </a:solidFill>
+          <a:latin typeface="+mn-lt"/>
+          <a:ea typeface="+mn-ea"/>
+          <a:cs typeface="+mn-cs"/>
+        </a:defRPr>
+      </a:lvl3pPr>
+      <a:lvl4pPr marL="1600200" indent="-228600" algn="l" defTabSz="914400" rtl="0" eaLnBrk="1" latinLnBrk="0" hangingPunct="1">
+        <a:lnSpc>
+          <a:spcPct val="90000"/>
+        </a:lnSpc>
+        <a:spcBef>
+          <a:spcPts val="500"/>
+        </a:spcBef>
+        <a:buFont typeface="Arial" panose="020B0604020202020204" pitchFamily="34" charset="0"/>
+        <a:buChar char="•"/>
+        <a:defRPr sz="1800" kern="1200">
+          <a:solidFill>
+            <a:schemeClr val="tx1"/>
+          </a:solidFill>
+          <a:latin typeface="+mn-lt"/>
+          <a:ea typeface="+mn-ea"/>
+          <a:cs typeface="+mn-cs"/>
+        </a:defRPr>
+      </a:lvl4pPr>
+      <a:lvl5pPr marL="2057400" indent="-228600" algn="l" defTabSz="914400" rtl="0" eaLnBrk="1" latinLnBrk="0" hangingPunct="1">
+        <a:lnSpc>
+          <a:spcPct val="90000"/>
+        </a:lnSpc>
+        <a:spcBef>
+          <a:spcPts val="500"/>
+        </a:spcBef>
+        <a:buFont typeface="Arial" panose="020B0604020202020204" pitchFamily="34" charset="0"/>
+        <a:buChar char="•"/>
+        <a:defRPr sz="1800" kern="1200">
+          <a:solidFill>
+            <a:schemeClr val="tx1"/>
+          </a:solidFill>
+          <a:latin typeface="+mn-lt"/>
+          <a:ea typeface="+mn-ea"/>
+          <a:cs typeface="+mn-cs"/>
+        </a:defRPr>
+      </a:lvl5pPr>
+      <a:lvl6pPr marL="2514600" indent="-228600" algn="l" defTabSz="914400" rtl="0" eaLnBrk="1" latinLnBrk="0" hangingPunct="1">
+        <a:lnSpc>
+          <a:spcPct val="90000"/>
+        </a:lnSpc>
+        <a:spcBef>
+          <a:spcPts val="500"/>
+        </a:spcBef>
+        <a:buFont typeface="Arial" panose="020B0604020202020204" pitchFamily="34" charset="0"/>
+        <a:buChar char="•"/>
+        <a:defRPr sz="1800" kern="1200">
+          <a:solidFill>
+            <a:schemeClr val="tx1"/>
+          </a:solidFill>
+          <a:latin typeface="+mn-lt"/>
+          <a:ea typeface="+mn-ea"/>
+          <a:cs typeface="+mn-cs"/>
+        </a:defRPr>
+      </a:lvl6pPr>
+      <a:lvl7pPr marL="2971800" indent="-228600" algn="l" defTabSz="914400" rtl="0" eaLnBrk="1" latinLnBrk="0" hangingPunct="1">
+        <a:lnSpc>
+          <a:spcPct val="90000"/>
+        </a:lnSpc>
+        <a:spcBef>
+          <a:spcPts val="500"/>
+        </a:spcBef>
+        <a:buFont typeface="Arial" panose="020B0604020202020204" pitchFamily="34" charset="0"/>
+        <a:buChar char="•"/>
+        <a:defRPr sz="1800" kern="1200">
+          <a:solidFill>
+            <a:schemeClr val="tx1"/>
+          </a:solidFill>
+          <a:latin typeface="+mn-lt"/>
+          <a:ea typeface="+mn-ea"/>
+          <a:cs typeface="+mn-cs"/>
+        </a:defRPr>
+      </a:lvl7pPr>
+      <a:lvl8pPr marL="3429000" indent="-228600" algn="l" defTabSz="914400" rtl="0" eaLnBrk="1" latinLnBrk="0" hangingPunct="1">
+        <a:lnSpc>
+          <a:spcPct val="90000"/>
+        </a:lnSpc>
+        <a:spcBef>
+          <a:spcPts val="500"/>
+        </a:spcBef>
+        <a:buFont typeface="Arial" panose="020B0604020202020204" pitchFamily="34" charset="0"/>
+        <a:buChar char="•"/>
+        <a:defRPr sz="1800" kern="1200">
+          <a:solidFill>
+            <a:schemeClr val="tx1"/>
+          </a:solidFill>
+          <a:latin typeface="+mn-lt"/>
+          <a:ea typeface="+mn-ea"/>
+          <a:cs typeface="+mn-cs"/>
+        </a:defRPr>
+      </a:lvl8pPr>
+      <a:lvl9pPr marL="3886200" indent="-228600" algn="l" defTabSz="914400" rtl="0" eaLnBrk="1" latinLnBrk="0" hangingPunct="1">
+        <a:lnSpc>
+          <a:spcPct val="90000"/>
+        </a:lnSpc>
+        <a:spcBef>
+          <a:spcPts val="500"/>
+        </a:spcBef>
+        <a:buFont typeface="Arial" panose="020B0604020202020204" pitchFamily="34" charset="0"/>
+        <a:buChar char="•"/>
+        <a:defRPr sz="1800" kern="1200">
+          <a:solidFill>
+            <a:schemeClr val="tx1"/>
+          </a:solidFill>
+          <a:latin typeface="+mn-lt"/>
+          <a:ea typeface="+mn-ea"/>
+          <a:cs typeface="+mn-cs"/>
+        </a:defRPr>
+      </a:lvl9pPr>
+    </p:bodyStyle>
+    <p:otherStyle>
+      <a:defPPr>
+        <a:defRPr lang="en-US"/>
+      </a:defPPr>
+      <a:lvl1pPr marL="0" algn="l" defTabSz="914400" rtl="0" eaLnBrk="1" latinLnBrk="0" hangingPunct="1">
+        <a:defRPr sz="1800" kern="1200">
+          <a:solidFill>
+            <a:schemeClr val="tx1"/>
+          </a:solidFill>
+          <a:latin typeface="+mn-lt"/>
+          <a:ea typeface="+mn-ea"/>
+          <a:cs typeface="+mn-cs"/>
+        </a:defRPr>
+      </a:lvl1pPr>
+      <a:lvl2pPr marL="457200" algn="l" defTabSz="914400" rtl="0" eaLnBrk="1" latinLnBrk="0" hangingPunct="1">
+        <a:defRPr sz="1800" kern="1200">
+          <a:solidFill>
+            <a:schemeClr val="tx1"/>
+          </a:solidFill>
+          <a:latin typeface="+mn-lt"/>
+          <a:ea typeface="+mn-ea"/>
+          <a:cs typeface="+mn-cs"/>
+        </a:defRPr>
+      </a:lvl2pPr>
+      <a:lvl3pPr marL="914400" algn="l" defTabSz="914400" rtl="0" eaLnBrk="1" latinLnBrk="0" hangingPunct="1">
+        <a:defRPr sz="1800" kern="1200">
+          <a:solidFill>
+            <a:schemeClr val="tx1"/>
+          </a:solidFill>
+          <a:latin typeface="+mn-lt"/>
+          <a:ea typeface="+mn-ea"/>
+          <a:cs typeface="+mn-cs"/>
+        </a:defRPr>
+      </a:lvl3pPr>
+      <a:lvl4pPr marL="1371600" algn="l" defTabSz="914400" rtl="0" eaLnBrk="1" latinLnBrk="0" hangingPunct="1">
+        <a:defRPr sz="1800" kern="1200">
+          <a:solidFill>
+            <a:schemeClr val="tx1"/>
+          </a:solidFill>
+          <a:latin typeface="+mn-lt"/>
+          <a:ea typeface="+mn-ea"/>
+          <a:cs typeface="+mn-cs"/>
+        </a:defRPr>
+      </a:lvl4pPr>
+      <a:lvl5pPr marL="1828800" algn="l" defTabSz="914400" rtl="0" eaLnBrk="1" latinLnBrk="0" hangingPunct="1">
+        <a:defRPr sz="1800" kern="1200">
+          <a:solidFill>
+            <a:schemeClr val="tx1"/>
+          </a:solidFill>
+          <a:latin typeface="+mn-lt"/>
+          <a:ea typeface="+mn-ea"/>
+          <a:cs typeface="+mn-cs"/>
+        </a:defRPr>
+      </a:lvl5pPr>
+      <a:lvl6pPr marL="2286000" algn="l" defTabSz="914400" rtl="0" eaLnBrk="1" latinLnBrk="0" hangingPunct="1">
+        <a:defRPr sz="1800" kern="1200">
+          <a:solidFill>
+            <a:schemeClr val="tx1"/>
+          </a:solidFill>
+          <a:latin typeface="+mn-lt"/>
+          <a:ea typeface="+mn-ea"/>
+          <a:cs typeface="+mn-cs"/>
+        </a:defRPr>
+      </a:lvl6pPr>
+      <a:lvl7pPr marL="2743200" algn="l" defTabSz="914400" rtl="0" eaLnBrk="1" latinLnBrk="0" hangingPunct="1">
+        <a:defRPr sz="1800" kern="1200">
+          <a:solidFill>
+            <a:schemeClr val="tx1"/>
+          </a:solidFill>
+          <a:latin typeface="+mn-lt"/>
+          <a:ea typeface="+mn-ea"/>
+          <a:cs typeface="+mn-cs"/>
+        </a:defRPr>
+      </a:lvl7pPr>
+      <a:lvl8pPr marL="3200400" algn="l" defTabSz="914400" rtl="0" eaLnBrk="1" latinLnBrk="0" hangingPunct="1">
+        <a:defRPr sz="1800" kern="1200">
+          <a:solidFill>
+            <a:schemeClr val="tx1"/>
+          </a:solidFill>
+          <a:latin typeface="+mn-lt"/>
+          <a:ea typeface="+mn-ea"/>
+          <a:cs typeface="+mn-cs"/>
+        </a:defRPr>
+      </a:lvl8pPr>
+      <a:lvl9pPr marL="3657600" algn="l" defTabSz="914400" rtl="0" eaLnBrk="1" latinLnBrk="0" hangingPunct="1">
+        <a:defRPr sz="1800" kern="1200">
+          <a:solidFill>
+            <a:schemeClr val="tx1"/>
+          </a:solidFill>
+          <a:latin typeface="+mn-lt"/>
+          <a:ea typeface="+mn-ea"/>
+          <a:cs typeface="+mn-cs"/>
+        </a:defRPr>
+      </a:lvl9pPr>
+    </p:otherStyle>
+  </p:txStyles>
 </p:sldMaster>
 </file>
 
 <file path=ppt/slideMasters/slideMaster2.xml><?xml version="1.0" encoding="utf-8"?>
-<p:sldMaster xmlns:a="http://schemas.openxmlformats.org/drawingml/2006/main" xmlns:p="http://schemas.openxmlformats.org/presentationml/2006/main" xmlns:r="http://schemas.openxmlformats.org/officeDocument/2006/relationships" xmlns:p14="http://schemas.microsoft.com/office/powerpoint/2010/main" xmlns:p15="http://schemas.microsoft.com/office/powerpoint/2012/main" xmlns:mc="http://schemas.openxmlformats.org/markup-compatibility/2006">
+<p:sldMaster xmlns:a="http://schemas.openxmlformats.org/drawingml/2006/main" xmlns:r="http://schemas.openxmlformats.org/officeDocument/2006/relationships" xmlns:p="http://schemas.openxmlformats.org/presentationml/2006/main">
   <p:cSld>
     <p:bg>
       <p:bgPr>
         <a:solidFill>
-          <a:srgbClr val="f5f5f5"/>
+          <a:srgbClr val="F5F5F5"/>
         </a:solidFill>
+        <a:effectLst/>
       </p:bgPr>
     </p:bg>
     <p:spTree>
@@ -4139,6 +4430,7 @@
             <a:avLst/>
             <a:gdLst/>
             <a:ahLst/>
+            <a:cxnLst/>
             <a:rect l="l" t="t" r="r" b="b"/>
             <a:pathLst>
               <a:path w="1799" h="3612">
@@ -4319,9 +4611,15 @@
           </a:ln>
         </p:spPr>
         <p:style>
-          <a:lnRef idx="0"/>
-          <a:fillRef idx="0"/>
-          <a:effectRef idx="0"/>
+          <a:lnRef idx="0">
+            <a:scrgbClr r="0" g="0" b="0"/>
+          </a:lnRef>
+          <a:fillRef idx="0">
+            <a:scrgbClr r="0" g="0" b="0"/>
+          </a:fillRef>
+          <a:effectRef idx="0">
+            <a:scrgbClr r="0" g="0" b="0"/>
+          </a:effectRef>
           <a:fontRef idx="minor"/>
         </p:style>
       </p:sp>
@@ -4383,6 +4681,7 @@
         </p:spPr>
         <p:txBody>
           <a:bodyPr/>
+          <a:lstStyle/>
           <a:p>
             <a:pPr algn="r">
               <a:lnSpc>
@@ -4390,110 +4689,26 @@
               </a:lnSpc>
             </a:pPr>
             <a:r>
-              <a:rPr b="0" i="1" lang="en-US" sz="5000" spc="-1" strike="noStrike">
+              <a:rPr lang="en-US" sz="5000" b="0" i="1" strike="noStrike" spc="-1">
                 <a:solidFill>
                   <a:srgbClr val="262626"/>
                 </a:solidFill>
                 <a:uFill>
                   <a:solidFill>
-                    <a:srgbClr val="ffffff"/>
+                    <a:srgbClr val="FFFFFF"/>
                   </a:solidFill>
                 </a:uFill>
                 <a:latin typeface="Century Schoolbook"/>
               </a:rPr>
-              <a:t>Clic</a:t>
+              <a:t>Click to edit Master title style</a:t>
             </a:r>
-            <a:r>
-              <a:rPr b="0" i="1" lang="en-US" sz="5000" spc="-1" strike="noStrike">
-                <a:solidFill>
-                  <a:srgbClr val="262626"/>
-                </a:solidFill>
-                <a:uFill>
-                  <a:solidFill>
-                    <a:srgbClr val="ffffff"/>
-                  </a:solidFill>
-                </a:uFill>
-                <a:latin typeface="Century Schoolbook"/>
-              </a:rPr>
-              <a:t>k to </a:t>
-            </a:r>
-            <a:r>
-              <a:rPr b="0" i="1" lang="en-US" sz="5000" spc="-1" strike="noStrike">
-                <a:solidFill>
-                  <a:srgbClr val="262626"/>
-                </a:solidFill>
-                <a:uFill>
-                  <a:solidFill>
-                    <a:srgbClr val="ffffff"/>
-                  </a:solidFill>
-                </a:uFill>
-                <a:latin typeface="Century Schoolbook"/>
-              </a:rPr>
-              <a:t>edit </a:t>
-            </a:r>
-            <a:r>
-              <a:rPr b="0" i="1" lang="en-US" sz="5000" spc="-1" strike="noStrike">
-                <a:solidFill>
-                  <a:srgbClr val="262626"/>
-                </a:solidFill>
-                <a:uFill>
-                  <a:solidFill>
-                    <a:srgbClr val="ffffff"/>
-                  </a:solidFill>
-                </a:uFill>
-                <a:latin typeface="Century Schoolbook"/>
-              </a:rPr>
-              <a:t>Mas</a:t>
-            </a:r>
-            <a:r>
-              <a:rPr b="0" i="1" lang="en-US" sz="5000" spc="-1" strike="noStrike">
-                <a:solidFill>
-                  <a:srgbClr val="262626"/>
-                </a:solidFill>
-                <a:uFill>
-                  <a:solidFill>
-                    <a:srgbClr val="ffffff"/>
-                  </a:solidFill>
-                </a:uFill>
-                <a:latin typeface="Century Schoolbook"/>
-              </a:rPr>
-              <a:t>ter </a:t>
-            </a:r>
-            <a:r>
-              <a:rPr b="0" i="1" lang="en-US" sz="5000" spc="-1" strike="noStrike">
-                <a:solidFill>
-                  <a:srgbClr val="262626"/>
-                </a:solidFill>
-                <a:uFill>
-                  <a:solidFill>
-                    <a:srgbClr val="ffffff"/>
-                  </a:solidFill>
-                </a:uFill>
-                <a:latin typeface="Century Schoolbook"/>
-              </a:rPr>
-              <a:t>title </a:t>
-            </a:r>
-            <a:r>
-              <a:rPr b="0" i="1" lang="en-US" sz="5000" spc="-1" strike="noStrike">
-                <a:solidFill>
-                  <a:srgbClr val="262626"/>
-                </a:solidFill>
-                <a:uFill>
-                  <a:solidFill>
-                    <a:srgbClr val="ffffff"/>
-                  </a:solidFill>
-                </a:uFill>
-                <a:latin typeface="Century Schoolbook"/>
-              </a:rPr>
-              <a:t>style</a:t>
-            </a:r>
-            <a:endParaRPr b="0" lang="en-US" sz="1800" spc="-1" strike="noStrike">
+            <a:endParaRPr lang="en-US" sz="1800" b="0" strike="noStrike" spc="-1">
               <a:solidFill>
                 <a:srgbClr val="000000"/>
               </a:solidFill>
               <a:uFill>
                 <a:solidFill>
-                  <a:srgbClr val="ffffff"/>
+                  <a:srgbClr val="FFFFFF"/>
                 </a:solidFill>
               </a:uFill>
               <a:latin typeface="Corbel"/>
@@ -4522,6 +4737,7 @@
         </p:spPr>
         <p:txBody>
           <a:bodyPr/>
+          <a:lstStyle/>
           <a:p>
             <a:pPr marL="432000" indent="-324000">
               <a:buClr>
@@ -4532,33 +4748,22 @@
               <a:buChar char=""/>
             </a:pPr>
             <a:r>
-              <a:rPr b="0" lang="en-US" sz="2000" spc="-1" strike="noStrike">
+              <a:rPr lang="en-US" sz="2000" b="0" strike="noStrike" spc="-1">
                 <a:solidFill>
                   <a:srgbClr val="262626"/>
                 </a:solidFill>
                 <a:uFill>
                   <a:solidFill>
-                    <a:srgbClr val="ffffff"/>
+                    <a:srgbClr val="FFFFFF"/>
                   </a:solidFill>
                 </a:uFill>
                 <a:latin typeface="Corbel"/>
               </a:rPr>
               <a:t>Click to edit the outline text format</a:t>
             </a:r>
-            <a:endParaRPr b="0" lang="en-US" sz="2000" spc="-1" strike="noStrike">
-              <a:solidFill>
-                <a:srgbClr val="262626"/>
-              </a:solidFill>
-              <a:uFill>
-                <a:solidFill>
-                  <a:srgbClr val="ffffff"/>
-                </a:solidFill>
-              </a:uFill>
-              <a:latin typeface="Corbel"/>
-            </a:endParaRPr>
-          </a:p>
-          <a:p>
-            <a:pPr lvl="1" marL="864000" indent="-324000">
+          </a:p>
+          <a:p>
+            <a:pPr marL="864000" lvl="1" indent="-324000">
               <a:buClr>
                 <a:srgbClr val="000000"/>
               </a:buClr>
@@ -4567,33 +4772,22 @@
               <a:buChar char=""/>
             </a:pPr>
             <a:r>
-              <a:rPr b="0" lang="en-US" sz="2000" spc="-1" strike="noStrike">
+              <a:rPr lang="en-US" sz="2000" b="0" strike="noStrike" spc="-1">
                 <a:solidFill>
                   <a:srgbClr val="262626"/>
                 </a:solidFill>
                 <a:uFill>
                   <a:solidFill>
-                    <a:srgbClr val="ffffff"/>
+                    <a:srgbClr val="FFFFFF"/>
                   </a:solidFill>
                 </a:uFill>
                 <a:latin typeface="Corbel"/>
               </a:rPr>
               <a:t>Second Outline Level</a:t>
             </a:r>
-            <a:endParaRPr b="0" lang="en-US" sz="2000" spc="-1" strike="noStrike">
-              <a:solidFill>
-                <a:srgbClr val="262626"/>
-              </a:solidFill>
-              <a:uFill>
-                <a:solidFill>
-                  <a:srgbClr val="ffffff"/>
-                </a:solidFill>
-              </a:uFill>
-              <a:latin typeface="Corbel"/>
-            </a:endParaRPr>
-          </a:p>
-          <a:p>
-            <a:pPr lvl="2" marL="1296000" indent="-288000">
+          </a:p>
+          <a:p>
+            <a:pPr marL="1296000" lvl="2" indent="-288000">
               <a:buClr>
                 <a:srgbClr val="000000"/>
               </a:buClr>
@@ -4602,33 +4796,22 @@
               <a:buChar char=""/>
             </a:pPr>
             <a:r>
-              <a:rPr b="0" lang="en-US" sz="2000" spc="-1" strike="noStrike">
+              <a:rPr lang="en-US" sz="2000" b="0" strike="noStrike" spc="-1">
                 <a:solidFill>
                   <a:srgbClr val="262626"/>
                 </a:solidFill>
                 <a:uFill>
                   <a:solidFill>
-                    <a:srgbClr val="ffffff"/>
+                    <a:srgbClr val="FFFFFF"/>
                   </a:solidFill>
                 </a:uFill>
                 <a:latin typeface="Corbel"/>
               </a:rPr>
               <a:t>Third Outline Level</a:t>
             </a:r>
-            <a:endParaRPr b="0" lang="en-US" sz="2000" spc="-1" strike="noStrike">
-              <a:solidFill>
-                <a:srgbClr val="262626"/>
-              </a:solidFill>
-              <a:uFill>
-                <a:solidFill>
-                  <a:srgbClr val="ffffff"/>
-                </a:solidFill>
-              </a:uFill>
-              <a:latin typeface="Corbel"/>
-            </a:endParaRPr>
-          </a:p>
-          <a:p>
-            <a:pPr lvl="3" marL="1728000" indent="-216000">
+          </a:p>
+          <a:p>
+            <a:pPr marL="1728000" lvl="3" indent="-216000">
               <a:buClr>
                 <a:srgbClr val="000000"/>
               </a:buClr>
@@ -4637,33 +4820,33 @@
               <a:buChar char=""/>
             </a:pPr>
             <a:r>
-              <a:rPr b="0" lang="en-US" sz="2000" spc="-1" strike="noStrike">
+              <a:rPr lang="en-US" sz="2000" b="0" strike="noStrike" spc="-1">
                 <a:solidFill>
                   <a:srgbClr val="262626"/>
                 </a:solidFill>
                 <a:uFill>
                   <a:solidFill>
-                    <a:srgbClr val="ffffff"/>
+                    <a:srgbClr val="FFFFFF"/>
                   </a:solidFill>
                 </a:uFill>
                 <a:latin typeface="Corbel"/>
               </a:rPr>
               <a:t>Fourth Outline Level</a:t>
             </a:r>
-            <a:endParaRPr b="0" i="1" lang="en-US" sz="2000" spc="-1" strike="noStrike">
+            <a:endParaRPr lang="en-US" sz="2000" b="0" i="1" strike="noStrike" spc="-1">
               <a:solidFill>
                 <a:srgbClr val="262626"/>
               </a:solidFill>
               <a:uFill>
                 <a:solidFill>
-                  <a:srgbClr val="ffffff"/>
+                  <a:srgbClr val="FFFFFF"/>
                 </a:solidFill>
               </a:uFill>
               <a:latin typeface="Corbel"/>
             </a:endParaRPr>
           </a:p>
           <a:p>
-            <a:pPr lvl="4" marL="2160000" indent="-216000">
+            <a:pPr marL="2160000" lvl="4" indent="-216000">
               <a:buClr>
                 <a:srgbClr val="000000"/>
               </a:buClr>
@@ -4672,33 +4855,33 @@
               <a:buChar char=""/>
             </a:pPr>
             <a:r>
-              <a:rPr b="0" lang="en-US" sz="2000" spc="-1" strike="noStrike">
+              <a:rPr lang="en-US" sz="2000" b="0" strike="noStrike" spc="-1">
                 <a:solidFill>
                   <a:srgbClr val="262626"/>
                 </a:solidFill>
                 <a:uFill>
                   <a:solidFill>
-                    <a:srgbClr val="ffffff"/>
+                    <a:srgbClr val="FFFFFF"/>
                   </a:solidFill>
                 </a:uFill>
                 <a:latin typeface="Corbel"/>
               </a:rPr>
               <a:t>Fifth Outline Level</a:t>
             </a:r>
-            <a:endParaRPr b="0" i="1" lang="en-US" sz="2000" spc="-1" strike="noStrike">
+            <a:endParaRPr lang="en-US" sz="2000" b="0" i="1" strike="noStrike" spc="-1">
               <a:solidFill>
                 <a:srgbClr val="262626"/>
               </a:solidFill>
               <a:uFill>
                 <a:solidFill>
-                  <a:srgbClr val="ffffff"/>
+                  <a:srgbClr val="FFFFFF"/>
                 </a:solidFill>
               </a:uFill>
               <a:latin typeface="Corbel"/>
             </a:endParaRPr>
           </a:p>
           <a:p>
-            <a:pPr lvl="5" marL="2592000" indent="-216000">
+            <a:pPr marL="2592000" lvl="5" indent="-216000">
               <a:buClr>
                 <a:srgbClr val="000000"/>
               </a:buClr>
@@ -4707,26 +4890,26 @@
               <a:buChar char=""/>
             </a:pPr>
             <a:r>
-              <a:rPr b="0" lang="en-US" sz="2000" spc="-1" strike="noStrike">
+              <a:rPr lang="en-US" sz="2000" b="0" strike="noStrike" spc="-1">
                 <a:solidFill>
                   <a:srgbClr val="262626"/>
                 </a:solidFill>
                 <a:uFill>
                   <a:solidFill>
-                    <a:srgbClr val="ffffff"/>
+                    <a:srgbClr val="FFFFFF"/>
                   </a:solidFill>
                 </a:uFill>
                 <a:latin typeface="Corbel"/>
               </a:rPr>
               <a:t>Sixth Outline Level</a:t>
             </a:r>
-            <a:endParaRPr b="0" i="1" lang="en-US" sz="2000" spc="-1" strike="noStrike">
+            <a:endParaRPr lang="en-US" sz="2000" b="0" i="1" strike="noStrike" spc="-1">
               <a:solidFill>
                 <a:srgbClr val="262626"/>
               </a:solidFill>
               <a:uFill>
                 <a:solidFill>
-                  <a:srgbClr val="ffffff"/>
+                  <a:srgbClr val="FFFFFF"/>
                 </a:solidFill>
               </a:uFill>
               <a:latin typeface="Corbel"/>
@@ -4744,33 +4927,22 @@
               <a:buChar char="•"/>
             </a:pPr>
             <a:r>
-              <a:rPr b="0" lang="en-US" sz="2000" spc="-1" strike="noStrike">
+              <a:rPr lang="en-US" sz="2000" b="0" strike="noStrike" spc="-1">
                 <a:solidFill>
                   <a:srgbClr val="262626"/>
                 </a:solidFill>
                 <a:uFill>
                   <a:solidFill>
-                    <a:srgbClr val="ffffff"/>
+                    <a:srgbClr val="FFFFFF"/>
                   </a:solidFill>
                 </a:uFill>
                 <a:latin typeface="Corbel"/>
               </a:rPr>
               <a:t>Seventh Outline LevelEdit Master text styles</a:t>
             </a:r>
-            <a:endParaRPr b="0" lang="en-US" sz="2000" spc="-1" strike="noStrike">
-              <a:solidFill>
-                <a:srgbClr val="262626"/>
-              </a:solidFill>
-              <a:uFill>
-                <a:solidFill>
-                  <a:srgbClr val="ffffff"/>
-                </a:solidFill>
-              </a:uFill>
-              <a:latin typeface="Corbel"/>
-            </a:endParaRPr>
-          </a:p>
-          <a:p>
-            <a:pPr lvl="1" marL="685800" indent="-282960">
+          </a:p>
+          <a:p>
+            <a:pPr marL="685800" lvl="1" indent="-282960">
               <a:lnSpc>
                 <a:spcPct val="100000"/>
               </a:lnSpc>
@@ -4781,33 +4953,33 @@
               <a:buChar char="–"/>
             </a:pPr>
             <a:r>
-              <a:rPr b="0" lang="en-US" sz="1800" spc="-1" strike="noStrike">
+              <a:rPr lang="en-US" sz="1800" b="0" strike="noStrike" spc="-1">
                 <a:solidFill>
                   <a:srgbClr val="262626"/>
                 </a:solidFill>
                 <a:uFill>
                   <a:solidFill>
-                    <a:srgbClr val="ffffff"/>
+                    <a:srgbClr val="FFFFFF"/>
                   </a:solidFill>
                 </a:uFill>
                 <a:latin typeface="Corbel"/>
               </a:rPr>
               <a:t>Second level</a:t>
             </a:r>
-            <a:endParaRPr b="0" lang="en-US" sz="2000" spc="-1" strike="noStrike">
+            <a:endParaRPr lang="en-US" sz="2000" b="0" strike="noStrike" spc="-1">
               <a:solidFill>
                 <a:srgbClr val="262626"/>
               </a:solidFill>
               <a:uFill>
                 <a:solidFill>
-                  <a:srgbClr val="ffffff"/>
+                  <a:srgbClr val="FFFFFF"/>
                 </a:solidFill>
               </a:uFill>
               <a:latin typeface="Corbel"/>
             </a:endParaRPr>
           </a:p>
           <a:p>
-            <a:pPr lvl="2" marL="1143000" indent="-282960">
+            <a:pPr marL="1143000" lvl="2" indent="-282960">
               <a:lnSpc>
                 <a:spcPct val="100000"/>
               </a:lnSpc>
@@ -4818,33 +4990,33 @@
               <a:buChar char="•"/>
             </a:pPr>
             <a:r>
-              <a:rPr b="0" lang="en-US" sz="1600" spc="-1" strike="noStrike">
+              <a:rPr lang="en-US" sz="1600" b="0" strike="noStrike" spc="-1">
                 <a:solidFill>
                   <a:srgbClr val="262626"/>
                 </a:solidFill>
                 <a:uFill>
                   <a:solidFill>
-                    <a:srgbClr val="ffffff"/>
+                    <a:srgbClr val="FFFFFF"/>
                   </a:solidFill>
                 </a:uFill>
                 <a:latin typeface="Corbel"/>
               </a:rPr>
               <a:t>Third level</a:t>
             </a:r>
-            <a:endParaRPr b="0" lang="en-US" sz="2000" spc="-1" strike="noStrike">
+            <a:endParaRPr lang="en-US" sz="2000" b="0" strike="noStrike" spc="-1">
               <a:solidFill>
                 <a:srgbClr val="262626"/>
               </a:solidFill>
               <a:uFill>
                 <a:solidFill>
-                  <a:srgbClr val="ffffff"/>
+                  <a:srgbClr val="FFFFFF"/>
                 </a:solidFill>
               </a:uFill>
               <a:latin typeface="Corbel"/>
             </a:endParaRPr>
           </a:p>
           <a:p>
-            <a:pPr lvl="3" marL="1600200" indent="-282960">
+            <a:pPr marL="1600200" lvl="3" indent="-282960">
               <a:lnSpc>
                 <a:spcPct val="100000"/>
               </a:lnSpc>
@@ -4855,33 +5027,33 @@
               <a:buChar char="–"/>
             </a:pPr>
             <a:r>
-              <a:rPr b="0" lang="en-US" sz="1400" spc="-1" strike="noStrike">
+              <a:rPr lang="en-US" sz="1400" b="0" strike="noStrike" spc="-1">
                 <a:solidFill>
                   <a:srgbClr val="262626"/>
                 </a:solidFill>
                 <a:uFill>
                   <a:solidFill>
-                    <a:srgbClr val="ffffff"/>
+                    <a:srgbClr val="FFFFFF"/>
                   </a:solidFill>
                 </a:uFill>
                 <a:latin typeface="Corbel"/>
               </a:rPr>
               <a:t>Fourth level</a:t>
             </a:r>
-            <a:endParaRPr b="0" i="1" lang="en-US" sz="2000" spc="-1" strike="noStrike">
+            <a:endParaRPr lang="en-US" sz="2000" b="0" i="1" strike="noStrike" spc="-1">
               <a:solidFill>
                 <a:srgbClr val="262626"/>
               </a:solidFill>
               <a:uFill>
                 <a:solidFill>
-                  <a:srgbClr val="ffffff"/>
+                  <a:srgbClr val="FFFFFF"/>
                 </a:solidFill>
               </a:uFill>
               <a:latin typeface="Corbel"/>
             </a:endParaRPr>
           </a:p>
           <a:p>
-            <a:pPr lvl="4" marL="2057400" indent="-282960">
+            <a:pPr marL="2057400" lvl="4" indent="-282960">
               <a:lnSpc>
                 <a:spcPct val="100000"/>
               </a:lnSpc>
@@ -4892,26 +5064,26 @@
               <a:buChar char="•"/>
             </a:pPr>
             <a:r>
-              <a:rPr b="0" i="1" lang="en-US" sz="1400" spc="-1" strike="noStrike">
+              <a:rPr lang="en-US" sz="1400" b="0" i="1" strike="noStrike" spc="-1">
                 <a:solidFill>
                   <a:srgbClr val="262626"/>
                 </a:solidFill>
                 <a:uFill>
                   <a:solidFill>
-                    <a:srgbClr val="ffffff"/>
+                    <a:srgbClr val="FFFFFF"/>
                   </a:solidFill>
                 </a:uFill>
                 <a:latin typeface="Corbel"/>
               </a:rPr>
               <a:t>Fifth level</a:t>
             </a:r>
-            <a:endParaRPr b="0" i="1" lang="en-US" sz="2000" spc="-1" strike="noStrike">
+            <a:endParaRPr lang="en-US" sz="2000" b="0" i="1" strike="noStrike" spc="-1">
               <a:solidFill>
                 <a:srgbClr val="262626"/>
               </a:solidFill>
               <a:uFill>
                 <a:solidFill>
-                  <a:srgbClr val="ffffff"/>
+                  <a:srgbClr val="FFFFFF"/>
                 </a:solidFill>
               </a:uFill>
               <a:latin typeface="Corbel"/>
@@ -4940,6 +5112,7 @@
         </p:spPr>
         <p:txBody>
           <a:bodyPr/>
+          <a:lstStyle/>
           <a:p>
             <a:pPr algn="r">
               <a:lnSpc>
@@ -4947,26 +5120,26 @@
               </a:lnSpc>
             </a:pPr>
             <a:r>
-              <a:rPr b="0" i="1" lang="en-US" sz="1000" spc="-1" strike="noStrike">
+              <a:rPr lang="en-US" sz="1000" b="0" i="1" strike="noStrike" spc="-1">
                 <a:solidFill>
                   <a:srgbClr val="262626"/>
                 </a:solidFill>
                 <a:uFill>
                   <a:solidFill>
-                    <a:srgbClr val="ffffff"/>
+                    <a:srgbClr val="FFFFFF"/>
                   </a:solidFill>
                 </a:uFill>
                 <a:latin typeface="Century Schoolbook"/>
               </a:rPr>
               <a:t>9/14/17</a:t>
             </a:r>
-            <a:endParaRPr b="0" lang="en-US" sz="1400" spc="-1" strike="noStrike">
+            <a:endParaRPr lang="en-US" sz="1400" b="0" strike="noStrike" spc="-1">
               <a:solidFill>
                 <a:srgbClr val="000000"/>
               </a:solidFill>
               <a:uFill>
                 <a:solidFill>
-                  <a:srgbClr val="ffffff"/>
+                  <a:srgbClr val="FFFFFF"/>
                 </a:solidFill>
               </a:uFill>
               <a:latin typeface="Times New Roman"/>
@@ -4995,14 +5168,15 @@
         </p:spPr>
         <p:txBody>
           <a:bodyPr/>
-          <a:p>
-            <a:endParaRPr b="0" lang="en-US" sz="2400" spc="-1" strike="noStrike">
+          <a:lstStyle/>
+          <a:p>
+            <a:endParaRPr lang="en-US" sz="2400" b="0" strike="noStrike" spc="-1">
               <a:solidFill>
                 <a:srgbClr val="000000"/>
               </a:solidFill>
               <a:uFill>
                 <a:solidFill>
-                  <a:srgbClr val="ffffff"/>
+                  <a:srgbClr val="FFFFFF"/>
                 </a:solidFill>
               </a:uFill>
               <a:latin typeface="Times New Roman"/>
@@ -5031,6 +5205,7 @@
         </p:spPr>
         <p:txBody>
           <a:bodyPr anchor="ctr"/>
+          <a:lstStyle/>
           <a:p>
             <a:pPr algn="r">
               <a:lnSpc>
@@ -5038,26 +5213,26 @@
               </a:lnSpc>
             </a:pPr>
             <a:fld id="{48F455C7-82BE-4378-8667-A50ACB4AC5F7}" type="slidenum">
-              <a:rPr b="0" i="1" lang="en-US" sz="1200" spc="-1" strike="noStrike">
-                <a:solidFill>
-                  <a:srgbClr val="f5f5f5"/>
+              <a:rPr lang="en-US" sz="1200" b="0" i="1" strike="noStrike" spc="-1">
+                <a:solidFill>
+                  <a:srgbClr val="F5F5F5"/>
                 </a:solidFill>
                 <a:uFill>
                   <a:solidFill>
-                    <a:srgbClr val="ffffff"/>
+                    <a:srgbClr val="FFFFFF"/>
                   </a:solidFill>
                 </a:uFill>
                 <a:latin typeface="Century Schoolbook"/>
               </a:rPr>
-              <a:t>&lt;number&gt;</a:t>
+              <a:t>‹#›</a:t>
             </a:fld>
-            <a:endParaRPr b="0" lang="en-US" sz="1400" spc="-1" strike="noStrike">
+            <a:endParaRPr lang="en-US" sz="1400" b="0" strike="noStrike" spc="-1">
               <a:solidFill>
                 <a:srgbClr val="000000"/>
               </a:solidFill>
               <a:uFill>
                 <a:solidFill>
-                  <a:srgbClr val="ffffff"/>
+                  <a:srgbClr val="FFFFFF"/>
                 </a:solidFill>
               </a:uFill>
               <a:latin typeface="Times New Roman"/>
@@ -5067,26 +5242,306 @@
       </p:sp>
     </p:spTree>
   </p:cSld>
-  <p:clrMap bg1="lt1" bg2="lt2" tx1="dk1" tx2="dk2" accent1="accent1" accent2="accent2" accent3="accent3" accent4="accent4" accent5="accent5" accent6="accent6" hlink="hlink" folHlink="folHlink"/>
+  <p:clrMap bg1="lt1" tx1="dk1" bg2="lt2" tx2="dk2" accent1="accent1" accent2="accent2" accent3="accent3" accent4="accent4" accent5="accent5" accent6="accent6" hlink="hlink" folHlink="folHlink"/>
   <p:sldLayoutIdLst>
-    <p:sldLayoutId id="2147483662" r:id="rId2"/>
-    <p:sldLayoutId id="2147483663" r:id="rId3"/>
-    <p:sldLayoutId id="2147483664" r:id="rId4"/>
-    <p:sldLayoutId id="2147483665" r:id="rId5"/>
-    <p:sldLayoutId id="2147483666" r:id="rId6"/>
-    <p:sldLayoutId id="2147483667" r:id="rId7"/>
-    <p:sldLayoutId id="2147483668" r:id="rId8"/>
-    <p:sldLayoutId id="2147483669" r:id="rId9"/>
-    <p:sldLayoutId id="2147483670" r:id="rId10"/>
-    <p:sldLayoutId id="2147483671" r:id="rId11"/>
-    <p:sldLayoutId id="2147483672" r:id="rId12"/>
-    <p:sldLayoutId id="2147483673" r:id="rId13"/>
+    <p:sldLayoutId id="2147483662" r:id="rId1"/>
+    <p:sldLayoutId id="2147483663" r:id="rId2"/>
+    <p:sldLayoutId id="2147483664" r:id="rId3"/>
+    <p:sldLayoutId id="2147483665" r:id="rId4"/>
+    <p:sldLayoutId id="2147483666" r:id="rId5"/>
+    <p:sldLayoutId id="2147483667" r:id="rId6"/>
+    <p:sldLayoutId id="2147483668" r:id="rId7"/>
+    <p:sldLayoutId id="2147483669" r:id="rId8"/>
+    <p:sldLayoutId id="2147483670" r:id="rId9"/>
+    <p:sldLayoutId id="2147483671" r:id="rId10"/>
+    <p:sldLayoutId id="2147483672" r:id="rId11"/>
+    <p:sldLayoutId id="2147483673" r:id="rId12"/>
   </p:sldLayoutIdLst>
+  <p:txStyles>
+    <p:titleStyle>
+      <a:lvl1pPr algn="l" defTabSz="914400" rtl="0" eaLnBrk="1" latinLnBrk="0" hangingPunct="1">
+        <a:lnSpc>
+          <a:spcPct val="90000"/>
+        </a:lnSpc>
+        <a:spcBef>
+          <a:spcPct val="0"/>
+        </a:spcBef>
+        <a:buNone/>
+        <a:defRPr sz="4400" kern="1200">
+          <a:solidFill>
+            <a:schemeClr val="tx1"/>
+          </a:solidFill>
+          <a:latin typeface="+mj-lt"/>
+          <a:ea typeface="+mj-ea"/>
+          <a:cs typeface="+mj-cs"/>
+        </a:defRPr>
+      </a:lvl1pPr>
+    </p:titleStyle>
+    <p:bodyStyle>
+      <a:lvl1pPr marL="228600" indent="-228600" algn="l" defTabSz="914400" rtl="0" eaLnBrk="1" latinLnBrk="0" hangingPunct="1">
+        <a:lnSpc>
+          <a:spcPct val="90000"/>
+        </a:lnSpc>
+        <a:spcBef>
+          <a:spcPts val="1000"/>
+        </a:spcBef>
+        <a:buFont typeface="Arial" panose="020B0604020202020204" pitchFamily="34" charset="0"/>
+        <a:buChar char="•"/>
+        <a:defRPr sz="2800" kern="1200">
+          <a:solidFill>
+            <a:schemeClr val="tx1"/>
+          </a:solidFill>
+          <a:latin typeface="+mn-lt"/>
+          <a:ea typeface="+mn-ea"/>
+          <a:cs typeface="+mn-cs"/>
+        </a:defRPr>
+      </a:lvl1pPr>
+      <a:lvl2pPr marL="685800" indent="-228600" algn="l" defTabSz="914400" rtl="0" eaLnBrk="1" latinLnBrk="0" hangingPunct="1">
+        <a:lnSpc>
+          <a:spcPct val="90000"/>
+        </a:lnSpc>
+        <a:spcBef>
+          <a:spcPts val="500"/>
+        </a:spcBef>
+        <a:buFont typeface="Arial" panose="020B0604020202020204" pitchFamily="34" charset="0"/>
+        <a:buChar char="•"/>
+        <a:defRPr sz="2400" kern="1200">
+          <a:solidFill>
+            <a:schemeClr val="tx1"/>
+          </a:solidFill>
+          <a:latin typeface="+mn-lt"/>
+          <a:ea typeface="+mn-ea"/>
+          <a:cs typeface="+mn-cs"/>
+        </a:defRPr>
+      </a:lvl2pPr>
+      <a:lvl3pPr marL="1143000" indent="-228600" algn="l" defTabSz="914400" rtl="0" eaLnBrk="1" latinLnBrk="0" hangingPunct="1">
+        <a:lnSpc>
+          <a:spcPct val="90000"/>
+        </a:lnSpc>
+        <a:spcBef>
+          <a:spcPts val="500"/>
+        </a:spcBef>
+        <a:buFont typeface="Arial" panose="020B0604020202020204" pitchFamily="34" charset="0"/>
+        <a:buChar char="•"/>
+        <a:defRPr sz="2000" kern="1200">
+          <a:solidFill>
+            <a:schemeClr val="tx1"/>
+          </a:solidFill>
+          <a:latin typeface="+mn-lt"/>
+          <a:ea typeface="+mn-ea"/>
+          <a:cs typeface="+mn-cs"/>
+        </a:defRPr>
+      </a:lvl3pPr>
+      <a:lvl4pPr marL="1600200" indent="-228600" algn="l" defTabSz="914400" rtl="0" eaLnBrk="1" latinLnBrk="0" hangingPunct="1">
+        <a:lnSpc>
+          <a:spcPct val="90000"/>
+        </a:lnSpc>
+        <a:spcBef>
+          <a:spcPts val="500"/>
+        </a:spcBef>
+        <a:buFont typeface="Arial" panose="020B0604020202020204" pitchFamily="34" charset="0"/>
+        <a:buChar char="•"/>
+        <a:defRPr sz="1800" kern="1200">
+          <a:solidFill>
+            <a:schemeClr val="tx1"/>
+          </a:solidFill>
+          <a:latin typeface="+mn-lt"/>
+          <a:ea typeface="+mn-ea"/>
+          <a:cs typeface="+mn-cs"/>
+        </a:defRPr>
+      </a:lvl4pPr>
+      <a:lvl5pPr marL="2057400" indent="-228600" algn="l" defTabSz="914400" rtl="0" eaLnBrk="1" latinLnBrk="0" hangingPunct="1">
+        <a:lnSpc>
+          <a:spcPct val="90000"/>
+        </a:lnSpc>
+        <a:spcBef>
+          <a:spcPts val="500"/>
+        </a:spcBef>
+        <a:buFont typeface="Arial" panose="020B0604020202020204" pitchFamily="34" charset="0"/>
+        <a:buChar char="•"/>
+        <a:defRPr sz="1800" kern="1200">
+          <a:solidFill>
+            <a:schemeClr val="tx1"/>
+          </a:solidFill>
+          <a:latin typeface="+mn-lt"/>
+          <a:ea typeface="+mn-ea"/>
+          <a:cs typeface="+mn-cs"/>
+        </a:defRPr>
+      </a:lvl5pPr>
+      <a:lvl6pPr marL="2514600" indent="-228600" algn="l" defTabSz="914400" rtl="0" eaLnBrk="1" latinLnBrk="0" hangingPunct="1">
+        <a:lnSpc>
+          <a:spcPct val="90000"/>
+        </a:lnSpc>
+        <a:spcBef>
+          <a:spcPts val="500"/>
+        </a:spcBef>
+        <a:buFont typeface="Arial" panose="020B0604020202020204" pitchFamily="34" charset="0"/>
+        <a:buChar char="•"/>
+        <a:defRPr sz="1800" kern="1200">
+          <a:solidFill>
+            <a:schemeClr val="tx1"/>
+          </a:solidFill>
+          <a:latin typeface="+mn-lt"/>
+          <a:ea typeface="+mn-ea"/>
+          <a:cs typeface="+mn-cs"/>
+        </a:defRPr>
+      </a:lvl6pPr>
+      <a:lvl7pPr marL="2971800" indent="-228600" algn="l" defTabSz="914400" rtl="0" eaLnBrk="1" latinLnBrk="0" hangingPunct="1">
+        <a:lnSpc>
+          <a:spcPct val="90000"/>
+        </a:lnSpc>
+        <a:spcBef>
+          <a:spcPts val="500"/>
+        </a:spcBef>
+        <a:buFont typeface="Arial" panose="020B0604020202020204" pitchFamily="34" charset="0"/>
+        <a:buChar char="•"/>
+        <a:defRPr sz="1800" kern="1200">
+          <a:solidFill>
+            <a:schemeClr val="tx1"/>
+          </a:solidFill>
+          <a:latin typeface="+mn-lt"/>
+          <a:ea typeface="+mn-ea"/>
+          <a:cs typeface="+mn-cs"/>
+        </a:defRPr>
+      </a:lvl7pPr>
+      <a:lvl8pPr marL="3429000" indent="-228600" algn="l" defTabSz="914400" rtl="0" eaLnBrk="1" latinLnBrk="0" hangingPunct="1">
+        <a:lnSpc>
+          <a:spcPct val="90000"/>
+        </a:lnSpc>
+        <a:spcBef>
+          <a:spcPts val="500"/>
+        </a:spcBef>
+        <a:buFont typeface="Arial" panose="020B0604020202020204" pitchFamily="34" charset="0"/>
+        <a:buChar char="•"/>
+        <a:defRPr sz="1800" kern="1200">
+          <a:solidFill>
+            <a:schemeClr val="tx1"/>
+          </a:solidFill>
+          <a:latin typeface="+mn-lt"/>
+          <a:ea typeface="+mn-ea"/>
+          <a:cs typeface="+mn-cs"/>
+        </a:defRPr>
+      </a:lvl8pPr>
+      <a:lvl9pPr marL="3886200" indent="-228600" algn="l" defTabSz="914400" rtl="0" eaLnBrk="1" latinLnBrk="0" hangingPunct="1">
+        <a:lnSpc>
+          <a:spcPct val="90000"/>
+        </a:lnSpc>
+        <a:spcBef>
+          <a:spcPts val="500"/>
+        </a:spcBef>
+        <a:buFont typeface="Arial" panose="020B0604020202020204" pitchFamily="34" charset="0"/>
+        <a:buChar char="•"/>
+        <a:defRPr sz="1800" kern="1200">
+          <a:solidFill>
+            <a:schemeClr val="tx1"/>
+          </a:solidFill>
+          <a:latin typeface="+mn-lt"/>
+          <a:ea typeface="+mn-ea"/>
+          <a:cs typeface="+mn-cs"/>
+        </a:defRPr>
+      </a:lvl9pPr>
+    </p:bodyStyle>
+    <p:otherStyle>
+      <a:defPPr>
+        <a:defRPr lang="en-US"/>
+      </a:defPPr>
+      <a:lvl1pPr marL="0" algn="l" defTabSz="914400" rtl="0" eaLnBrk="1" latinLnBrk="0" hangingPunct="1">
+        <a:defRPr sz="1800" kern="1200">
+          <a:solidFill>
+            <a:schemeClr val="tx1"/>
+          </a:solidFill>
+          <a:latin typeface="+mn-lt"/>
+          <a:ea typeface="+mn-ea"/>
+          <a:cs typeface="+mn-cs"/>
+        </a:defRPr>
+      </a:lvl1pPr>
+      <a:lvl2pPr marL="457200" algn="l" defTabSz="914400" rtl="0" eaLnBrk="1" latinLnBrk="0" hangingPunct="1">
+        <a:defRPr sz="1800" kern="1200">
+          <a:solidFill>
+            <a:schemeClr val="tx1"/>
+          </a:solidFill>
+          <a:latin typeface="+mn-lt"/>
+          <a:ea typeface="+mn-ea"/>
+          <a:cs typeface="+mn-cs"/>
+        </a:defRPr>
+      </a:lvl2pPr>
+      <a:lvl3pPr marL="914400" algn="l" defTabSz="914400" rtl="0" eaLnBrk="1" latinLnBrk="0" hangingPunct="1">
+        <a:defRPr sz="1800" kern="1200">
+          <a:solidFill>
+            <a:schemeClr val="tx1"/>
+          </a:solidFill>
+          <a:latin typeface="+mn-lt"/>
+          <a:ea typeface="+mn-ea"/>
+          <a:cs typeface="+mn-cs"/>
+        </a:defRPr>
+      </a:lvl3pPr>
+      <a:lvl4pPr marL="1371600" algn="l" defTabSz="914400" rtl="0" eaLnBrk="1" latinLnBrk="0" hangingPunct="1">
+        <a:defRPr sz="1800" kern="1200">
+          <a:solidFill>
+            <a:schemeClr val="tx1"/>
+          </a:solidFill>
+          <a:latin typeface="+mn-lt"/>
+          <a:ea typeface="+mn-ea"/>
+          <a:cs typeface="+mn-cs"/>
+        </a:defRPr>
+      </a:lvl4pPr>
+      <a:lvl5pPr marL="1828800" algn="l" defTabSz="914400" rtl="0" eaLnBrk="1" latinLnBrk="0" hangingPunct="1">
+        <a:defRPr sz="1800" kern="1200">
+          <a:solidFill>
+            <a:schemeClr val="tx1"/>
+          </a:solidFill>
+          <a:latin typeface="+mn-lt"/>
+          <a:ea typeface="+mn-ea"/>
+          <a:cs typeface="+mn-cs"/>
+        </a:defRPr>
+      </a:lvl5pPr>
+      <a:lvl6pPr marL="2286000" algn="l" defTabSz="914400" rtl="0" eaLnBrk="1" latinLnBrk="0" hangingPunct="1">
+        <a:defRPr sz="1800" kern="1200">
+          <a:solidFill>
+            <a:schemeClr val="tx1"/>
+          </a:solidFill>
+          <a:latin typeface="+mn-lt"/>
+          <a:ea typeface="+mn-ea"/>
+          <a:cs typeface="+mn-cs"/>
+        </a:defRPr>
+      </a:lvl6pPr>
+      <a:lvl7pPr marL="2743200" algn="l" defTabSz="914400" rtl="0" eaLnBrk="1" latinLnBrk="0" hangingPunct="1">
+        <a:defRPr sz="1800" kern="1200">
+          <a:solidFill>
+            <a:schemeClr val="tx1"/>
+          </a:solidFill>
+          <a:latin typeface="+mn-lt"/>
+          <a:ea typeface="+mn-ea"/>
+          <a:cs typeface="+mn-cs"/>
+        </a:defRPr>
+      </a:lvl7pPr>
+      <a:lvl8pPr marL="3200400" algn="l" defTabSz="914400" rtl="0" eaLnBrk="1" latinLnBrk="0" hangingPunct="1">
+        <a:defRPr sz="1800" kern="1200">
+          <a:solidFill>
+            <a:schemeClr val="tx1"/>
+          </a:solidFill>
+          <a:latin typeface="+mn-lt"/>
+          <a:ea typeface="+mn-ea"/>
+          <a:cs typeface="+mn-cs"/>
+        </a:defRPr>
+      </a:lvl8pPr>
+      <a:lvl9pPr marL="3657600" algn="l" defTabSz="914400" rtl="0" eaLnBrk="1" latinLnBrk="0" hangingPunct="1">
+        <a:defRPr sz="1800" kern="1200">
+          <a:solidFill>
+            <a:schemeClr val="tx1"/>
+          </a:solidFill>
+          <a:latin typeface="+mn-lt"/>
+          <a:ea typeface="+mn-ea"/>
+          <a:cs typeface="+mn-cs"/>
+        </a:defRPr>
+      </a:lvl9pPr>
+    </p:otherStyle>
+  </p:txStyles>
 </p:sldMaster>
 </file>
 
 <file path=ppt/slides/slide1.xml><?xml version="1.0" encoding="utf-8"?>
-<p:sld xmlns:a="http://schemas.openxmlformats.org/drawingml/2006/main" xmlns:p="http://schemas.openxmlformats.org/presentationml/2006/main" xmlns:r="http://schemas.openxmlformats.org/officeDocument/2006/relationships" xmlns:p14="http://schemas.microsoft.com/office/powerpoint/2010/main" xmlns:p15="http://schemas.microsoft.com/office/powerpoint/2012/main" xmlns:mc="http://schemas.openxmlformats.org/markup-compatibility/2006">
+<p:sld xmlns:a="http://schemas.openxmlformats.org/drawingml/2006/main" xmlns:r="http://schemas.openxmlformats.org/officeDocument/2006/relationships" xmlns:p="http://schemas.openxmlformats.org/presentationml/2006/main">
   <p:cSld>
     <p:spTree>
       <p:nvGrpSpPr>
@@ -5123,6 +5578,7 @@
         </p:spPr>
         <p:txBody>
           <a:bodyPr/>
+          <a:lstStyle/>
           <a:p>
             <a:pPr>
               <a:lnSpc>
@@ -5130,13 +5586,13 @@
               </a:lnSpc>
             </a:pPr>
             <a:r>
-              <a:rPr b="0" i="1" lang="en-US" sz="7700" spc="-1" strike="noStrike" cap="all">
-                <a:solidFill>
-                  <a:srgbClr val="f5f5f5"/>
+              <a:rPr lang="en-US" sz="7700" b="0" i="1" strike="noStrike" cap="all" spc="-1">
+                <a:solidFill>
+                  <a:srgbClr val="F5F5F5"/>
                 </a:solidFill>
                 <a:uFill>
                   <a:solidFill>
-                    <a:srgbClr val="ffffff"/>
+                    <a:srgbClr val="FFFFFF"/>
                   </a:solidFill>
                 </a:uFill>
                 <a:latin typeface="Century Schoolbook"/>
@@ -5144,13 +5600,13 @@
               <a:t>G</a:t>
             </a:r>
             <a:r>
-              <a:rPr b="0" i="1" lang="en-US" sz="5400" spc="-1" strike="noStrike" cap="all">
-                <a:solidFill>
-                  <a:srgbClr val="f5f5f5"/>
+              <a:rPr lang="en-US" sz="5400" b="0" i="1" strike="noStrike" cap="all" spc="-1">
+                <a:solidFill>
+                  <a:srgbClr val="F5F5F5"/>
                 </a:solidFill>
                 <a:uFill>
                   <a:solidFill>
-                    <a:srgbClr val="ffffff"/>
+                    <a:srgbClr val="FFFFFF"/>
                   </a:solidFill>
                 </a:uFill>
                 <a:latin typeface="Century Schoolbook"/>
@@ -5158,55 +5614,41 @@
               <a:t>ame</a:t>
             </a:r>
             <a:r>
-              <a:rPr b="0" i="1" lang="en-US" sz="7700" spc="-1" strike="noStrike" cap="all">
-                <a:solidFill>
-                  <a:srgbClr val="f5f5f5"/>
+              <a:rPr lang="en-US" sz="7700" b="0" i="1" strike="noStrike" cap="all" spc="-1">
+                <a:solidFill>
+                  <a:srgbClr val="F5F5F5"/>
                 </a:solidFill>
                 <a:uFill>
                   <a:solidFill>
-                    <a:srgbClr val="ffffff"/>
+                    <a:srgbClr val="FFFFFF"/>
                   </a:solidFill>
                 </a:uFill>
                 <a:latin typeface="Century Schoolbook"/>
               </a:rPr>
               <a:t>
-</a:t>
+C</a:t>
             </a:r>
             <a:r>
-              <a:rPr b="0" i="1" lang="en-US" sz="7700" spc="-1" strike="noStrike" cap="all">
-                <a:solidFill>
-                  <a:srgbClr val="f5f5f5"/>
+              <a:rPr lang="en-US" sz="5400" b="0" i="1" strike="noStrike" cap="all" spc="-1">
+                <a:solidFill>
+                  <a:srgbClr val="F5F5F5"/>
                 </a:solidFill>
                 <a:uFill>
                   <a:solidFill>
-                    <a:srgbClr val="ffffff"/>
-                  </a:solidFill>
-                </a:uFill>
-                <a:latin typeface="Century Schoolbook"/>
-              </a:rPr>
-              <a:t>C</a:t>
-            </a:r>
-            <a:r>
-              <a:rPr b="0" i="1" lang="en-US" sz="5400" spc="-1" strike="noStrike" cap="all">
-                <a:solidFill>
-                  <a:srgbClr val="f5f5f5"/>
-                </a:solidFill>
-                <a:uFill>
-                  <a:solidFill>
-                    <a:srgbClr val="ffffff"/>
+                    <a:srgbClr val="FFFFFF"/>
                   </a:solidFill>
                 </a:uFill>
                 <a:latin typeface="Century Schoolbook"/>
               </a:rPr>
               <a:t>oncept</a:t>
             </a:r>
-            <a:endParaRPr b="0" lang="en-US" sz="1800" spc="-1" strike="noStrike">
+            <a:endParaRPr lang="en-US" sz="1800" b="0" strike="noStrike" spc="-1">
               <a:solidFill>
-                <a:srgbClr val="ffffff"/>
+                <a:srgbClr val="FFFFFF"/>
               </a:solidFill>
               <a:uFill>
                 <a:solidFill>
-                  <a:srgbClr val="ffffff"/>
+                  <a:srgbClr val="FFFFFF"/>
                 </a:solidFill>
               </a:uFill>
               <a:latin typeface="Corbel"/>
@@ -5235,6 +5677,7 @@
         </p:spPr>
         <p:txBody>
           <a:bodyPr/>
+          <a:lstStyle/>
           <a:p>
             <a:pPr>
               <a:lnSpc>
@@ -5242,26 +5685,26 @@
               </a:lnSpc>
             </a:pPr>
             <a:r>
-              <a:rPr b="0" i="1" lang="en-US" sz="2000" spc="-1" strike="noStrike">
-                <a:solidFill>
-                  <a:srgbClr val="f5f5f5"/>
+              <a:rPr lang="en-US" sz="2000" b="0" i="1" strike="noStrike" spc="-1">
+                <a:solidFill>
+                  <a:srgbClr val="F5F5F5"/>
                 </a:solidFill>
                 <a:uFill>
                   <a:solidFill>
-                    <a:srgbClr val="ffffff"/>
+                    <a:srgbClr val="FFFFFF"/>
                   </a:solidFill>
                 </a:uFill>
                 <a:latin typeface="Corbel"/>
               </a:rPr>
               <a:t>Presentation #1</a:t>
             </a:r>
-            <a:endParaRPr b="0" lang="en-US" sz="3200" spc="-1" strike="noStrike">
+            <a:endParaRPr lang="en-US" sz="3200" b="0" strike="noStrike" spc="-1">
               <a:solidFill>
-                <a:srgbClr val="ffffff"/>
+                <a:srgbClr val="FFFFFF"/>
               </a:solidFill>
               <a:uFill>
                 <a:solidFill>
-                  <a:srgbClr val="ffffff"/>
+                  <a:srgbClr val="FFFFFF"/>
                 </a:solidFill>
               </a:uFill>
               <a:latin typeface="Arial"/>
@@ -5274,26 +5717,26 @@
               </a:lnSpc>
             </a:pPr>
             <a:r>
-              <a:rPr b="0" i="1" lang="en-US" sz="2000" spc="-1" strike="noStrike">
-                <a:solidFill>
-                  <a:srgbClr val="f5f5f5"/>
+              <a:rPr lang="en-US" sz="2000" b="0" i="1" strike="noStrike" spc="-1">
+                <a:solidFill>
+                  <a:srgbClr val="F5F5F5"/>
                 </a:solidFill>
                 <a:uFill>
                   <a:solidFill>
-                    <a:srgbClr val="ffffff"/>
+                    <a:srgbClr val="FFFFFF"/>
                   </a:solidFill>
                 </a:uFill>
                 <a:latin typeface="Corbel"/>
               </a:rPr>
               <a:t>CSCE-552-001</a:t>
             </a:r>
-            <a:endParaRPr b="0" lang="en-US" sz="3200" spc="-1" strike="noStrike">
+            <a:endParaRPr lang="en-US" sz="3200" b="0" strike="noStrike" spc="-1">
               <a:solidFill>
-                <a:srgbClr val="ffffff"/>
+                <a:srgbClr val="FFFFFF"/>
               </a:solidFill>
               <a:uFill>
                 <a:solidFill>
-                  <a:srgbClr val="ffffff"/>
+                  <a:srgbClr val="FFFFFF"/>
                 </a:solidFill>
               </a:uFill>
               <a:latin typeface="Arial"/>
@@ -5306,13 +5749,13 @@
               </a:lnSpc>
             </a:pPr>
             <a:r>
-              <a:rPr b="0" i="1" lang="en-US" sz="2000" spc="-1" strike="noStrike">
-                <a:solidFill>
-                  <a:srgbClr val="f5f5f5"/>
+              <a:rPr lang="en-US" sz="2000" b="0" i="1" strike="noStrike" spc="-1">
+                <a:solidFill>
+                  <a:srgbClr val="F5F5F5"/>
                 </a:solidFill>
                 <a:uFill>
                   <a:solidFill>
-                    <a:srgbClr val="ffffff"/>
+                    <a:srgbClr val="FFFFFF"/>
                   </a:solidFill>
                 </a:uFill>
                 <a:latin typeface="Corbel"/>
@@ -5320,13 +5763,13 @@
               <a:t>Due: 15</a:t>
             </a:r>
             <a:r>
-              <a:rPr b="0" i="1" lang="en-US" sz="2000" spc="-1" strike="noStrike" baseline="30000">
-                <a:solidFill>
-                  <a:srgbClr val="f5f5f5"/>
+              <a:rPr lang="en-US" sz="2000" b="0" i="1" strike="noStrike" spc="-1" baseline="30000">
+                <a:solidFill>
+                  <a:srgbClr val="F5F5F5"/>
                 </a:solidFill>
                 <a:uFill>
                   <a:solidFill>
-                    <a:srgbClr val="ffffff"/>
+                    <a:srgbClr val="FFFFFF"/>
                   </a:solidFill>
                 </a:uFill>
                 <a:latin typeface="Corbel"/>
@@ -5334,26 +5777,26 @@
               <a:t>th</a:t>
             </a:r>
             <a:r>
-              <a:rPr b="0" i="1" lang="en-US" sz="2000" spc="-1" strike="noStrike">
-                <a:solidFill>
-                  <a:srgbClr val="f5f5f5"/>
+              <a:rPr lang="en-US" sz="2000" b="0" i="1" strike="noStrike" spc="-1">
+                <a:solidFill>
+                  <a:srgbClr val="F5F5F5"/>
                 </a:solidFill>
                 <a:uFill>
                   <a:solidFill>
-                    <a:srgbClr val="ffffff"/>
+                    <a:srgbClr val="FFFFFF"/>
                   </a:solidFill>
                 </a:uFill>
                 <a:latin typeface="Corbel"/>
               </a:rPr>
               <a:t> September 2017</a:t>
             </a:r>
-            <a:endParaRPr b="0" lang="en-US" sz="3200" spc="-1" strike="noStrike">
+            <a:endParaRPr lang="en-US" sz="3200" b="0" strike="noStrike" spc="-1">
               <a:solidFill>
-                <a:srgbClr val="ffffff"/>
+                <a:srgbClr val="FFFFFF"/>
               </a:solidFill>
               <a:uFill>
                 <a:solidFill>
-                  <a:srgbClr val="ffffff"/>
+                  <a:srgbClr val="FFFFFF"/>
                 </a:solidFill>
               </a:uFill>
               <a:latin typeface="Arial"/>
@@ -5366,26 +5809,26 @@
               </a:lnSpc>
             </a:pPr>
             <a:r>
-              <a:rPr b="0" i="1" lang="en-US" sz="2000" spc="-1" strike="noStrike">
-                <a:solidFill>
-                  <a:srgbClr val="f5f5f5"/>
+              <a:rPr lang="en-US" sz="2000" b="0" i="1" strike="noStrike" spc="-1">
+                <a:solidFill>
+                  <a:srgbClr val="F5F5F5"/>
                 </a:solidFill>
                 <a:uFill>
                   <a:solidFill>
-                    <a:srgbClr val="ffffff"/>
+                    <a:srgbClr val="FFFFFF"/>
                   </a:solidFill>
                 </a:uFill>
                 <a:latin typeface="Corbel"/>
               </a:rPr>
               <a:t> </a:t>
             </a:r>
-            <a:endParaRPr b="0" lang="en-US" sz="3200" spc="-1" strike="noStrike">
+            <a:endParaRPr lang="en-US" sz="3200" b="0" strike="noStrike" spc="-1">
               <a:solidFill>
-                <a:srgbClr val="ffffff"/>
+                <a:srgbClr val="FFFFFF"/>
               </a:solidFill>
               <a:uFill>
                 <a:solidFill>
-                  <a:srgbClr val="ffffff"/>
+                  <a:srgbClr val="FFFFFF"/>
                 </a:solidFill>
               </a:uFill>
               <a:latin typeface="Arial"/>
@@ -5397,13 +5840,13 @@
                 <a:spcPct val="114000"/>
               </a:lnSpc>
             </a:pPr>
-            <a:endParaRPr b="0" lang="en-US" sz="3200" spc="-1" strike="noStrike">
+            <a:endParaRPr lang="en-US" sz="3200" b="0" strike="noStrike" spc="-1">
               <a:solidFill>
-                <a:srgbClr val="ffffff"/>
+                <a:srgbClr val="FFFFFF"/>
               </a:solidFill>
               <a:uFill>
                 <a:solidFill>
-                  <a:srgbClr val="ffffff"/>
+                  <a:srgbClr val="FFFFFF"/>
                 </a:solidFill>
               </a:uFill>
               <a:latin typeface="Arial"/>
@@ -5416,26 +5859,26 @@
               </a:lnSpc>
             </a:pPr>
             <a:r>
-              <a:rPr b="0" i="1" lang="en-US" sz="2000" spc="-1" strike="noStrike">
-                <a:solidFill>
-                  <a:srgbClr val="f5f5f5"/>
+              <a:rPr lang="en-US" sz="2000" b="0" i="1" strike="noStrike" spc="-1">
+                <a:solidFill>
+                  <a:srgbClr val="F5F5F5"/>
                 </a:solidFill>
                 <a:uFill>
                   <a:solidFill>
-                    <a:srgbClr val="ffffff"/>
+                    <a:srgbClr val="FFFFFF"/>
                   </a:solidFill>
                 </a:uFill>
                 <a:latin typeface="Corbel"/>
               </a:rPr>
               <a:t>Team “BOTS”</a:t>
             </a:r>
-            <a:endParaRPr b="0" lang="en-US" sz="3200" spc="-1" strike="noStrike">
+            <a:endParaRPr lang="en-US" sz="3200" b="0" strike="noStrike" spc="-1">
               <a:solidFill>
-                <a:srgbClr val="ffffff"/>
+                <a:srgbClr val="FFFFFF"/>
               </a:solidFill>
               <a:uFill>
                 <a:solidFill>
-                  <a:srgbClr val="ffffff"/>
+                  <a:srgbClr val="FFFFFF"/>
                 </a:solidFill>
               </a:uFill>
               <a:latin typeface="Arial"/>
@@ -5447,32 +5890,32 @@
                 <a:spcPct val="100000"/>
               </a:lnSpc>
               <a:buClr>
-                <a:srgbClr val="f5f5f5"/>
+                <a:srgbClr val="F5F5F5"/>
               </a:buClr>
               <a:buFont typeface="Arial"/>
               <a:buChar char="•"/>
             </a:pPr>
             <a:r>
-              <a:rPr b="0" i="1" lang="en-US" sz="2000" spc="-1" strike="noStrike">
-                <a:solidFill>
-                  <a:srgbClr val="f5f5f5"/>
+              <a:rPr lang="en-US" sz="2000" b="0" i="1" strike="noStrike" spc="-1">
+                <a:solidFill>
+                  <a:srgbClr val="F5F5F5"/>
                 </a:solidFill>
                 <a:uFill>
                   <a:solidFill>
-                    <a:srgbClr val="ffffff"/>
+                    <a:srgbClr val="FFFFFF"/>
                   </a:solidFill>
                 </a:uFill>
                 <a:latin typeface="Corbel"/>
               </a:rPr>
               <a:t>Abbi Reisig</a:t>
             </a:r>
-            <a:endParaRPr b="0" lang="en-US" sz="3200" spc="-1" strike="noStrike">
+            <a:endParaRPr lang="en-US" sz="3200" b="0" strike="noStrike" spc="-1">
               <a:solidFill>
-                <a:srgbClr val="ffffff"/>
+                <a:srgbClr val="FFFFFF"/>
               </a:solidFill>
               <a:uFill>
                 <a:solidFill>
-                  <a:srgbClr val="ffffff"/>
+                  <a:srgbClr val="FFFFFF"/>
                 </a:solidFill>
               </a:uFill>
               <a:latin typeface="Arial"/>
@@ -5484,32 +5927,32 @@
                 <a:spcPct val="100000"/>
               </a:lnSpc>
               <a:buClr>
-                <a:srgbClr val="f5f5f5"/>
+                <a:srgbClr val="F5F5F5"/>
               </a:buClr>
               <a:buFont typeface="Arial"/>
               <a:buChar char="•"/>
             </a:pPr>
             <a:r>
-              <a:rPr b="0" i="1" lang="en-US" sz="2000" spc="-1" strike="noStrike">
-                <a:solidFill>
-                  <a:srgbClr val="f5f5f5"/>
+              <a:rPr lang="en-US" sz="2000" b="0" i="1" strike="noStrike" spc="-1">
+                <a:solidFill>
+                  <a:srgbClr val="F5F5F5"/>
                 </a:solidFill>
                 <a:uFill>
                   <a:solidFill>
-                    <a:srgbClr val="ffffff"/>
+                    <a:srgbClr val="FFFFFF"/>
                   </a:solidFill>
                 </a:uFill>
                 <a:latin typeface="Corbel"/>
               </a:rPr>
               <a:t>M. Brady O’Leary</a:t>
             </a:r>
-            <a:endParaRPr b="0" lang="en-US" sz="3200" spc="-1" strike="noStrike">
+            <a:endParaRPr lang="en-US" sz="3200" b="0" strike="noStrike" spc="-1">
               <a:solidFill>
-                <a:srgbClr val="ffffff"/>
+                <a:srgbClr val="FFFFFF"/>
               </a:solidFill>
               <a:uFill>
                 <a:solidFill>
-                  <a:srgbClr val="ffffff"/>
+                  <a:srgbClr val="FFFFFF"/>
                 </a:solidFill>
               </a:uFill>
               <a:latin typeface="Arial"/>
@@ -5521,32 +5964,32 @@
                 <a:spcPct val="100000"/>
               </a:lnSpc>
               <a:buClr>
-                <a:srgbClr val="f5f5f5"/>
+                <a:srgbClr val="F5F5F5"/>
               </a:buClr>
               <a:buFont typeface="Arial"/>
               <a:buChar char="•"/>
             </a:pPr>
             <a:r>
-              <a:rPr b="0" i="1" lang="en-US" sz="2000" spc="-1" strike="noStrike">
-                <a:solidFill>
-                  <a:srgbClr val="f5f5f5"/>
+              <a:rPr lang="en-US" sz="2000" b="0" i="1" strike="noStrike" spc="-1">
+                <a:solidFill>
+                  <a:srgbClr val="F5F5F5"/>
                 </a:solidFill>
                 <a:uFill>
                   <a:solidFill>
-                    <a:srgbClr val="ffffff"/>
+                    <a:srgbClr val="FFFFFF"/>
                   </a:solidFill>
                 </a:uFill>
                 <a:latin typeface="Corbel"/>
               </a:rPr>
               <a:t>A. Danielle Talley</a:t>
             </a:r>
-            <a:endParaRPr b="0" lang="en-US" sz="3200" spc="-1" strike="noStrike">
+            <a:endParaRPr lang="en-US" sz="3200" b="0" strike="noStrike" spc="-1">
               <a:solidFill>
-                <a:srgbClr val="ffffff"/>
+                <a:srgbClr val="FFFFFF"/>
               </a:solidFill>
               <a:uFill>
                 <a:solidFill>
-                  <a:srgbClr val="ffffff"/>
+                  <a:srgbClr val="FFFFFF"/>
                 </a:solidFill>
               </a:uFill>
               <a:latin typeface="Arial"/>
@@ -5558,13 +6001,13 @@
                 <a:spcPct val="114000"/>
               </a:lnSpc>
             </a:pPr>
-            <a:endParaRPr b="0" lang="en-US" sz="3200" spc="-1" strike="noStrike">
+            <a:endParaRPr lang="en-US" sz="3200" b="0" strike="noStrike" spc="-1">
               <a:solidFill>
-                <a:srgbClr val="ffffff"/>
+                <a:srgbClr val="FFFFFF"/>
               </a:solidFill>
               <a:uFill>
                 <a:solidFill>
-                  <a:srgbClr val="ffffff"/>
+                  <a:srgbClr val="FFFFFF"/>
                 </a:solidFill>
               </a:uFill>
               <a:latin typeface="Arial"/>
@@ -5574,6 +6017,9 @@
       </p:sp>
     </p:spTree>
   </p:cSld>
+  <p:clrMapOvr>
+    <a:masterClrMapping/>
+  </p:clrMapOvr>
   <p:timing>
     <p:tnLst>
       <p:par>
@@ -5582,14 +6028,14 @@
             <p:seq>
               <p:cTn id="2" nodeType="mainSeq"/>
               <p:prevCondLst>
-                <p:cond delay="0" evt="onPrev">
+                <p:cond evt="onPrev" delay="0">
                   <p:tgtEl>
                     <p:sldTgt/>
                   </p:tgtEl>
                 </p:cond>
               </p:prevCondLst>
               <p:nextCondLst>
-                <p:cond delay="0" evt="onNext">
+                <p:cond evt="onNext" delay="0">
                   <p:tgtEl>
                     <p:sldTgt/>
                   </p:tgtEl>
@@ -5605,7 +6051,7 @@
 </file>
 
 <file path=ppt/slides/slide2.xml><?xml version="1.0" encoding="utf-8"?>
-<p:sld xmlns:a="http://schemas.openxmlformats.org/drawingml/2006/main" xmlns:p="http://schemas.openxmlformats.org/presentationml/2006/main" xmlns:r="http://schemas.openxmlformats.org/officeDocument/2006/relationships" xmlns:p14="http://schemas.microsoft.com/office/powerpoint/2010/main" xmlns:p15="http://schemas.microsoft.com/office/powerpoint/2012/main" xmlns:mc="http://schemas.openxmlformats.org/markup-compatibility/2006">
+<p:sld xmlns:a="http://schemas.openxmlformats.org/drawingml/2006/main" xmlns:r="http://schemas.openxmlformats.org/officeDocument/2006/relationships" xmlns:p="http://schemas.openxmlformats.org/presentationml/2006/main">
   <p:cSld>
     <p:spTree>
       <p:nvGrpSpPr>
@@ -5642,6 +6088,7 @@
         </p:spPr>
         <p:txBody>
           <a:bodyPr/>
+          <a:lstStyle/>
           <a:p>
             <a:pPr algn="r">
               <a:lnSpc>
@@ -5649,26 +6096,26 @@
               </a:lnSpc>
             </a:pPr>
             <a:r>
-              <a:rPr b="0" i="1" lang="en-US" sz="5000" spc="-1" strike="noStrike">
+              <a:rPr lang="en-US" sz="5000" b="0" i="1" strike="noStrike" spc="-1">
                 <a:solidFill>
                   <a:srgbClr val="262626"/>
                 </a:solidFill>
                 <a:uFill>
                   <a:solidFill>
-                    <a:srgbClr val="ffffff"/>
+                    <a:srgbClr val="FFFFFF"/>
                   </a:solidFill>
                 </a:uFill>
                 <a:latin typeface="Century Schoolbook"/>
               </a:rPr>
               <a:t>Team “BOTS”</a:t>
             </a:r>
-            <a:endParaRPr b="0" lang="en-US" sz="1800" spc="-1" strike="noStrike">
+            <a:endParaRPr lang="en-US" sz="1800" b="0" strike="noStrike" spc="-1">
               <a:solidFill>
                 <a:srgbClr val="000000"/>
               </a:solidFill>
               <a:uFill>
                 <a:solidFill>
-                  <a:srgbClr val="ffffff"/>
+                  <a:srgbClr val="FFFFFF"/>
                 </a:solidFill>
               </a:uFill>
               <a:latin typeface="Corbel"/>
@@ -5697,6 +6144,7 @@
         </p:spPr>
         <p:txBody>
           <a:bodyPr/>
+          <a:lstStyle/>
           <a:p>
             <a:pPr marL="283320" indent="-282960">
               <a:lnSpc>
@@ -5709,26 +6157,40 @@
               <a:buChar char="•"/>
             </a:pPr>
             <a:r>
-              <a:rPr b="0" lang="en-US" sz="2000" spc="-1" strike="noStrike">
+              <a:rPr lang="en-US" sz="2000" b="0" strike="noStrike" spc="-1" dirty="0">
                 <a:solidFill>
                   <a:srgbClr val="262626"/>
                 </a:solidFill>
                 <a:uFill>
                   <a:solidFill>
-                    <a:srgbClr val="ffffff"/>
+                    <a:srgbClr val="FFFFFF"/>
                   </a:solidFill>
                 </a:uFill>
                 <a:latin typeface="Corbel"/>
               </a:rPr>
-              <a:t>Abbi Reisig</a:t>
+              <a:t>Abbi </a:t>
             </a:r>
-            <a:endParaRPr b="0" lang="en-US" sz="2000" spc="-1" strike="noStrike">
+            <a:r>
+              <a:rPr lang="en-US" sz="2000" b="0" strike="noStrike" spc="-1" dirty="0" err="1">
+                <a:solidFill>
+                  <a:srgbClr val="262626"/>
+                </a:solidFill>
+                <a:uFill>
+                  <a:solidFill>
+                    <a:srgbClr val="FFFFFF"/>
+                  </a:solidFill>
+                </a:uFill>
+                <a:latin typeface="Corbel"/>
+              </a:rPr>
+              <a:t>Reisig</a:t>
+            </a:r>
+            <a:endParaRPr lang="en-US" sz="2000" b="0" strike="noStrike" spc="-1" dirty="0">
               <a:solidFill>
                 <a:srgbClr val="262626"/>
               </a:solidFill>
               <a:uFill>
                 <a:solidFill>
-                  <a:srgbClr val="ffffff"/>
+                  <a:srgbClr val="FFFFFF"/>
                 </a:solidFill>
               </a:uFill>
               <a:latin typeface="Corbel"/>
@@ -5746,30 +6208,19 @@
               <a:buChar char="•"/>
             </a:pPr>
             <a:r>
-              <a:rPr b="0" lang="en-US" sz="2000" spc="-1" strike="noStrike">
+              <a:rPr lang="en-US" sz="2000" b="0" strike="noStrike" spc="-1" dirty="0">
                 <a:solidFill>
                   <a:srgbClr val="262626"/>
                 </a:solidFill>
                 <a:uFill>
                   <a:solidFill>
-                    <a:srgbClr val="ffffff"/>
+                    <a:srgbClr val="FFFFFF"/>
                   </a:solidFill>
                 </a:uFill>
                 <a:latin typeface="Corbel"/>
               </a:rPr>
               <a:t>M. Brady O’Leary</a:t>
             </a:r>
-            <a:endParaRPr b="0" lang="en-US" sz="2000" spc="-1" strike="noStrike">
-              <a:solidFill>
-                <a:srgbClr val="262626"/>
-              </a:solidFill>
-              <a:uFill>
-                <a:solidFill>
-                  <a:srgbClr val="ffffff"/>
-                </a:solidFill>
-              </a:uFill>
-              <a:latin typeface="Corbel"/>
-            </a:endParaRPr>
           </a:p>
           <a:p>
             <a:pPr marL="283320" indent="-282960">
@@ -5783,30 +6234,19 @@
               <a:buChar char="•"/>
             </a:pPr>
             <a:r>
-              <a:rPr b="0" lang="en-US" sz="2000" spc="-1" strike="noStrike">
+              <a:rPr lang="en-US" sz="2000" b="0" strike="noStrike" spc="-1" dirty="0">
                 <a:solidFill>
                   <a:srgbClr val="262626"/>
                 </a:solidFill>
                 <a:uFill>
                   <a:solidFill>
-                    <a:srgbClr val="ffffff"/>
+                    <a:srgbClr val="FFFFFF"/>
                   </a:solidFill>
                 </a:uFill>
                 <a:latin typeface="Corbel"/>
               </a:rPr>
               <a:t>A. Danielle Talley</a:t>
             </a:r>
-            <a:endParaRPr b="0" lang="en-US" sz="2000" spc="-1" strike="noStrike">
-              <a:solidFill>
-                <a:srgbClr val="262626"/>
-              </a:solidFill>
-              <a:uFill>
-                <a:solidFill>
-                  <a:srgbClr val="ffffff"/>
-                </a:solidFill>
-              </a:uFill>
-              <a:latin typeface="Corbel"/>
-            </a:endParaRPr>
           </a:p>
           <a:p>
             <a:pPr>
@@ -5814,13 +6254,13 @@
                 <a:spcPct val="112000"/>
               </a:lnSpc>
             </a:pPr>
-            <a:endParaRPr b="0" lang="en-US" sz="2000" spc="-1" strike="noStrike">
+            <a:endParaRPr lang="en-US" sz="2000" b="0" strike="noStrike" spc="-1" dirty="0">
               <a:solidFill>
                 <a:srgbClr val="262626"/>
               </a:solidFill>
               <a:uFill>
                 <a:solidFill>
-                  <a:srgbClr val="ffffff"/>
+                  <a:srgbClr val="FFFFFF"/>
                 </a:solidFill>
               </a:uFill>
               <a:latin typeface="Corbel"/>
@@ -5830,22 +6270,25 @@
       </p:sp>
     </p:spTree>
   </p:cSld>
+  <p:clrMapOvr>
+    <a:masterClrMapping/>
+  </p:clrMapOvr>
   <p:timing>
     <p:tnLst>
       <p:par>
-        <p:cTn id="3" dur="indefinite" restart="never" nodeType="tmRoot">
+        <p:cTn id="1" dur="indefinite" restart="never" nodeType="tmRoot">
           <p:childTnLst>
             <p:seq>
-              <p:cTn id="4" nodeType="mainSeq"/>
+              <p:cTn id="2" nodeType="mainSeq"/>
               <p:prevCondLst>
-                <p:cond delay="0" evt="onPrev">
+                <p:cond evt="onPrev" delay="0">
                   <p:tgtEl>
                     <p:sldTgt/>
                   </p:tgtEl>
                 </p:cond>
               </p:prevCondLst>
               <p:nextCondLst>
-                <p:cond delay="0" evt="onNext">
+                <p:cond evt="onNext" delay="0">
                   <p:tgtEl>
                     <p:sldTgt/>
                   </p:tgtEl>
@@ -5861,7 +6304,7 @@
 </file>
 
 <file path=ppt/slides/slide3.xml><?xml version="1.0" encoding="utf-8"?>
-<p:sld xmlns:a="http://schemas.openxmlformats.org/drawingml/2006/main" xmlns:p="http://schemas.openxmlformats.org/presentationml/2006/main" xmlns:r="http://schemas.openxmlformats.org/officeDocument/2006/relationships" xmlns:p14="http://schemas.microsoft.com/office/powerpoint/2010/main" xmlns:p15="http://schemas.microsoft.com/office/powerpoint/2012/main" xmlns:mc="http://schemas.openxmlformats.org/markup-compatibility/2006">
+<p:sld xmlns:a="http://schemas.openxmlformats.org/drawingml/2006/main" xmlns:r="http://schemas.openxmlformats.org/officeDocument/2006/relationships" xmlns:p="http://schemas.openxmlformats.org/presentationml/2006/main">
   <p:cSld>
     <p:spTree>
       <p:nvGrpSpPr>
@@ -5898,6 +6341,7 @@
         </p:spPr>
         <p:txBody>
           <a:bodyPr/>
+          <a:lstStyle/>
           <a:p>
             <a:pPr algn="r">
               <a:lnSpc>
@@ -5905,26 +6349,26 @@
               </a:lnSpc>
             </a:pPr>
             <a:r>
-              <a:rPr b="0" i="1" lang="en-US" sz="5000" spc="-1" strike="noStrike">
+              <a:rPr lang="en-US" sz="5000" b="0" i="1" strike="noStrike" spc="-1" dirty="0">
                 <a:solidFill>
                   <a:srgbClr val="262626"/>
                 </a:solidFill>
                 <a:uFill>
                   <a:solidFill>
-                    <a:srgbClr val="ffffff"/>
+                    <a:srgbClr val="FFFFFF"/>
                   </a:solidFill>
                 </a:uFill>
                 <a:latin typeface="Century Schoolbook"/>
               </a:rPr>
               <a:t>Mission Statement</a:t>
             </a:r>
-            <a:endParaRPr b="0" lang="en-US" sz="1800" spc="-1" strike="noStrike">
+            <a:endParaRPr lang="en-US" sz="1800" b="0" strike="noStrike" spc="-1" dirty="0">
               <a:solidFill>
                 <a:srgbClr val="000000"/>
               </a:solidFill>
               <a:uFill>
                 <a:solidFill>
-                  <a:srgbClr val="ffffff"/>
+                  <a:srgbClr val="FFFFFF"/>
                 </a:solidFill>
               </a:uFill>
               <a:latin typeface="Corbel"/>
@@ -5953,6 +6397,7 @@
         </p:spPr>
         <p:txBody>
           <a:bodyPr anchor="ctr"/>
+          <a:lstStyle/>
           <a:p>
             <a:pPr algn="ctr">
               <a:lnSpc>
@@ -5960,51 +6405,99 @@
               </a:lnSpc>
             </a:pPr>
             <a:r>
-              <a:rPr b="0" lang="en-US" sz="2000" spc="-1" strike="noStrike">
+              <a:rPr lang="en-US" sz="2000" b="0" strike="noStrike" spc="-1" dirty="0">
                 <a:solidFill>
                   <a:srgbClr val="262626"/>
                 </a:solidFill>
                 <a:uFill>
                   <a:solidFill>
-                    <a:srgbClr val="ffffff"/>
+                    <a:srgbClr val="FFFFFF"/>
                   </a:solidFill>
                 </a:uFill>
                 <a:latin typeface="Corbel"/>
               </a:rPr>
-              <a:t>The goal of this game is to create a networked multiplayer 3D game in Unity that is a blend of PvP and PvE, whose level is procedurally generated, and that empowers the players based on strategic, cooperative gameplay.</a:t>
+              <a:t>The goal of this game is to create a networked multiplayer 3D game in Unity that is a blend of </a:t>
             </a:r>
-            <a:endParaRPr b="0" lang="en-US" sz="2000" spc="-1" strike="noStrike">
-              <a:solidFill>
-                <a:srgbClr val="262626"/>
-              </a:solidFill>
-              <a:uFill>
-                <a:solidFill>
-                  <a:srgbClr val="ffffff"/>
-                </a:solidFill>
-              </a:uFill>
-              <a:latin typeface="Corbel"/>
-            </a:endParaRPr>
+            <a:r>
+              <a:rPr lang="en-US" sz="2000" b="0" strike="noStrike" spc="-1" dirty="0" err="1">
+                <a:solidFill>
+                  <a:srgbClr val="262626"/>
+                </a:solidFill>
+                <a:uFill>
+                  <a:solidFill>
+                    <a:srgbClr val="FFFFFF"/>
+                  </a:solidFill>
+                </a:uFill>
+                <a:latin typeface="Corbel"/>
+              </a:rPr>
+              <a:t>PvP</a:t>
+            </a:r>
+            <a:r>
+              <a:rPr lang="en-US" sz="2000" b="0" strike="noStrike" spc="-1" dirty="0">
+                <a:solidFill>
+                  <a:srgbClr val="262626"/>
+                </a:solidFill>
+                <a:uFill>
+                  <a:solidFill>
+                    <a:srgbClr val="FFFFFF"/>
+                  </a:solidFill>
+                </a:uFill>
+                <a:latin typeface="Corbel"/>
+              </a:rPr>
+              <a:t> and </a:t>
+            </a:r>
+            <a:r>
+              <a:rPr lang="en-US" sz="2000" b="0" strike="noStrike" spc="-1" dirty="0" err="1">
+                <a:solidFill>
+                  <a:srgbClr val="262626"/>
+                </a:solidFill>
+                <a:uFill>
+                  <a:solidFill>
+                    <a:srgbClr val="FFFFFF"/>
+                  </a:solidFill>
+                </a:uFill>
+                <a:latin typeface="Corbel"/>
+              </a:rPr>
+              <a:t>PvE</a:t>
+            </a:r>
+            <a:r>
+              <a:rPr lang="en-US" sz="2000" b="0" strike="noStrike" spc="-1" dirty="0">
+                <a:solidFill>
+                  <a:srgbClr val="262626"/>
+                </a:solidFill>
+                <a:uFill>
+                  <a:solidFill>
+                    <a:srgbClr val="FFFFFF"/>
+                  </a:solidFill>
+                </a:uFill>
+                <a:latin typeface="Corbel"/>
+              </a:rPr>
+              <a:t>, whose level is procedurally generated, and that empowers the players based on strategic, cooperative gameplay.</a:t>
+            </a:r>
           </a:p>
         </p:txBody>
       </p:sp>
     </p:spTree>
   </p:cSld>
+  <p:clrMapOvr>
+    <a:masterClrMapping/>
+  </p:clrMapOvr>
   <p:timing>
     <p:tnLst>
       <p:par>
-        <p:cTn id="5" dur="indefinite" restart="never" nodeType="tmRoot">
+        <p:cTn id="1" dur="indefinite" restart="never" nodeType="tmRoot">
           <p:childTnLst>
             <p:seq>
-              <p:cTn id="6" nodeType="mainSeq"/>
+              <p:cTn id="2" nodeType="mainSeq"/>
               <p:prevCondLst>
-                <p:cond delay="0" evt="onPrev">
+                <p:cond evt="onPrev" delay="0">
                   <p:tgtEl>
                     <p:sldTgt/>
                   </p:tgtEl>
                 </p:cond>
               </p:prevCondLst>
               <p:nextCondLst>
-                <p:cond delay="0" evt="onNext">
+                <p:cond evt="onNext" delay="0">
                   <p:tgtEl>
                     <p:sldTgt/>
                   </p:tgtEl>
@@ -6020,7 +6513,7 @@
 </file>
 
 <file path=ppt/slides/slide4.xml><?xml version="1.0" encoding="utf-8"?>
-<p:sld xmlns:a="http://schemas.openxmlformats.org/drawingml/2006/main" xmlns:p="http://schemas.openxmlformats.org/presentationml/2006/main" xmlns:r="http://schemas.openxmlformats.org/officeDocument/2006/relationships" xmlns:p14="http://schemas.microsoft.com/office/powerpoint/2010/main" xmlns:p15="http://schemas.microsoft.com/office/powerpoint/2012/main" xmlns:mc="http://schemas.openxmlformats.org/markup-compatibility/2006">
+<p:sld xmlns:a="http://schemas.openxmlformats.org/drawingml/2006/main" xmlns:r="http://schemas.openxmlformats.org/officeDocument/2006/relationships" xmlns:p="http://schemas.openxmlformats.org/presentationml/2006/main">
   <p:cSld>
     <p:spTree>
       <p:nvGrpSpPr>
@@ -6056,33 +6549,24 @@
           </a:ln>
         </p:spPr>
         <p:txBody>
-          <a:bodyPr lIns="0" rIns="0" tIns="0" bIns="0" anchor="ctr"/>
-          <a:p>
+          <a:bodyPr lIns="0" tIns="0" rIns="0" bIns="0" anchor="t"/>
+          <a:lstStyle/>
+          <a:p>
+            <a:pPr algn="r"/>
             <a:r>
-              <a:rPr b="0" lang="en-US" sz="1800" spc="-1" strike="noStrike">
+              <a:rPr lang="en-US" sz="5000" b="0" i="1" strike="noStrike" spc="-1" dirty="0">
                 <a:solidFill>
                   <a:srgbClr val="000000"/>
                 </a:solidFill>
                 <a:uFill>
                   <a:solidFill>
-                    <a:srgbClr val="ffffff"/>
+                    <a:srgbClr val="FFFFFF"/>
                   </a:solidFill>
                 </a:uFill>
-                <a:latin typeface="Corbel"/>
+                <a:latin typeface="Century Schoolbook" panose="02040604050505020304" pitchFamily="18" charset="0"/>
               </a:rPr>
               <a:t>High Concept</a:t>
             </a:r>
-            <a:endParaRPr b="0" lang="en-US" sz="1800" spc="-1" strike="noStrike">
-              <a:solidFill>
-                <a:srgbClr val="000000"/>
-              </a:solidFill>
-              <a:uFill>
-                <a:solidFill>
-                  <a:srgbClr val="ffffff"/>
-                </a:solidFill>
-              </a:uFill>
-              <a:latin typeface="Corbel"/>
-            </a:endParaRPr>
           </a:p>
         </p:txBody>
       </p:sp>
@@ -6106,44 +6590,48 @@
           </a:ln>
         </p:spPr>
         <p:txBody>
-          <a:bodyPr lIns="90000" rIns="90000" tIns="45000" bIns="45000"/>
+          <a:bodyPr lIns="90000" tIns="45000" rIns="90000" bIns="45000"/>
+          <a:lstStyle/>
           <a:p>
             <a:r>
-              <a:rPr b="0" lang="en-US" sz="1800" spc="-1" strike="noStrike">
+              <a:rPr lang="en-US" sz="2000" b="0" strike="noStrike" spc="-1" dirty="0">
                 <a:solidFill>
                   <a:srgbClr val="000000"/>
                 </a:solidFill>
                 <a:uFill>
                   <a:solidFill>
-                    <a:srgbClr val="ffffff"/>
+                    <a:srgbClr val="FFFFFF"/>
                   </a:solidFill>
                 </a:uFill>
-                <a:latin typeface="Arial"/>
+                <a:latin typeface="Corbel" panose="020B0503020204020204" pitchFamily="34" charset="0"/>
                 <a:ea typeface="WenQuanYi Micro Hei"/>
               </a:rPr>
               <a:t>Rivaling teams are thrown into unknown territory to collect resources in order to build components and parts to create massive siege machines, robots, and powerful equipment in order to claim the enemy’s home land.</a:t>
             </a:r>
-            <a:endParaRPr b="0" lang="en-US" sz="1800" spc="-1" strike="noStrike">
+            <a:endParaRPr lang="en-US" sz="2000" b="0" strike="noStrike" spc="-1" dirty="0">
               <a:solidFill>
                 <a:srgbClr val="000000"/>
               </a:solidFill>
               <a:uFill>
                 <a:solidFill>
-                  <a:srgbClr val="ffffff"/>
+                  <a:srgbClr val="FFFFFF"/>
                 </a:solidFill>
               </a:uFill>
-              <a:latin typeface="Arial"/>
+              <a:latin typeface="Corbel" panose="020B0503020204020204" pitchFamily="34" charset="0"/>
             </a:endParaRPr>
           </a:p>
         </p:txBody>
       </p:sp>
     </p:spTree>
   </p:cSld>
+  <p:clrMapOvr>
+    <a:masterClrMapping/>
+  </p:clrMapOvr>
 </p:sld>
 </file>
 
 <file path=ppt/slides/slide5.xml><?xml version="1.0" encoding="utf-8"?>
-<p:sld xmlns:a="http://schemas.openxmlformats.org/drawingml/2006/main" xmlns:p="http://schemas.openxmlformats.org/presentationml/2006/main" xmlns:r="http://schemas.openxmlformats.org/officeDocument/2006/relationships" xmlns:p14="http://schemas.microsoft.com/office/powerpoint/2010/main" xmlns:p15="http://schemas.microsoft.com/office/powerpoint/2012/main" xmlns:mc="http://schemas.openxmlformats.org/markup-compatibility/2006">
+<p:sld xmlns:a="http://schemas.openxmlformats.org/drawingml/2006/main" xmlns:r="http://schemas.openxmlformats.org/officeDocument/2006/relationships" xmlns:p="http://schemas.openxmlformats.org/presentationml/2006/main">
   <p:cSld>
     <p:spTree>
       <p:nvGrpSpPr>
@@ -6180,6 +6668,7 @@
         </p:spPr>
         <p:txBody>
           <a:bodyPr/>
+          <a:lstStyle/>
           <a:p>
             <a:pPr algn="r">
               <a:lnSpc>
@@ -6187,26 +6676,26 @@
               </a:lnSpc>
             </a:pPr>
             <a:r>
-              <a:rPr b="0" i="1" lang="en-US" sz="5000" spc="-1" strike="noStrike">
+              <a:rPr lang="en-US" sz="5000" b="0" i="1" strike="noStrike" spc="-1">
                 <a:solidFill>
                   <a:srgbClr val="262626"/>
                 </a:solidFill>
                 <a:uFill>
                   <a:solidFill>
-                    <a:srgbClr val="ffffff"/>
+                    <a:srgbClr val="FFFFFF"/>
                   </a:solidFill>
                 </a:uFill>
                 <a:latin typeface="Century Schoolbook"/>
               </a:rPr>
               <a:t>Decision Tree</a:t>
             </a:r>
-            <a:endParaRPr b="0" lang="en-US" sz="1800" spc="-1" strike="noStrike">
+            <a:endParaRPr lang="en-US" sz="1800" b="0" strike="noStrike" spc="-1">
               <a:solidFill>
                 <a:srgbClr val="000000"/>
               </a:solidFill>
               <a:uFill>
                 <a:solidFill>
-                  <a:srgbClr val="ffffff"/>
+                  <a:srgbClr val="FFFFFF"/>
                 </a:solidFill>
               </a:uFill>
               <a:latin typeface="Corbel"/>
@@ -6244,13 +6733,20 @@
           </a:ln>
         </p:spPr>
         <p:style>
-          <a:lnRef idx="0"/>
-          <a:fillRef idx="0"/>
-          <a:effectRef idx="0"/>
+          <a:lnRef idx="0">
+            <a:scrgbClr r="0" g="0" b="0"/>
+          </a:lnRef>
+          <a:fillRef idx="0">
+            <a:scrgbClr r="0" g="0" b="0"/>
+          </a:fillRef>
+          <a:effectRef idx="0">
+            <a:scrgbClr r="0" g="0" b="0"/>
+          </a:effectRef>
           <a:fontRef idx="minor"/>
         </p:style>
         <p:txBody>
-          <a:bodyPr lIns="170640" rIns="170640" tIns="170640" bIns="170640" anchor="ctr"/>
+          <a:bodyPr lIns="170640" tIns="170640" rIns="170640" bIns="170640" anchor="ctr"/>
+          <a:lstStyle/>
           <a:p>
             <a:pPr algn="ctr">
               <a:lnSpc>
@@ -6258,26 +6754,26 @@
               </a:lnSpc>
             </a:pPr>
             <a:r>
-              <a:rPr b="0" lang="en-US" sz="2400" spc="-1" strike="noStrike">
+              <a:rPr lang="en-US" sz="2400" b="0" strike="noStrike" spc="-1">
                 <a:solidFill>
                   <a:srgbClr val="000000"/>
                 </a:solidFill>
                 <a:uFill>
                   <a:solidFill>
-                    <a:srgbClr val="ffffff"/>
+                    <a:srgbClr val="FFFFFF"/>
                   </a:solidFill>
                 </a:uFill>
                 <a:latin typeface="Corbel"/>
               </a:rPr>
               <a:t>Late Game</a:t>
             </a:r>
-            <a:endParaRPr b="0" lang="en-US" sz="1800" spc="-1" strike="noStrike">
+            <a:endParaRPr lang="en-US" sz="1800" b="0" strike="noStrike" spc="-1">
               <a:solidFill>
                 <a:srgbClr val="000000"/>
               </a:solidFill>
               <a:uFill>
                 <a:solidFill>
-                  <a:srgbClr val="ffffff"/>
+                  <a:srgbClr val="FFFFFF"/>
                 </a:solidFill>
               </a:uFill>
               <a:latin typeface="Arial"/>
@@ -6315,13 +6811,20 @@
           </a:ln>
         </p:spPr>
         <p:style>
-          <a:lnRef idx="0"/>
-          <a:fillRef idx="0"/>
-          <a:effectRef idx="0"/>
+          <a:lnRef idx="0">
+            <a:scrgbClr r="0" g="0" b="0"/>
+          </a:lnRef>
+          <a:fillRef idx="0">
+            <a:scrgbClr r="0" g="0" b="0"/>
+          </a:fillRef>
+          <a:effectRef idx="0">
+            <a:scrgbClr r="0" g="0" b="0"/>
+          </a:effectRef>
           <a:fontRef idx="minor"/>
         </p:style>
         <p:txBody>
-          <a:bodyPr lIns="170640" rIns="170640" tIns="170640" bIns="170640" anchor="ctr"/>
+          <a:bodyPr lIns="170640" tIns="170640" rIns="170640" bIns="170640" anchor="ctr"/>
+          <a:lstStyle/>
           <a:p>
             <a:pPr algn="ctr">
               <a:lnSpc>
@@ -6329,26 +6832,26 @@
               </a:lnSpc>
             </a:pPr>
             <a:r>
-              <a:rPr b="0" lang="en-US" sz="2400" spc="-1" strike="noStrike">
+              <a:rPr lang="en-US" sz="2400" b="0" strike="noStrike" spc="-1">
                 <a:solidFill>
                   <a:srgbClr val="000000"/>
                 </a:solidFill>
                 <a:uFill>
                   <a:solidFill>
-                    <a:srgbClr val="ffffff"/>
+                    <a:srgbClr val="FFFFFF"/>
                   </a:solidFill>
                 </a:uFill>
                 <a:latin typeface="Corbel"/>
               </a:rPr>
               <a:t>Early Game</a:t>
             </a:r>
-            <a:endParaRPr b="0" lang="en-US" sz="1800" spc="-1" strike="noStrike">
+            <a:endParaRPr lang="en-US" sz="1800" b="0" strike="noStrike" spc="-1">
               <a:solidFill>
                 <a:srgbClr val="000000"/>
               </a:solidFill>
               <a:uFill>
                 <a:solidFill>
-                  <a:srgbClr val="ffffff"/>
+                  <a:srgbClr val="FFFFFF"/>
                 </a:solidFill>
               </a:uFill>
               <a:latin typeface="Arial"/>
@@ -6386,13 +6889,20 @@
           </a:ln>
         </p:spPr>
         <p:style>
-          <a:lnRef idx="0"/>
-          <a:fillRef idx="0"/>
-          <a:effectRef idx="0"/>
+          <a:lnRef idx="0">
+            <a:scrgbClr r="0" g="0" b="0"/>
+          </a:lnRef>
+          <a:fillRef idx="0">
+            <a:scrgbClr r="0" g="0" b="0"/>
+          </a:fillRef>
+          <a:effectRef idx="0">
+            <a:scrgbClr r="0" g="0" b="0"/>
+          </a:effectRef>
           <a:fontRef idx="minor"/>
         </p:style>
         <p:txBody>
-          <a:bodyPr lIns="170640" rIns="170640" tIns="170640" bIns="170640" anchor="ctr"/>
+          <a:bodyPr lIns="170640" tIns="170640" rIns="170640" bIns="170640" anchor="ctr"/>
+          <a:lstStyle/>
           <a:p>
             <a:pPr algn="ctr">
               <a:lnSpc>
@@ -6400,26 +6910,26 @@
               </a:lnSpc>
             </a:pPr>
             <a:r>
-              <a:rPr b="0" lang="en-US" sz="2400" spc="-1" strike="noStrike">
+              <a:rPr lang="en-US" sz="2400" b="0" strike="noStrike" spc="-1">
                 <a:solidFill>
                   <a:srgbClr val="000000"/>
                 </a:solidFill>
                 <a:uFill>
                   <a:solidFill>
-                    <a:srgbClr val="ffffff"/>
+                    <a:srgbClr val="FFFFFF"/>
                   </a:solidFill>
                 </a:uFill>
                 <a:latin typeface="Corbel"/>
               </a:rPr>
               <a:t>Pre-Game</a:t>
             </a:r>
-            <a:endParaRPr b="0" lang="en-US" sz="1800" spc="-1" strike="noStrike">
+            <a:endParaRPr lang="en-US" sz="1800" b="0" strike="noStrike" spc="-1">
               <a:solidFill>
                 <a:srgbClr val="000000"/>
               </a:solidFill>
               <a:uFill>
                 <a:solidFill>
-                  <a:srgbClr val="ffffff"/>
+                  <a:srgbClr val="FFFFFF"/>
                 </a:solidFill>
               </a:uFill>
               <a:latin typeface="Arial"/>
@@ -6464,13 +6974,20 @@
           </a:ln>
         </p:spPr>
         <p:style>
-          <a:lnRef idx="2"/>
-          <a:fillRef idx="0"/>
-          <a:effectRef idx="0"/>
+          <a:lnRef idx="2">
+            <a:scrgbClr r="0" g="0" b="0"/>
+          </a:lnRef>
+          <a:fillRef idx="0">
+            <a:scrgbClr r="0" g="0" b="0"/>
+          </a:fillRef>
+          <a:effectRef idx="0">
+            <a:scrgbClr r="0" g="0" b="0"/>
+          </a:effectRef>
           <a:fontRef idx="minor"/>
         </p:style>
         <p:txBody>
-          <a:bodyPr lIns="58680" rIns="41760" tIns="58680" bIns="58680" anchor="ctr"/>
+          <a:bodyPr lIns="58680" tIns="58680" rIns="41760" bIns="58680" anchor="ctr"/>
+          <a:lstStyle/>
           <a:p>
             <a:pPr algn="ctr">
               <a:lnSpc>
@@ -6478,26 +6995,26 @@
               </a:lnSpc>
             </a:pPr>
             <a:r>
-              <a:rPr b="0" lang="en-US" sz="1100" spc="-1" strike="noStrike">
-                <a:solidFill>
-                  <a:srgbClr val="ffffff"/>
+              <a:rPr lang="en-US" sz="1100" b="0" strike="noStrike" spc="-1">
+                <a:solidFill>
+                  <a:srgbClr val="FFFFFF"/>
                 </a:solidFill>
                 <a:uFill>
                   <a:solidFill>
-                    <a:srgbClr val="ffffff"/>
+                    <a:srgbClr val="FFFFFF"/>
                   </a:solidFill>
                 </a:uFill>
                 <a:latin typeface="Corbel"/>
               </a:rPr>
               <a:t>Team Composition</a:t>
             </a:r>
-            <a:endParaRPr b="0" lang="en-US" sz="1800" spc="-1" strike="noStrike">
+            <a:endParaRPr lang="en-US" sz="1800" b="0" strike="noStrike" spc="-1">
               <a:solidFill>
                 <a:srgbClr val="000000"/>
               </a:solidFill>
               <a:uFill>
                 <a:solidFill>
-                  <a:srgbClr val="ffffff"/>
+                  <a:srgbClr val="FFFFFF"/>
                 </a:solidFill>
               </a:uFill>
               <a:latin typeface="Arial"/>
@@ -6520,9 +7037,10 @@
             <a:avLst/>
             <a:gdLst/>
             <a:ahLst/>
+            <a:cxnLst/>
             <a:rect l="l" t="t" r="r" b="b"/>
             <a:pathLst>
-              <a:path w="0" h="231060">
+              <a:path h="231060">
                 <a:moveTo>
                   <a:pt x="45720" y="0"/>
                 </a:moveTo>
@@ -6546,9 +7064,15 @@
           </a:ln>
         </p:spPr>
         <p:style>
-          <a:lnRef idx="2"/>
-          <a:fillRef idx="0"/>
-          <a:effectRef idx="0"/>
+          <a:lnRef idx="2">
+            <a:scrgbClr r="0" g="0" b="0"/>
+          </a:lnRef>
+          <a:fillRef idx="0">
+            <a:scrgbClr r="0" g="0" b="0"/>
+          </a:fillRef>
+          <a:effectRef idx="0">
+            <a:scrgbClr r="0" g="0" b="0"/>
+          </a:effectRef>
           <a:fontRef idx="minor"/>
         </p:style>
       </p:sp>
@@ -6589,13 +7113,20 @@
           </a:ln>
         </p:spPr>
         <p:style>
-          <a:lnRef idx="2"/>
-          <a:fillRef idx="0"/>
-          <a:effectRef idx="0"/>
+          <a:lnRef idx="2">
+            <a:scrgbClr r="0" g="0" b="0"/>
+          </a:lnRef>
+          <a:fillRef idx="0">
+            <a:scrgbClr r="0" g="0" b="0"/>
+          </a:fillRef>
+          <a:effectRef idx="0">
+            <a:scrgbClr r="0" g="0" b="0"/>
+          </a:effectRef>
           <a:fontRef idx="minor"/>
         </p:style>
         <p:txBody>
-          <a:bodyPr lIns="58680" rIns="41760" tIns="58680" bIns="58680" anchor="ctr"/>
+          <a:bodyPr lIns="58680" tIns="58680" rIns="41760" bIns="58680" anchor="ctr"/>
+          <a:lstStyle/>
           <a:p>
             <a:pPr algn="ctr">
               <a:lnSpc>
@@ -6603,26 +7134,26 @@
               </a:lnSpc>
             </a:pPr>
             <a:r>
-              <a:rPr b="0" lang="en-US" sz="1100" spc="-1" strike="noStrike">
-                <a:solidFill>
-                  <a:srgbClr val="ffffff"/>
+              <a:rPr lang="en-US" sz="1100" b="0" strike="noStrike" spc="-1">
+                <a:solidFill>
+                  <a:srgbClr val="FFFFFF"/>
                 </a:solidFill>
                 <a:uFill>
                   <a:solidFill>
-                    <a:srgbClr val="ffffff"/>
+                    <a:srgbClr val="FFFFFF"/>
                   </a:solidFill>
                 </a:uFill>
                 <a:latin typeface="Corbel"/>
               </a:rPr>
               <a:t>Character Selection</a:t>
             </a:r>
-            <a:endParaRPr b="0" lang="en-US" sz="1800" spc="-1" strike="noStrike">
+            <a:endParaRPr lang="en-US" sz="1800" b="0" strike="noStrike" spc="-1">
               <a:solidFill>
                 <a:srgbClr val="000000"/>
               </a:solidFill>
               <a:uFill>
                 <a:solidFill>
-                  <a:srgbClr val="ffffff"/>
+                  <a:srgbClr val="FFFFFF"/>
                 </a:solidFill>
               </a:uFill>
               <a:latin typeface="Arial"/>
@@ -6645,6 +7176,7 @@
             <a:avLst/>
             <a:gdLst/>
             <a:ahLst/>
+            <a:cxnLst/>
             <a:rect l="l" t="t" r="r" b="b"/>
             <a:pathLst>
               <a:path w="1126420" h="231060">
@@ -6677,9 +7209,15 @@
           </a:ln>
         </p:spPr>
         <p:style>
-          <a:lnRef idx="2"/>
-          <a:fillRef idx="0"/>
-          <a:effectRef idx="0"/>
+          <a:lnRef idx="2">
+            <a:scrgbClr r="0" g="0" b="0"/>
+          </a:lnRef>
+          <a:fillRef idx="0">
+            <a:scrgbClr r="0" g="0" b="0"/>
+          </a:fillRef>
+          <a:effectRef idx="0">
+            <a:scrgbClr r="0" g="0" b="0"/>
+          </a:effectRef>
           <a:fontRef idx="minor"/>
         </p:style>
       </p:sp>
@@ -6720,13 +7258,20 @@
           </a:ln>
         </p:spPr>
         <p:style>
-          <a:lnRef idx="2"/>
-          <a:fillRef idx="0"/>
-          <a:effectRef idx="0"/>
+          <a:lnRef idx="2">
+            <a:scrgbClr r="0" g="0" b="0"/>
+          </a:lnRef>
+          <a:fillRef idx="0">
+            <a:scrgbClr r="0" g="0" b="0"/>
+          </a:fillRef>
+          <a:effectRef idx="0">
+            <a:scrgbClr r="0" g="0" b="0"/>
+          </a:effectRef>
           <a:fontRef idx="minor"/>
         </p:style>
         <p:txBody>
-          <a:bodyPr lIns="58680" rIns="41760" tIns="58680" bIns="58680" anchor="ctr"/>
+          <a:bodyPr lIns="58680" tIns="58680" rIns="41760" bIns="58680" anchor="ctr"/>
+          <a:lstStyle/>
           <a:p>
             <a:pPr algn="ctr">
               <a:lnSpc>
@@ -6734,26 +7279,26 @@
               </a:lnSpc>
             </a:pPr>
             <a:r>
-              <a:rPr b="0" lang="en-US" sz="1100" spc="-1" strike="noStrike">
-                <a:solidFill>
-                  <a:srgbClr val="ffffff"/>
+              <a:rPr lang="en-US" sz="1100" b="0" strike="noStrike" spc="-1">
+                <a:solidFill>
+                  <a:srgbClr val="FFFFFF"/>
                 </a:solidFill>
                 <a:uFill>
                   <a:solidFill>
-                    <a:srgbClr val="ffffff"/>
+                    <a:srgbClr val="FFFFFF"/>
                   </a:solidFill>
                 </a:uFill>
                 <a:latin typeface="Corbel"/>
               </a:rPr>
               <a:t>Abilities</a:t>
             </a:r>
-            <a:endParaRPr b="0" lang="en-US" sz="1800" spc="-1" strike="noStrike">
+            <a:endParaRPr lang="en-US" sz="1800" b="0" strike="noStrike" spc="-1">
               <a:solidFill>
                 <a:srgbClr val="000000"/>
               </a:solidFill>
               <a:uFill>
                 <a:solidFill>
-                  <a:srgbClr val="ffffff"/>
+                  <a:srgbClr val="FFFFFF"/>
                 </a:solidFill>
               </a:uFill>
               <a:latin typeface="Arial"/>
@@ -6776,6 +7321,7 @@
             <a:avLst/>
             <a:gdLst/>
             <a:ahLst/>
+            <a:cxnLst/>
             <a:rect l="l" t="t" r="r" b="b"/>
             <a:pathLst>
               <a:path w="563210" h="231060">
@@ -6808,9 +7354,15 @@
           </a:ln>
         </p:spPr>
         <p:style>
-          <a:lnRef idx="2"/>
-          <a:fillRef idx="0"/>
-          <a:effectRef idx="0"/>
+          <a:lnRef idx="2">
+            <a:scrgbClr r="0" g="0" b="0"/>
+          </a:lnRef>
+          <a:fillRef idx="0">
+            <a:scrgbClr r="0" g="0" b="0"/>
+          </a:fillRef>
+          <a:effectRef idx="0">
+            <a:scrgbClr r="0" g="0" b="0"/>
+          </a:effectRef>
           <a:fontRef idx="minor"/>
         </p:style>
       </p:sp>
@@ -6851,13 +7403,20 @@
           </a:ln>
         </p:spPr>
         <p:style>
-          <a:lnRef idx="2"/>
-          <a:fillRef idx="0"/>
-          <a:effectRef idx="0"/>
+          <a:lnRef idx="2">
+            <a:scrgbClr r="0" g="0" b="0"/>
+          </a:lnRef>
+          <a:fillRef idx="0">
+            <a:scrgbClr r="0" g="0" b="0"/>
+          </a:fillRef>
+          <a:effectRef idx="0">
+            <a:scrgbClr r="0" g="0" b="0"/>
+          </a:effectRef>
           <a:fontRef idx="minor"/>
         </p:style>
         <p:txBody>
-          <a:bodyPr lIns="58680" rIns="41760" tIns="58680" bIns="58680" anchor="ctr"/>
+          <a:bodyPr lIns="58680" tIns="58680" rIns="41760" bIns="58680" anchor="ctr"/>
+          <a:lstStyle/>
           <a:p>
             <a:pPr algn="ctr">
               <a:lnSpc>
@@ -6865,26 +7424,26 @@
               </a:lnSpc>
             </a:pPr>
             <a:r>
-              <a:rPr b="0" lang="en-US" sz="1100" spc="-1" strike="noStrike">
-                <a:solidFill>
-                  <a:srgbClr val="ffffff"/>
+              <a:rPr lang="en-US" sz="1100" b="0" strike="noStrike" spc="-1">
+                <a:solidFill>
+                  <a:srgbClr val="FFFFFF"/>
                 </a:solidFill>
                 <a:uFill>
                   <a:solidFill>
-                    <a:srgbClr val="ffffff"/>
+                    <a:srgbClr val="FFFFFF"/>
                   </a:solidFill>
                 </a:uFill>
                 <a:latin typeface="Corbel"/>
               </a:rPr>
               <a:t>Personal Goal</a:t>
             </a:r>
-            <a:endParaRPr b="0" lang="en-US" sz="1800" spc="-1" strike="noStrike">
+            <a:endParaRPr lang="en-US" sz="1800" b="0" strike="noStrike" spc="-1">
               <a:solidFill>
                 <a:srgbClr val="000000"/>
               </a:solidFill>
               <a:uFill>
                 <a:solidFill>
-                  <a:srgbClr val="ffffff"/>
+                  <a:srgbClr val="FFFFFF"/>
                 </a:solidFill>
               </a:uFill>
               <a:latin typeface="Arial"/>
@@ -6907,6 +7466,7 @@
             <a:avLst/>
             <a:gdLst/>
             <a:ahLst/>
+            <a:cxnLst/>
             <a:rect l="l" t="t" r="r" b="b"/>
             <a:pathLst>
               <a:path w="563210" h="231060">
@@ -6939,9 +7499,15 @@
           </a:ln>
         </p:spPr>
         <p:style>
-          <a:lnRef idx="2"/>
-          <a:fillRef idx="0"/>
-          <a:effectRef idx="0"/>
+          <a:lnRef idx="2">
+            <a:scrgbClr r="0" g="0" b="0"/>
+          </a:lnRef>
+          <a:fillRef idx="0">
+            <a:scrgbClr r="0" g="0" b="0"/>
+          </a:fillRef>
+          <a:effectRef idx="0">
+            <a:scrgbClr r="0" g="0" b="0"/>
+          </a:effectRef>
           <a:fontRef idx="minor"/>
         </p:style>
       </p:sp>
@@ -6982,13 +7548,20 @@
           </a:ln>
         </p:spPr>
         <p:style>
-          <a:lnRef idx="2"/>
-          <a:fillRef idx="0"/>
-          <a:effectRef idx="0"/>
+          <a:lnRef idx="2">
+            <a:scrgbClr r="0" g="0" b="0"/>
+          </a:lnRef>
+          <a:fillRef idx="0">
+            <a:scrgbClr r="0" g="0" b="0"/>
+          </a:fillRef>
+          <a:effectRef idx="0">
+            <a:scrgbClr r="0" g="0" b="0"/>
+          </a:effectRef>
           <a:fontRef idx="minor"/>
         </p:style>
         <p:txBody>
-          <a:bodyPr lIns="58680" rIns="41760" tIns="58680" bIns="58680" anchor="ctr"/>
+          <a:bodyPr lIns="58680" tIns="58680" rIns="41760" bIns="58680" anchor="ctr"/>
+          <a:lstStyle/>
           <a:p>
             <a:pPr algn="ctr">
               <a:lnSpc>
@@ -6996,26 +7569,26 @@
               </a:lnSpc>
             </a:pPr>
             <a:r>
-              <a:rPr b="0" lang="en-US" sz="1100" spc="-1" strike="noStrike">
-                <a:solidFill>
-                  <a:srgbClr val="ffffff"/>
+              <a:rPr lang="en-US" sz="1100" b="0" strike="noStrike" spc="-1">
+                <a:solidFill>
+                  <a:srgbClr val="FFFFFF"/>
                 </a:solidFill>
                 <a:uFill>
                   <a:solidFill>
-                    <a:srgbClr val="ffffff"/>
+                    <a:srgbClr val="FFFFFF"/>
                   </a:solidFill>
                 </a:uFill>
                 <a:latin typeface="Corbel"/>
               </a:rPr>
               <a:t>Regions</a:t>
             </a:r>
-            <a:endParaRPr b="0" lang="en-US" sz="1800" spc="-1" strike="noStrike">
+            <a:endParaRPr lang="en-US" sz="1800" b="0" strike="noStrike" spc="-1">
               <a:solidFill>
                 <a:srgbClr val="000000"/>
               </a:solidFill>
               <a:uFill>
                 <a:solidFill>
-                  <a:srgbClr val="ffffff"/>
+                  <a:srgbClr val="FFFFFF"/>
                 </a:solidFill>
               </a:uFill>
               <a:latin typeface="Arial"/>
@@ -7038,6 +7611,7 @@
             <a:avLst/>
             <a:gdLst/>
             <a:ahLst/>
+            <a:cxnLst/>
             <a:rect l="l" t="t" r="r" b="b"/>
             <a:pathLst>
               <a:path w="642856" h="272940">
@@ -7070,9 +7644,15 @@
           </a:ln>
         </p:spPr>
         <p:style>
-          <a:lnRef idx="2"/>
-          <a:fillRef idx="0"/>
-          <a:effectRef idx="0"/>
+          <a:lnRef idx="2">
+            <a:scrgbClr r="0" g="0" b="0"/>
+          </a:lnRef>
+          <a:fillRef idx="0">
+            <a:scrgbClr r="0" g="0" b="0"/>
+          </a:fillRef>
+          <a:effectRef idx="0">
+            <a:scrgbClr r="0" g="0" b="0"/>
+          </a:effectRef>
           <a:fontRef idx="minor"/>
         </p:style>
       </p:sp>
@@ -7108,13 +7688,20 @@
           </a:ln>
         </p:spPr>
         <p:style>
-          <a:lnRef idx="2"/>
-          <a:fillRef idx="0"/>
-          <a:effectRef idx="0"/>
+          <a:lnRef idx="2">
+            <a:scrgbClr r="0" g="0" b="0"/>
+          </a:lnRef>
+          <a:fillRef idx="0">
+            <a:scrgbClr r="0" g="0" b="0"/>
+          </a:fillRef>
+          <a:effectRef idx="0">
+            <a:scrgbClr r="0" g="0" b="0"/>
+          </a:effectRef>
           <a:fontRef idx="minor"/>
         </p:style>
         <p:txBody>
-          <a:bodyPr lIns="58680" rIns="41760" tIns="58680" bIns="58680" anchor="ctr"/>
+          <a:bodyPr lIns="58680" tIns="58680" rIns="41760" bIns="58680" anchor="ctr"/>
+          <a:lstStyle/>
           <a:p>
             <a:pPr algn="ctr">
               <a:lnSpc>
@@ -7122,26 +7709,26 @@
               </a:lnSpc>
             </a:pPr>
             <a:r>
-              <a:rPr b="0" lang="en-US" sz="1100" spc="-1" strike="noStrike">
-                <a:solidFill>
-                  <a:srgbClr val="ffffff"/>
+              <a:rPr lang="en-US" sz="1100" b="0" strike="noStrike" spc="-1">
+                <a:solidFill>
+                  <a:srgbClr val="FFFFFF"/>
                 </a:solidFill>
                 <a:uFill>
                   <a:solidFill>
-                    <a:srgbClr val="ffffff"/>
+                    <a:srgbClr val="FFFFFF"/>
                   </a:solidFill>
                 </a:uFill>
                 <a:latin typeface="Corbel"/>
               </a:rPr>
               <a:t>Team Objective</a:t>
             </a:r>
-            <a:endParaRPr b="0" lang="en-US" sz="1800" spc="-1" strike="noStrike">
+            <a:endParaRPr lang="en-US" sz="1800" b="0" strike="noStrike" spc="-1">
               <a:solidFill>
                 <a:srgbClr val="000000"/>
               </a:solidFill>
               <a:uFill>
                 <a:solidFill>
-                  <a:srgbClr val="ffffff"/>
+                  <a:srgbClr val="FFFFFF"/>
                 </a:solidFill>
               </a:uFill>
               <a:latin typeface="Arial"/>
@@ -7164,6 +7751,7 @@
             <a:avLst/>
             <a:gdLst/>
             <a:ahLst/>
+            <a:cxnLst/>
             <a:rect l="l" t="t" r="r" b="b"/>
             <a:pathLst>
               <a:path w="1126420" h="231060">
@@ -7196,9 +7784,15 @@
           </a:ln>
         </p:spPr>
         <p:style>
-          <a:lnRef idx="2"/>
-          <a:fillRef idx="0"/>
-          <a:effectRef idx="0"/>
+          <a:lnRef idx="2">
+            <a:scrgbClr r="0" g="0" b="0"/>
+          </a:lnRef>
+          <a:fillRef idx="0">
+            <a:scrgbClr r="0" g="0" b="0"/>
+          </a:fillRef>
+          <a:effectRef idx="0">
+            <a:scrgbClr r="0" g="0" b="0"/>
+          </a:effectRef>
           <a:fontRef idx="minor"/>
         </p:style>
       </p:sp>
@@ -7239,13 +7833,20 @@
           </a:ln>
         </p:spPr>
         <p:style>
-          <a:lnRef idx="2"/>
-          <a:fillRef idx="0"/>
-          <a:effectRef idx="0"/>
+          <a:lnRef idx="2">
+            <a:scrgbClr r="0" g="0" b="0"/>
+          </a:lnRef>
+          <a:fillRef idx="0">
+            <a:scrgbClr r="0" g="0" b="0"/>
+          </a:fillRef>
+          <a:effectRef idx="0">
+            <a:scrgbClr r="0" g="0" b="0"/>
+          </a:effectRef>
           <a:fontRef idx="minor"/>
         </p:style>
         <p:txBody>
-          <a:bodyPr lIns="58680" rIns="41760" tIns="58680" bIns="58680" anchor="ctr"/>
+          <a:bodyPr lIns="58680" tIns="58680" rIns="41760" bIns="58680" anchor="ctr"/>
+          <a:lstStyle/>
           <a:p>
             <a:pPr algn="ctr">
               <a:lnSpc>
@@ -7253,26 +7854,26 @@
               </a:lnSpc>
             </a:pPr>
             <a:r>
-              <a:rPr b="0" lang="en-US" sz="1100" spc="-1" strike="noStrike">
-                <a:solidFill>
-                  <a:srgbClr val="ffffff"/>
+              <a:rPr lang="en-US" sz="1100" b="0" strike="noStrike" spc="-1">
+                <a:solidFill>
+                  <a:srgbClr val="FFFFFF"/>
                 </a:solidFill>
                 <a:uFill>
                   <a:solidFill>
-                    <a:srgbClr val="ffffff"/>
+                    <a:srgbClr val="FFFFFF"/>
                   </a:solidFill>
                 </a:uFill>
                 <a:latin typeface="Corbel"/>
               </a:rPr>
               <a:t>Components</a:t>
             </a:r>
-            <a:endParaRPr b="0" lang="en-US" sz="1800" spc="-1" strike="noStrike">
+            <a:endParaRPr lang="en-US" sz="1800" b="0" strike="noStrike" spc="-1">
               <a:solidFill>
                 <a:srgbClr val="000000"/>
               </a:solidFill>
               <a:uFill>
                 <a:solidFill>
-                  <a:srgbClr val="ffffff"/>
+                  <a:srgbClr val="FFFFFF"/>
                 </a:solidFill>
               </a:uFill>
               <a:latin typeface="Arial"/>
@@ -7295,6 +7896,7 @@
             <a:avLst/>
             <a:gdLst/>
             <a:ahLst/>
+            <a:cxnLst/>
             <a:rect l="l" t="t" r="r" b="b"/>
             <a:pathLst>
               <a:path w="563210" h="231060">
@@ -7327,9 +7929,15 @@
           </a:ln>
         </p:spPr>
         <p:style>
-          <a:lnRef idx="2"/>
-          <a:fillRef idx="0"/>
-          <a:effectRef idx="0"/>
+          <a:lnRef idx="2">
+            <a:scrgbClr r="0" g="0" b="0"/>
+          </a:lnRef>
+          <a:fillRef idx="0">
+            <a:scrgbClr r="0" g="0" b="0"/>
+          </a:fillRef>
+          <a:effectRef idx="0">
+            <a:scrgbClr r="0" g="0" b="0"/>
+          </a:effectRef>
           <a:fontRef idx="minor"/>
         </p:style>
       </p:sp>
@@ -7370,13 +7978,20 @@
           </a:ln>
         </p:spPr>
         <p:style>
-          <a:lnRef idx="2"/>
-          <a:fillRef idx="0"/>
-          <a:effectRef idx="0"/>
+          <a:lnRef idx="2">
+            <a:scrgbClr r="0" g="0" b="0"/>
+          </a:lnRef>
+          <a:fillRef idx="0">
+            <a:scrgbClr r="0" g="0" b="0"/>
+          </a:fillRef>
+          <a:effectRef idx="0">
+            <a:scrgbClr r="0" g="0" b="0"/>
+          </a:effectRef>
           <a:fontRef idx="minor"/>
         </p:style>
         <p:txBody>
-          <a:bodyPr lIns="58680" rIns="41760" tIns="58680" bIns="58680" anchor="ctr"/>
+          <a:bodyPr lIns="58680" tIns="58680" rIns="41760" bIns="58680" anchor="ctr"/>
+          <a:lstStyle/>
           <a:p>
             <a:pPr algn="ctr">
               <a:lnSpc>
@@ -7384,26 +7999,26 @@
               </a:lnSpc>
             </a:pPr>
             <a:r>
-              <a:rPr b="0" lang="en-US" sz="1100" spc="-1" strike="noStrike">
-                <a:solidFill>
-                  <a:srgbClr val="ffffff"/>
+              <a:rPr lang="en-US" sz="1100" b="0" strike="noStrike" spc="-1">
+                <a:solidFill>
+                  <a:srgbClr val="FFFFFF"/>
                 </a:solidFill>
                 <a:uFill>
                   <a:solidFill>
-                    <a:srgbClr val="ffffff"/>
+                    <a:srgbClr val="FFFFFF"/>
                   </a:solidFill>
                 </a:uFill>
                 <a:latin typeface="Corbel"/>
               </a:rPr>
               <a:t>Resources</a:t>
             </a:r>
-            <a:endParaRPr b="0" lang="en-US" sz="1800" spc="-1" strike="noStrike">
+            <a:endParaRPr lang="en-US" sz="1800" b="0" strike="noStrike" spc="-1">
               <a:solidFill>
                 <a:srgbClr val="000000"/>
               </a:solidFill>
               <a:uFill>
                 <a:solidFill>
-                  <a:srgbClr val="ffffff"/>
+                  <a:srgbClr val="FFFFFF"/>
                 </a:solidFill>
               </a:uFill>
               <a:latin typeface="Arial"/>
@@ -7426,6 +8041,7 @@
             <a:avLst/>
             <a:gdLst/>
             <a:ahLst/>
+            <a:cxnLst/>
             <a:rect l="l" t="t" r="r" b="b"/>
             <a:pathLst>
               <a:path w="563210" h="231060">
@@ -7458,9 +8074,15 @@
           </a:ln>
         </p:spPr>
         <p:style>
-          <a:lnRef idx="2"/>
-          <a:fillRef idx="0"/>
-          <a:effectRef idx="0"/>
+          <a:lnRef idx="2">
+            <a:scrgbClr r="0" g="0" b="0"/>
+          </a:lnRef>
+          <a:fillRef idx="0">
+            <a:scrgbClr r="0" g="0" b="0"/>
+          </a:fillRef>
+          <a:effectRef idx="0">
+            <a:scrgbClr r="0" g="0" b="0"/>
+          </a:effectRef>
           <a:fontRef idx="minor"/>
         </p:style>
       </p:sp>
@@ -7501,13 +8123,20 @@
           </a:ln>
         </p:spPr>
         <p:style>
-          <a:lnRef idx="2"/>
-          <a:fillRef idx="0"/>
-          <a:effectRef idx="0"/>
+          <a:lnRef idx="2">
+            <a:scrgbClr r="0" g="0" b="0"/>
+          </a:lnRef>
+          <a:fillRef idx="0">
+            <a:scrgbClr r="0" g="0" b="0"/>
+          </a:fillRef>
+          <a:effectRef idx="0">
+            <a:scrgbClr r="0" g="0" b="0"/>
+          </a:effectRef>
           <a:fontRef idx="minor"/>
         </p:style>
         <p:txBody>
-          <a:bodyPr lIns="58680" rIns="41760" tIns="58680" bIns="58680" anchor="ctr"/>
+          <a:bodyPr lIns="58680" tIns="58680" rIns="41760" bIns="58680" anchor="ctr"/>
+          <a:lstStyle/>
           <a:p>
             <a:pPr algn="ctr">
               <a:lnSpc>
@@ -7515,26 +8144,26 @@
               </a:lnSpc>
             </a:pPr>
             <a:r>
-              <a:rPr b="0" lang="en-US" sz="1100" spc="-1" strike="noStrike">
-                <a:solidFill>
-                  <a:srgbClr val="ffffff"/>
+              <a:rPr lang="en-US" sz="1100" b="0" strike="noStrike" spc="-1">
+                <a:solidFill>
+                  <a:srgbClr val="FFFFFF"/>
                 </a:solidFill>
                 <a:uFill>
                   <a:solidFill>
-                    <a:srgbClr val="ffffff"/>
+                    <a:srgbClr val="FFFFFF"/>
                   </a:solidFill>
                 </a:uFill>
                 <a:latin typeface="Corbel"/>
               </a:rPr>
               <a:t>Enemy Composition</a:t>
             </a:r>
-            <a:endParaRPr b="0" lang="en-US" sz="1800" spc="-1" strike="noStrike">
+            <a:endParaRPr lang="en-US" sz="1800" b="0" strike="noStrike" spc="-1">
               <a:solidFill>
                 <a:srgbClr val="000000"/>
               </a:solidFill>
               <a:uFill>
                 <a:solidFill>
-                  <a:srgbClr val="ffffff"/>
+                  <a:srgbClr val="FFFFFF"/>
                 </a:solidFill>
               </a:uFill>
               <a:latin typeface="Arial"/>
@@ -7671,22 +8300,25 @@
       </p:sp>
     </p:spTree>
   </p:cSld>
+  <p:clrMapOvr>
+    <a:masterClrMapping/>
+  </p:clrMapOvr>
   <p:timing>
     <p:tnLst>
       <p:par>
-        <p:cTn id="7" dur="indefinite" restart="never" nodeType="tmRoot">
+        <p:cTn id="1" dur="indefinite" restart="never" nodeType="tmRoot">
           <p:childTnLst>
             <p:seq>
-              <p:cTn id="8" nodeType="mainSeq"/>
+              <p:cTn id="2" nodeType="mainSeq"/>
               <p:prevCondLst>
-                <p:cond delay="0" evt="onPrev">
+                <p:cond evt="onPrev" delay="0">
                   <p:tgtEl>
                     <p:sldTgt/>
                   </p:tgtEl>
                 </p:cond>
               </p:prevCondLst>
               <p:nextCondLst>
-                <p:cond delay="0" evt="onNext">
+                <p:cond evt="onNext" delay="0">
                   <p:tgtEl>
                     <p:sldTgt/>
                   </p:tgtEl>
@@ -7702,7 +8334,7 @@
 </file>
 
 <file path=ppt/slides/slide6.xml><?xml version="1.0" encoding="utf-8"?>
-<p:sld xmlns:a="http://schemas.openxmlformats.org/drawingml/2006/main" xmlns:p="http://schemas.openxmlformats.org/presentationml/2006/main" xmlns:r="http://schemas.openxmlformats.org/officeDocument/2006/relationships" xmlns:p14="http://schemas.microsoft.com/office/powerpoint/2010/main" xmlns:p15="http://schemas.microsoft.com/office/powerpoint/2012/main" xmlns:mc="http://schemas.openxmlformats.org/markup-compatibility/2006">
+<p:sld xmlns:a="http://schemas.openxmlformats.org/drawingml/2006/main" xmlns:r="http://schemas.openxmlformats.org/officeDocument/2006/relationships" xmlns:p="http://schemas.openxmlformats.org/presentationml/2006/main">
   <p:cSld>
     <p:spTree>
       <p:nvGrpSpPr>
@@ -7739,6 +8371,7 @@
         </p:spPr>
         <p:txBody>
           <a:bodyPr/>
+          <a:lstStyle/>
           <a:p>
             <a:pPr algn="r">
               <a:lnSpc>
@@ -7746,26 +8379,26 @@
               </a:lnSpc>
             </a:pPr>
             <a:r>
-              <a:rPr b="0" i="1" lang="en-US" sz="5000" spc="-1" strike="noStrike">
+              <a:rPr lang="en-US" sz="5000" b="0" i="1" strike="noStrike" spc="-1">
                 <a:solidFill>
                   <a:srgbClr val="262626"/>
                 </a:solidFill>
                 <a:uFill>
                   <a:solidFill>
-                    <a:srgbClr val="ffffff"/>
+                    <a:srgbClr val="FFFFFF"/>
                   </a:solidFill>
                 </a:uFill>
                 <a:latin typeface="Century Schoolbook"/>
               </a:rPr>
               <a:t>Level Design</a:t>
             </a:r>
-            <a:endParaRPr b="0" lang="en-US" sz="1800" spc="-1" strike="noStrike">
+            <a:endParaRPr lang="en-US" sz="1800" b="0" strike="noStrike" spc="-1">
               <a:solidFill>
                 <a:srgbClr val="000000"/>
               </a:solidFill>
               <a:uFill>
                 <a:solidFill>
-                  <a:srgbClr val="ffffff"/>
+                  <a:srgbClr val="FFFFFF"/>
                 </a:solidFill>
               </a:uFill>
               <a:latin typeface="Corbel"/>
@@ -7794,6 +8427,7 @@
         </p:spPr>
         <p:txBody>
           <a:bodyPr/>
+          <a:lstStyle/>
           <a:p>
             <a:pPr marL="283320" indent="-282960">
               <a:lnSpc>
@@ -7806,33 +8440,22 @@
               <a:buChar char="•"/>
             </a:pPr>
             <a:r>
-              <a:rPr b="0" lang="en-US" sz="2000" spc="-1" strike="noStrike">
+              <a:rPr lang="en-US" sz="2000" b="0" strike="noStrike" spc="-1">
                 <a:solidFill>
                   <a:srgbClr val="262626"/>
                 </a:solidFill>
                 <a:uFill>
                   <a:solidFill>
-                    <a:srgbClr val="ffffff"/>
+                    <a:srgbClr val="FFFFFF"/>
                   </a:solidFill>
                 </a:uFill>
                 <a:latin typeface="Corbel"/>
               </a:rPr>
               <a:t>Four regions (one for each corner) randomly selected:</a:t>
             </a:r>
-            <a:endParaRPr b="0" lang="en-US" sz="2000" spc="-1" strike="noStrike">
-              <a:solidFill>
-                <a:srgbClr val="262626"/>
-              </a:solidFill>
-              <a:uFill>
-                <a:solidFill>
-                  <a:srgbClr val="ffffff"/>
-                </a:solidFill>
-              </a:uFill>
-              <a:latin typeface="Corbel"/>
-            </a:endParaRPr>
-          </a:p>
-          <a:p>
-            <a:pPr lvl="1" marL="685800" indent="-282960">
+          </a:p>
+          <a:p>
+            <a:pPr marL="685800" lvl="1" indent="-282960">
               <a:lnSpc>
                 <a:spcPct val="100000"/>
               </a:lnSpc>
@@ -7843,33 +8466,33 @@
               <a:buChar char="–"/>
             </a:pPr>
             <a:r>
-              <a:rPr b="0" lang="en-US" sz="1800" spc="-1" strike="noStrike">
+              <a:rPr lang="en-US" sz="1800" b="0" strike="noStrike" spc="-1">
                 <a:solidFill>
                   <a:srgbClr val="262626"/>
                 </a:solidFill>
                 <a:uFill>
                   <a:solidFill>
-                    <a:srgbClr val="ffffff"/>
+                    <a:srgbClr val="FFFFFF"/>
                   </a:solidFill>
                 </a:uFill>
                 <a:latin typeface="Corbel"/>
               </a:rPr>
               <a:t>Mountains</a:t>
             </a:r>
-            <a:endParaRPr b="0" lang="en-US" sz="1600" spc="-1" strike="noStrike">
+            <a:endParaRPr lang="en-US" sz="1600" b="0" strike="noStrike" spc="-1">
               <a:solidFill>
                 <a:srgbClr val="262626"/>
               </a:solidFill>
               <a:uFill>
                 <a:solidFill>
-                  <a:srgbClr val="ffffff"/>
+                  <a:srgbClr val="FFFFFF"/>
                 </a:solidFill>
               </a:uFill>
               <a:latin typeface="Corbel"/>
             </a:endParaRPr>
           </a:p>
           <a:p>
-            <a:pPr lvl="1" marL="685800" indent="-282960">
+            <a:pPr marL="685800" lvl="1" indent="-282960">
               <a:lnSpc>
                 <a:spcPct val="100000"/>
               </a:lnSpc>
@@ -7880,33 +8503,33 @@
               <a:buChar char="–"/>
             </a:pPr>
             <a:r>
-              <a:rPr b="0" lang="en-US" sz="1800" spc="-1" strike="noStrike">
+              <a:rPr lang="en-US" sz="1800" b="0" strike="noStrike" spc="-1">
                 <a:solidFill>
                   <a:srgbClr val="262626"/>
                 </a:solidFill>
                 <a:uFill>
                   <a:solidFill>
-                    <a:srgbClr val="ffffff"/>
+                    <a:srgbClr val="FFFFFF"/>
                   </a:solidFill>
                 </a:uFill>
                 <a:latin typeface="Corbel"/>
               </a:rPr>
               <a:t>Forest</a:t>
             </a:r>
-            <a:endParaRPr b="0" lang="en-US" sz="1600" spc="-1" strike="noStrike">
+            <a:endParaRPr lang="en-US" sz="1600" b="0" strike="noStrike" spc="-1">
               <a:solidFill>
                 <a:srgbClr val="262626"/>
               </a:solidFill>
               <a:uFill>
                 <a:solidFill>
-                  <a:srgbClr val="ffffff"/>
+                  <a:srgbClr val="FFFFFF"/>
                 </a:solidFill>
               </a:uFill>
               <a:latin typeface="Corbel"/>
             </a:endParaRPr>
           </a:p>
           <a:p>
-            <a:pPr lvl="1" marL="685800" indent="-282960">
+            <a:pPr marL="685800" lvl="1" indent="-282960">
               <a:lnSpc>
                 <a:spcPct val="100000"/>
               </a:lnSpc>
@@ -7917,33 +8540,33 @@
               <a:buChar char="–"/>
             </a:pPr>
             <a:r>
-              <a:rPr b="0" lang="en-US" sz="1800" spc="-1" strike="noStrike">
+              <a:rPr lang="en-US" sz="1800" b="0" strike="noStrike" spc="-1">
                 <a:solidFill>
                   <a:srgbClr val="262626"/>
                 </a:solidFill>
                 <a:uFill>
                   <a:solidFill>
-                    <a:srgbClr val="ffffff"/>
+                    <a:srgbClr val="FFFFFF"/>
                   </a:solidFill>
                 </a:uFill>
                 <a:latin typeface="Corbel"/>
               </a:rPr>
               <a:t>Desert</a:t>
             </a:r>
-            <a:endParaRPr b="0" lang="en-US" sz="1600" spc="-1" strike="noStrike">
+            <a:endParaRPr lang="en-US" sz="1600" b="0" strike="noStrike" spc="-1">
               <a:solidFill>
                 <a:srgbClr val="262626"/>
               </a:solidFill>
               <a:uFill>
                 <a:solidFill>
-                  <a:srgbClr val="ffffff"/>
+                  <a:srgbClr val="FFFFFF"/>
                 </a:solidFill>
               </a:uFill>
               <a:latin typeface="Corbel"/>
             </a:endParaRPr>
           </a:p>
           <a:p>
-            <a:pPr lvl="1" marL="685800" indent="-282960">
+            <a:pPr marL="685800" lvl="1" indent="-282960">
               <a:lnSpc>
                 <a:spcPct val="100000"/>
               </a:lnSpc>
@@ -7954,33 +8577,33 @@
               <a:buChar char="–"/>
             </a:pPr>
             <a:r>
-              <a:rPr b="0" lang="en-US" sz="1800" spc="-1" strike="noStrike">
+              <a:rPr lang="en-US" sz="1800" b="0" strike="noStrike" spc="-1">
                 <a:solidFill>
                   <a:srgbClr val="262626"/>
                 </a:solidFill>
                 <a:uFill>
                   <a:solidFill>
-                    <a:srgbClr val="ffffff"/>
+                    <a:srgbClr val="FFFFFF"/>
                   </a:solidFill>
                 </a:uFill>
                 <a:latin typeface="Corbel"/>
               </a:rPr>
               <a:t>Swamp</a:t>
             </a:r>
-            <a:endParaRPr b="0" lang="en-US" sz="1600" spc="-1" strike="noStrike">
+            <a:endParaRPr lang="en-US" sz="1600" b="0" strike="noStrike" spc="-1">
               <a:solidFill>
                 <a:srgbClr val="262626"/>
               </a:solidFill>
               <a:uFill>
                 <a:solidFill>
-                  <a:srgbClr val="ffffff"/>
+                  <a:srgbClr val="FFFFFF"/>
                 </a:solidFill>
               </a:uFill>
               <a:latin typeface="Corbel"/>
             </a:endParaRPr>
           </a:p>
           <a:p>
-            <a:pPr lvl="1" marL="685800" indent="-282960">
+            <a:pPr marL="685800" lvl="1" indent="-282960">
               <a:lnSpc>
                 <a:spcPct val="100000"/>
               </a:lnSpc>
@@ -7991,26 +8614,26 @@
               <a:buChar char="–"/>
             </a:pPr>
             <a:r>
-              <a:rPr b="0" lang="en-US" sz="1800" spc="-1" strike="noStrike">
+              <a:rPr lang="en-US" sz="1800" b="0" strike="noStrike" spc="-1">
                 <a:solidFill>
                   <a:srgbClr val="262626"/>
                 </a:solidFill>
                 <a:uFill>
                   <a:solidFill>
-                    <a:srgbClr val="ffffff"/>
+                    <a:srgbClr val="FFFFFF"/>
                   </a:solidFill>
                 </a:uFill>
                 <a:latin typeface="Corbel"/>
               </a:rPr>
               <a:t>Coast</a:t>
             </a:r>
-            <a:endParaRPr b="0" lang="en-US" sz="1600" spc="-1" strike="noStrike">
+            <a:endParaRPr lang="en-US" sz="1600" b="0" strike="noStrike" spc="-1">
               <a:solidFill>
                 <a:srgbClr val="262626"/>
               </a:solidFill>
               <a:uFill>
                 <a:solidFill>
-                  <a:srgbClr val="ffffff"/>
+                  <a:srgbClr val="FFFFFF"/>
                 </a:solidFill>
               </a:uFill>
               <a:latin typeface="Corbel"/>
@@ -8028,33 +8651,22 @@
               <a:buChar char="•"/>
             </a:pPr>
             <a:r>
-              <a:rPr b="0" lang="en-US" sz="2000" spc="-1" strike="noStrike">
+              <a:rPr lang="en-US" sz="2000" b="0" strike="noStrike" spc="-1">
                 <a:solidFill>
                   <a:srgbClr val="262626"/>
                 </a:solidFill>
                 <a:uFill>
                   <a:solidFill>
-                    <a:srgbClr val="ffffff"/>
+                    <a:srgbClr val="FFFFFF"/>
                   </a:solidFill>
                 </a:uFill>
                 <a:latin typeface="Corbel"/>
               </a:rPr>
               <a:t>The center is open grassland</a:t>
             </a:r>
-            <a:endParaRPr b="0" lang="en-US" sz="2000" spc="-1" strike="noStrike">
-              <a:solidFill>
-                <a:srgbClr val="262626"/>
-              </a:solidFill>
-              <a:uFill>
-                <a:solidFill>
-                  <a:srgbClr val="ffffff"/>
-                </a:solidFill>
-              </a:uFill>
-              <a:latin typeface="Corbel"/>
-            </a:endParaRPr>
-          </a:p>
-          <a:p>
-            <a:pPr lvl="1" marL="685800" indent="-282960">
+          </a:p>
+          <a:p>
+            <a:pPr marL="685800" lvl="1" indent="-282960">
               <a:lnSpc>
                 <a:spcPct val="100000"/>
               </a:lnSpc>
@@ -8065,40 +8677,26 @@
               <a:buChar char="–"/>
             </a:pPr>
             <a:r>
-              <a:rPr b="0" lang="en-US" sz="1800" spc="-1" strike="noStrike">
+              <a:rPr lang="en-US" sz="1800" b="0" strike="noStrike" spc="-1">
                 <a:solidFill>
                   <a:srgbClr val="262626"/>
                 </a:solidFill>
                 <a:uFill>
                   <a:solidFill>
-                    <a:srgbClr val="ffffff"/>
+                    <a:srgbClr val="FFFFFF"/>
                   </a:solidFill>
                 </a:uFill>
                 <a:latin typeface="Corbel"/>
               </a:rPr>
-              <a:t>“</a:t>
+              <a:t>“No man’s land”</a:t>
             </a:r>
-            <a:r>
-              <a:rPr b="0" lang="en-US" sz="1800" spc="-1" strike="noStrike">
-                <a:solidFill>
-                  <a:srgbClr val="262626"/>
-                </a:solidFill>
-                <a:uFill>
-                  <a:solidFill>
-                    <a:srgbClr val="ffffff"/>
-                  </a:solidFill>
-                </a:uFill>
-                <a:latin typeface="Corbel"/>
-              </a:rPr>
-              <a:t>No man’s land”</a:t>
-            </a:r>
-            <a:endParaRPr b="0" lang="en-US" sz="1600" spc="-1" strike="noStrike">
+            <a:endParaRPr lang="en-US" sz="1600" b="0" strike="noStrike" spc="-1">
               <a:solidFill>
                 <a:srgbClr val="262626"/>
               </a:solidFill>
               <a:uFill>
                 <a:solidFill>
-                  <a:srgbClr val="ffffff"/>
+                  <a:srgbClr val="FFFFFF"/>
                 </a:solidFill>
               </a:uFill>
               <a:latin typeface="Corbel"/>
@@ -8116,30 +8714,19 @@
               <a:buChar char="•"/>
             </a:pPr>
             <a:r>
-              <a:rPr b="0" lang="en-US" sz="2000" spc="-1" strike="noStrike">
+              <a:rPr lang="en-US" sz="2000" b="0" strike="noStrike" spc="-1">
                 <a:solidFill>
                   <a:srgbClr val="262626"/>
                 </a:solidFill>
                 <a:uFill>
                   <a:solidFill>
-                    <a:srgbClr val="ffffff"/>
+                    <a:srgbClr val="FFFFFF"/>
                   </a:solidFill>
                 </a:uFill>
                 <a:latin typeface="Corbel"/>
               </a:rPr>
               <a:t>The configuration of the map and each region will be generated each match</a:t>
             </a:r>
-            <a:endParaRPr b="0" lang="en-US" sz="2000" spc="-1" strike="noStrike">
-              <a:solidFill>
-                <a:srgbClr val="262626"/>
-              </a:solidFill>
-              <a:uFill>
-                <a:solidFill>
-                  <a:srgbClr val="ffffff"/>
-                </a:solidFill>
-              </a:uFill>
-              <a:latin typeface="Corbel"/>
-            </a:endParaRPr>
           </a:p>
           <a:p>
             <a:pPr marL="283320" indent="-282960">
@@ -8153,33 +8740,22 @@
               <a:buChar char="•"/>
             </a:pPr>
             <a:r>
-              <a:rPr b="0" lang="en-US" sz="2000" spc="-1" strike="noStrike">
+              <a:rPr lang="en-US" sz="2000" b="0" strike="noStrike" spc="-1">
                 <a:solidFill>
                   <a:srgbClr val="262626"/>
                 </a:solidFill>
                 <a:uFill>
                   <a:solidFill>
-                    <a:srgbClr val="ffffff"/>
+                    <a:srgbClr val="FFFFFF"/>
                   </a:solidFill>
                 </a:uFill>
                 <a:latin typeface="Corbel"/>
               </a:rPr>
               <a:t>Resources and enemies will be region specific</a:t>
             </a:r>
-            <a:endParaRPr b="0" lang="en-US" sz="2000" spc="-1" strike="noStrike">
-              <a:solidFill>
-                <a:srgbClr val="262626"/>
-              </a:solidFill>
-              <a:uFill>
-                <a:solidFill>
-                  <a:srgbClr val="ffffff"/>
-                </a:solidFill>
-              </a:uFill>
-              <a:latin typeface="Corbel"/>
-            </a:endParaRPr>
-          </a:p>
-          <a:p>
-            <a:pPr lvl="1" marL="685800" indent="-282960">
+          </a:p>
+          <a:p>
+            <a:pPr marL="685800" lvl="1" indent="-282960">
               <a:lnSpc>
                 <a:spcPct val="100000"/>
               </a:lnSpc>
@@ -8190,26 +8766,26 @@
               <a:buChar char="–"/>
             </a:pPr>
             <a:r>
-              <a:rPr b="0" lang="en-US" sz="1800" spc="-1" strike="noStrike">
+              <a:rPr lang="en-US" sz="1800" b="0" strike="noStrike" spc="-1">
                 <a:solidFill>
                   <a:srgbClr val="262626"/>
                 </a:solidFill>
                 <a:uFill>
                   <a:solidFill>
-                    <a:srgbClr val="ffffff"/>
+                    <a:srgbClr val="FFFFFF"/>
                   </a:solidFill>
                 </a:uFill>
                 <a:latin typeface="Corbel"/>
               </a:rPr>
               <a:t>Excluding generic (common) resources that might appear in multiple regions at varying percentages (wood, rocks, etc.)</a:t>
             </a:r>
-            <a:endParaRPr b="0" lang="en-US" sz="1600" spc="-1" strike="noStrike">
+            <a:endParaRPr lang="en-US" sz="1600" b="0" strike="noStrike" spc="-1">
               <a:solidFill>
                 <a:srgbClr val="262626"/>
               </a:solidFill>
               <a:uFill>
                 <a:solidFill>
-                  <a:srgbClr val="ffffff"/>
+                  <a:srgbClr val="FFFFFF"/>
                 </a:solidFill>
               </a:uFill>
               <a:latin typeface="Corbel"/>
@@ -8219,12 +8795,12 @@
       </p:sp>
       <p:pic>
         <p:nvPicPr>
-          <p:cNvPr id="119" name="Picture 4" descr=""/>
+          <p:cNvPr id="119" name="Picture 4"/>
           <p:cNvPicPr/>
           <p:nvPr/>
         </p:nvPicPr>
         <p:blipFill>
-          <a:blip r:embed="rId1"/>
+          <a:blip r:embed="rId2"/>
           <a:stretch/>
         </p:blipFill>
         <p:spPr>
@@ -8242,22 +8818,25 @@
       </p:pic>
     </p:spTree>
   </p:cSld>
+  <p:clrMapOvr>
+    <a:masterClrMapping/>
+  </p:clrMapOvr>
   <p:timing>
     <p:tnLst>
       <p:par>
-        <p:cTn id="9" dur="indefinite" restart="never" nodeType="tmRoot">
+        <p:cTn id="1" dur="indefinite" restart="never" nodeType="tmRoot">
           <p:childTnLst>
             <p:seq>
-              <p:cTn id="10" nodeType="mainSeq"/>
+              <p:cTn id="2" nodeType="mainSeq"/>
               <p:prevCondLst>
-                <p:cond delay="0" evt="onPrev">
+                <p:cond evt="onPrev" delay="0">
                   <p:tgtEl>
                     <p:sldTgt/>
                   </p:tgtEl>
                 </p:cond>
               </p:prevCondLst>
               <p:nextCondLst>
-                <p:cond delay="0" evt="onNext">
+                <p:cond evt="onNext" delay="0">
                   <p:tgtEl>
                     <p:sldTgt/>
                   </p:tgtEl>
@@ -8273,7 +8852,7 @@
 </file>
 
 <file path=ppt/slides/slide7.xml><?xml version="1.0" encoding="utf-8"?>
-<p:sld xmlns:a="http://schemas.openxmlformats.org/drawingml/2006/main" xmlns:p="http://schemas.openxmlformats.org/presentationml/2006/main" xmlns:r="http://schemas.openxmlformats.org/officeDocument/2006/relationships" xmlns:p14="http://schemas.microsoft.com/office/powerpoint/2010/main" xmlns:p15="http://schemas.microsoft.com/office/powerpoint/2012/main" xmlns:mc="http://schemas.openxmlformats.org/markup-compatibility/2006">
+<p:sld xmlns:a="http://schemas.openxmlformats.org/drawingml/2006/main" xmlns:r="http://schemas.openxmlformats.org/officeDocument/2006/relationships" xmlns:p="http://schemas.openxmlformats.org/presentationml/2006/main">
   <p:cSld>
     <p:spTree>
       <p:nvGrpSpPr>
@@ -8310,6 +8889,7 @@
         </p:spPr>
         <p:txBody>
           <a:bodyPr/>
+          <a:lstStyle/>
           <a:p>
             <a:pPr algn="r">
               <a:lnSpc>
@@ -8317,26 +8897,26 @@
               </a:lnSpc>
             </a:pPr>
             <a:r>
-              <a:rPr b="0" i="1" lang="en-US" sz="5000" spc="-1" strike="noStrike">
+              <a:rPr lang="en-US" sz="5000" b="0" i="1" strike="noStrike" spc="-1">
                 <a:solidFill>
                   <a:srgbClr val="262626"/>
                 </a:solidFill>
                 <a:uFill>
                   <a:solidFill>
-                    <a:srgbClr val="ffffff"/>
+                    <a:srgbClr val="FFFFFF"/>
                   </a:solidFill>
                 </a:uFill>
                 <a:latin typeface="Century Schoolbook"/>
               </a:rPr>
               <a:t>Timeline</a:t>
             </a:r>
-            <a:endParaRPr b="0" lang="en-US" sz="1800" spc="-1" strike="noStrike">
+            <a:endParaRPr lang="en-US" sz="1800" b="0" strike="noStrike" spc="-1">
               <a:solidFill>
                 <a:srgbClr val="000000"/>
               </a:solidFill>
               <a:uFill>
                 <a:solidFill>
-                  <a:srgbClr val="ffffff"/>
+                  <a:srgbClr val="FFFFFF"/>
                 </a:solidFill>
               </a:uFill>
               <a:latin typeface="Corbel"/>
@@ -8352,22 +8932,47 @@
         </p:nvGraphicFramePr>
         <p:xfrm>
           <a:off x="5252760" y="1027440"/>
-          <a:ext cx="6248160" cy="2595600"/>
+          <a:ext cx="6248160" cy="5718960"/>
         </p:xfrm>
         <a:graphic>
           <a:graphicData uri="http://schemas.openxmlformats.org/drawingml/2006/table">
             <a:tbl>
               <a:tblPr/>
               <a:tblGrid>
-                <a:gridCol w="1562040"/>
-                <a:gridCol w="1562040"/>
-                <a:gridCol w="1562040"/>
-                <a:gridCol w="1562040"/>
+                <a:gridCol w="1562040">
+                  <a:extLst>
+                    <a:ext uri="{9D8B030D-6E8A-4147-A177-3AD203B41FA5}">
+                      <a16:colId xmlns:a16="http://schemas.microsoft.com/office/drawing/2014/main" val="20000"/>
+                    </a:ext>
+                  </a:extLst>
+                </a:gridCol>
+                <a:gridCol w="1562040">
+                  <a:extLst>
+                    <a:ext uri="{9D8B030D-6E8A-4147-A177-3AD203B41FA5}">
+                      <a16:colId xmlns:a16="http://schemas.microsoft.com/office/drawing/2014/main" val="20001"/>
+                    </a:ext>
+                  </a:extLst>
+                </a:gridCol>
+                <a:gridCol w="1562040">
+                  <a:extLst>
+                    <a:ext uri="{9D8B030D-6E8A-4147-A177-3AD203B41FA5}">
+                      <a16:colId xmlns:a16="http://schemas.microsoft.com/office/drawing/2014/main" val="20002"/>
+                    </a:ext>
+                  </a:extLst>
+                </a:gridCol>
+                <a:gridCol w="1562040">
+                  <a:extLst>
+                    <a:ext uri="{9D8B030D-6E8A-4147-A177-3AD203B41FA5}">
+                      <a16:colId xmlns:a16="http://schemas.microsoft.com/office/drawing/2014/main" val="20003"/>
+                    </a:ext>
+                  </a:extLst>
+                </a:gridCol>
               </a:tblGrid>
               <a:tr h="357120">
                 <a:tc>
                   <a:txBody>
-                    <a:bodyPr lIns="54000" rIns="54000"/>
+                    <a:bodyPr/>
+                    <a:lstStyle/>
                     <a:p>
                       <a:pPr>
                         <a:lnSpc>
@@ -8375,26 +8980,26 @@
                         </a:lnSpc>
                       </a:pPr>
                       <a:r>
-                        <a:rPr b="1" lang="en-US" sz="1800" spc="-1" strike="noStrike">
+                        <a:rPr lang="en-US" sz="1800" b="1" strike="noStrike" spc="-1">
                           <a:solidFill>
-                            <a:srgbClr val="ffffff"/>
+                            <a:srgbClr val="FFFFFF"/>
                           </a:solidFill>
                           <a:uFill>
                             <a:solidFill>
-                              <a:srgbClr val="ffffff"/>
+                              <a:srgbClr val="FFFFFF"/>
                             </a:solidFill>
                           </a:uFill>
                           <a:latin typeface="Corbel"/>
                         </a:rPr>
                         <a:t>Phase</a:t>
                       </a:r>
-                      <a:endParaRPr b="0" lang="en-US" sz="1800" spc="-1" strike="noStrike">
+                      <a:endParaRPr lang="en-US" sz="1800" b="0" strike="noStrike" spc="-1">
                         <a:solidFill>
                           <a:srgbClr val="000000"/>
                         </a:solidFill>
                         <a:uFill>
                           <a:solidFill>
-                            <a:srgbClr val="ffffff"/>
+                            <a:srgbClr val="FFFFFF"/>
                           </a:solidFill>
                         </a:uFill>
                         <a:latin typeface="Arial"/>
@@ -8404,32 +9009,33 @@
                   <a:tcPr marL="54000" marR="54000">
                     <a:lnL w="12240">
                       <a:solidFill>
-                        <a:srgbClr val="4ca198"/>
+                        <a:srgbClr val="4CA198"/>
                       </a:solidFill>
                     </a:lnL>
                     <a:lnR w="12240">
                       <a:solidFill>
-                        <a:srgbClr val="4ca198"/>
+                        <a:srgbClr val="4CA198"/>
                       </a:solidFill>
                     </a:lnR>
                     <a:lnT w="12240">
                       <a:solidFill>
-                        <a:srgbClr val="4ca198"/>
+                        <a:srgbClr val="4CA198"/>
                       </a:solidFill>
                     </a:lnT>
                     <a:lnB w="12240">
                       <a:solidFill>
-                        <a:srgbClr val="4ca198"/>
+                        <a:srgbClr val="4CA198"/>
                       </a:solidFill>
                     </a:lnB>
                     <a:solidFill>
-                      <a:srgbClr val="4ca198"/>
+                      <a:srgbClr val="4CA198"/>
                     </a:solidFill>
                   </a:tcPr>
                 </a:tc>
                 <a:tc>
                   <a:txBody>
-                    <a:bodyPr lIns="54000" rIns="54000"/>
+                    <a:bodyPr/>
+                    <a:lstStyle/>
                     <a:p>
                       <a:pPr>
                         <a:lnSpc>
@@ -8437,26 +9043,26 @@
                         </a:lnSpc>
                       </a:pPr>
                       <a:r>
-                        <a:rPr b="1" lang="en-US" sz="1800" spc="-1" strike="noStrike">
+                        <a:rPr lang="en-US" sz="1800" b="1" strike="noStrike" spc="-1">
                           <a:solidFill>
-                            <a:srgbClr val="ffffff"/>
+                            <a:srgbClr val="FFFFFF"/>
                           </a:solidFill>
                           <a:uFill>
                             <a:solidFill>
-                              <a:srgbClr val="ffffff"/>
+                              <a:srgbClr val="FFFFFF"/>
                             </a:solidFill>
                           </a:uFill>
                           <a:latin typeface="Corbel"/>
                         </a:rPr>
                         <a:t>Due</a:t>
                       </a:r>
-                      <a:endParaRPr b="0" lang="en-US" sz="1800" spc="-1" strike="noStrike">
+                      <a:endParaRPr lang="en-US" sz="1800" b="0" strike="noStrike" spc="-1">
                         <a:solidFill>
                           <a:srgbClr val="000000"/>
                         </a:solidFill>
                         <a:uFill>
                           <a:solidFill>
-                            <a:srgbClr val="ffffff"/>
+                            <a:srgbClr val="FFFFFF"/>
                           </a:solidFill>
                         </a:uFill>
                         <a:latin typeface="Arial"/>
@@ -8466,32 +9072,33 @@
                   <a:tcPr marL="54000" marR="54000">
                     <a:lnL w="12240">
                       <a:solidFill>
-                        <a:srgbClr val="4ca198"/>
+                        <a:srgbClr val="4CA198"/>
                       </a:solidFill>
                     </a:lnL>
                     <a:lnR w="12240">
                       <a:solidFill>
-                        <a:srgbClr val="4ca198"/>
+                        <a:srgbClr val="4CA198"/>
                       </a:solidFill>
                     </a:lnR>
                     <a:lnT w="12240">
                       <a:solidFill>
-                        <a:srgbClr val="4ca198"/>
+                        <a:srgbClr val="4CA198"/>
                       </a:solidFill>
                     </a:lnT>
                     <a:lnB w="12240">
                       <a:solidFill>
-                        <a:srgbClr val="4ca198"/>
+                        <a:srgbClr val="4CA198"/>
                       </a:solidFill>
                     </a:lnB>
                     <a:solidFill>
-                      <a:srgbClr val="4ca198"/>
+                      <a:srgbClr val="4CA198"/>
                     </a:solidFill>
                   </a:tcPr>
                 </a:tc>
                 <a:tc>
                   <a:txBody>
-                    <a:bodyPr lIns="54000" rIns="54000"/>
+                    <a:bodyPr/>
+                    <a:lstStyle/>
                     <a:p>
                       <a:pPr>
                         <a:lnSpc>
@@ -8499,26 +9106,26 @@
                         </a:lnSpc>
                       </a:pPr>
                       <a:r>
-                        <a:rPr b="1" lang="en-US" sz="1800" spc="-1" strike="noStrike">
+                        <a:rPr lang="en-US" sz="1800" b="1" strike="noStrike" spc="-1">
                           <a:solidFill>
-                            <a:srgbClr val="ffffff"/>
+                            <a:srgbClr val="FFFFFF"/>
                           </a:solidFill>
                           <a:uFill>
                             <a:solidFill>
-                              <a:srgbClr val="ffffff"/>
+                              <a:srgbClr val="FFFFFF"/>
                             </a:solidFill>
                           </a:uFill>
                           <a:latin typeface="Corbel"/>
                         </a:rPr>
                         <a:t>Interval</a:t>
                       </a:r>
-                      <a:endParaRPr b="0" lang="en-US" sz="1800" spc="-1" strike="noStrike">
+                      <a:endParaRPr lang="en-US" sz="1800" b="0" strike="noStrike" spc="-1">
                         <a:solidFill>
                           <a:srgbClr val="000000"/>
                         </a:solidFill>
                         <a:uFill>
                           <a:solidFill>
-                            <a:srgbClr val="ffffff"/>
+                            <a:srgbClr val="FFFFFF"/>
                           </a:solidFill>
                         </a:uFill>
                         <a:latin typeface="Arial"/>
@@ -8528,32 +9135,33 @@
                   <a:tcPr marL="54000" marR="54000">
                     <a:lnL w="12240">
                       <a:solidFill>
-                        <a:srgbClr val="4ca198"/>
+                        <a:srgbClr val="4CA198"/>
                       </a:solidFill>
                     </a:lnL>
                     <a:lnR w="12240">
                       <a:solidFill>
-                        <a:srgbClr val="4ca198"/>
+                        <a:srgbClr val="4CA198"/>
                       </a:solidFill>
                     </a:lnR>
                     <a:lnT w="12240">
                       <a:solidFill>
-                        <a:srgbClr val="4ca198"/>
+                        <a:srgbClr val="4CA198"/>
                       </a:solidFill>
                     </a:lnT>
                     <a:lnB w="12240">
                       <a:solidFill>
-                        <a:srgbClr val="4ca198"/>
+                        <a:srgbClr val="4CA198"/>
                       </a:solidFill>
                     </a:lnB>
                     <a:solidFill>
-                      <a:srgbClr val="4ca198"/>
+                      <a:srgbClr val="4CA198"/>
                     </a:solidFill>
                   </a:tcPr>
                 </a:tc>
                 <a:tc>
                   <a:txBody>
-                    <a:bodyPr lIns="54000" rIns="54000"/>
+                    <a:bodyPr/>
+                    <a:lstStyle/>
                     <a:p>
                       <a:pPr>
                         <a:lnSpc>
@@ -8561,26 +9169,26 @@
                         </a:lnSpc>
                       </a:pPr>
                       <a:r>
-                        <a:rPr b="1" lang="en-US" sz="1800" spc="-1" strike="noStrike">
+                        <a:rPr lang="en-US" sz="1800" b="1" strike="noStrike" spc="-1">
                           <a:solidFill>
-                            <a:srgbClr val="ffffff"/>
+                            <a:srgbClr val="FFFFFF"/>
                           </a:solidFill>
                           <a:uFill>
                             <a:solidFill>
-                              <a:srgbClr val="ffffff"/>
+                              <a:srgbClr val="FFFFFF"/>
                             </a:solidFill>
                           </a:uFill>
                           <a:latin typeface="Corbel"/>
                         </a:rPr>
                         <a:t>Objective</a:t>
                       </a:r>
-                      <a:endParaRPr b="0" lang="en-US" sz="1800" spc="-1" strike="noStrike">
+                      <a:endParaRPr lang="en-US" sz="1800" b="0" strike="noStrike" spc="-1">
                         <a:solidFill>
                           <a:srgbClr val="000000"/>
                         </a:solidFill>
                         <a:uFill>
                           <a:solidFill>
-                            <a:srgbClr val="ffffff"/>
+                            <a:srgbClr val="FFFFFF"/>
                           </a:solidFill>
                         </a:uFill>
                         <a:latin typeface="Arial"/>
@@ -8590,34 +9198,40 @@
                   <a:tcPr marL="54000" marR="54000">
                     <a:lnL w="12240">
                       <a:solidFill>
-                        <a:srgbClr val="4ca198"/>
+                        <a:srgbClr val="4CA198"/>
                       </a:solidFill>
                     </a:lnL>
                     <a:lnR w="12240">
                       <a:solidFill>
-                        <a:srgbClr val="4ca198"/>
+                        <a:srgbClr val="4CA198"/>
                       </a:solidFill>
                     </a:lnR>
                     <a:lnT w="12240">
                       <a:solidFill>
-                        <a:srgbClr val="4ca198"/>
+                        <a:srgbClr val="4CA198"/>
                       </a:solidFill>
                     </a:lnT>
                     <a:lnB w="12240">
                       <a:solidFill>
-                        <a:srgbClr val="4ca198"/>
+                        <a:srgbClr val="4CA198"/>
                       </a:solidFill>
                     </a:lnB>
                     <a:solidFill>
-                      <a:srgbClr val="4ca198"/>
+                      <a:srgbClr val="4CA198"/>
                     </a:solidFill>
                   </a:tcPr>
                 </a:tc>
+                <a:extLst>
+                  <a:ext uri="{0D108BD9-81ED-4DB2-BD59-A6C34878D82A}">
+                    <a16:rowId xmlns:a16="http://schemas.microsoft.com/office/drawing/2014/main" val="10000"/>
+                  </a:ext>
+                </a:extLst>
               </a:tr>
               <a:tr h="887760">
                 <a:tc>
                   <a:txBody>
-                    <a:bodyPr lIns="54000" rIns="54000"/>
+                    <a:bodyPr/>
+                    <a:lstStyle/>
                     <a:p>
                       <a:pPr>
                         <a:lnSpc>
@@ -8625,26 +9239,26 @@
                         </a:lnSpc>
                       </a:pPr>
                       <a:r>
-                        <a:rPr b="0" lang="en-US" sz="1800" spc="-1" strike="noStrike">
+                        <a:rPr lang="en-US" sz="1800" b="0" strike="noStrike" spc="-1">
                           <a:solidFill>
                             <a:srgbClr val="000000"/>
                           </a:solidFill>
                           <a:uFill>
                             <a:solidFill>
-                              <a:srgbClr val="ffffff"/>
+                              <a:srgbClr val="FFFFFF"/>
                             </a:solidFill>
                           </a:uFill>
                           <a:latin typeface="Corbel"/>
                         </a:rPr>
                         <a:t>Phase 1</a:t>
                       </a:r>
-                      <a:endParaRPr b="0" lang="en-US" sz="1800" spc="-1" strike="noStrike">
+                      <a:endParaRPr lang="en-US" sz="1800" b="0" strike="noStrike" spc="-1">
                         <a:solidFill>
                           <a:srgbClr val="000000"/>
                         </a:solidFill>
                         <a:uFill>
                           <a:solidFill>
-                            <a:srgbClr val="ffffff"/>
+                            <a:srgbClr val="FFFFFF"/>
                           </a:solidFill>
                         </a:uFill>
                         <a:latin typeface="Arial"/>
@@ -8654,32 +9268,33 @@
                   <a:tcPr marL="54000" marR="54000">
                     <a:lnL w="12240">
                       <a:solidFill>
-                        <a:srgbClr val="4ca198"/>
+                        <a:srgbClr val="4CA198"/>
                       </a:solidFill>
                     </a:lnL>
                     <a:lnR w="12240">
                       <a:solidFill>
-                        <a:srgbClr val="4ca198"/>
+                        <a:srgbClr val="4CA198"/>
                       </a:solidFill>
                     </a:lnR>
                     <a:lnT w="12240">
                       <a:solidFill>
-                        <a:srgbClr val="4ca198"/>
+                        <a:srgbClr val="4CA198"/>
                       </a:solidFill>
                     </a:lnT>
                     <a:lnB w="12240">
                       <a:solidFill>
-                        <a:srgbClr val="4ca198"/>
+                        <a:srgbClr val="4CA198"/>
                       </a:solidFill>
                     </a:lnB>
                     <a:solidFill>
-                      <a:srgbClr val="e8efee"/>
+                      <a:srgbClr val="E8EFEE"/>
                     </a:solidFill>
                   </a:tcPr>
                 </a:tc>
                 <a:tc>
                   <a:txBody>
-                    <a:bodyPr lIns="54000" rIns="54000"/>
+                    <a:bodyPr/>
+                    <a:lstStyle/>
                     <a:p>
                       <a:pPr>
                         <a:lnSpc>
@@ -8687,13 +9302,13 @@
                         </a:lnSpc>
                       </a:pPr>
                       <a:r>
-                        <a:rPr b="0" lang="en-US" sz="1800" spc="-1" strike="noStrike">
+                        <a:rPr lang="en-US" sz="1800" b="0" strike="noStrike" spc="-1">
                           <a:solidFill>
                             <a:srgbClr val="000000"/>
                           </a:solidFill>
                           <a:uFill>
                             <a:solidFill>
-                              <a:srgbClr val="ffffff"/>
+                              <a:srgbClr val="FFFFFF"/>
                             </a:solidFill>
                           </a:uFill>
                           <a:latin typeface="Corbel"/>
@@ -8701,13 +9316,13 @@
                         <a:t>15</a:t>
                       </a:r>
                       <a:r>
-                        <a:rPr b="0" lang="en-US" sz="1800" spc="-1" strike="noStrike" baseline="30000">
+                        <a:rPr lang="en-US" sz="1800" b="0" strike="noStrike" spc="-1" baseline="30000">
                           <a:solidFill>
                             <a:srgbClr val="000000"/>
                           </a:solidFill>
                           <a:uFill>
                             <a:solidFill>
-                              <a:srgbClr val="ffffff"/>
+                              <a:srgbClr val="FFFFFF"/>
                             </a:solidFill>
                           </a:uFill>
                           <a:latin typeface="Corbel"/>
@@ -8715,26 +9330,26 @@
                         <a:t>th</a:t>
                       </a:r>
                       <a:r>
-                        <a:rPr b="0" lang="en-US" sz="1800" spc="-1" strike="noStrike">
+                        <a:rPr lang="en-US" sz="1800" b="0" strike="noStrike" spc="-1">
                           <a:solidFill>
                             <a:srgbClr val="000000"/>
                           </a:solidFill>
                           <a:uFill>
                             <a:solidFill>
-                              <a:srgbClr val="ffffff"/>
+                              <a:srgbClr val="FFFFFF"/>
                             </a:solidFill>
                           </a:uFill>
                           <a:latin typeface="Corbel"/>
                         </a:rPr>
                         <a:t> September 2017</a:t>
                       </a:r>
-                      <a:endParaRPr b="0" lang="en-US" sz="1800" spc="-1" strike="noStrike">
+                      <a:endParaRPr lang="en-US" sz="1800" b="0" strike="noStrike" spc="-1">
                         <a:solidFill>
                           <a:srgbClr val="000000"/>
                         </a:solidFill>
                         <a:uFill>
                           <a:solidFill>
-                            <a:srgbClr val="ffffff"/>
+                            <a:srgbClr val="FFFFFF"/>
                           </a:solidFill>
                         </a:uFill>
                         <a:latin typeface="Arial"/>
@@ -8744,32 +9359,33 @@
                   <a:tcPr marL="54000" marR="54000">
                     <a:lnL w="12240">
                       <a:solidFill>
-                        <a:srgbClr val="4ca198"/>
+                        <a:srgbClr val="4CA198"/>
                       </a:solidFill>
                     </a:lnL>
                     <a:lnR w="12240">
                       <a:solidFill>
-                        <a:srgbClr val="4ca198"/>
+                        <a:srgbClr val="4CA198"/>
                       </a:solidFill>
                     </a:lnR>
                     <a:lnT w="12240">
                       <a:solidFill>
-                        <a:srgbClr val="4ca198"/>
+                        <a:srgbClr val="4CA198"/>
                       </a:solidFill>
                     </a:lnT>
                     <a:lnB w="12240">
                       <a:solidFill>
-                        <a:srgbClr val="4ca198"/>
+                        <a:srgbClr val="4CA198"/>
                       </a:solidFill>
                     </a:lnB>
                     <a:solidFill>
-                      <a:srgbClr val="e8efee"/>
+                      <a:srgbClr val="E8EFEE"/>
                     </a:solidFill>
                   </a:tcPr>
                 </a:tc>
                 <a:tc>
                   <a:txBody>
-                    <a:bodyPr lIns="54000" rIns="54000"/>
+                    <a:bodyPr/>
+                    <a:lstStyle/>
                     <a:p>
                       <a:pPr>
                         <a:lnSpc>
@@ -8777,26 +9393,26 @@
                         </a:lnSpc>
                       </a:pPr>
                       <a:r>
-                        <a:rPr b="0" lang="en-US" sz="1800" spc="-1" strike="noStrike">
+                        <a:rPr lang="en-US" sz="1800" b="0" strike="noStrike" spc="-1">
                           <a:solidFill>
                             <a:srgbClr val="000000"/>
                           </a:solidFill>
                           <a:uFill>
                             <a:solidFill>
-                              <a:srgbClr val="ffffff"/>
+                              <a:srgbClr val="FFFFFF"/>
                             </a:solidFill>
                           </a:uFill>
                           <a:latin typeface="Corbel"/>
                         </a:rPr>
                         <a:t>1 week</a:t>
                       </a:r>
-                      <a:endParaRPr b="0" lang="en-US" sz="1800" spc="-1" strike="noStrike">
+                      <a:endParaRPr lang="en-US" sz="1800" b="0" strike="noStrike" spc="-1">
                         <a:solidFill>
                           <a:srgbClr val="000000"/>
                         </a:solidFill>
                         <a:uFill>
                           <a:solidFill>
-                            <a:srgbClr val="ffffff"/>
+                            <a:srgbClr val="FFFFFF"/>
                           </a:solidFill>
                         </a:uFill>
                         <a:latin typeface="Arial"/>
@@ -8806,32 +9422,33 @@
                   <a:tcPr marL="54000" marR="54000">
                     <a:lnL w="12240">
                       <a:solidFill>
-                        <a:srgbClr val="4ca198"/>
+                        <a:srgbClr val="4CA198"/>
                       </a:solidFill>
                     </a:lnL>
                     <a:lnR w="12240">
                       <a:solidFill>
-                        <a:srgbClr val="4ca198"/>
+                        <a:srgbClr val="4CA198"/>
                       </a:solidFill>
                     </a:lnR>
                     <a:lnT w="12240">
                       <a:solidFill>
-                        <a:srgbClr val="4ca198"/>
+                        <a:srgbClr val="4CA198"/>
                       </a:solidFill>
                     </a:lnT>
                     <a:lnB w="12240">
                       <a:solidFill>
-                        <a:srgbClr val="4ca198"/>
+                        <a:srgbClr val="4CA198"/>
                       </a:solidFill>
                     </a:lnB>
                     <a:solidFill>
-                      <a:srgbClr val="e8efee"/>
+                      <a:srgbClr val="E8EFEE"/>
                     </a:solidFill>
                   </a:tcPr>
                 </a:tc>
                 <a:tc>
                   <a:txBody>
-                    <a:bodyPr lIns="54000" rIns="54000"/>
+                    <a:bodyPr/>
+                    <a:lstStyle/>
                     <a:p>
                       <a:pPr>
                         <a:lnSpc>
@@ -8839,26 +9456,26 @@
                         </a:lnSpc>
                       </a:pPr>
                       <a:r>
-                        <a:rPr b="0" lang="en-US" sz="1800" spc="-1" strike="noStrike">
+                        <a:rPr lang="en-US" sz="1800" b="0" strike="noStrike" spc="-1">
                           <a:solidFill>
                             <a:srgbClr val="000000"/>
                           </a:solidFill>
                           <a:uFill>
                             <a:solidFill>
-                              <a:srgbClr val="ffffff"/>
+                              <a:srgbClr val="FFFFFF"/>
                             </a:solidFill>
                           </a:uFill>
                           <a:latin typeface="Corbel"/>
                         </a:rPr>
                         <a:t>Preliminary Design</a:t>
                       </a:r>
-                      <a:endParaRPr b="0" lang="en-US" sz="1800" spc="-1" strike="noStrike">
+                      <a:endParaRPr lang="en-US" sz="1800" b="0" strike="noStrike" spc="-1">
                         <a:solidFill>
                           <a:srgbClr val="000000"/>
                         </a:solidFill>
                         <a:uFill>
                           <a:solidFill>
-                            <a:srgbClr val="ffffff"/>
+                            <a:srgbClr val="FFFFFF"/>
                           </a:solidFill>
                         </a:uFill>
                         <a:latin typeface="Arial"/>
@@ -8868,34 +9485,40 @@
                   <a:tcPr marL="54000" marR="54000">
                     <a:lnL w="12240">
                       <a:solidFill>
-                        <a:srgbClr val="4ca198"/>
+                        <a:srgbClr val="4CA198"/>
                       </a:solidFill>
                     </a:lnL>
                     <a:lnR w="12240">
                       <a:solidFill>
-                        <a:srgbClr val="4ca198"/>
+                        <a:srgbClr val="4CA198"/>
                       </a:solidFill>
                     </a:lnR>
                     <a:lnT w="12240">
                       <a:solidFill>
-                        <a:srgbClr val="4ca198"/>
+                        <a:srgbClr val="4CA198"/>
                       </a:solidFill>
                     </a:lnT>
                     <a:lnB w="12240">
                       <a:solidFill>
-                        <a:srgbClr val="4ca198"/>
+                        <a:srgbClr val="4CA198"/>
                       </a:solidFill>
                     </a:lnB>
                     <a:solidFill>
-                      <a:srgbClr val="e8efee"/>
+                      <a:srgbClr val="E8EFEE"/>
                     </a:solidFill>
                   </a:tcPr>
                 </a:tc>
+                <a:extLst>
+                  <a:ext uri="{0D108BD9-81ED-4DB2-BD59-A6C34878D82A}">
+                    <a16:rowId xmlns:a16="http://schemas.microsoft.com/office/drawing/2014/main" val="10001"/>
+                  </a:ext>
+                </a:extLst>
               </a:tr>
               <a:tr h="887760">
                 <a:tc>
                   <a:txBody>
-                    <a:bodyPr lIns="54000" rIns="54000"/>
+                    <a:bodyPr/>
+                    <a:lstStyle/>
                     <a:p>
                       <a:pPr>
                         <a:lnSpc>
@@ -8903,26 +9526,26 @@
                         </a:lnSpc>
                       </a:pPr>
                       <a:r>
-                        <a:rPr b="0" lang="en-US" sz="1800" spc="-1" strike="noStrike">
+                        <a:rPr lang="en-US" sz="1800" b="0" strike="noStrike" spc="-1">
                           <a:solidFill>
                             <a:srgbClr val="000000"/>
                           </a:solidFill>
                           <a:uFill>
                             <a:solidFill>
-                              <a:srgbClr val="ffffff"/>
+                              <a:srgbClr val="FFFFFF"/>
                             </a:solidFill>
                           </a:uFill>
                           <a:latin typeface="Corbel"/>
                         </a:rPr>
                         <a:t>Phase 2</a:t>
                       </a:r>
-                      <a:endParaRPr b="0" lang="en-US" sz="1800" spc="-1" strike="noStrike">
+                      <a:endParaRPr lang="en-US" sz="1800" b="0" strike="noStrike" spc="-1">
                         <a:solidFill>
                           <a:srgbClr val="000000"/>
                         </a:solidFill>
                         <a:uFill>
                           <a:solidFill>
-                            <a:srgbClr val="ffffff"/>
+                            <a:srgbClr val="FFFFFF"/>
                           </a:solidFill>
                         </a:uFill>
                         <a:latin typeface="Arial"/>
@@ -8932,32 +9555,33 @@
                   <a:tcPr marL="54000" marR="54000">
                     <a:lnL w="12240">
                       <a:solidFill>
-                        <a:srgbClr val="4ca198"/>
+                        <a:srgbClr val="4CA198"/>
                       </a:solidFill>
                     </a:lnL>
                     <a:lnR w="12240">
                       <a:solidFill>
-                        <a:srgbClr val="4ca198"/>
+                        <a:srgbClr val="4CA198"/>
                       </a:solidFill>
                     </a:lnR>
                     <a:lnT w="12240">
                       <a:solidFill>
-                        <a:srgbClr val="4ca198"/>
+                        <a:srgbClr val="4CA198"/>
                       </a:solidFill>
                     </a:lnT>
                     <a:lnB w="12240">
                       <a:solidFill>
-                        <a:srgbClr val="4ca198"/>
+                        <a:srgbClr val="4CA198"/>
                       </a:solidFill>
                     </a:lnB>
                     <a:solidFill>
-                      <a:srgbClr val="ffffff"/>
+                      <a:srgbClr val="FFFFFF"/>
                     </a:solidFill>
                   </a:tcPr>
                 </a:tc>
                 <a:tc>
                   <a:txBody>
-                    <a:bodyPr lIns="54000" rIns="54000"/>
+                    <a:bodyPr/>
+                    <a:lstStyle/>
                     <a:p>
                       <a:pPr>
                         <a:lnSpc>
@@ -8965,13 +9589,13 @@
                         </a:lnSpc>
                       </a:pPr>
                       <a:r>
-                        <a:rPr b="0" lang="en-US" sz="1800" spc="-1" strike="noStrike">
+                        <a:rPr lang="en-US" sz="1800" b="0" strike="noStrike" spc="-1">
                           <a:solidFill>
                             <a:srgbClr val="000000"/>
                           </a:solidFill>
                           <a:uFill>
                             <a:solidFill>
-                              <a:srgbClr val="ffffff"/>
+                              <a:srgbClr val="FFFFFF"/>
                             </a:solidFill>
                           </a:uFill>
                           <a:latin typeface="Corbel"/>
@@ -8979,13 +9603,13 @@
                         <a:t>22</a:t>
                       </a:r>
                       <a:r>
-                        <a:rPr b="0" lang="en-US" sz="1800" spc="-1" strike="noStrike" baseline="30000">
+                        <a:rPr lang="en-US" sz="1800" b="0" strike="noStrike" spc="-1" baseline="30000">
                           <a:solidFill>
                             <a:srgbClr val="000000"/>
                           </a:solidFill>
                           <a:uFill>
                             <a:solidFill>
-                              <a:srgbClr val="ffffff"/>
+                              <a:srgbClr val="FFFFFF"/>
                             </a:solidFill>
                           </a:uFill>
                           <a:latin typeface="Corbel"/>
@@ -8993,26 +9617,26 @@
                         <a:t>nd</a:t>
                       </a:r>
                       <a:r>
-                        <a:rPr b="0" lang="en-US" sz="1800" spc="-1" strike="noStrike">
+                        <a:rPr lang="en-US" sz="1800" b="0" strike="noStrike" spc="-1">
                           <a:solidFill>
                             <a:srgbClr val="000000"/>
                           </a:solidFill>
                           <a:uFill>
                             <a:solidFill>
-                              <a:srgbClr val="ffffff"/>
+                              <a:srgbClr val="FFFFFF"/>
                             </a:solidFill>
                           </a:uFill>
                           <a:latin typeface="Corbel"/>
                         </a:rPr>
                         <a:t> September 2017</a:t>
                       </a:r>
-                      <a:endParaRPr b="0" lang="en-US" sz="1800" spc="-1" strike="noStrike">
+                      <a:endParaRPr lang="en-US" sz="1800" b="0" strike="noStrike" spc="-1">
                         <a:solidFill>
                           <a:srgbClr val="000000"/>
                         </a:solidFill>
                         <a:uFill>
                           <a:solidFill>
-                            <a:srgbClr val="ffffff"/>
+                            <a:srgbClr val="FFFFFF"/>
                           </a:solidFill>
                         </a:uFill>
                         <a:latin typeface="Arial"/>
@@ -9022,32 +9646,33 @@
                   <a:tcPr marL="54000" marR="54000">
                     <a:lnL w="12240">
                       <a:solidFill>
-                        <a:srgbClr val="4ca198"/>
+                        <a:srgbClr val="4CA198"/>
                       </a:solidFill>
                     </a:lnL>
                     <a:lnR w="12240">
                       <a:solidFill>
-                        <a:srgbClr val="4ca198"/>
+                        <a:srgbClr val="4CA198"/>
                       </a:solidFill>
                     </a:lnR>
                     <a:lnT w="12240">
                       <a:solidFill>
-                        <a:srgbClr val="4ca198"/>
+                        <a:srgbClr val="4CA198"/>
                       </a:solidFill>
                     </a:lnT>
                     <a:lnB w="12240">
                       <a:solidFill>
-                        <a:srgbClr val="4ca198"/>
+                        <a:srgbClr val="4CA198"/>
                       </a:solidFill>
                     </a:lnB>
                     <a:solidFill>
-                      <a:srgbClr val="ffffff"/>
+                      <a:srgbClr val="FFFFFF"/>
                     </a:solidFill>
                   </a:tcPr>
                 </a:tc>
                 <a:tc>
                   <a:txBody>
-                    <a:bodyPr lIns="54000" rIns="54000"/>
+                    <a:bodyPr/>
+                    <a:lstStyle/>
                     <a:p>
                       <a:pPr>
                         <a:lnSpc>
@@ -9055,26 +9680,26 @@
                         </a:lnSpc>
                       </a:pPr>
                       <a:r>
-                        <a:rPr b="0" lang="en-US" sz="1800" spc="-1" strike="noStrike">
+                        <a:rPr lang="en-US" sz="1800" b="0" strike="noStrike" spc="-1">
                           <a:solidFill>
                             <a:srgbClr val="000000"/>
                           </a:solidFill>
                           <a:uFill>
                             <a:solidFill>
-                              <a:srgbClr val="ffffff"/>
+                              <a:srgbClr val="FFFFFF"/>
                             </a:solidFill>
                           </a:uFill>
                           <a:latin typeface="Corbel"/>
                         </a:rPr>
                         <a:t>1 week</a:t>
                       </a:r>
-                      <a:endParaRPr b="0" lang="en-US" sz="1800" spc="-1" strike="noStrike">
+                      <a:endParaRPr lang="en-US" sz="1800" b="0" strike="noStrike" spc="-1">
                         <a:solidFill>
                           <a:srgbClr val="000000"/>
                         </a:solidFill>
                         <a:uFill>
                           <a:solidFill>
-                            <a:srgbClr val="ffffff"/>
+                            <a:srgbClr val="FFFFFF"/>
                           </a:solidFill>
                         </a:uFill>
                         <a:latin typeface="Arial"/>
@@ -9084,32 +9709,33 @@
                   <a:tcPr marL="54000" marR="54000">
                     <a:lnL w="12240">
                       <a:solidFill>
-                        <a:srgbClr val="4ca198"/>
+                        <a:srgbClr val="4CA198"/>
                       </a:solidFill>
                     </a:lnL>
                     <a:lnR w="12240">
                       <a:solidFill>
-                        <a:srgbClr val="4ca198"/>
+                        <a:srgbClr val="4CA198"/>
                       </a:solidFill>
                     </a:lnR>
                     <a:lnT w="12240">
                       <a:solidFill>
-                        <a:srgbClr val="4ca198"/>
+                        <a:srgbClr val="4CA198"/>
                       </a:solidFill>
                     </a:lnT>
                     <a:lnB w="12240">
                       <a:solidFill>
-                        <a:srgbClr val="4ca198"/>
+                        <a:srgbClr val="4CA198"/>
                       </a:solidFill>
                     </a:lnB>
                     <a:solidFill>
-                      <a:srgbClr val="ffffff"/>
+                      <a:srgbClr val="FFFFFF"/>
                     </a:solidFill>
                   </a:tcPr>
                 </a:tc>
                 <a:tc>
                   <a:txBody>
-                    <a:bodyPr lIns="54000" rIns="54000"/>
+                    <a:bodyPr/>
+                    <a:lstStyle/>
                     <a:p>
                       <a:pPr>
                         <a:lnSpc>
@@ -9117,26 +9743,26 @@
                         </a:lnSpc>
                       </a:pPr>
                       <a:r>
-                        <a:rPr b="0" lang="en-US" sz="1800" spc="-1" strike="noStrike">
+                        <a:rPr lang="en-US" sz="1800" b="0" strike="noStrike" spc="-1">
                           <a:solidFill>
                             <a:srgbClr val="000000"/>
                           </a:solidFill>
                           <a:uFill>
                             <a:solidFill>
-                              <a:srgbClr val="ffffff"/>
+                              <a:srgbClr val="FFFFFF"/>
                             </a:solidFill>
                           </a:uFill>
                           <a:latin typeface="Corbel"/>
                         </a:rPr>
                         <a:t>In-Depth Design</a:t>
                       </a:r>
-                      <a:endParaRPr b="0" lang="en-US" sz="1800" spc="-1" strike="noStrike">
+                      <a:endParaRPr lang="en-US" sz="1800" b="0" strike="noStrike" spc="-1">
                         <a:solidFill>
                           <a:srgbClr val="000000"/>
                         </a:solidFill>
                         <a:uFill>
                           <a:solidFill>
-                            <a:srgbClr val="ffffff"/>
+                            <a:srgbClr val="FFFFFF"/>
                           </a:solidFill>
                         </a:uFill>
                         <a:latin typeface="Arial"/>
@@ -9146,34 +9772,40 @@
                   <a:tcPr marL="54000" marR="54000">
                     <a:lnL w="12240">
                       <a:solidFill>
-                        <a:srgbClr val="4ca198"/>
+                        <a:srgbClr val="4CA198"/>
                       </a:solidFill>
                     </a:lnL>
                     <a:lnR w="12240">
                       <a:solidFill>
-                        <a:srgbClr val="4ca198"/>
+                        <a:srgbClr val="4CA198"/>
                       </a:solidFill>
                     </a:lnR>
                     <a:lnT w="12240">
                       <a:solidFill>
-                        <a:srgbClr val="4ca198"/>
+                        <a:srgbClr val="4CA198"/>
                       </a:solidFill>
                     </a:lnT>
                     <a:lnB w="12240">
                       <a:solidFill>
-                        <a:srgbClr val="4ca198"/>
+                        <a:srgbClr val="4CA198"/>
                       </a:solidFill>
                     </a:lnB>
                     <a:solidFill>
-                      <a:srgbClr val="ffffff"/>
+                      <a:srgbClr val="FFFFFF"/>
                     </a:solidFill>
                   </a:tcPr>
                 </a:tc>
+                <a:extLst>
+                  <a:ext uri="{0D108BD9-81ED-4DB2-BD59-A6C34878D82A}">
+                    <a16:rowId xmlns:a16="http://schemas.microsoft.com/office/drawing/2014/main" val="10002"/>
+                  </a:ext>
+                </a:extLst>
               </a:tr>
               <a:tr h="887760">
                 <a:tc>
                   <a:txBody>
-                    <a:bodyPr lIns="54000" rIns="54000"/>
+                    <a:bodyPr/>
+                    <a:lstStyle/>
                     <a:p>
                       <a:pPr>
                         <a:lnSpc>
@@ -9181,26 +9813,26 @@
                         </a:lnSpc>
                       </a:pPr>
                       <a:r>
-                        <a:rPr b="0" lang="en-US" sz="1800" spc="-1" strike="noStrike">
+                        <a:rPr lang="en-US" sz="1800" b="0" strike="noStrike" spc="-1">
                           <a:solidFill>
                             <a:srgbClr val="000000"/>
                           </a:solidFill>
                           <a:uFill>
                             <a:solidFill>
-                              <a:srgbClr val="ffffff"/>
+                              <a:srgbClr val="FFFFFF"/>
                             </a:solidFill>
                           </a:uFill>
                           <a:latin typeface="Corbel"/>
                         </a:rPr>
                         <a:t>Phase 3</a:t>
                       </a:r>
-                      <a:endParaRPr b="0" lang="en-US" sz="1800" spc="-1" strike="noStrike">
+                      <a:endParaRPr lang="en-US" sz="1800" b="0" strike="noStrike" spc="-1">
                         <a:solidFill>
                           <a:srgbClr val="000000"/>
                         </a:solidFill>
                         <a:uFill>
                           <a:solidFill>
-                            <a:srgbClr val="ffffff"/>
+                            <a:srgbClr val="FFFFFF"/>
                           </a:solidFill>
                         </a:uFill>
                         <a:latin typeface="Arial"/>
@@ -9210,32 +9842,33 @@
                   <a:tcPr marL="54000" marR="54000">
                     <a:lnL w="12240">
                       <a:solidFill>
-                        <a:srgbClr val="4ca198"/>
+                        <a:srgbClr val="4CA198"/>
                       </a:solidFill>
                     </a:lnL>
                     <a:lnR w="12240">
                       <a:solidFill>
-                        <a:srgbClr val="4ca198"/>
+                        <a:srgbClr val="4CA198"/>
                       </a:solidFill>
                     </a:lnR>
                     <a:lnT w="12240">
                       <a:solidFill>
-                        <a:srgbClr val="4ca198"/>
+                        <a:srgbClr val="4CA198"/>
                       </a:solidFill>
                     </a:lnT>
                     <a:lnB w="12240">
                       <a:solidFill>
-                        <a:srgbClr val="4ca198"/>
+                        <a:srgbClr val="4CA198"/>
                       </a:solidFill>
                     </a:lnB>
                     <a:solidFill>
-                      <a:srgbClr val="e8efee"/>
+                      <a:srgbClr val="E8EFEE"/>
                     </a:solidFill>
                   </a:tcPr>
                 </a:tc>
                 <a:tc>
                   <a:txBody>
-                    <a:bodyPr lIns="54000" rIns="54000"/>
+                    <a:bodyPr/>
+                    <a:lstStyle/>
                     <a:p>
                       <a:pPr>
                         <a:lnSpc>
@@ -9243,13 +9876,13 @@
                         </a:lnSpc>
                       </a:pPr>
                       <a:r>
-                        <a:rPr b="0" lang="en-US" sz="1800" spc="-1" strike="noStrike">
+                        <a:rPr lang="en-US" sz="1800" b="0" strike="noStrike" spc="-1">
                           <a:solidFill>
                             <a:srgbClr val="000000"/>
                           </a:solidFill>
                           <a:uFill>
                             <a:solidFill>
-                              <a:srgbClr val="ffffff"/>
+                              <a:srgbClr val="FFFFFF"/>
                             </a:solidFill>
                           </a:uFill>
                           <a:latin typeface="Corbel"/>
@@ -9257,13 +9890,13 @@
                         <a:t>20</a:t>
                       </a:r>
                       <a:r>
-                        <a:rPr b="0" lang="en-US" sz="1800" spc="-1" strike="noStrike" baseline="30000">
+                        <a:rPr lang="en-US" sz="1800" b="0" strike="noStrike" spc="-1" baseline="30000">
                           <a:solidFill>
                             <a:srgbClr val="000000"/>
                           </a:solidFill>
                           <a:uFill>
                             <a:solidFill>
-                              <a:srgbClr val="ffffff"/>
+                              <a:srgbClr val="FFFFFF"/>
                             </a:solidFill>
                           </a:uFill>
                           <a:latin typeface="Corbel"/>
@@ -9271,26 +9904,26 @@
                         <a:t>th</a:t>
                       </a:r>
                       <a:r>
-                        <a:rPr b="0" lang="en-US" sz="1800" spc="-1" strike="noStrike">
+                        <a:rPr lang="en-US" sz="1800" b="0" strike="noStrike" spc="-1">
                           <a:solidFill>
                             <a:srgbClr val="000000"/>
                           </a:solidFill>
                           <a:uFill>
                             <a:solidFill>
-                              <a:srgbClr val="ffffff"/>
+                              <a:srgbClr val="FFFFFF"/>
                             </a:solidFill>
                           </a:uFill>
                           <a:latin typeface="Corbel"/>
                         </a:rPr>
                         <a:t> October 2017</a:t>
                       </a:r>
-                      <a:endParaRPr b="0" lang="en-US" sz="1800" spc="-1" strike="noStrike">
+                      <a:endParaRPr lang="en-US" sz="1800" b="0" strike="noStrike" spc="-1">
                         <a:solidFill>
                           <a:srgbClr val="000000"/>
                         </a:solidFill>
                         <a:uFill>
                           <a:solidFill>
-                            <a:srgbClr val="ffffff"/>
+                            <a:srgbClr val="FFFFFF"/>
                           </a:solidFill>
                         </a:uFill>
                         <a:latin typeface="Arial"/>
@@ -9300,32 +9933,33 @@
                   <a:tcPr marL="54000" marR="54000">
                     <a:lnL w="12240">
                       <a:solidFill>
-                        <a:srgbClr val="4ca198"/>
+                        <a:srgbClr val="4CA198"/>
                       </a:solidFill>
                     </a:lnL>
                     <a:lnR w="12240">
                       <a:solidFill>
-                        <a:srgbClr val="4ca198"/>
+                        <a:srgbClr val="4CA198"/>
                       </a:solidFill>
                     </a:lnR>
                     <a:lnT w="12240">
                       <a:solidFill>
-                        <a:srgbClr val="4ca198"/>
+                        <a:srgbClr val="4CA198"/>
                       </a:solidFill>
                     </a:lnT>
                     <a:lnB w="12240">
                       <a:solidFill>
-                        <a:srgbClr val="4ca198"/>
+                        <a:srgbClr val="4CA198"/>
                       </a:solidFill>
                     </a:lnB>
                     <a:solidFill>
-                      <a:srgbClr val="e8efee"/>
+                      <a:srgbClr val="E8EFEE"/>
                     </a:solidFill>
                   </a:tcPr>
                 </a:tc>
                 <a:tc>
                   <a:txBody>
-                    <a:bodyPr lIns="54000" rIns="54000"/>
+                    <a:bodyPr/>
+                    <a:lstStyle/>
                     <a:p>
                       <a:pPr>
                         <a:lnSpc>
@@ -9333,26 +9967,26 @@
                         </a:lnSpc>
                       </a:pPr>
                       <a:r>
-                        <a:rPr b="0" lang="en-US" sz="1800" spc="-1" strike="noStrike">
+                        <a:rPr lang="en-US" sz="1800" b="0" strike="noStrike" spc="-1">
                           <a:solidFill>
                             <a:srgbClr val="000000"/>
                           </a:solidFill>
                           <a:uFill>
                             <a:solidFill>
-                              <a:srgbClr val="ffffff"/>
+                              <a:srgbClr val="FFFFFF"/>
                             </a:solidFill>
                           </a:uFill>
                           <a:latin typeface="Corbel"/>
                         </a:rPr>
                         <a:t>4 weeks</a:t>
                       </a:r>
-                      <a:endParaRPr b="0" lang="en-US" sz="1800" spc="-1" strike="noStrike">
+                      <a:endParaRPr lang="en-US" sz="1800" b="0" strike="noStrike" spc="-1">
                         <a:solidFill>
                           <a:srgbClr val="000000"/>
                         </a:solidFill>
                         <a:uFill>
                           <a:solidFill>
-                            <a:srgbClr val="ffffff"/>
+                            <a:srgbClr val="FFFFFF"/>
                           </a:solidFill>
                         </a:uFill>
                         <a:latin typeface="Arial"/>
@@ -9362,32 +9996,33 @@
                   <a:tcPr marL="54000" marR="54000">
                     <a:lnL w="12240">
                       <a:solidFill>
-                        <a:srgbClr val="4ca198"/>
+                        <a:srgbClr val="4CA198"/>
                       </a:solidFill>
                     </a:lnL>
                     <a:lnR w="12240">
                       <a:solidFill>
-                        <a:srgbClr val="4ca198"/>
+                        <a:srgbClr val="4CA198"/>
                       </a:solidFill>
                     </a:lnR>
                     <a:lnT w="12240">
                       <a:solidFill>
-                        <a:srgbClr val="4ca198"/>
+                        <a:srgbClr val="4CA198"/>
                       </a:solidFill>
                     </a:lnT>
                     <a:lnB w="12240">
                       <a:solidFill>
-                        <a:srgbClr val="4ca198"/>
+                        <a:srgbClr val="4CA198"/>
                       </a:solidFill>
                     </a:lnB>
                     <a:solidFill>
-                      <a:srgbClr val="e8efee"/>
+                      <a:srgbClr val="E8EFEE"/>
                     </a:solidFill>
                   </a:tcPr>
                 </a:tc>
                 <a:tc>
                   <a:txBody>
-                    <a:bodyPr lIns="54000" rIns="54000"/>
+                    <a:bodyPr/>
+                    <a:lstStyle/>
                     <a:p>
                       <a:pPr>
                         <a:lnSpc>
@@ -9395,26 +10030,26 @@
                         </a:lnSpc>
                       </a:pPr>
                       <a:r>
-                        <a:rPr b="0" lang="en-US" sz="1800" spc="-1" strike="noStrike">
+                        <a:rPr lang="en-US" sz="1800" b="0" strike="noStrike" spc="-1">
                           <a:solidFill>
                             <a:srgbClr val="000000"/>
                           </a:solidFill>
                           <a:uFill>
                             <a:solidFill>
-                              <a:srgbClr val="ffffff"/>
+                              <a:srgbClr val="FFFFFF"/>
                             </a:solidFill>
                           </a:uFill>
                           <a:latin typeface="Corbel"/>
                         </a:rPr>
                         <a:t>Core Functionality</a:t>
                       </a:r>
-                      <a:endParaRPr b="0" lang="en-US" sz="1800" spc="-1" strike="noStrike">
+                      <a:endParaRPr lang="en-US" sz="1800" b="0" strike="noStrike" spc="-1">
                         <a:solidFill>
                           <a:srgbClr val="000000"/>
                         </a:solidFill>
                         <a:uFill>
                           <a:solidFill>
-                            <a:srgbClr val="ffffff"/>
+                            <a:srgbClr val="FFFFFF"/>
                           </a:solidFill>
                         </a:uFill>
                         <a:latin typeface="Arial"/>
@@ -9424,34 +10059,40 @@
                   <a:tcPr marL="54000" marR="54000">
                     <a:lnL w="12240">
                       <a:solidFill>
-                        <a:srgbClr val="4ca198"/>
+                        <a:srgbClr val="4CA198"/>
                       </a:solidFill>
                     </a:lnL>
                     <a:lnR w="12240">
                       <a:solidFill>
-                        <a:srgbClr val="4ca198"/>
+                        <a:srgbClr val="4CA198"/>
                       </a:solidFill>
                     </a:lnR>
                     <a:lnT w="12240">
                       <a:solidFill>
-                        <a:srgbClr val="4ca198"/>
+                        <a:srgbClr val="4CA198"/>
                       </a:solidFill>
                     </a:lnT>
                     <a:lnB w="12240">
                       <a:solidFill>
-                        <a:srgbClr val="4ca198"/>
+                        <a:srgbClr val="4CA198"/>
                       </a:solidFill>
                     </a:lnB>
                     <a:solidFill>
-                      <a:srgbClr val="e8efee"/>
+                      <a:srgbClr val="E8EFEE"/>
                     </a:solidFill>
                   </a:tcPr>
                 </a:tc>
+                <a:extLst>
+                  <a:ext uri="{0D108BD9-81ED-4DB2-BD59-A6C34878D82A}">
+                    <a16:rowId xmlns:a16="http://schemas.microsoft.com/office/drawing/2014/main" val="10003"/>
+                  </a:ext>
+                </a:extLst>
               </a:tr>
               <a:tr h="887760">
                 <a:tc>
                   <a:txBody>
-                    <a:bodyPr lIns="54000" rIns="54000"/>
+                    <a:bodyPr/>
+                    <a:lstStyle/>
                     <a:p>
                       <a:pPr>
                         <a:lnSpc>
@@ -9459,26 +10100,26 @@
                         </a:lnSpc>
                       </a:pPr>
                       <a:r>
-                        <a:rPr b="0" lang="en-US" sz="1800" spc="-1" strike="noStrike">
+                        <a:rPr lang="en-US" sz="1800" b="0" strike="noStrike" spc="-1">
                           <a:solidFill>
                             <a:srgbClr val="000000"/>
                           </a:solidFill>
                           <a:uFill>
                             <a:solidFill>
-                              <a:srgbClr val="ffffff"/>
+                              <a:srgbClr val="FFFFFF"/>
                             </a:solidFill>
                           </a:uFill>
                           <a:latin typeface="Corbel"/>
                         </a:rPr>
                         <a:t>Phase 4</a:t>
                       </a:r>
-                      <a:endParaRPr b="0" lang="en-US" sz="1800" spc="-1" strike="noStrike">
+                      <a:endParaRPr lang="en-US" sz="1800" b="0" strike="noStrike" spc="-1">
                         <a:solidFill>
                           <a:srgbClr val="000000"/>
                         </a:solidFill>
                         <a:uFill>
                           <a:solidFill>
-                            <a:srgbClr val="ffffff"/>
+                            <a:srgbClr val="FFFFFF"/>
                           </a:solidFill>
                         </a:uFill>
                         <a:latin typeface="Arial"/>
@@ -9488,32 +10129,33 @@
                   <a:tcPr marL="54000" marR="54000">
                     <a:lnL w="12240">
                       <a:solidFill>
-                        <a:srgbClr val="4ca198"/>
+                        <a:srgbClr val="4CA198"/>
                       </a:solidFill>
                     </a:lnL>
                     <a:lnR w="12240">
                       <a:solidFill>
-                        <a:srgbClr val="4ca198"/>
+                        <a:srgbClr val="4CA198"/>
                       </a:solidFill>
                     </a:lnR>
                     <a:lnT w="12240">
                       <a:solidFill>
-                        <a:srgbClr val="4ca198"/>
+                        <a:srgbClr val="4CA198"/>
                       </a:solidFill>
                     </a:lnT>
                     <a:lnB w="12240">
                       <a:solidFill>
-                        <a:srgbClr val="4ca198"/>
+                        <a:srgbClr val="4CA198"/>
                       </a:solidFill>
                     </a:lnB>
                     <a:solidFill>
-                      <a:srgbClr val="ffffff"/>
+                      <a:srgbClr val="FFFFFF"/>
                     </a:solidFill>
                   </a:tcPr>
                 </a:tc>
                 <a:tc>
                   <a:txBody>
-                    <a:bodyPr lIns="54000" rIns="54000"/>
+                    <a:bodyPr/>
+                    <a:lstStyle/>
                     <a:p>
                       <a:pPr>
                         <a:lnSpc>
@@ -9521,13 +10163,13 @@
                         </a:lnSpc>
                       </a:pPr>
                       <a:r>
-                        <a:rPr b="0" lang="en-US" sz="1800" spc="-1" strike="noStrike">
+                        <a:rPr lang="en-US" sz="1800" b="0" strike="noStrike" spc="-1">
                           <a:solidFill>
                             <a:srgbClr val="000000"/>
                           </a:solidFill>
                           <a:uFill>
                             <a:solidFill>
-                              <a:srgbClr val="ffffff"/>
+                              <a:srgbClr val="FFFFFF"/>
                             </a:solidFill>
                           </a:uFill>
                           <a:latin typeface="Corbel"/>
@@ -9535,13 +10177,13 @@
                         <a:t>10</a:t>
                       </a:r>
                       <a:r>
-                        <a:rPr b="0" lang="en-US" sz="1800" spc="-1" strike="noStrike" baseline="30000">
+                        <a:rPr lang="en-US" sz="1800" b="0" strike="noStrike" spc="-1" baseline="30000">
                           <a:solidFill>
                             <a:srgbClr val="000000"/>
                           </a:solidFill>
                           <a:uFill>
                             <a:solidFill>
-                              <a:srgbClr val="ffffff"/>
+                              <a:srgbClr val="FFFFFF"/>
                             </a:solidFill>
                           </a:uFill>
                           <a:latin typeface="Corbel"/>
@@ -9549,26 +10191,26 @@
                         <a:t>th</a:t>
                       </a:r>
                       <a:r>
-                        <a:rPr b="0" lang="en-US" sz="1800" spc="-1" strike="noStrike">
+                        <a:rPr lang="en-US" sz="1800" b="0" strike="noStrike" spc="-1">
                           <a:solidFill>
                             <a:srgbClr val="000000"/>
                           </a:solidFill>
                           <a:uFill>
                             <a:solidFill>
-                              <a:srgbClr val="ffffff"/>
+                              <a:srgbClr val="FFFFFF"/>
                             </a:solidFill>
                           </a:uFill>
                           <a:latin typeface="Corbel"/>
                         </a:rPr>
                         <a:t> November 2017</a:t>
                       </a:r>
-                      <a:endParaRPr b="0" lang="en-US" sz="1800" spc="-1" strike="noStrike">
+                      <a:endParaRPr lang="en-US" sz="1800" b="0" strike="noStrike" spc="-1">
                         <a:solidFill>
                           <a:srgbClr val="000000"/>
                         </a:solidFill>
                         <a:uFill>
                           <a:solidFill>
-                            <a:srgbClr val="ffffff"/>
+                            <a:srgbClr val="FFFFFF"/>
                           </a:solidFill>
                         </a:uFill>
                         <a:latin typeface="Arial"/>
@@ -9578,32 +10220,33 @@
                   <a:tcPr marL="54000" marR="54000">
                     <a:lnL w="12240">
                       <a:solidFill>
-                        <a:srgbClr val="4ca198"/>
+                        <a:srgbClr val="4CA198"/>
                       </a:solidFill>
                     </a:lnL>
                     <a:lnR w="12240">
                       <a:solidFill>
-                        <a:srgbClr val="4ca198"/>
+                        <a:srgbClr val="4CA198"/>
                       </a:solidFill>
                     </a:lnR>
                     <a:lnT w="12240">
                       <a:solidFill>
-                        <a:srgbClr val="4ca198"/>
+                        <a:srgbClr val="4CA198"/>
                       </a:solidFill>
                     </a:lnT>
                     <a:lnB w="12240">
                       <a:solidFill>
-                        <a:srgbClr val="4ca198"/>
+                        <a:srgbClr val="4CA198"/>
                       </a:solidFill>
                     </a:lnB>
                     <a:solidFill>
-                      <a:srgbClr val="ffffff"/>
+                      <a:srgbClr val="FFFFFF"/>
                     </a:solidFill>
                   </a:tcPr>
                 </a:tc>
                 <a:tc>
                   <a:txBody>
-                    <a:bodyPr lIns="54000" rIns="54000"/>
+                    <a:bodyPr/>
+                    <a:lstStyle/>
                     <a:p>
                       <a:pPr>
                         <a:lnSpc>
@@ -9611,26 +10254,26 @@
                         </a:lnSpc>
                       </a:pPr>
                       <a:r>
-                        <a:rPr b="0" lang="en-US" sz="1800" spc="-1" strike="noStrike">
+                        <a:rPr lang="en-US" sz="1800" b="0" strike="noStrike" spc="-1">
                           <a:solidFill>
                             <a:srgbClr val="000000"/>
                           </a:solidFill>
                           <a:uFill>
                             <a:solidFill>
-                              <a:srgbClr val="ffffff"/>
+                              <a:srgbClr val="FFFFFF"/>
                             </a:solidFill>
                           </a:uFill>
                           <a:latin typeface="Corbel"/>
                         </a:rPr>
                         <a:t>2 weeks</a:t>
                       </a:r>
-                      <a:endParaRPr b="0" lang="en-US" sz="1800" spc="-1" strike="noStrike">
+                      <a:endParaRPr lang="en-US" sz="1800" b="0" strike="noStrike" spc="-1">
                         <a:solidFill>
                           <a:srgbClr val="000000"/>
                         </a:solidFill>
                         <a:uFill>
                           <a:solidFill>
-                            <a:srgbClr val="ffffff"/>
+                            <a:srgbClr val="FFFFFF"/>
                           </a:solidFill>
                         </a:uFill>
                         <a:latin typeface="Arial"/>
@@ -9640,32 +10283,33 @@
                   <a:tcPr marL="54000" marR="54000">
                     <a:lnL w="12240">
                       <a:solidFill>
-                        <a:srgbClr val="4ca198"/>
+                        <a:srgbClr val="4CA198"/>
                       </a:solidFill>
                     </a:lnL>
                     <a:lnR w="12240">
                       <a:solidFill>
-                        <a:srgbClr val="4ca198"/>
+                        <a:srgbClr val="4CA198"/>
                       </a:solidFill>
                     </a:lnR>
                     <a:lnT w="12240">
                       <a:solidFill>
-                        <a:srgbClr val="4ca198"/>
+                        <a:srgbClr val="4CA198"/>
                       </a:solidFill>
                     </a:lnT>
                     <a:lnB w="12240">
                       <a:solidFill>
-                        <a:srgbClr val="4ca198"/>
+                        <a:srgbClr val="4CA198"/>
                       </a:solidFill>
                     </a:lnB>
                     <a:solidFill>
-                      <a:srgbClr val="ffffff"/>
+                      <a:srgbClr val="FFFFFF"/>
                     </a:solidFill>
                   </a:tcPr>
                 </a:tc>
                 <a:tc>
                   <a:txBody>
-                    <a:bodyPr lIns="54000" rIns="54000"/>
+                    <a:bodyPr/>
+                    <a:lstStyle/>
                     <a:p>
                       <a:pPr>
                         <a:lnSpc>
@@ -9673,26 +10317,26 @@
                         </a:lnSpc>
                       </a:pPr>
                       <a:r>
-                        <a:rPr b="0" lang="en-US" sz="1800" spc="-1" strike="noStrike">
+                        <a:rPr lang="en-US" sz="1800" b="0" strike="noStrike" spc="-1">
                           <a:solidFill>
                             <a:srgbClr val="000000"/>
                           </a:solidFill>
                           <a:uFill>
                             <a:solidFill>
-                              <a:srgbClr val="ffffff"/>
+                              <a:srgbClr val="FFFFFF"/>
                             </a:solidFill>
                           </a:uFill>
                           <a:latin typeface="Corbel"/>
                         </a:rPr>
                         <a:t>Required Modeling</a:t>
                       </a:r>
-                      <a:endParaRPr b="0" lang="en-US" sz="1800" spc="-1" strike="noStrike">
+                      <a:endParaRPr lang="en-US" sz="1800" b="0" strike="noStrike" spc="-1">
                         <a:solidFill>
                           <a:srgbClr val="000000"/>
                         </a:solidFill>
                         <a:uFill>
                           <a:solidFill>
-                            <a:srgbClr val="ffffff"/>
+                            <a:srgbClr val="FFFFFF"/>
                           </a:solidFill>
                         </a:uFill>
                         <a:latin typeface="Arial"/>
@@ -9702,34 +10346,40 @@
                   <a:tcPr marL="54000" marR="54000">
                     <a:lnL w="12240">
                       <a:solidFill>
-                        <a:srgbClr val="4ca198"/>
+                        <a:srgbClr val="4CA198"/>
                       </a:solidFill>
                     </a:lnL>
                     <a:lnR w="12240">
                       <a:solidFill>
-                        <a:srgbClr val="4ca198"/>
+                        <a:srgbClr val="4CA198"/>
                       </a:solidFill>
                     </a:lnR>
                     <a:lnT w="12240">
                       <a:solidFill>
-                        <a:srgbClr val="4ca198"/>
+                        <a:srgbClr val="4CA198"/>
                       </a:solidFill>
                     </a:lnT>
                     <a:lnB w="12240">
                       <a:solidFill>
-                        <a:srgbClr val="4ca198"/>
+                        <a:srgbClr val="4CA198"/>
                       </a:solidFill>
                     </a:lnB>
                     <a:solidFill>
-                      <a:srgbClr val="ffffff"/>
+                      <a:srgbClr val="FFFFFF"/>
                     </a:solidFill>
                   </a:tcPr>
                 </a:tc>
+                <a:extLst>
+                  <a:ext uri="{0D108BD9-81ED-4DB2-BD59-A6C34878D82A}">
+                    <a16:rowId xmlns:a16="http://schemas.microsoft.com/office/drawing/2014/main" val="10004"/>
+                  </a:ext>
+                </a:extLst>
               </a:tr>
               <a:tr h="887760">
                 <a:tc>
                   <a:txBody>
-                    <a:bodyPr lIns="54000" rIns="54000"/>
+                    <a:bodyPr/>
+                    <a:lstStyle/>
                     <a:p>
                       <a:pPr>
                         <a:lnSpc>
@@ -9737,26 +10387,26 @@
                         </a:lnSpc>
                       </a:pPr>
                       <a:r>
-                        <a:rPr b="0" lang="en-US" sz="1800" spc="-1" strike="noStrike">
+                        <a:rPr lang="en-US" sz="1800" b="0" strike="noStrike" spc="-1">
                           <a:solidFill>
                             <a:srgbClr val="000000"/>
                           </a:solidFill>
                           <a:uFill>
                             <a:solidFill>
-                              <a:srgbClr val="ffffff"/>
+                              <a:srgbClr val="FFFFFF"/>
                             </a:solidFill>
                           </a:uFill>
                           <a:latin typeface="Corbel"/>
                         </a:rPr>
                         <a:t>Phase 5</a:t>
                       </a:r>
-                      <a:endParaRPr b="0" lang="en-US" sz="1800" spc="-1" strike="noStrike">
+                      <a:endParaRPr lang="en-US" sz="1800" b="0" strike="noStrike" spc="-1">
                         <a:solidFill>
                           <a:srgbClr val="000000"/>
                         </a:solidFill>
                         <a:uFill>
                           <a:solidFill>
-                            <a:srgbClr val="ffffff"/>
+                            <a:srgbClr val="FFFFFF"/>
                           </a:solidFill>
                         </a:uFill>
                         <a:latin typeface="Arial"/>
@@ -9766,32 +10416,33 @@
                   <a:tcPr marL="54000" marR="54000">
                     <a:lnL w="12240">
                       <a:solidFill>
-                        <a:srgbClr val="4ca198"/>
+                        <a:srgbClr val="4CA198"/>
                       </a:solidFill>
                     </a:lnL>
                     <a:lnR w="12240">
                       <a:solidFill>
-                        <a:srgbClr val="4ca198"/>
+                        <a:srgbClr val="4CA198"/>
                       </a:solidFill>
                     </a:lnR>
                     <a:lnT w="12240">
                       <a:solidFill>
-                        <a:srgbClr val="4ca198"/>
+                        <a:srgbClr val="4CA198"/>
                       </a:solidFill>
                     </a:lnT>
                     <a:lnB w="12240">
                       <a:solidFill>
-                        <a:srgbClr val="4ca198"/>
+                        <a:srgbClr val="4CA198"/>
                       </a:solidFill>
                     </a:lnB>
                     <a:solidFill>
-                      <a:srgbClr val="e8efee"/>
+                      <a:srgbClr val="E8EFEE"/>
                     </a:solidFill>
                   </a:tcPr>
                 </a:tc>
                 <a:tc>
                   <a:txBody>
-                    <a:bodyPr lIns="54000" rIns="54000"/>
+                    <a:bodyPr/>
+                    <a:lstStyle/>
                     <a:p>
                       <a:pPr>
                         <a:lnSpc>
@@ -9799,13 +10450,13 @@
                         </a:lnSpc>
                       </a:pPr>
                       <a:r>
-                        <a:rPr b="0" lang="en-US" sz="1800" spc="-1" strike="noStrike">
+                        <a:rPr lang="en-US" sz="1800" b="0" strike="noStrike" spc="-1">
                           <a:solidFill>
                             <a:srgbClr val="000000"/>
                           </a:solidFill>
                           <a:uFill>
                             <a:solidFill>
-                              <a:srgbClr val="ffffff"/>
+                              <a:srgbClr val="FFFFFF"/>
                             </a:solidFill>
                           </a:uFill>
                           <a:latin typeface="Corbel"/>
@@ -9813,13 +10464,13 @@
                         <a:t>24</a:t>
                       </a:r>
                       <a:r>
-                        <a:rPr b="0" lang="en-US" sz="1800" spc="-1" strike="noStrike" baseline="30000">
+                        <a:rPr lang="en-US" sz="1800" b="0" strike="noStrike" spc="-1" baseline="30000">
                           <a:solidFill>
                             <a:srgbClr val="000000"/>
                           </a:solidFill>
                           <a:uFill>
                             <a:solidFill>
-                              <a:srgbClr val="ffffff"/>
+                              <a:srgbClr val="FFFFFF"/>
                             </a:solidFill>
                           </a:uFill>
                           <a:latin typeface="Corbel"/>
@@ -9827,26 +10478,26 @@
                         <a:t>th</a:t>
                       </a:r>
                       <a:r>
-                        <a:rPr b="0" lang="en-US" sz="1800" spc="-1" strike="noStrike">
+                        <a:rPr lang="en-US" sz="1800" b="0" strike="noStrike" spc="-1">
                           <a:solidFill>
                             <a:srgbClr val="000000"/>
                           </a:solidFill>
                           <a:uFill>
                             <a:solidFill>
-                              <a:srgbClr val="ffffff"/>
+                              <a:srgbClr val="FFFFFF"/>
                             </a:solidFill>
                           </a:uFill>
                           <a:latin typeface="Corbel"/>
                         </a:rPr>
                         <a:t> November 2017</a:t>
                       </a:r>
-                      <a:endParaRPr b="0" lang="en-US" sz="1800" spc="-1" strike="noStrike">
+                      <a:endParaRPr lang="en-US" sz="1800" b="0" strike="noStrike" spc="-1">
                         <a:solidFill>
                           <a:srgbClr val="000000"/>
                         </a:solidFill>
                         <a:uFill>
                           <a:solidFill>
-                            <a:srgbClr val="ffffff"/>
+                            <a:srgbClr val="FFFFFF"/>
                           </a:solidFill>
                         </a:uFill>
                         <a:latin typeface="Arial"/>
@@ -9856,32 +10507,33 @@
                   <a:tcPr marL="54000" marR="54000">
                     <a:lnL w="12240">
                       <a:solidFill>
-                        <a:srgbClr val="4ca198"/>
+                        <a:srgbClr val="4CA198"/>
                       </a:solidFill>
                     </a:lnL>
                     <a:lnR w="12240">
                       <a:solidFill>
-                        <a:srgbClr val="4ca198"/>
+                        <a:srgbClr val="4CA198"/>
                       </a:solidFill>
                     </a:lnR>
                     <a:lnT w="12240">
                       <a:solidFill>
-                        <a:srgbClr val="4ca198"/>
+                        <a:srgbClr val="4CA198"/>
                       </a:solidFill>
                     </a:lnT>
                     <a:lnB w="12240">
                       <a:solidFill>
-                        <a:srgbClr val="4ca198"/>
+                        <a:srgbClr val="4CA198"/>
                       </a:solidFill>
                     </a:lnB>
                     <a:solidFill>
-                      <a:srgbClr val="e8efee"/>
+                      <a:srgbClr val="E8EFEE"/>
                     </a:solidFill>
                   </a:tcPr>
                 </a:tc>
                 <a:tc>
                   <a:txBody>
-                    <a:bodyPr lIns="54000" rIns="54000"/>
+                    <a:bodyPr/>
+                    <a:lstStyle/>
                     <a:p>
                       <a:pPr>
                         <a:lnSpc>
@@ -9889,26 +10541,26 @@
                         </a:lnSpc>
                       </a:pPr>
                       <a:r>
-                        <a:rPr b="0" lang="en-US" sz="1800" spc="-1" strike="noStrike">
+                        <a:rPr lang="en-US" sz="1800" b="0" strike="noStrike" spc="-1">
                           <a:solidFill>
                             <a:srgbClr val="000000"/>
                           </a:solidFill>
                           <a:uFill>
                             <a:solidFill>
-                              <a:srgbClr val="ffffff"/>
+                              <a:srgbClr val="FFFFFF"/>
                             </a:solidFill>
                           </a:uFill>
                           <a:latin typeface="Corbel"/>
                         </a:rPr>
                         <a:t>2 weeks</a:t>
                       </a:r>
-                      <a:endParaRPr b="0" lang="en-US" sz="1800" spc="-1" strike="noStrike">
+                      <a:endParaRPr lang="en-US" sz="1800" b="0" strike="noStrike" spc="-1">
                         <a:solidFill>
                           <a:srgbClr val="000000"/>
                         </a:solidFill>
                         <a:uFill>
                           <a:solidFill>
-                            <a:srgbClr val="ffffff"/>
+                            <a:srgbClr val="FFFFFF"/>
                           </a:solidFill>
                         </a:uFill>
                         <a:latin typeface="Arial"/>
@@ -9918,32 +10570,33 @@
                   <a:tcPr marL="54000" marR="54000">
                     <a:lnL w="12240">
                       <a:solidFill>
-                        <a:srgbClr val="4ca198"/>
+                        <a:srgbClr val="4CA198"/>
                       </a:solidFill>
                     </a:lnL>
                     <a:lnR w="12240">
                       <a:solidFill>
-                        <a:srgbClr val="4ca198"/>
+                        <a:srgbClr val="4CA198"/>
                       </a:solidFill>
                     </a:lnR>
                     <a:lnT w="12240">
                       <a:solidFill>
-                        <a:srgbClr val="4ca198"/>
+                        <a:srgbClr val="4CA198"/>
                       </a:solidFill>
                     </a:lnT>
                     <a:lnB w="12240">
                       <a:solidFill>
-                        <a:srgbClr val="4ca198"/>
+                        <a:srgbClr val="4CA198"/>
                       </a:solidFill>
                     </a:lnB>
                     <a:solidFill>
-                      <a:srgbClr val="e8efee"/>
+                      <a:srgbClr val="E8EFEE"/>
                     </a:solidFill>
                   </a:tcPr>
                 </a:tc>
                 <a:tc>
                   <a:txBody>
-                    <a:bodyPr lIns="54000" rIns="54000"/>
+                    <a:bodyPr/>
+                    <a:lstStyle/>
                     <a:p>
                       <a:pPr>
                         <a:lnSpc>
@@ -9951,26 +10604,26 @@
                         </a:lnSpc>
                       </a:pPr>
                       <a:r>
-                        <a:rPr b="0" lang="en-US" sz="1800" spc="-1" strike="noStrike">
+                        <a:rPr lang="en-US" sz="1800" b="0" strike="noStrike" spc="-1">
                           <a:solidFill>
                             <a:srgbClr val="000000"/>
                           </a:solidFill>
                           <a:uFill>
                             <a:solidFill>
-                              <a:srgbClr val="ffffff"/>
+                              <a:srgbClr val="FFFFFF"/>
                             </a:solidFill>
                           </a:uFill>
                           <a:latin typeface="Corbel"/>
                         </a:rPr>
                         <a:t>User Interfaces</a:t>
                       </a:r>
-                      <a:endParaRPr b="0" lang="en-US" sz="1800" spc="-1" strike="noStrike">
+                      <a:endParaRPr lang="en-US" sz="1800" b="0" strike="noStrike" spc="-1">
                         <a:solidFill>
                           <a:srgbClr val="000000"/>
                         </a:solidFill>
                         <a:uFill>
                           <a:solidFill>
-                            <a:srgbClr val="ffffff"/>
+                            <a:srgbClr val="FFFFFF"/>
                           </a:solidFill>
                         </a:uFill>
                         <a:latin typeface="Arial"/>
@@ -9980,34 +10633,40 @@
                   <a:tcPr marL="54000" marR="54000">
                     <a:lnL w="12240">
                       <a:solidFill>
-                        <a:srgbClr val="4ca198"/>
+                        <a:srgbClr val="4CA198"/>
                       </a:solidFill>
                     </a:lnL>
                     <a:lnR w="12240">
                       <a:solidFill>
-                        <a:srgbClr val="4ca198"/>
+                        <a:srgbClr val="4CA198"/>
                       </a:solidFill>
                     </a:lnR>
                     <a:lnT w="12240">
                       <a:solidFill>
-                        <a:srgbClr val="4ca198"/>
+                        <a:srgbClr val="4CA198"/>
                       </a:solidFill>
                     </a:lnT>
                     <a:lnB w="12240">
                       <a:solidFill>
-                        <a:srgbClr val="4ca198"/>
+                        <a:srgbClr val="4CA198"/>
                       </a:solidFill>
                     </a:lnB>
                     <a:solidFill>
-                      <a:srgbClr val="e8efee"/>
+                      <a:srgbClr val="E8EFEE"/>
                     </a:solidFill>
                   </a:tcPr>
                 </a:tc>
+                <a:extLst>
+                  <a:ext uri="{0D108BD9-81ED-4DB2-BD59-A6C34878D82A}">
+                    <a16:rowId xmlns:a16="http://schemas.microsoft.com/office/drawing/2014/main" val="10005"/>
+                  </a:ext>
+                </a:extLst>
               </a:tr>
               <a:tr h="887760">
                 <a:tc>
                   <a:txBody>
-                    <a:bodyPr lIns="54000" rIns="54000"/>
+                    <a:bodyPr/>
+                    <a:lstStyle/>
                     <a:p>
                       <a:pPr>
                         <a:lnSpc>
@@ -10015,26 +10674,26 @@
                         </a:lnSpc>
                       </a:pPr>
                       <a:r>
-                        <a:rPr b="0" lang="en-US" sz="1800" spc="-1" strike="noStrike">
+                        <a:rPr lang="en-US" sz="1800" b="0" strike="noStrike" spc="-1">
                           <a:solidFill>
                             <a:srgbClr val="000000"/>
                           </a:solidFill>
                           <a:uFill>
                             <a:solidFill>
-                              <a:srgbClr val="ffffff"/>
+                              <a:srgbClr val="FFFFFF"/>
                             </a:solidFill>
                           </a:uFill>
                           <a:latin typeface="Corbel"/>
                         </a:rPr>
                         <a:t>Phase 6</a:t>
                       </a:r>
-                      <a:endParaRPr b="0" lang="en-US" sz="1800" spc="-1" strike="noStrike">
+                      <a:endParaRPr lang="en-US" sz="1800" b="0" strike="noStrike" spc="-1">
                         <a:solidFill>
                           <a:srgbClr val="000000"/>
                         </a:solidFill>
                         <a:uFill>
                           <a:solidFill>
-                            <a:srgbClr val="ffffff"/>
+                            <a:srgbClr val="FFFFFF"/>
                           </a:solidFill>
                         </a:uFill>
                         <a:latin typeface="Arial"/>
@@ -10044,32 +10703,33 @@
                   <a:tcPr marL="54000" marR="54000">
                     <a:lnL w="12240">
                       <a:solidFill>
-                        <a:srgbClr val="4ca198"/>
+                        <a:srgbClr val="4CA198"/>
                       </a:solidFill>
                     </a:lnL>
                     <a:lnR w="12240">
                       <a:solidFill>
-                        <a:srgbClr val="4ca198"/>
+                        <a:srgbClr val="4CA198"/>
                       </a:solidFill>
                     </a:lnR>
                     <a:lnT w="12240">
                       <a:solidFill>
-                        <a:srgbClr val="4ca198"/>
+                        <a:srgbClr val="4CA198"/>
                       </a:solidFill>
                     </a:lnT>
                     <a:lnB w="12240">
                       <a:solidFill>
-                        <a:srgbClr val="4ca198"/>
+                        <a:srgbClr val="4CA198"/>
                       </a:solidFill>
                     </a:lnB>
                     <a:solidFill>
-                      <a:srgbClr val="ffffff"/>
+                      <a:srgbClr val="FFFFFF"/>
                     </a:solidFill>
                   </a:tcPr>
                 </a:tc>
                 <a:tc>
                   <a:txBody>
-                    <a:bodyPr lIns="54000" rIns="54000"/>
+                    <a:bodyPr/>
+                    <a:lstStyle/>
                     <a:p>
                       <a:pPr>
                         <a:lnSpc>
@@ -10077,13 +10737,13 @@
                         </a:lnSpc>
                       </a:pPr>
                       <a:r>
-                        <a:rPr b="0" lang="en-US" sz="1800" spc="-1" strike="noStrike">
+                        <a:rPr lang="en-US" sz="1800" b="0" strike="noStrike" spc="-1">
                           <a:solidFill>
                             <a:srgbClr val="000000"/>
                           </a:solidFill>
                           <a:uFill>
                             <a:solidFill>
-                              <a:srgbClr val="ffffff"/>
+                              <a:srgbClr val="FFFFFF"/>
                             </a:solidFill>
                           </a:uFill>
                           <a:latin typeface="Corbel"/>
@@ -10091,13 +10751,13 @@
                         <a:t>8</a:t>
                       </a:r>
                       <a:r>
-                        <a:rPr b="0" lang="en-US" sz="1800" spc="-1" strike="noStrike" baseline="30000">
+                        <a:rPr lang="en-US" sz="1800" b="0" strike="noStrike" spc="-1" baseline="30000">
                           <a:solidFill>
                             <a:srgbClr val="000000"/>
                           </a:solidFill>
                           <a:uFill>
                             <a:solidFill>
-                              <a:srgbClr val="ffffff"/>
+                              <a:srgbClr val="FFFFFF"/>
                             </a:solidFill>
                           </a:uFill>
                           <a:latin typeface="Corbel"/>
@@ -10105,26 +10765,26 @@
                         <a:t>th</a:t>
                       </a:r>
                       <a:r>
-                        <a:rPr b="0" lang="en-US" sz="1800" spc="-1" strike="noStrike">
+                        <a:rPr lang="en-US" sz="1800" b="0" strike="noStrike" spc="-1">
                           <a:solidFill>
                             <a:srgbClr val="000000"/>
                           </a:solidFill>
                           <a:uFill>
                             <a:solidFill>
-                              <a:srgbClr val="ffffff"/>
+                              <a:srgbClr val="FFFFFF"/>
                             </a:solidFill>
                           </a:uFill>
                           <a:latin typeface="Corbel"/>
                         </a:rPr>
                         <a:t> December 2017</a:t>
                       </a:r>
-                      <a:endParaRPr b="0" lang="en-US" sz="1800" spc="-1" strike="noStrike">
+                      <a:endParaRPr lang="en-US" sz="1800" b="0" strike="noStrike" spc="-1">
                         <a:solidFill>
                           <a:srgbClr val="000000"/>
                         </a:solidFill>
                         <a:uFill>
                           <a:solidFill>
-                            <a:srgbClr val="ffffff"/>
+                            <a:srgbClr val="FFFFFF"/>
                           </a:solidFill>
                         </a:uFill>
                         <a:latin typeface="Arial"/>
@@ -10134,32 +10794,33 @@
                   <a:tcPr marL="54000" marR="54000">
                     <a:lnL w="12240">
                       <a:solidFill>
-                        <a:srgbClr val="4ca198"/>
+                        <a:srgbClr val="4CA198"/>
                       </a:solidFill>
                     </a:lnL>
                     <a:lnR w="12240">
                       <a:solidFill>
-                        <a:srgbClr val="4ca198"/>
+                        <a:srgbClr val="4CA198"/>
                       </a:solidFill>
                     </a:lnR>
                     <a:lnT w="12240">
                       <a:solidFill>
-                        <a:srgbClr val="4ca198"/>
+                        <a:srgbClr val="4CA198"/>
                       </a:solidFill>
                     </a:lnT>
                     <a:lnB w="12240">
                       <a:solidFill>
-                        <a:srgbClr val="4ca198"/>
+                        <a:srgbClr val="4CA198"/>
                       </a:solidFill>
                     </a:lnB>
                     <a:solidFill>
-                      <a:srgbClr val="ffffff"/>
+                      <a:srgbClr val="FFFFFF"/>
                     </a:solidFill>
                   </a:tcPr>
                 </a:tc>
                 <a:tc>
                   <a:txBody>
-                    <a:bodyPr lIns="54000" rIns="54000"/>
+                    <a:bodyPr/>
+                    <a:lstStyle/>
                     <a:p>
                       <a:pPr>
                         <a:lnSpc>
@@ -10167,26 +10828,26 @@
                         </a:lnSpc>
                       </a:pPr>
                       <a:r>
-                        <a:rPr b="0" lang="en-US" sz="1800" spc="-1" strike="noStrike">
+                        <a:rPr lang="en-US" sz="1800" b="0" strike="noStrike" spc="-1">
                           <a:solidFill>
                             <a:srgbClr val="000000"/>
                           </a:solidFill>
                           <a:uFill>
                             <a:solidFill>
-                              <a:srgbClr val="ffffff"/>
+                              <a:srgbClr val="FFFFFF"/>
                             </a:solidFill>
                           </a:uFill>
                           <a:latin typeface="Corbel"/>
                         </a:rPr>
                         <a:t>2 weeks</a:t>
                       </a:r>
-                      <a:endParaRPr b="0" lang="en-US" sz="1800" spc="-1" strike="noStrike">
+                      <a:endParaRPr lang="en-US" sz="1800" b="0" strike="noStrike" spc="-1">
                         <a:solidFill>
                           <a:srgbClr val="000000"/>
                         </a:solidFill>
                         <a:uFill>
                           <a:solidFill>
-                            <a:srgbClr val="ffffff"/>
+                            <a:srgbClr val="FFFFFF"/>
                           </a:solidFill>
                         </a:uFill>
                         <a:latin typeface="Arial"/>
@@ -10196,32 +10857,33 @@
                   <a:tcPr marL="54000" marR="54000">
                     <a:lnL w="12240">
                       <a:solidFill>
-                        <a:srgbClr val="4ca198"/>
+                        <a:srgbClr val="4CA198"/>
                       </a:solidFill>
                     </a:lnL>
                     <a:lnR w="12240">
                       <a:solidFill>
-                        <a:srgbClr val="4ca198"/>
+                        <a:srgbClr val="4CA198"/>
                       </a:solidFill>
                     </a:lnR>
                     <a:lnT w="12240">
                       <a:solidFill>
-                        <a:srgbClr val="4ca198"/>
+                        <a:srgbClr val="4CA198"/>
                       </a:solidFill>
                     </a:lnT>
                     <a:lnB w="12240">
                       <a:solidFill>
-                        <a:srgbClr val="4ca198"/>
+                        <a:srgbClr val="4CA198"/>
                       </a:solidFill>
                     </a:lnB>
                     <a:solidFill>
-                      <a:srgbClr val="ffffff"/>
+                      <a:srgbClr val="FFFFFF"/>
                     </a:solidFill>
                   </a:tcPr>
                 </a:tc>
                 <a:tc>
                   <a:txBody>
-                    <a:bodyPr lIns="54000" rIns="54000"/>
+                    <a:bodyPr/>
+                    <a:lstStyle/>
                     <a:p>
                       <a:pPr>
                         <a:lnSpc>
@@ -10229,26 +10891,26 @@
                         </a:lnSpc>
                       </a:pPr>
                       <a:r>
-                        <a:rPr b="0" lang="en-US" sz="1800" spc="-1" strike="noStrike">
+                        <a:rPr lang="en-US" sz="1800" b="0" strike="noStrike" spc="-1">
                           <a:solidFill>
                             <a:srgbClr val="000000"/>
                           </a:solidFill>
                           <a:uFill>
                             <a:solidFill>
-                              <a:srgbClr val="ffffff"/>
+                              <a:srgbClr val="FFFFFF"/>
                             </a:solidFill>
                           </a:uFill>
                           <a:latin typeface="Corbel"/>
                         </a:rPr>
                         <a:t>Refine</a:t>
                       </a:r>
-                      <a:endParaRPr b="0" lang="en-US" sz="1800" spc="-1" strike="noStrike">
+                      <a:endParaRPr lang="en-US" sz="1800" b="0" strike="noStrike" spc="-1">
                         <a:solidFill>
                           <a:srgbClr val="000000"/>
                         </a:solidFill>
                         <a:uFill>
                           <a:solidFill>
-                            <a:srgbClr val="ffffff"/>
+                            <a:srgbClr val="FFFFFF"/>
                           </a:solidFill>
                         </a:uFill>
                         <a:latin typeface="Arial"/>
@@ -10258,29 +10920,34 @@
                   <a:tcPr marL="54000" marR="54000">
                     <a:lnL w="12240">
                       <a:solidFill>
-                        <a:srgbClr val="4ca198"/>
+                        <a:srgbClr val="4CA198"/>
                       </a:solidFill>
                     </a:lnL>
                     <a:lnR w="12240">
                       <a:solidFill>
-                        <a:srgbClr val="4ca198"/>
+                        <a:srgbClr val="4CA198"/>
                       </a:solidFill>
                     </a:lnR>
                     <a:lnT w="12240">
                       <a:solidFill>
-                        <a:srgbClr val="4ca198"/>
+                        <a:srgbClr val="4CA198"/>
                       </a:solidFill>
                     </a:lnT>
                     <a:lnB w="12240">
                       <a:solidFill>
-                        <a:srgbClr val="4ca198"/>
+                        <a:srgbClr val="4CA198"/>
                       </a:solidFill>
                     </a:lnB>
                     <a:solidFill>
-                      <a:srgbClr val="ffffff"/>
+                      <a:srgbClr val="FFFFFF"/>
                     </a:solidFill>
                   </a:tcPr>
                 </a:tc>
+                <a:extLst>
+                  <a:ext uri="{0D108BD9-81ED-4DB2-BD59-A6C34878D82A}">
+                    <a16:rowId xmlns:a16="http://schemas.microsoft.com/office/drawing/2014/main" val="10006"/>
+                  </a:ext>
+                </a:extLst>
               </a:tr>
             </a:tbl>
           </a:graphicData>
@@ -10288,22 +10955,25 @@
       </p:graphicFrame>
     </p:spTree>
   </p:cSld>
+  <p:clrMapOvr>
+    <a:masterClrMapping/>
+  </p:clrMapOvr>
   <p:timing>
     <p:tnLst>
       <p:par>
-        <p:cTn id="11" dur="indefinite" restart="never" nodeType="tmRoot">
+        <p:cTn id="1" dur="indefinite" restart="never" nodeType="tmRoot">
           <p:childTnLst>
             <p:seq>
-              <p:cTn id="12" nodeType="mainSeq"/>
+              <p:cTn id="2" nodeType="mainSeq"/>
               <p:prevCondLst>
-                <p:cond delay="0" evt="onPrev">
+                <p:cond evt="onPrev" delay="0">
                   <p:tgtEl>
                     <p:sldTgt/>
                   </p:tgtEl>
                 </p:cond>
               </p:prevCondLst>
               <p:nextCondLst>
-                <p:cond delay="0" evt="onNext">
+                <p:cond evt="onNext" delay="0">
                   <p:tgtEl>
                     <p:sldTgt/>
                   </p:tgtEl>
@@ -10319,7 +10989,7 @@
 </file>
 
 <file path=ppt/slides/slide8.xml><?xml version="1.0" encoding="utf-8"?>
-<p:sld xmlns:a="http://schemas.openxmlformats.org/drawingml/2006/main" xmlns:p="http://schemas.openxmlformats.org/presentationml/2006/main" xmlns:r="http://schemas.openxmlformats.org/officeDocument/2006/relationships" xmlns:p14="http://schemas.microsoft.com/office/powerpoint/2010/main" xmlns:p15="http://schemas.microsoft.com/office/powerpoint/2012/main" xmlns:mc="http://schemas.openxmlformats.org/markup-compatibility/2006">
+<p:sld xmlns:a="http://schemas.openxmlformats.org/drawingml/2006/main" xmlns:r="http://schemas.openxmlformats.org/officeDocument/2006/relationships" xmlns:p="http://schemas.openxmlformats.org/presentationml/2006/main">
   <p:cSld>
     <p:spTree>
       <p:nvGrpSpPr>
@@ -10355,33 +11025,24 @@
           </a:ln>
         </p:spPr>
         <p:txBody>
-          <a:bodyPr lIns="0" rIns="0" tIns="0" bIns="0" anchor="ctr"/>
-          <a:p>
+          <a:bodyPr lIns="0" tIns="0" rIns="0" bIns="0" anchor="t"/>
+          <a:lstStyle/>
+          <a:p>
+            <a:pPr algn="r"/>
             <a:r>
-              <a:rPr b="0" lang="en-US" sz="1800" spc="-1" strike="noStrike">
+              <a:rPr lang="en-US" sz="5000" b="0" i="1" strike="noStrike" spc="-1" dirty="0">
                 <a:solidFill>
                   <a:srgbClr val="000000"/>
                 </a:solidFill>
                 <a:uFill>
                   <a:solidFill>
-                    <a:srgbClr val="ffffff"/>
+                    <a:srgbClr val="FFFFFF"/>
                   </a:solidFill>
                 </a:uFill>
-                <a:latin typeface="Corbel"/>
+                <a:latin typeface="Century Schoolbook" panose="02040604050505020304" pitchFamily="18" charset="0"/>
               </a:rPr>
               <a:t>Audio Design</a:t>
             </a:r>
-            <a:endParaRPr b="0" lang="en-US" sz="1800" spc="-1" strike="noStrike">
-              <a:solidFill>
-                <a:srgbClr val="000000"/>
-              </a:solidFill>
-              <a:uFill>
-                <a:solidFill>
-                  <a:srgbClr val="ffffff"/>
-                </a:solidFill>
-              </a:uFill>
-              <a:latin typeface="Corbel"/>
-            </a:endParaRPr>
           </a:p>
         </p:txBody>
       </p:sp>
@@ -10393,8 +11054,8 @@
         </p:nvSpPr>
         <p:spPr>
           <a:xfrm>
-            <a:off x="5181480" y="569160"/>
-            <a:ext cx="6248160" cy="5654880"/>
+            <a:off x="5128214" y="1766868"/>
+            <a:ext cx="6248160" cy="2538024"/>
           </a:xfrm>
           <a:prstGeom prst="rect">
             <a:avLst/>
@@ -10405,7 +11066,8 @@
           </a:ln>
         </p:spPr>
         <p:txBody>
-          <a:bodyPr lIns="0" rIns="0" tIns="0" bIns="0"/>
+          <a:bodyPr lIns="0" tIns="0" rIns="0" bIns="0" anchor="ctr"/>
+          <a:lstStyle/>
           <a:p>
             <a:pPr marL="432000" indent="-324000">
               <a:buClr>
@@ -10416,30 +11078,19 @@
               <a:buChar char=""/>
             </a:pPr>
             <a:r>
-              <a:rPr b="0" lang="en-US" sz="2000" spc="-1" strike="noStrike">
+              <a:rPr lang="en-US" sz="2000" b="0" strike="noStrike" spc="-1" dirty="0">
                 <a:solidFill>
                   <a:srgbClr val="262626"/>
                 </a:solidFill>
                 <a:uFill>
                   <a:solidFill>
-                    <a:srgbClr val="ffffff"/>
+                    <a:srgbClr val="FFFFFF"/>
                   </a:solidFill>
                 </a:uFill>
                 <a:latin typeface="Corbel"/>
               </a:rPr>
               <a:t>During the Battle Sequences, the focus will be on gameplay</a:t>
             </a:r>
-            <a:endParaRPr b="0" lang="en-US" sz="2000" spc="-1" strike="noStrike">
-              <a:solidFill>
-                <a:srgbClr val="262626"/>
-              </a:solidFill>
-              <a:uFill>
-                <a:solidFill>
-                  <a:srgbClr val="ffffff"/>
-                </a:solidFill>
-              </a:uFill>
-              <a:latin typeface="Corbel"/>
-            </a:endParaRPr>
           </a:p>
           <a:p>
             <a:pPr marL="432000" indent="-324000">
@@ -10451,33 +11102,22 @@
               <a:buChar char=""/>
             </a:pPr>
             <a:r>
-              <a:rPr b="0" lang="en-US" sz="2000" spc="-1" strike="noStrike">
+              <a:rPr lang="en-US" sz="2000" b="0" strike="noStrike" spc="-1" dirty="0">
                 <a:solidFill>
                   <a:srgbClr val="262626"/>
                 </a:solidFill>
                 <a:uFill>
                   <a:solidFill>
-                    <a:srgbClr val="ffffff"/>
+                    <a:srgbClr val="FFFFFF"/>
                   </a:solidFill>
                 </a:uFill>
                 <a:latin typeface="Corbel"/>
               </a:rPr>
               <a:t>Sound Effects will be louder, music will be in the background</a:t>
             </a:r>
-            <a:endParaRPr b="0" lang="en-US" sz="2000" spc="-1" strike="noStrike">
-              <a:solidFill>
-                <a:srgbClr val="262626"/>
-              </a:solidFill>
-              <a:uFill>
-                <a:solidFill>
-                  <a:srgbClr val="ffffff"/>
-                </a:solidFill>
-              </a:uFill>
-              <a:latin typeface="Corbel"/>
-            </a:endParaRPr>
-          </a:p>
-          <a:p>
-            <a:pPr lvl="1" marL="864000" indent="-324000">
+          </a:p>
+          <a:p>
+            <a:pPr marL="864000" lvl="1" indent="-324000">
               <a:buClr>
                 <a:srgbClr val="000000"/>
               </a:buClr>
@@ -10486,30 +11126,19 @@
               <a:buChar char=""/>
             </a:pPr>
             <a:r>
-              <a:rPr b="0" lang="en-US" sz="1600" spc="-1" strike="noStrike">
+              <a:rPr lang="en-US" sz="2000" b="0" strike="noStrike" spc="-1" dirty="0">
                 <a:solidFill>
                   <a:srgbClr val="262626"/>
                 </a:solidFill>
                 <a:uFill>
                   <a:solidFill>
-                    <a:srgbClr val="ffffff"/>
+                    <a:srgbClr val="FFFFFF"/>
                   </a:solidFill>
                 </a:uFill>
                 <a:latin typeface="Corbel"/>
               </a:rPr>
               <a:t>Battlefields are usually noisy with the sound effects</a:t>
             </a:r>
-            <a:endParaRPr b="0" lang="en-US" sz="1600" spc="-1" strike="noStrike">
-              <a:solidFill>
-                <a:srgbClr val="262626"/>
-              </a:solidFill>
-              <a:uFill>
-                <a:solidFill>
-                  <a:srgbClr val="ffffff"/>
-                </a:solidFill>
-              </a:uFill>
-              <a:latin typeface="Corbel"/>
-            </a:endParaRPr>
           </a:p>
           <a:p>
             <a:pPr marL="432000" indent="-324000">
@@ -10521,86 +11150,43 @@
               <a:buChar char=""/>
             </a:pPr>
             <a:r>
-              <a:rPr b="0" lang="en-US" sz="2000" spc="-1" strike="noStrike">
+              <a:rPr lang="en-US" sz="2000" b="0" strike="noStrike" spc="-1" dirty="0">
                 <a:solidFill>
                   <a:srgbClr val="262626"/>
                 </a:solidFill>
                 <a:uFill>
                   <a:solidFill>
-                    <a:srgbClr val="ffffff"/>
+                    <a:srgbClr val="FFFFFF"/>
                   </a:solidFill>
                 </a:uFill>
                 <a:latin typeface="Corbel"/>
               </a:rPr>
               <a:t>Music will be more minimal and syncopated, but can swell when the player is close to an enemy or the match is about over or during other tense moments</a:t>
             </a:r>
-            <a:endParaRPr b="0" lang="en-US" sz="2000" spc="-1" strike="noStrike">
-              <a:solidFill>
-                <a:srgbClr val="262626"/>
-              </a:solidFill>
-              <a:uFill>
-                <a:solidFill>
-                  <a:srgbClr val="ffffff"/>
-                </a:solidFill>
-              </a:uFill>
-              <a:latin typeface="Corbel"/>
-            </a:endParaRPr>
-          </a:p>
-          <a:p>
-            <a:pPr marL="432000" indent="-324000">
-              <a:buClr>
-                <a:srgbClr val="000000"/>
-              </a:buClr>
-              <a:buSzPct val="45000"/>
-              <a:buFont typeface="Wingdings" charset="2"/>
-              <a:buChar char=""/>
-            </a:pPr>
-            <a:r>
-              <a:rPr b="0" lang="en-US" sz="2000" spc="-1" strike="noStrike">
-                <a:solidFill>
-                  <a:srgbClr val="262626"/>
-                </a:solidFill>
-                <a:uFill>
-                  <a:solidFill>
-                    <a:srgbClr val="ffffff"/>
-                  </a:solidFill>
-                </a:uFill>
-                <a:latin typeface="Corbel"/>
-              </a:rPr>
-              <a:t> </a:t>
-            </a:r>
-            <a:endParaRPr b="0" lang="en-US" sz="2000" spc="-1" strike="noStrike">
-              <a:solidFill>
-                <a:srgbClr val="262626"/>
-              </a:solidFill>
-              <a:uFill>
-                <a:solidFill>
-                  <a:srgbClr val="ffffff"/>
-                </a:solidFill>
-              </a:uFill>
-              <a:latin typeface="Corbel"/>
-            </a:endParaRPr>
           </a:p>
         </p:txBody>
       </p:sp>
     </p:spTree>
   </p:cSld>
+  <p:clrMapOvr>
+    <a:masterClrMapping/>
+  </p:clrMapOvr>
   <p:timing>
     <p:tnLst>
       <p:par>
-        <p:cTn id="13" dur="indefinite" restart="never" nodeType="tmRoot">
+        <p:cTn id="1" dur="indefinite" restart="never" nodeType="tmRoot">
           <p:childTnLst>
             <p:seq>
-              <p:cTn id="14" nodeType="mainSeq"/>
+              <p:cTn id="2" nodeType="mainSeq"/>
               <p:prevCondLst>
-                <p:cond delay="0" evt="onPrev">
+                <p:cond evt="onPrev" delay="0">
                   <p:tgtEl>
                     <p:sldTgt/>
                   </p:tgtEl>
                 </p:cond>
               </p:prevCondLst>
               <p:nextCondLst>
-                <p:cond delay="0" evt="onNext">
+                <p:cond evt="onNext" delay="0">
                   <p:tgtEl>
                     <p:sldTgt/>
                   </p:tgtEl>
@@ -10616,7 +11202,7 @@
 </file>
 
 <file path=ppt/slides/slide9.xml><?xml version="1.0" encoding="utf-8"?>
-<p:sld xmlns:a="http://schemas.openxmlformats.org/drawingml/2006/main" xmlns:p="http://schemas.openxmlformats.org/presentationml/2006/main" xmlns:r="http://schemas.openxmlformats.org/officeDocument/2006/relationships" xmlns:p14="http://schemas.microsoft.com/office/powerpoint/2010/main" xmlns:p15="http://schemas.microsoft.com/office/powerpoint/2012/main" xmlns:mc="http://schemas.openxmlformats.org/markup-compatibility/2006">
+<p:sld xmlns:a="http://schemas.openxmlformats.org/drawingml/2006/main" xmlns:r="http://schemas.openxmlformats.org/officeDocument/2006/relationships" xmlns:p="http://schemas.openxmlformats.org/presentationml/2006/main">
   <p:cSld>
     <p:spTree>
       <p:nvGrpSpPr>
@@ -10652,33 +11238,24 @@
           </a:ln>
         </p:spPr>
         <p:txBody>
-          <a:bodyPr lIns="0" rIns="0" tIns="0" bIns="0" anchor="ctr"/>
-          <a:p>
+          <a:bodyPr lIns="0" tIns="0" rIns="0" bIns="0" anchor="t"/>
+          <a:lstStyle/>
+          <a:p>
+            <a:pPr algn="r"/>
             <a:r>
-              <a:rPr b="0" lang="en-US" sz="1800" spc="-1" strike="noStrike">
+              <a:rPr lang="en-US" sz="5000" b="0" i="1" strike="noStrike" spc="-1" dirty="0">
                 <a:solidFill>
                   <a:srgbClr val="000000"/>
                 </a:solidFill>
                 <a:uFill>
                   <a:solidFill>
-                    <a:srgbClr val="ffffff"/>
+                    <a:srgbClr val="FFFFFF"/>
                   </a:solidFill>
                 </a:uFill>
-                <a:latin typeface="Corbel"/>
+                <a:latin typeface="Century Schoolbook" panose="02040604050505020304" pitchFamily="18" charset="0"/>
               </a:rPr>
               <a:t>Networking</a:t>
             </a:r>
-            <a:endParaRPr b="0" lang="en-US" sz="1800" spc="-1" strike="noStrike">
-              <a:solidFill>
-                <a:srgbClr val="000000"/>
-              </a:solidFill>
-              <a:uFill>
-                <a:solidFill>
-                  <a:srgbClr val="ffffff"/>
-                </a:solidFill>
-              </a:uFill>
-              <a:latin typeface="Corbel"/>
-            </a:endParaRPr>
           </a:p>
         </p:txBody>
       </p:sp>
@@ -10690,8 +11267,8 @@
         </p:nvSpPr>
         <p:spPr>
           <a:xfrm>
-            <a:off x="4754880" y="731520"/>
-            <a:ext cx="6766560" cy="2138040"/>
+            <a:off x="4595760" y="1772587"/>
+            <a:ext cx="6766560" cy="2526585"/>
           </a:xfrm>
           <a:prstGeom prst="rect">
             <a:avLst/>
@@ -10702,7 +11279,8 @@
           </a:ln>
         </p:spPr>
         <p:txBody>
-          <a:bodyPr lIns="90000" rIns="90000" tIns="45000" bIns="45000"/>
+          <a:bodyPr lIns="90000" tIns="45000" rIns="90000" bIns="45000"/>
+          <a:lstStyle/>
           <a:p>
             <a:pPr marL="216000" indent="-216000">
               <a:buClr>
@@ -10713,30 +11291,19 @@
               <a:buChar char=""/>
             </a:pPr>
             <a:r>
-              <a:rPr b="0" lang="en-US" sz="1800" spc="-1" strike="noStrike">
+              <a:rPr lang="en-US" sz="2000" b="0" strike="noStrike" spc="-1" dirty="0">
                 <a:solidFill>
                   <a:srgbClr val="000000"/>
                 </a:solidFill>
                 <a:uFill>
                   <a:solidFill>
-                    <a:srgbClr val="ffffff"/>
+                    <a:srgbClr val="FFFFFF"/>
                   </a:solidFill>
                 </a:uFill>
-                <a:latin typeface="Arial"/>
+                <a:latin typeface="Corbel" panose="020B0503020204020204" pitchFamily="34" charset="0"/>
               </a:rPr>
               <a:t>One player will host the game (act as a server), other players will act as clients</a:t>
             </a:r>
-            <a:endParaRPr b="0" lang="en-US" sz="1800" spc="-1" strike="noStrike">
-              <a:solidFill>
-                <a:srgbClr val="000000"/>
-              </a:solidFill>
-              <a:uFill>
-                <a:solidFill>
-                  <a:srgbClr val="ffffff"/>
-                </a:solidFill>
-              </a:uFill>
-              <a:latin typeface="Arial"/>
-            </a:endParaRPr>
           </a:p>
           <a:p>
             <a:pPr marL="216000" indent="-216000">
@@ -10748,30 +11315,19 @@
               <a:buChar char=""/>
             </a:pPr>
             <a:r>
-              <a:rPr b="0" lang="en-US" sz="1800" spc="-1" strike="noStrike">
+              <a:rPr lang="en-US" sz="2000" b="0" strike="noStrike" spc="-1" dirty="0">
                 <a:solidFill>
                   <a:srgbClr val="000000"/>
                 </a:solidFill>
                 <a:uFill>
                   <a:solidFill>
-                    <a:srgbClr val="ffffff"/>
+                    <a:srgbClr val="FFFFFF"/>
                   </a:solidFill>
                 </a:uFill>
-                <a:latin typeface="Arial"/>
+                <a:latin typeface="Corbel" panose="020B0503020204020204" pitchFamily="34" charset="0"/>
               </a:rPr>
               <a:t>Computer-Controlled Players (AI), Field Layout, and Items on the field will be controlled by the server</a:t>
             </a:r>
-            <a:endParaRPr b="0" lang="en-US" sz="1800" spc="-1" strike="noStrike">
-              <a:solidFill>
-                <a:srgbClr val="000000"/>
-              </a:solidFill>
-              <a:uFill>
-                <a:solidFill>
-                  <a:srgbClr val="ffffff"/>
-                </a:solidFill>
-              </a:uFill>
-              <a:latin typeface="Arial"/>
-            </a:endParaRPr>
           </a:p>
           <a:p>
             <a:pPr marL="216000" indent="-216000">
@@ -10783,30 +11339,19 @@
               <a:buChar char=""/>
             </a:pPr>
             <a:r>
-              <a:rPr b="0" lang="en-US" sz="1800" spc="-1" strike="noStrike">
+              <a:rPr lang="en-US" sz="2000" b="0" strike="noStrike" spc="-1" dirty="0">
                 <a:solidFill>
                   <a:srgbClr val="000000"/>
                 </a:solidFill>
                 <a:uFill>
                   <a:solidFill>
-                    <a:srgbClr val="ffffff"/>
+                    <a:srgbClr val="FFFFFF"/>
                   </a:solidFill>
                 </a:uFill>
-                <a:latin typeface="Arial"/>
+                <a:latin typeface="Corbel" panose="020B0503020204020204" pitchFamily="34" charset="0"/>
               </a:rPr>
               <a:t>Clients will only control their player and view the Game around them</a:t>
             </a:r>
-            <a:endParaRPr b="0" lang="en-US" sz="1800" spc="-1" strike="noStrike">
-              <a:solidFill>
-                <a:srgbClr val="000000"/>
-              </a:solidFill>
-              <a:uFill>
-                <a:solidFill>
-                  <a:srgbClr val="ffffff"/>
-                </a:solidFill>
-              </a:uFill>
-              <a:latin typeface="Arial"/>
-            </a:endParaRPr>
           </a:p>
           <a:p>
             <a:pPr marL="216000" indent="-216000">
@@ -10818,51 +11363,43 @@
               <a:buChar char=""/>
             </a:pPr>
             <a:r>
-              <a:rPr b="0" lang="en-US" sz="1800" spc="-1" strike="noStrike">
+              <a:rPr lang="en-US" sz="2000" b="0" strike="noStrike" spc="-1" dirty="0">
                 <a:solidFill>
                   <a:srgbClr val="000000"/>
                 </a:solidFill>
                 <a:uFill>
                   <a:solidFill>
-                    <a:srgbClr val="ffffff"/>
+                    <a:srgbClr val="FFFFFF"/>
                   </a:solidFill>
                 </a:uFill>
-                <a:latin typeface="Arial"/>
+                <a:latin typeface="Corbel" panose="020B0503020204020204" pitchFamily="34" charset="0"/>
               </a:rPr>
               <a:t>If in a single-player mode, Client and server will run on the same computer, and all other players will be controlled by AI</a:t>
             </a:r>
-            <a:endParaRPr b="0" lang="en-US" sz="1800" spc="-1" strike="noStrike">
-              <a:solidFill>
-                <a:srgbClr val="000000"/>
-              </a:solidFill>
-              <a:uFill>
-                <a:solidFill>
-                  <a:srgbClr val="ffffff"/>
-                </a:solidFill>
-              </a:uFill>
-              <a:latin typeface="Arial"/>
-            </a:endParaRPr>
           </a:p>
         </p:txBody>
       </p:sp>
     </p:spTree>
   </p:cSld>
+  <p:clrMapOvr>
+    <a:masterClrMapping/>
+  </p:clrMapOvr>
   <p:timing>
     <p:tnLst>
       <p:par>
-        <p:cTn id="15" dur="indefinite" restart="never" nodeType="tmRoot">
+        <p:cTn id="1" dur="indefinite" restart="never" nodeType="tmRoot">
           <p:childTnLst>
             <p:seq>
-              <p:cTn id="16" nodeType="mainSeq"/>
+              <p:cTn id="2" nodeType="mainSeq"/>
               <p:prevCondLst>
-                <p:cond delay="0" evt="onPrev">
+                <p:cond evt="onPrev" delay="0">
                   <p:tgtEl>
                     <p:sldTgt/>
                   </p:tgtEl>
                 </p:cond>
               </p:prevCondLst>
               <p:nextCondLst>
-                <p:cond delay="0" evt="onNext">
+                <p:cond evt="onNext" delay="0">
                   <p:tgtEl>
                     <p:sldTgt/>
                   </p:tgtEl>
@@ -11097,6 +11634,8 @@
       </a:bgFillStyleLst>
     </a:fmtScheme>
   </a:themeElements>
+  <a:objectDefaults/>
+  <a:extraClrSchemeLst/>
 </a:theme>
 </file>
 
@@ -11320,5 +11859,7 @@
       </a:bgFillStyleLst>
     </a:fmtScheme>
   </a:themeElements>
+  <a:objectDefaults/>
+  <a:extraClrSchemeLst/>
 </a:theme>
 </file>
--- a/Presentation-1-September15.pptx
+++ b/Presentation-1-September15.pptx
@@ -10,11 +10,11 @@
     <p:sldId id="257" r:id="rId4"/>
     <p:sldId id="258" r:id="rId5"/>
     <p:sldId id="259" r:id="rId6"/>
-    <p:sldId id="260" r:id="rId7"/>
-    <p:sldId id="261" r:id="rId8"/>
-    <p:sldId id="262" r:id="rId9"/>
+    <p:sldId id="261" r:id="rId7"/>
+    <p:sldId id="260" r:id="rId8"/>
+    <p:sldId id="264" r:id="rId9"/>
     <p:sldId id="263" r:id="rId10"/>
-    <p:sldId id="264" r:id="rId11"/>
+    <p:sldId id="262" r:id="rId11"/>
   </p:sldIdLst>
   <p:sldSz cx="12192000" cy="6858000"/>
   <p:notesSz cx="7772400" cy="10058400"/>
@@ -113,6 +113,11 @@
       </a:defRPr>
     </a:lvl9pPr>
   </p:defaultTextStyle>
+  <p:extLst>
+    <p:ext uri="{EFAFB233-063F-42B5-8137-9DF3F51BA10A}">
+      <p15:sldGuideLst xmlns:p15="http://schemas.microsoft.com/office/powerpoint/2012/main"/>
+    </p:ext>
+  </p:extLst>
 </p:presentation>
 </file>
 
@@ -6649,7 +6654,7 @@
       </p:grpSpPr>
       <p:sp>
         <p:nvSpPr>
-          <p:cNvPr id="92" name="TextShape 1"/>
+          <p:cNvPr id="117" name="TextShape 1"/>
           <p:cNvSpPr txBox="1"/>
           <p:nvPr/>
         </p:nvSpPr>
@@ -6687,7 +6692,7 @@
                 </a:uFill>
                 <a:latin typeface="Century Schoolbook"/>
               </a:rPr>
-              <a:t>Decision Tree</a:t>
+              <a:t>Level Design</a:t>
             </a:r>
             <a:endParaRPr lang="en-US" sz="1800" b="0" strike="noStrike" spc="-1">
               <a:solidFill>
@@ -6705,58 +6710,41 @@
       </p:sp>
       <p:sp>
         <p:nvSpPr>
-          <p:cNvPr id="93" name="CustomShape 2"/>
-          <p:cNvSpPr/>
+          <p:cNvPr id="118" name="TextShape 2"/>
+          <p:cNvSpPr txBox="1"/>
           <p:nvPr/>
         </p:nvSpPr>
         <p:spPr>
           <a:xfrm>
-            <a:off x="5181480" y="4695120"/>
-            <a:ext cx="6248160" cy="693000"/>
-          </a:xfrm>
-          <a:prstGeom prst="roundRect">
-            <a:avLst>
-              <a:gd name="adj" fmla="val 10000"/>
-            </a:avLst>
+            <a:off x="5181480" y="569160"/>
+            <a:ext cx="6248160" cy="5654880"/>
+          </a:xfrm>
+          <a:prstGeom prst="rect">
+            <a:avLst/>
           </a:prstGeom>
-          <a:solidFill>
-            <a:schemeClr val="accent2">
-              <a:tint val="40000"/>
-              <a:hueOff val="0"/>
-              <a:satOff val="0"/>
-              <a:lumOff val="0"/>
-              <a:alphaOff val="0"/>
-            </a:schemeClr>
-          </a:solidFill>
+          <a:noFill/>
           <a:ln>
             <a:noFill/>
           </a:ln>
         </p:spPr>
-        <p:style>
-          <a:lnRef idx="0">
-            <a:scrgbClr r="0" g="0" b="0"/>
-          </a:lnRef>
-          <a:fillRef idx="0">
-            <a:scrgbClr r="0" g="0" b="0"/>
-          </a:fillRef>
-          <a:effectRef idx="0">
-            <a:scrgbClr r="0" g="0" b="0"/>
-          </a:effectRef>
-          <a:fontRef idx="minor"/>
-        </p:style>
         <p:txBody>
-          <a:bodyPr lIns="170640" tIns="170640" rIns="170640" bIns="170640" anchor="ctr"/>
+          <a:bodyPr/>
           <a:lstStyle/>
           <a:p>
-            <a:pPr algn="ctr">
+            <a:pPr marL="283320" indent="-282960">
               <a:lnSpc>
-                <a:spcPct val="90000"/>
+                <a:spcPct val="112000"/>
               </a:lnSpc>
+              <a:buClr>
+                <a:srgbClr val="262626"/>
+              </a:buClr>
+              <a:buFont typeface="Arial"/>
+              <a:buChar char="•"/>
             </a:pPr>
             <a:r>
-              <a:rPr lang="en-US" sz="2400" b="0" strike="noStrike" spc="-1">
-                <a:solidFill>
-                  <a:srgbClr val="000000"/>
+              <a:rPr lang="en-US" sz="2000" b="0" strike="noStrike" spc="-1">
+                <a:solidFill>
+                  <a:srgbClr val="262626"/>
                 </a:solidFill>
                 <a:uFill>
                   <a:solidFill>
@@ -6765,76 +6753,24 @@
                 </a:uFill>
                 <a:latin typeface="Corbel"/>
               </a:rPr>
-              <a:t>Late Game</a:t>
+              <a:t>Four regions (one for each corner) randomly selected:</a:t>
             </a:r>
-            <a:endParaRPr lang="en-US" sz="1800" b="0" strike="noStrike" spc="-1">
-              <a:solidFill>
-                <a:srgbClr val="000000"/>
-              </a:solidFill>
-              <a:uFill>
-                <a:solidFill>
-                  <a:srgbClr val="FFFFFF"/>
-                </a:solidFill>
-              </a:uFill>
-              <a:latin typeface="Arial"/>
-            </a:endParaRPr>
-          </a:p>
-        </p:txBody>
-      </p:sp>
-      <p:sp>
-        <p:nvSpPr>
-          <p:cNvPr id="94" name="CustomShape 3"/>
-          <p:cNvSpPr/>
-          <p:nvPr/>
-        </p:nvSpPr>
-        <p:spPr>
-          <a:xfrm>
-            <a:off x="5181480" y="3022560"/>
-            <a:ext cx="6248160" cy="1556640"/>
-          </a:xfrm>
-          <a:prstGeom prst="roundRect">
-            <a:avLst>
-              <a:gd name="adj" fmla="val 10000"/>
-            </a:avLst>
-          </a:prstGeom>
-          <a:solidFill>
-            <a:schemeClr val="accent2">
-              <a:tint val="40000"/>
-              <a:hueOff val="0"/>
-              <a:satOff val="0"/>
-              <a:lumOff val="0"/>
-              <a:alphaOff val="0"/>
-            </a:schemeClr>
-          </a:solidFill>
-          <a:ln>
-            <a:noFill/>
-          </a:ln>
-        </p:spPr>
-        <p:style>
-          <a:lnRef idx="0">
-            <a:scrgbClr r="0" g="0" b="0"/>
-          </a:lnRef>
-          <a:fillRef idx="0">
-            <a:scrgbClr r="0" g="0" b="0"/>
-          </a:fillRef>
-          <a:effectRef idx="0">
-            <a:scrgbClr r="0" g="0" b="0"/>
-          </a:effectRef>
-          <a:fontRef idx="minor"/>
-        </p:style>
-        <p:txBody>
-          <a:bodyPr lIns="170640" tIns="170640" rIns="170640" bIns="170640" anchor="ctr"/>
-          <a:lstStyle/>
-          <a:p>
-            <a:pPr algn="ctr">
+          </a:p>
+          <a:p>
+            <a:pPr marL="685800" lvl="1" indent="-282960">
               <a:lnSpc>
-                <a:spcPct val="90000"/>
+                <a:spcPct val="100000"/>
               </a:lnSpc>
+              <a:buClr>
+                <a:srgbClr val="262626"/>
+              </a:buClr>
+              <a:buFont typeface="Corbel"/>
+              <a:buChar char="–"/>
             </a:pPr>
             <a:r>
-              <a:rPr lang="en-US" sz="2400" b="0" strike="noStrike" spc="-1">
-                <a:solidFill>
-                  <a:srgbClr val="000000"/>
+              <a:rPr lang="en-US" sz="1800" b="0" strike="noStrike" spc="-1">
+                <a:solidFill>
+                  <a:srgbClr val="262626"/>
                 </a:solidFill>
                 <a:uFill>
                   <a:solidFill>
@@ -6843,76 +6779,35 @@
                 </a:uFill>
                 <a:latin typeface="Corbel"/>
               </a:rPr>
-              <a:t>Early Game</a:t>
+              <a:t>Mountains</a:t>
             </a:r>
-            <a:endParaRPr lang="en-US" sz="1800" b="0" strike="noStrike" spc="-1">
+            <a:endParaRPr lang="en-US" sz="1600" b="0" strike="noStrike" spc="-1">
               <a:solidFill>
-                <a:srgbClr val="000000"/>
+                <a:srgbClr val="262626"/>
               </a:solidFill>
               <a:uFill>
                 <a:solidFill>
                   <a:srgbClr val="FFFFFF"/>
                 </a:solidFill>
               </a:uFill>
-              <a:latin typeface="Arial"/>
+              <a:latin typeface="Corbel"/>
             </a:endParaRPr>
           </a:p>
-        </p:txBody>
-      </p:sp>
-      <p:sp>
-        <p:nvSpPr>
-          <p:cNvPr id="95" name="CustomShape 4"/>
-          <p:cNvSpPr/>
-          <p:nvPr/>
-        </p:nvSpPr>
-        <p:spPr>
-          <a:xfrm>
-            <a:off x="5181480" y="1404720"/>
-            <a:ext cx="6248160" cy="1501920"/>
-          </a:xfrm>
-          <a:prstGeom prst="roundRect">
-            <a:avLst>
-              <a:gd name="adj" fmla="val 10000"/>
-            </a:avLst>
-          </a:prstGeom>
-          <a:solidFill>
-            <a:schemeClr val="accent2">
-              <a:tint val="40000"/>
-              <a:hueOff val="0"/>
-              <a:satOff val="0"/>
-              <a:lumOff val="0"/>
-              <a:alphaOff val="0"/>
-            </a:schemeClr>
-          </a:solidFill>
-          <a:ln>
-            <a:noFill/>
-          </a:ln>
-        </p:spPr>
-        <p:style>
-          <a:lnRef idx="0">
-            <a:scrgbClr r="0" g="0" b="0"/>
-          </a:lnRef>
-          <a:fillRef idx="0">
-            <a:scrgbClr r="0" g="0" b="0"/>
-          </a:fillRef>
-          <a:effectRef idx="0">
-            <a:scrgbClr r="0" g="0" b="0"/>
-          </a:effectRef>
-          <a:fontRef idx="minor"/>
-        </p:style>
-        <p:txBody>
-          <a:bodyPr lIns="170640" tIns="170640" rIns="170640" bIns="170640" anchor="ctr"/>
-          <a:lstStyle/>
-          <a:p>
-            <a:pPr algn="ctr">
+          <a:p>
+            <a:pPr marL="685800" lvl="1" indent="-282960">
               <a:lnSpc>
-                <a:spcPct val="90000"/>
+                <a:spcPct val="100000"/>
               </a:lnSpc>
+              <a:buClr>
+                <a:srgbClr val="262626"/>
+              </a:buClr>
+              <a:buFont typeface="Corbel"/>
+              <a:buChar char="–"/>
             </a:pPr>
             <a:r>
-              <a:rPr lang="en-US" sz="2400" b="0" strike="noStrike" spc="-1">
-                <a:solidFill>
-                  <a:srgbClr val="000000"/>
+              <a:rPr lang="en-US" sz="1800" b="0" strike="noStrike" spc="-1">
+                <a:solidFill>
+                  <a:srgbClr val="262626"/>
                 </a:solidFill>
                 <a:uFill>
                   <a:solidFill>
@@ -6921,83 +6816,35 @@
                 </a:uFill>
                 <a:latin typeface="Corbel"/>
               </a:rPr>
-              <a:t>Pre-Game</a:t>
+              <a:t>Forest</a:t>
             </a:r>
-            <a:endParaRPr lang="en-US" sz="1800" b="0" strike="noStrike" spc="-1">
+            <a:endParaRPr lang="en-US" sz="1600" b="0" strike="noStrike" spc="-1">
               <a:solidFill>
-                <a:srgbClr val="000000"/>
+                <a:srgbClr val="262626"/>
               </a:solidFill>
               <a:uFill>
                 <a:solidFill>
                   <a:srgbClr val="FFFFFF"/>
                 </a:solidFill>
               </a:uFill>
-              <a:latin typeface="Arial"/>
+              <a:latin typeface="Corbel"/>
             </a:endParaRPr>
           </a:p>
-        </p:txBody>
-      </p:sp>
-      <p:sp>
-        <p:nvSpPr>
-          <p:cNvPr id="96" name="CustomShape 5"/>
-          <p:cNvSpPr/>
-          <p:nvPr/>
-        </p:nvSpPr>
-        <p:spPr>
-          <a:xfrm>
-            <a:off x="8747280" y="1462320"/>
-            <a:ext cx="866160" cy="577440"/>
-          </a:xfrm>
-          <a:prstGeom prst="roundRect">
-            <a:avLst>
-              <a:gd name="adj" fmla="val 10000"/>
-            </a:avLst>
-          </a:prstGeom>
-          <a:solidFill>
-            <a:schemeClr val="accent1">
-              <a:hueOff val="0"/>
-              <a:satOff val="0"/>
-              <a:lumOff val="0"/>
-              <a:alphaOff val="0"/>
-            </a:schemeClr>
-          </a:solidFill>
-          <a:ln>
-            <a:solidFill>
-              <a:schemeClr val="lt1">
-                <a:hueOff val="0"/>
-                <a:satOff val="0"/>
-                <a:lumOff val="0"/>
-                <a:alphaOff val="0"/>
-              </a:schemeClr>
-            </a:solidFill>
-            <a:round/>
-          </a:ln>
-        </p:spPr>
-        <p:style>
-          <a:lnRef idx="2">
-            <a:scrgbClr r="0" g="0" b="0"/>
-          </a:lnRef>
-          <a:fillRef idx="0">
-            <a:scrgbClr r="0" g="0" b="0"/>
-          </a:fillRef>
-          <a:effectRef idx="0">
-            <a:scrgbClr r="0" g="0" b="0"/>
-          </a:effectRef>
-          <a:fontRef idx="minor"/>
-        </p:style>
-        <p:txBody>
-          <a:bodyPr lIns="58680" tIns="58680" rIns="41760" bIns="58680" anchor="ctr"/>
-          <a:lstStyle/>
-          <a:p>
-            <a:pPr algn="ctr">
+          <a:p>
+            <a:pPr marL="685800" lvl="1" indent="-282960">
               <a:lnSpc>
-                <a:spcPct val="90000"/>
+                <a:spcPct val="100000"/>
               </a:lnSpc>
+              <a:buClr>
+                <a:srgbClr val="262626"/>
+              </a:buClr>
+              <a:buFont typeface="Corbel"/>
+              <a:buChar char="–"/>
             </a:pPr>
             <a:r>
-              <a:rPr lang="en-US" sz="1100" b="0" strike="noStrike" spc="-1">
-                <a:solidFill>
-                  <a:srgbClr val="FFFFFF"/>
+              <a:rPr lang="en-US" sz="1800" b="0" strike="noStrike" spc="-1">
+                <a:solidFill>
+                  <a:srgbClr val="262626"/>
                 </a:solidFill>
                 <a:uFill>
                   <a:solidFill>
@@ -7006,137 +6853,35 @@
                 </a:uFill>
                 <a:latin typeface="Corbel"/>
               </a:rPr>
-              <a:t>Team Composition</a:t>
+              <a:t>Desert</a:t>
             </a:r>
-            <a:endParaRPr lang="en-US" sz="1800" b="0" strike="noStrike" spc="-1">
+            <a:endParaRPr lang="en-US" sz="1600" b="0" strike="noStrike" spc="-1">
               <a:solidFill>
-                <a:srgbClr val="000000"/>
+                <a:srgbClr val="262626"/>
               </a:solidFill>
               <a:uFill>
                 <a:solidFill>
                   <a:srgbClr val="FFFFFF"/>
                 </a:solidFill>
               </a:uFill>
-              <a:latin typeface="Arial"/>
+              <a:latin typeface="Corbel"/>
             </a:endParaRPr>
           </a:p>
-        </p:txBody>
-      </p:sp>
-      <p:sp>
-        <p:nvSpPr>
-          <p:cNvPr id="97" name="CustomShape 6"/>
-          <p:cNvSpPr/>
-          <p:nvPr/>
-        </p:nvSpPr>
-        <p:spPr>
-          <a:xfrm>
-            <a:off x="9135000" y="2040120"/>
-            <a:ext cx="91080" cy="230760"/>
-          </a:xfrm>
-          <a:custGeom>
-            <a:avLst/>
-            <a:gdLst/>
-            <a:ahLst/>
-            <a:cxnLst/>
-            <a:rect l="l" t="t" r="r" b="b"/>
-            <a:pathLst>
-              <a:path h="231060">
-                <a:moveTo>
-                  <a:pt x="45720" y="0"/>
-                </a:moveTo>
-                <a:lnTo>
-                  <a:pt x="45720" y="231060"/>
-                </a:lnTo>
-              </a:path>
-            </a:pathLst>
-          </a:custGeom>
-          <a:noFill/>
-          <a:ln>
-            <a:solidFill>
-              <a:schemeClr val="accent2">
-                <a:hueOff val="0"/>
-                <a:satOff val="0"/>
-                <a:lumOff val="0"/>
-                <a:alphaOff val="0"/>
-              </a:schemeClr>
-            </a:solidFill>
-            <a:round/>
-          </a:ln>
-        </p:spPr>
-        <p:style>
-          <a:lnRef idx="2">
-            <a:scrgbClr r="0" g="0" b="0"/>
-          </a:lnRef>
-          <a:fillRef idx="0">
-            <a:scrgbClr r="0" g="0" b="0"/>
-          </a:fillRef>
-          <a:effectRef idx="0">
-            <a:scrgbClr r="0" g="0" b="0"/>
-          </a:effectRef>
-          <a:fontRef idx="minor"/>
-        </p:style>
-      </p:sp>
-      <p:sp>
-        <p:nvSpPr>
-          <p:cNvPr id="98" name="CustomShape 7"/>
-          <p:cNvSpPr/>
-          <p:nvPr/>
-        </p:nvSpPr>
-        <p:spPr>
-          <a:xfrm>
-            <a:off x="8747280" y="2271240"/>
-            <a:ext cx="866160" cy="577440"/>
-          </a:xfrm>
-          <a:prstGeom prst="roundRect">
-            <a:avLst>
-              <a:gd name="adj" fmla="val 10000"/>
-            </a:avLst>
-          </a:prstGeom>
-          <a:solidFill>
-            <a:schemeClr val="accent2">
-              <a:hueOff val="0"/>
-              <a:satOff val="0"/>
-              <a:lumOff val="0"/>
-              <a:alphaOff val="0"/>
-            </a:schemeClr>
-          </a:solidFill>
-          <a:ln>
-            <a:solidFill>
-              <a:schemeClr val="lt1">
-                <a:hueOff val="0"/>
-                <a:satOff val="0"/>
-                <a:lumOff val="0"/>
-                <a:alphaOff val="0"/>
-              </a:schemeClr>
-            </a:solidFill>
-            <a:round/>
-          </a:ln>
-        </p:spPr>
-        <p:style>
-          <a:lnRef idx="2">
-            <a:scrgbClr r="0" g="0" b="0"/>
-          </a:lnRef>
-          <a:fillRef idx="0">
-            <a:scrgbClr r="0" g="0" b="0"/>
-          </a:fillRef>
-          <a:effectRef idx="0">
-            <a:scrgbClr r="0" g="0" b="0"/>
-          </a:effectRef>
-          <a:fontRef idx="minor"/>
-        </p:style>
-        <p:txBody>
-          <a:bodyPr lIns="58680" tIns="58680" rIns="41760" bIns="58680" anchor="ctr"/>
-          <a:lstStyle/>
-          <a:p>
-            <a:pPr algn="ctr">
+          <a:p>
+            <a:pPr marL="685800" lvl="1" indent="-282960">
               <a:lnSpc>
-                <a:spcPct val="90000"/>
+                <a:spcPct val="100000"/>
               </a:lnSpc>
+              <a:buClr>
+                <a:srgbClr val="262626"/>
+              </a:buClr>
+              <a:buFont typeface="Corbel"/>
+              <a:buChar char="–"/>
             </a:pPr>
             <a:r>
-              <a:rPr lang="en-US" sz="1100" b="0" strike="noStrike" spc="-1">
-                <a:solidFill>
-                  <a:srgbClr val="FFFFFF"/>
+              <a:rPr lang="en-US" sz="1800" b="0" strike="noStrike" spc="-1">
+                <a:solidFill>
+                  <a:srgbClr val="262626"/>
                 </a:solidFill>
                 <a:uFill>
                   <a:solidFill>
@@ -7145,143 +6890,35 @@
                 </a:uFill>
                 <a:latin typeface="Corbel"/>
               </a:rPr>
-              <a:t>Character Selection</a:t>
+              <a:t>Swamp</a:t>
             </a:r>
-            <a:endParaRPr lang="en-US" sz="1800" b="0" strike="noStrike" spc="-1">
+            <a:endParaRPr lang="en-US" sz="1600" b="0" strike="noStrike" spc="-1">
               <a:solidFill>
-                <a:srgbClr val="000000"/>
+                <a:srgbClr val="262626"/>
               </a:solidFill>
               <a:uFill>
                 <a:solidFill>
                   <a:srgbClr val="FFFFFF"/>
                 </a:solidFill>
               </a:uFill>
-              <a:latin typeface="Arial"/>
+              <a:latin typeface="Corbel"/>
             </a:endParaRPr>
           </a:p>
-        </p:txBody>
-      </p:sp>
-      <p:sp>
-        <p:nvSpPr>
-          <p:cNvPr id="99" name="CustomShape 8"/>
-          <p:cNvSpPr/>
-          <p:nvPr/>
-        </p:nvSpPr>
-        <p:spPr>
-          <a:xfrm>
-            <a:off x="8054280" y="2848680"/>
-            <a:ext cx="1126080" cy="230760"/>
-          </a:xfrm>
-          <a:custGeom>
-            <a:avLst/>
-            <a:gdLst/>
-            <a:ahLst/>
-            <a:cxnLst/>
-            <a:rect l="l" t="t" r="r" b="b"/>
-            <a:pathLst>
-              <a:path w="1126420" h="231060">
-                <a:moveTo>
-                  <a:pt x="1126420" y="0"/>
-                </a:moveTo>
-                <a:lnTo>
-                  <a:pt x="1126420" y="115530"/>
-                </a:lnTo>
-                <a:lnTo>
-                  <a:pt x="0" y="115530"/>
-                </a:lnTo>
-                <a:lnTo>
-                  <a:pt x="0" y="231060"/>
-                </a:lnTo>
-              </a:path>
-            </a:pathLst>
-          </a:custGeom>
-          <a:noFill/>
-          <a:ln>
-            <a:solidFill>
-              <a:schemeClr val="accent3">
-                <a:hueOff val="0"/>
-                <a:satOff val="0"/>
-                <a:lumOff val="0"/>
-                <a:alphaOff val="0"/>
-              </a:schemeClr>
-            </a:solidFill>
-            <a:round/>
-          </a:ln>
-        </p:spPr>
-        <p:style>
-          <a:lnRef idx="2">
-            <a:scrgbClr r="0" g="0" b="0"/>
-          </a:lnRef>
-          <a:fillRef idx="0">
-            <a:scrgbClr r="0" g="0" b="0"/>
-          </a:fillRef>
-          <a:effectRef idx="0">
-            <a:scrgbClr r="0" g="0" b="0"/>
-          </a:effectRef>
-          <a:fontRef idx="minor"/>
-        </p:style>
-      </p:sp>
-      <p:sp>
-        <p:nvSpPr>
-          <p:cNvPr id="100" name="CustomShape 9"/>
-          <p:cNvSpPr/>
-          <p:nvPr/>
-        </p:nvSpPr>
-        <p:spPr>
-          <a:xfrm>
-            <a:off x="7620840" y="3079800"/>
-            <a:ext cx="866160" cy="577440"/>
-          </a:xfrm>
-          <a:prstGeom prst="roundRect">
-            <a:avLst>
-              <a:gd name="adj" fmla="val 10000"/>
-            </a:avLst>
-          </a:prstGeom>
-          <a:solidFill>
-            <a:schemeClr val="accent3">
-              <a:hueOff val="0"/>
-              <a:satOff val="0"/>
-              <a:lumOff val="0"/>
-              <a:alphaOff val="0"/>
-            </a:schemeClr>
-          </a:solidFill>
-          <a:ln>
-            <a:solidFill>
-              <a:schemeClr val="lt1">
-                <a:hueOff val="0"/>
-                <a:satOff val="0"/>
-                <a:lumOff val="0"/>
-                <a:alphaOff val="0"/>
-              </a:schemeClr>
-            </a:solidFill>
-            <a:round/>
-          </a:ln>
-        </p:spPr>
-        <p:style>
-          <a:lnRef idx="2">
-            <a:scrgbClr r="0" g="0" b="0"/>
-          </a:lnRef>
-          <a:fillRef idx="0">
-            <a:scrgbClr r="0" g="0" b="0"/>
-          </a:fillRef>
-          <a:effectRef idx="0">
-            <a:scrgbClr r="0" g="0" b="0"/>
-          </a:effectRef>
-          <a:fontRef idx="minor"/>
-        </p:style>
-        <p:txBody>
-          <a:bodyPr lIns="58680" tIns="58680" rIns="41760" bIns="58680" anchor="ctr"/>
-          <a:lstStyle/>
-          <a:p>
-            <a:pPr algn="ctr">
+          <a:p>
+            <a:pPr marL="685800" lvl="1" indent="-282960">
               <a:lnSpc>
-                <a:spcPct val="90000"/>
+                <a:spcPct val="100000"/>
               </a:lnSpc>
+              <a:buClr>
+                <a:srgbClr val="262626"/>
+              </a:buClr>
+              <a:buFont typeface="Corbel"/>
+              <a:buChar char="–"/>
             </a:pPr>
             <a:r>
-              <a:rPr lang="en-US" sz="1100" b="0" strike="noStrike" spc="-1">
-                <a:solidFill>
-                  <a:srgbClr val="FFFFFF"/>
+              <a:rPr lang="en-US" sz="1800" b="0" strike="noStrike" spc="-1">
+                <a:solidFill>
+                  <a:srgbClr val="262626"/>
                 </a:solidFill>
                 <a:uFill>
                   <a:solidFill>
@@ -7290,143 +6927,35 @@
                 </a:uFill>
                 <a:latin typeface="Corbel"/>
               </a:rPr>
-              <a:t>Abilities</a:t>
+              <a:t>Coast</a:t>
             </a:r>
-            <a:endParaRPr lang="en-US" sz="1800" b="0" strike="noStrike" spc="-1">
+            <a:endParaRPr lang="en-US" sz="1600" b="0" strike="noStrike" spc="-1">
               <a:solidFill>
-                <a:srgbClr val="000000"/>
+                <a:srgbClr val="262626"/>
               </a:solidFill>
               <a:uFill>
                 <a:solidFill>
                   <a:srgbClr val="FFFFFF"/>
                 </a:solidFill>
               </a:uFill>
-              <a:latin typeface="Arial"/>
+              <a:latin typeface="Corbel"/>
             </a:endParaRPr>
           </a:p>
-        </p:txBody>
-      </p:sp>
-      <p:sp>
-        <p:nvSpPr>
-          <p:cNvPr id="101" name="CustomShape 10"/>
-          <p:cNvSpPr/>
-          <p:nvPr/>
-        </p:nvSpPr>
-        <p:spPr>
-          <a:xfrm>
-            <a:off x="7490880" y="3657600"/>
-            <a:ext cx="562680" cy="230760"/>
-          </a:xfrm>
-          <a:custGeom>
-            <a:avLst/>
-            <a:gdLst/>
-            <a:ahLst/>
-            <a:cxnLst/>
-            <a:rect l="l" t="t" r="r" b="b"/>
-            <a:pathLst>
-              <a:path w="563210" h="231060">
-                <a:moveTo>
-                  <a:pt x="563210" y="0"/>
-                </a:moveTo>
-                <a:lnTo>
-                  <a:pt x="563210" y="115530"/>
-                </a:lnTo>
-                <a:lnTo>
-                  <a:pt x="0" y="115530"/>
-                </a:lnTo>
-                <a:lnTo>
-                  <a:pt x="0" y="231060"/>
-                </a:lnTo>
-              </a:path>
-            </a:pathLst>
-          </a:custGeom>
-          <a:noFill/>
-          <a:ln>
-            <a:solidFill>
-              <a:schemeClr val="accent4">
-                <a:hueOff val="0"/>
-                <a:satOff val="0"/>
-                <a:lumOff val="0"/>
-                <a:alphaOff val="0"/>
-              </a:schemeClr>
-            </a:solidFill>
-            <a:round/>
-          </a:ln>
-        </p:spPr>
-        <p:style>
-          <a:lnRef idx="2">
-            <a:scrgbClr r="0" g="0" b="0"/>
-          </a:lnRef>
-          <a:fillRef idx="0">
-            <a:scrgbClr r="0" g="0" b="0"/>
-          </a:fillRef>
-          <a:effectRef idx="0">
-            <a:scrgbClr r="0" g="0" b="0"/>
-          </a:effectRef>
-          <a:fontRef idx="minor"/>
-        </p:style>
-      </p:sp>
-      <p:sp>
-        <p:nvSpPr>
-          <p:cNvPr id="102" name="CustomShape 11"/>
-          <p:cNvSpPr/>
-          <p:nvPr/>
-        </p:nvSpPr>
-        <p:spPr>
-          <a:xfrm>
-            <a:off x="7057800" y="3888720"/>
-            <a:ext cx="866160" cy="577440"/>
-          </a:xfrm>
-          <a:prstGeom prst="roundRect">
-            <a:avLst>
-              <a:gd name="adj" fmla="val 10000"/>
-            </a:avLst>
-          </a:prstGeom>
-          <a:solidFill>
-            <a:schemeClr val="accent4">
-              <a:hueOff val="0"/>
-              <a:satOff val="0"/>
-              <a:lumOff val="0"/>
-              <a:alphaOff val="0"/>
-            </a:schemeClr>
-          </a:solidFill>
-          <a:ln>
-            <a:solidFill>
-              <a:schemeClr val="lt1">
-                <a:hueOff val="0"/>
-                <a:satOff val="0"/>
-                <a:lumOff val="0"/>
-                <a:alphaOff val="0"/>
-              </a:schemeClr>
-            </a:solidFill>
-            <a:round/>
-          </a:ln>
-        </p:spPr>
-        <p:style>
-          <a:lnRef idx="2">
-            <a:scrgbClr r="0" g="0" b="0"/>
-          </a:lnRef>
-          <a:fillRef idx="0">
-            <a:scrgbClr r="0" g="0" b="0"/>
-          </a:fillRef>
-          <a:effectRef idx="0">
-            <a:scrgbClr r="0" g="0" b="0"/>
-          </a:effectRef>
-          <a:fontRef idx="minor"/>
-        </p:style>
-        <p:txBody>
-          <a:bodyPr lIns="58680" tIns="58680" rIns="41760" bIns="58680" anchor="ctr"/>
-          <a:lstStyle/>
-          <a:p>
-            <a:pPr algn="ctr">
+          <a:p>
+            <a:pPr marL="283320" indent="-282960">
               <a:lnSpc>
-                <a:spcPct val="90000"/>
+                <a:spcPct val="112000"/>
               </a:lnSpc>
+              <a:buClr>
+                <a:srgbClr val="262626"/>
+              </a:buClr>
+              <a:buFont typeface="Arial"/>
+              <a:buChar char="•"/>
             </a:pPr>
             <a:r>
-              <a:rPr lang="en-US" sz="1100" b="0" strike="noStrike" spc="-1">
-                <a:solidFill>
-                  <a:srgbClr val="FFFFFF"/>
+              <a:rPr lang="en-US" sz="2000" b="0" strike="noStrike" spc="-1">
+                <a:solidFill>
+                  <a:srgbClr val="262626"/>
                 </a:solidFill>
                 <a:uFill>
                   <a:solidFill>
@@ -7435,143 +6964,24 @@
                 </a:uFill>
                 <a:latin typeface="Corbel"/>
               </a:rPr>
-              <a:t>Personal Goal</a:t>
+              <a:t>The center is open grassland</a:t>
             </a:r>
-            <a:endParaRPr lang="en-US" sz="1800" b="0" strike="noStrike" spc="-1">
-              <a:solidFill>
-                <a:srgbClr val="000000"/>
-              </a:solidFill>
-              <a:uFill>
-                <a:solidFill>
-                  <a:srgbClr val="FFFFFF"/>
-                </a:solidFill>
-              </a:uFill>
-              <a:latin typeface="Arial"/>
-            </a:endParaRPr>
-          </a:p>
-        </p:txBody>
-      </p:sp>
-      <p:sp>
-        <p:nvSpPr>
-          <p:cNvPr id="103" name="CustomShape 12"/>
-          <p:cNvSpPr/>
-          <p:nvPr/>
-        </p:nvSpPr>
-        <p:spPr>
-          <a:xfrm>
-            <a:off x="8054280" y="3657600"/>
-            <a:ext cx="562680" cy="230760"/>
-          </a:xfrm>
-          <a:custGeom>
-            <a:avLst/>
-            <a:gdLst/>
-            <a:ahLst/>
-            <a:cxnLst/>
-            <a:rect l="l" t="t" r="r" b="b"/>
-            <a:pathLst>
-              <a:path w="563210" h="231060">
-                <a:moveTo>
-                  <a:pt x="0" y="0"/>
-                </a:moveTo>
-                <a:lnTo>
-                  <a:pt x="0" y="115530"/>
-                </a:lnTo>
-                <a:lnTo>
-                  <a:pt x="563210" y="115530"/>
-                </a:lnTo>
-                <a:lnTo>
-                  <a:pt x="563210" y="231060"/>
-                </a:lnTo>
-              </a:path>
-            </a:pathLst>
-          </a:custGeom>
-          <a:noFill/>
-          <a:ln>
-            <a:solidFill>
-              <a:schemeClr val="accent4">
-                <a:hueOff val="0"/>
-                <a:satOff val="0"/>
-                <a:lumOff val="0"/>
-                <a:alphaOff val="0"/>
-              </a:schemeClr>
-            </a:solidFill>
-            <a:round/>
-          </a:ln>
-        </p:spPr>
-        <p:style>
-          <a:lnRef idx="2">
-            <a:scrgbClr r="0" g="0" b="0"/>
-          </a:lnRef>
-          <a:fillRef idx="0">
-            <a:scrgbClr r="0" g="0" b="0"/>
-          </a:fillRef>
-          <a:effectRef idx="0">
-            <a:scrgbClr r="0" g="0" b="0"/>
-          </a:effectRef>
-          <a:fontRef idx="minor"/>
-        </p:style>
-      </p:sp>
-      <p:sp>
-        <p:nvSpPr>
-          <p:cNvPr id="104" name="CustomShape 13"/>
-          <p:cNvSpPr/>
-          <p:nvPr/>
-        </p:nvSpPr>
-        <p:spPr>
-          <a:xfrm>
-            <a:off x="8184240" y="3888720"/>
-            <a:ext cx="866160" cy="577440"/>
-          </a:xfrm>
-          <a:prstGeom prst="roundRect">
-            <a:avLst>
-              <a:gd name="adj" fmla="val 10000"/>
-            </a:avLst>
-          </a:prstGeom>
-          <a:solidFill>
-            <a:schemeClr val="accent4">
-              <a:hueOff val="0"/>
-              <a:satOff val="0"/>
-              <a:lumOff val="0"/>
-              <a:alphaOff val="0"/>
-            </a:schemeClr>
-          </a:solidFill>
-          <a:ln>
-            <a:solidFill>
-              <a:schemeClr val="lt1">
-                <a:hueOff val="0"/>
-                <a:satOff val="0"/>
-                <a:lumOff val="0"/>
-                <a:alphaOff val="0"/>
-              </a:schemeClr>
-            </a:solidFill>
-            <a:round/>
-          </a:ln>
-        </p:spPr>
-        <p:style>
-          <a:lnRef idx="2">
-            <a:scrgbClr r="0" g="0" b="0"/>
-          </a:lnRef>
-          <a:fillRef idx="0">
-            <a:scrgbClr r="0" g="0" b="0"/>
-          </a:fillRef>
-          <a:effectRef idx="0">
-            <a:scrgbClr r="0" g="0" b="0"/>
-          </a:effectRef>
-          <a:fontRef idx="minor"/>
-        </p:style>
-        <p:txBody>
-          <a:bodyPr lIns="58680" tIns="58680" rIns="41760" bIns="58680" anchor="ctr"/>
-          <a:lstStyle/>
-          <a:p>
-            <a:pPr algn="ctr">
+          </a:p>
+          <a:p>
+            <a:pPr marL="685800" lvl="1" indent="-282960">
               <a:lnSpc>
-                <a:spcPct val="90000"/>
+                <a:spcPct val="100000"/>
               </a:lnSpc>
+              <a:buClr>
+                <a:srgbClr val="262626"/>
+              </a:buClr>
+              <a:buFont typeface="Corbel"/>
+              <a:buChar char="–"/>
             </a:pPr>
             <a:r>
-              <a:rPr lang="en-US" sz="1100" b="0" strike="noStrike" spc="-1">
-                <a:solidFill>
-                  <a:srgbClr val="FFFFFF"/>
+              <a:rPr lang="en-US" sz="1800" b="0" strike="noStrike" spc="-1">
+                <a:solidFill>
+                  <a:srgbClr val="262626"/>
                 </a:solidFill>
                 <a:uFill>
                   <a:solidFill>
@@ -7580,138 +6990,35 @@
                 </a:uFill>
                 <a:latin typeface="Corbel"/>
               </a:rPr>
-              <a:t>Regions</a:t>
+              <a:t>“No man’s land”</a:t>
             </a:r>
-            <a:endParaRPr lang="en-US" sz="1800" b="0" strike="noStrike" spc="-1">
+            <a:endParaRPr lang="en-US" sz="1600" b="0" strike="noStrike" spc="-1">
               <a:solidFill>
-                <a:srgbClr val="000000"/>
+                <a:srgbClr val="262626"/>
               </a:solidFill>
               <a:uFill>
                 <a:solidFill>
                   <a:srgbClr val="FFFFFF"/>
                 </a:solidFill>
               </a:uFill>
-              <a:latin typeface="Arial"/>
+              <a:latin typeface="Corbel"/>
             </a:endParaRPr>
           </a:p>
-        </p:txBody>
-      </p:sp>
-      <p:sp>
-        <p:nvSpPr>
-          <p:cNvPr id="105" name="CustomShape 14"/>
-          <p:cNvSpPr/>
-          <p:nvPr/>
-        </p:nvSpPr>
-        <p:spPr>
-          <a:xfrm>
-            <a:off x="8617320" y="4466160"/>
-            <a:ext cx="642600" cy="272520"/>
-          </a:xfrm>
-          <a:custGeom>
-            <a:avLst/>
-            <a:gdLst/>
-            <a:ahLst/>
-            <a:cxnLst/>
-            <a:rect l="l" t="t" r="r" b="b"/>
-            <a:pathLst>
-              <a:path w="642856" h="272940">
-                <a:moveTo>
-                  <a:pt x="0" y="0"/>
-                </a:moveTo>
-                <a:lnTo>
-                  <a:pt x="0" y="136470"/>
-                </a:lnTo>
-                <a:lnTo>
-                  <a:pt x="642856" y="136470"/>
-                </a:lnTo>
-                <a:lnTo>
-                  <a:pt x="642856" y="272940"/>
-                </a:lnTo>
-              </a:path>
-            </a:pathLst>
-          </a:custGeom>
-          <a:noFill/>
-          <a:ln>
-            <a:solidFill>
-              <a:schemeClr val="accent4">
-                <a:hueOff val="0"/>
-                <a:satOff val="0"/>
-                <a:lumOff val="0"/>
-                <a:alphaOff val="0"/>
-              </a:schemeClr>
-            </a:solidFill>
-            <a:round/>
-          </a:ln>
-        </p:spPr>
-        <p:style>
-          <a:lnRef idx="2">
-            <a:scrgbClr r="0" g="0" b="0"/>
-          </a:lnRef>
-          <a:fillRef idx="0">
-            <a:scrgbClr r="0" g="0" b="0"/>
-          </a:fillRef>
-          <a:effectRef idx="0">
-            <a:scrgbClr r="0" g="0" b="0"/>
-          </a:effectRef>
-          <a:fontRef idx="minor"/>
-        </p:style>
-      </p:sp>
-      <p:sp>
-        <p:nvSpPr>
-          <p:cNvPr id="106" name="CustomShape 15"/>
-          <p:cNvSpPr/>
-          <p:nvPr/>
-        </p:nvSpPr>
-        <p:spPr>
-          <a:xfrm>
-            <a:off x="8265600" y="4739040"/>
-            <a:ext cx="1989360" cy="577440"/>
-          </a:xfrm>
-          <a:prstGeom prst="roundRect">
-            <a:avLst>
-              <a:gd name="adj" fmla="val 10000"/>
-            </a:avLst>
-          </a:prstGeom>
-          <a:solidFill>
-            <a:schemeClr val="accent5"/>
-          </a:solidFill>
-          <a:ln>
-            <a:solidFill>
-              <a:schemeClr val="lt1">
-                <a:hueOff val="0"/>
-                <a:satOff val="0"/>
-                <a:lumOff val="0"/>
-                <a:alphaOff val="0"/>
-              </a:schemeClr>
-            </a:solidFill>
-            <a:round/>
-          </a:ln>
-        </p:spPr>
-        <p:style>
-          <a:lnRef idx="2">
-            <a:scrgbClr r="0" g="0" b="0"/>
-          </a:lnRef>
-          <a:fillRef idx="0">
-            <a:scrgbClr r="0" g="0" b="0"/>
-          </a:fillRef>
-          <a:effectRef idx="0">
-            <a:scrgbClr r="0" g="0" b="0"/>
-          </a:effectRef>
-          <a:fontRef idx="minor"/>
-        </p:style>
-        <p:txBody>
-          <a:bodyPr lIns="58680" tIns="58680" rIns="41760" bIns="58680" anchor="ctr"/>
-          <a:lstStyle/>
-          <a:p>
-            <a:pPr algn="ctr">
+          <a:p>
+            <a:pPr marL="283320" indent="-282960">
               <a:lnSpc>
-                <a:spcPct val="90000"/>
+                <a:spcPct val="112000"/>
               </a:lnSpc>
+              <a:buClr>
+                <a:srgbClr val="262626"/>
+              </a:buClr>
+              <a:buFont typeface="Arial"/>
+              <a:buChar char="•"/>
             </a:pPr>
             <a:r>
-              <a:rPr lang="en-US" sz="1100" b="0" strike="noStrike" spc="-1">
-                <a:solidFill>
-                  <a:srgbClr val="FFFFFF"/>
+              <a:rPr lang="en-US" sz="2000" b="0" strike="noStrike" spc="-1">
+                <a:solidFill>
+                  <a:srgbClr val="262626"/>
                 </a:solidFill>
                 <a:uFill>
                   <a:solidFill>
@@ -7720,143 +7027,24 @@
                 </a:uFill>
                 <a:latin typeface="Corbel"/>
               </a:rPr>
-              <a:t>Team Objective</a:t>
+              <a:t>The configuration of the map and each region will be generated each match</a:t>
             </a:r>
-            <a:endParaRPr lang="en-US" sz="1800" b="0" strike="noStrike" spc="-1">
-              <a:solidFill>
-                <a:srgbClr val="000000"/>
-              </a:solidFill>
-              <a:uFill>
-                <a:solidFill>
-                  <a:srgbClr val="FFFFFF"/>
-                </a:solidFill>
-              </a:uFill>
-              <a:latin typeface="Arial"/>
-            </a:endParaRPr>
-          </a:p>
-        </p:txBody>
-      </p:sp>
-      <p:sp>
-        <p:nvSpPr>
-          <p:cNvPr id="107" name="CustomShape 16"/>
-          <p:cNvSpPr/>
-          <p:nvPr/>
-        </p:nvSpPr>
-        <p:spPr>
-          <a:xfrm>
-            <a:off x="9180720" y="2848680"/>
-            <a:ext cx="1126080" cy="230760"/>
-          </a:xfrm>
-          <a:custGeom>
-            <a:avLst/>
-            <a:gdLst/>
-            <a:ahLst/>
-            <a:cxnLst/>
-            <a:rect l="l" t="t" r="r" b="b"/>
-            <a:pathLst>
-              <a:path w="1126420" h="231060">
-                <a:moveTo>
-                  <a:pt x="0" y="0"/>
-                </a:moveTo>
-                <a:lnTo>
-                  <a:pt x="0" y="115530"/>
-                </a:lnTo>
-                <a:lnTo>
-                  <a:pt x="1126420" y="115530"/>
-                </a:lnTo>
-                <a:lnTo>
-                  <a:pt x="1126420" y="231060"/>
-                </a:lnTo>
-              </a:path>
-            </a:pathLst>
-          </a:custGeom>
-          <a:noFill/>
-          <a:ln>
-            <a:solidFill>
-              <a:schemeClr val="accent3">
-                <a:hueOff val="0"/>
-                <a:satOff val="0"/>
-                <a:lumOff val="0"/>
-                <a:alphaOff val="0"/>
-              </a:schemeClr>
-            </a:solidFill>
-            <a:round/>
-          </a:ln>
-        </p:spPr>
-        <p:style>
-          <a:lnRef idx="2">
-            <a:scrgbClr r="0" g="0" b="0"/>
-          </a:lnRef>
-          <a:fillRef idx="0">
-            <a:scrgbClr r="0" g="0" b="0"/>
-          </a:fillRef>
-          <a:effectRef idx="0">
-            <a:scrgbClr r="0" g="0" b="0"/>
-          </a:effectRef>
-          <a:fontRef idx="minor"/>
-        </p:style>
-      </p:sp>
-      <p:sp>
-        <p:nvSpPr>
-          <p:cNvPr id="108" name="CustomShape 17"/>
-          <p:cNvSpPr/>
-          <p:nvPr/>
-        </p:nvSpPr>
-        <p:spPr>
-          <a:xfrm>
-            <a:off x="9873720" y="3079800"/>
-            <a:ext cx="866160" cy="577440"/>
-          </a:xfrm>
-          <a:prstGeom prst="roundRect">
-            <a:avLst>
-              <a:gd name="adj" fmla="val 10000"/>
-            </a:avLst>
-          </a:prstGeom>
-          <a:solidFill>
-            <a:schemeClr val="accent3">
-              <a:hueOff val="0"/>
-              <a:satOff val="0"/>
-              <a:lumOff val="0"/>
-              <a:alphaOff val="0"/>
-            </a:schemeClr>
-          </a:solidFill>
-          <a:ln>
-            <a:solidFill>
-              <a:schemeClr val="lt1">
-                <a:hueOff val="0"/>
-                <a:satOff val="0"/>
-                <a:lumOff val="0"/>
-                <a:alphaOff val="0"/>
-              </a:schemeClr>
-            </a:solidFill>
-            <a:round/>
-          </a:ln>
-        </p:spPr>
-        <p:style>
-          <a:lnRef idx="2">
-            <a:scrgbClr r="0" g="0" b="0"/>
-          </a:lnRef>
-          <a:fillRef idx="0">
-            <a:scrgbClr r="0" g="0" b="0"/>
-          </a:fillRef>
-          <a:effectRef idx="0">
-            <a:scrgbClr r="0" g="0" b="0"/>
-          </a:effectRef>
-          <a:fontRef idx="minor"/>
-        </p:style>
-        <p:txBody>
-          <a:bodyPr lIns="58680" tIns="58680" rIns="41760" bIns="58680" anchor="ctr"/>
-          <a:lstStyle/>
-          <a:p>
-            <a:pPr algn="ctr">
+          </a:p>
+          <a:p>
+            <a:pPr marL="283320" indent="-282960">
               <a:lnSpc>
-                <a:spcPct val="90000"/>
+                <a:spcPct val="112000"/>
               </a:lnSpc>
+              <a:buClr>
+                <a:srgbClr val="262626"/>
+              </a:buClr>
+              <a:buFont typeface="Arial"/>
+              <a:buChar char="•"/>
             </a:pPr>
             <a:r>
-              <a:rPr lang="en-US" sz="1100" b="0" strike="noStrike" spc="-1">
-                <a:solidFill>
-                  <a:srgbClr val="FFFFFF"/>
+              <a:rPr lang="en-US" sz="2000" b="0" strike="noStrike" spc="-1">
+                <a:solidFill>
+                  <a:srgbClr val="262626"/>
                 </a:solidFill>
                 <a:uFill>
                   <a:solidFill>
@@ -7865,143 +7053,24 @@
                 </a:uFill>
                 <a:latin typeface="Corbel"/>
               </a:rPr>
-              <a:t>Components</a:t>
+              <a:t>Resources and enemies will be region specific</a:t>
             </a:r>
-            <a:endParaRPr lang="en-US" sz="1800" b="0" strike="noStrike" spc="-1">
-              <a:solidFill>
-                <a:srgbClr val="000000"/>
-              </a:solidFill>
-              <a:uFill>
-                <a:solidFill>
-                  <a:srgbClr val="FFFFFF"/>
-                </a:solidFill>
-              </a:uFill>
-              <a:latin typeface="Arial"/>
-            </a:endParaRPr>
-          </a:p>
-        </p:txBody>
-      </p:sp>
-      <p:sp>
-        <p:nvSpPr>
-          <p:cNvPr id="109" name="CustomShape 18"/>
-          <p:cNvSpPr/>
-          <p:nvPr/>
-        </p:nvSpPr>
-        <p:spPr>
-          <a:xfrm>
-            <a:off x="9743760" y="3657600"/>
-            <a:ext cx="562680" cy="230760"/>
-          </a:xfrm>
-          <a:custGeom>
-            <a:avLst/>
-            <a:gdLst/>
-            <a:ahLst/>
-            <a:cxnLst/>
-            <a:rect l="l" t="t" r="r" b="b"/>
-            <a:pathLst>
-              <a:path w="563210" h="231060">
-                <a:moveTo>
-                  <a:pt x="563210" y="0"/>
-                </a:moveTo>
-                <a:lnTo>
-                  <a:pt x="563210" y="115530"/>
-                </a:lnTo>
-                <a:lnTo>
-                  <a:pt x="0" y="115530"/>
-                </a:lnTo>
-                <a:lnTo>
-                  <a:pt x="0" y="231060"/>
-                </a:lnTo>
-              </a:path>
-            </a:pathLst>
-          </a:custGeom>
-          <a:noFill/>
-          <a:ln>
-            <a:solidFill>
-              <a:schemeClr val="accent4">
-                <a:hueOff val="0"/>
-                <a:satOff val="0"/>
-                <a:lumOff val="0"/>
-                <a:alphaOff val="0"/>
-              </a:schemeClr>
-            </a:solidFill>
-            <a:round/>
-          </a:ln>
-        </p:spPr>
-        <p:style>
-          <a:lnRef idx="2">
-            <a:scrgbClr r="0" g="0" b="0"/>
-          </a:lnRef>
-          <a:fillRef idx="0">
-            <a:scrgbClr r="0" g="0" b="0"/>
-          </a:fillRef>
-          <a:effectRef idx="0">
-            <a:scrgbClr r="0" g="0" b="0"/>
-          </a:effectRef>
-          <a:fontRef idx="minor"/>
-        </p:style>
-      </p:sp>
-      <p:sp>
-        <p:nvSpPr>
-          <p:cNvPr id="110" name="CustomShape 19"/>
-          <p:cNvSpPr/>
-          <p:nvPr/>
-        </p:nvSpPr>
-        <p:spPr>
-          <a:xfrm>
-            <a:off x="9310680" y="3888720"/>
-            <a:ext cx="866160" cy="577440"/>
-          </a:xfrm>
-          <a:prstGeom prst="roundRect">
-            <a:avLst>
-              <a:gd name="adj" fmla="val 10000"/>
-            </a:avLst>
-          </a:prstGeom>
-          <a:solidFill>
-            <a:schemeClr val="accent4">
-              <a:hueOff val="0"/>
-              <a:satOff val="0"/>
-              <a:lumOff val="0"/>
-              <a:alphaOff val="0"/>
-            </a:schemeClr>
-          </a:solidFill>
-          <a:ln>
-            <a:solidFill>
-              <a:schemeClr val="lt1">
-                <a:hueOff val="0"/>
-                <a:satOff val="0"/>
-                <a:lumOff val="0"/>
-                <a:alphaOff val="0"/>
-              </a:schemeClr>
-            </a:solidFill>
-            <a:round/>
-          </a:ln>
-        </p:spPr>
-        <p:style>
-          <a:lnRef idx="2">
-            <a:scrgbClr r="0" g="0" b="0"/>
-          </a:lnRef>
-          <a:fillRef idx="0">
-            <a:scrgbClr r="0" g="0" b="0"/>
-          </a:fillRef>
-          <a:effectRef idx="0">
-            <a:scrgbClr r="0" g="0" b="0"/>
-          </a:effectRef>
-          <a:fontRef idx="minor"/>
-        </p:style>
-        <p:txBody>
-          <a:bodyPr lIns="58680" tIns="58680" rIns="41760" bIns="58680" anchor="ctr"/>
-          <a:lstStyle/>
-          <a:p>
-            <a:pPr algn="ctr">
+          </a:p>
+          <a:p>
+            <a:pPr marL="685800" lvl="1" indent="-282960">
               <a:lnSpc>
-                <a:spcPct val="90000"/>
+                <a:spcPct val="100000"/>
               </a:lnSpc>
+              <a:buClr>
+                <a:srgbClr val="262626"/>
+              </a:buClr>
+              <a:buFont typeface="Corbel"/>
+              <a:buChar char="–"/>
             </a:pPr>
             <a:r>
-              <a:rPr lang="en-US" sz="1100" b="0" strike="noStrike" spc="-1">
-                <a:solidFill>
-                  <a:srgbClr val="FFFFFF"/>
+              <a:rPr lang="en-US" sz="1800" b="0" strike="noStrike" spc="-1">
+                <a:solidFill>
+                  <a:srgbClr val="262626"/>
                 </a:solidFill>
                 <a:uFill>
                   <a:solidFill>
@@ -8010,294 +7079,45 @@
                 </a:uFill>
                 <a:latin typeface="Corbel"/>
               </a:rPr>
-              <a:t>Resources</a:t>
+              <a:t>Excluding generic (common) resources that might appear in multiple regions at varying percentages (wood, rocks, etc.)</a:t>
             </a:r>
-            <a:endParaRPr lang="en-US" sz="1800" b="0" strike="noStrike" spc="-1">
+            <a:endParaRPr lang="en-US" sz="1600" b="0" strike="noStrike" spc="-1">
               <a:solidFill>
-                <a:srgbClr val="000000"/>
+                <a:srgbClr val="262626"/>
               </a:solidFill>
               <a:uFill>
                 <a:solidFill>
                   <a:srgbClr val="FFFFFF"/>
                 </a:solidFill>
               </a:uFill>
-              <a:latin typeface="Arial"/>
+              <a:latin typeface="Corbel"/>
             </a:endParaRPr>
           </a:p>
         </p:txBody>
       </p:sp>
-      <p:sp>
-        <p:nvSpPr>
-          <p:cNvPr id="111" name="CustomShape 20"/>
-          <p:cNvSpPr/>
+      <p:pic>
+        <p:nvPicPr>
+          <p:cNvPr id="119" name="Picture 4"/>
+          <p:cNvPicPr/>
           <p:nvPr/>
-        </p:nvSpPr>
-        <p:spPr>
-          <a:xfrm>
-            <a:off x="10307160" y="3657600"/>
-            <a:ext cx="562680" cy="230760"/>
-          </a:xfrm>
-          <a:custGeom>
-            <a:avLst/>
-            <a:gdLst/>
-            <a:ahLst/>
-            <a:cxnLst/>
-            <a:rect l="l" t="t" r="r" b="b"/>
-            <a:pathLst>
-              <a:path w="563210" h="231060">
-                <a:moveTo>
-                  <a:pt x="0" y="0"/>
-                </a:moveTo>
-                <a:lnTo>
-                  <a:pt x="0" y="115530"/>
-                </a:lnTo>
-                <a:lnTo>
-                  <a:pt x="563210" y="115530"/>
-                </a:lnTo>
-                <a:lnTo>
-                  <a:pt x="563210" y="231060"/>
-                </a:lnTo>
-              </a:path>
-            </a:pathLst>
-          </a:custGeom>
-          <a:noFill/>
-          <a:ln>
-            <a:solidFill>
-              <a:schemeClr val="accent4">
-                <a:hueOff val="0"/>
-                <a:satOff val="0"/>
-                <a:lumOff val="0"/>
-                <a:alphaOff val="0"/>
-              </a:schemeClr>
-            </a:solidFill>
-            <a:round/>
-          </a:ln>
-        </p:spPr>
-        <p:style>
-          <a:lnRef idx="2">
-            <a:scrgbClr r="0" g="0" b="0"/>
-          </a:lnRef>
-          <a:fillRef idx="0">
-            <a:scrgbClr r="0" g="0" b="0"/>
-          </a:fillRef>
-          <a:effectRef idx="0">
-            <a:scrgbClr r="0" g="0" b="0"/>
-          </a:effectRef>
-          <a:fontRef idx="minor"/>
-        </p:style>
-      </p:sp>
-      <p:sp>
-        <p:nvSpPr>
-          <p:cNvPr id="112" name="CustomShape 21"/>
-          <p:cNvSpPr/>
-          <p:nvPr/>
-        </p:nvSpPr>
-        <p:spPr>
-          <a:xfrm>
-            <a:off x="10437120" y="3888720"/>
-            <a:ext cx="866160" cy="577440"/>
-          </a:xfrm>
-          <a:prstGeom prst="roundRect">
-            <a:avLst>
-              <a:gd name="adj" fmla="val 10000"/>
-            </a:avLst>
-          </a:prstGeom>
-          <a:solidFill>
-            <a:schemeClr val="accent4">
-              <a:hueOff val="0"/>
-              <a:satOff val="0"/>
-              <a:lumOff val="0"/>
-              <a:alphaOff val="0"/>
-            </a:schemeClr>
-          </a:solidFill>
-          <a:ln>
-            <a:solidFill>
-              <a:schemeClr val="lt1">
-                <a:hueOff val="0"/>
-                <a:satOff val="0"/>
-                <a:lumOff val="0"/>
-                <a:alphaOff val="0"/>
-              </a:schemeClr>
-            </a:solidFill>
-            <a:round/>
-          </a:ln>
-        </p:spPr>
-        <p:style>
-          <a:lnRef idx="2">
-            <a:scrgbClr r="0" g="0" b="0"/>
-          </a:lnRef>
-          <a:fillRef idx="0">
-            <a:scrgbClr r="0" g="0" b="0"/>
-          </a:fillRef>
-          <a:effectRef idx="0">
-            <a:scrgbClr r="0" g="0" b="0"/>
-          </a:effectRef>
-          <a:fontRef idx="minor"/>
-        </p:style>
-        <p:txBody>
-          <a:bodyPr lIns="58680" tIns="58680" rIns="41760" bIns="58680" anchor="ctr"/>
-          <a:lstStyle/>
-          <a:p>
-            <a:pPr algn="ctr">
-              <a:lnSpc>
-                <a:spcPct val="90000"/>
-              </a:lnSpc>
-            </a:pPr>
-            <a:r>
-              <a:rPr lang="en-US" sz="1100" b="0" strike="noStrike" spc="-1">
-                <a:solidFill>
-                  <a:srgbClr val="FFFFFF"/>
-                </a:solidFill>
-                <a:uFill>
-                  <a:solidFill>
-                    <a:srgbClr val="FFFFFF"/>
-                  </a:solidFill>
-                </a:uFill>
-                <a:latin typeface="Corbel"/>
-              </a:rPr>
-              <a:t>Enemy Composition</a:t>
-            </a:r>
-            <a:endParaRPr lang="en-US" sz="1800" b="0" strike="noStrike" spc="-1">
-              <a:solidFill>
-                <a:srgbClr val="000000"/>
-              </a:solidFill>
-              <a:uFill>
-                <a:solidFill>
-                  <a:srgbClr val="FFFFFF"/>
-                </a:solidFill>
-              </a:uFill>
-              <a:latin typeface="Arial"/>
-            </a:endParaRPr>
-          </a:p>
-        </p:txBody>
-      </p:sp>
-      <p:sp>
-        <p:nvSpPr>
-          <p:cNvPr id="113" name="Line 22"/>
-          <p:cNvSpPr/>
-          <p:nvPr/>
-        </p:nvSpPr>
-        <p:spPr>
-          <a:xfrm>
-            <a:off x="7462440" y="4498200"/>
-            <a:ext cx="360" cy="122040"/>
-          </a:xfrm>
-          <a:prstGeom prst="line">
+        </p:nvPicPr>
+        <p:blipFill>
+          <a:blip r:embed="rId2"/>
+          <a:stretch/>
+        </p:blipFill>
+        <p:spPr>
+          <a:xfrm>
+            <a:off x="8820970" y="981081"/>
+            <a:ext cx="2297520" cy="1893240"/>
+          </a:xfrm>
+          <a:prstGeom prst="rect">
             <a:avLst/>
           </a:prstGeom>
           <a:ln>
-            <a:round/>
+            <a:noFill/>
           </a:ln>
         </p:spPr>
-        <p:style>
-          <a:lnRef idx="1">
-            <a:schemeClr val="accent1"/>
-          </a:lnRef>
-          <a:fillRef idx="0">
-            <a:schemeClr val="accent1"/>
-          </a:fillRef>
-          <a:effectRef idx="0">
-            <a:schemeClr val="accent1"/>
-          </a:effectRef>
-          <a:fontRef idx="minor"/>
-        </p:style>
-      </p:sp>
-      <p:sp>
-        <p:nvSpPr>
-          <p:cNvPr id="114" name="Line 23"/>
-          <p:cNvSpPr/>
-          <p:nvPr/>
-        </p:nvSpPr>
-        <p:spPr>
-          <a:xfrm flipH="1" flipV="1">
-            <a:off x="7459920" y="4620240"/>
-            <a:ext cx="3472200" cy="2520"/>
-          </a:xfrm>
-          <a:prstGeom prst="line">
-            <a:avLst/>
-          </a:prstGeom>
-          <a:ln w="19080">
-            <a:solidFill>
-              <a:schemeClr val="accent4"/>
-            </a:solidFill>
-            <a:round/>
-          </a:ln>
-        </p:spPr>
-        <p:style>
-          <a:lnRef idx="1">
-            <a:schemeClr val="accent1"/>
-          </a:lnRef>
-          <a:fillRef idx="0">
-            <a:schemeClr val="accent1"/>
-          </a:fillRef>
-          <a:effectRef idx="0">
-            <a:schemeClr val="accent1"/>
-          </a:effectRef>
-          <a:fontRef idx="minor"/>
-        </p:style>
-      </p:sp>
-      <p:sp>
-        <p:nvSpPr>
-          <p:cNvPr id="115" name="Line 24"/>
-          <p:cNvSpPr/>
-          <p:nvPr/>
-        </p:nvSpPr>
-        <p:spPr>
-          <a:xfrm>
-            <a:off x="10932120" y="4498200"/>
-            <a:ext cx="360" cy="122040"/>
-          </a:xfrm>
-          <a:prstGeom prst="line">
-            <a:avLst/>
-          </a:prstGeom>
-          <a:ln>
-            <a:round/>
-          </a:ln>
-        </p:spPr>
-        <p:style>
-          <a:lnRef idx="1">
-            <a:schemeClr val="accent1"/>
-          </a:lnRef>
-          <a:fillRef idx="0">
-            <a:schemeClr val="accent1"/>
-          </a:fillRef>
-          <a:effectRef idx="0">
-            <a:schemeClr val="accent1"/>
-          </a:effectRef>
-          <a:fontRef idx="minor"/>
-        </p:style>
-      </p:sp>
-      <p:sp>
-        <p:nvSpPr>
-          <p:cNvPr id="116" name="Line 25"/>
-          <p:cNvSpPr/>
-          <p:nvPr/>
-        </p:nvSpPr>
-        <p:spPr>
-          <a:xfrm>
-            <a:off x="9727920" y="4498200"/>
-            <a:ext cx="360" cy="119520"/>
-          </a:xfrm>
-          <a:prstGeom prst="line">
-            <a:avLst/>
-          </a:prstGeom>
-          <a:ln>
-            <a:round/>
-          </a:ln>
-        </p:spPr>
-        <p:style>
-          <a:lnRef idx="1">
-            <a:schemeClr val="accent1"/>
-          </a:lnRef>
-          <a:fillRef idx="0">
-            <a:schemeClr val="accent1"/>
-          </a:fillRef>
-          <a:effectRef idx="0">
-            <a:schemeClr val="accent1"/>
-          </a:effectRef>
-          <a:fontRef idx="minor"/>
-        </p:style>
-      </p:sp>
+      </p:pic>
     </p:spTree>
   </p:cSld>
   <p:clrMapOvr>
@@ -8352,7 +7172,7 @@
       </p:grpSpPr>
       <p:sp>
         <p:nvSpPr>
-          <p:cNvPr id="117" name="TextShape 1"/>
+          <p:cNvPr id="92" name="TextShape 1"/>
           <p:cNvSpPr txBox="1"/>
           <p:nvPr/>
         </p:nvSpPr>
@@ -8390,7 +7210,7 @@
                 </a:uFill>
                 <a:latin typeface="Century Schoolbook"/>
               </a:rPr>
-              <a:t>Level Design</a:t>
+              <a:t>Decision Tree</a:t>
             </a:r>
             <a:endParaRPr lang="en-US" sz="1800" b="0" strike="noStrike" spc="-1">
               <a:solidFill>
@@ -8408,41 +7228,58 @@
       </p:sp>
       <p:sp>
         <p:nvSpPr>
-          <p:cNvPr id="118" name="TextShape 2"/>
-          <p:cNvSpPr txBox="1"/>
+          <p:cNvPr id="93" name="CustomShape 2"/>
+          <p:cNvSpPr/>
           <p:nvPr/>
         </p:nvSpPr>
         <p:spPr>
           <a:xfrm>
-            <a:off x="5181480" y="569160"/>
-            <a:ext cx="6248160" cy="5654880"/>
-          </a:xfrm>
-          <a:prstGeom prst="rect">
-            <a:avLst/>
+            <a:off x="5181480" y="4695120"/>
+            <a:ext cx="6248160" cy="693000"/>
+          </a:xfrm>
+          <a:prstGeom prst="roundRect">
+            <a:avLst>
+              <a:gd name="adj" fmla="val 10000"/>
+            </a:avLst>
           </a:prstGeom>
-          <a:noFill/>
+          <a:solidFill>
+            <a:schemeClr val="accent2">
+              <a:tint val="40000"/>
+              <a:hueOff val="0"/>
+              <a:satOff val="0"/>
+              <a:lumOff val="0"/>
+              <a:alphaOff val="0"/>
+            </a:schemeClr>
+          </a:solidFill>
           <a:ln>
             <a:noFill/>
           </a:ln>
         </p:spPr>
+        <p:style>
+          <a:lnRef idx="0">
+            <a:scrgbClr r="0" g="0" b="0"/>
+          </a:lnRef>
+          <a:fillRef idx="0">
+            <a:scrgbClr r="0" g="0" b="0"/>
+          </a:fillRef>
+          <a:effectRef idx="0">
+            <a:scrgbClr r="0" g="0" b="0"/>
+          </a:effectRef>
+          <a:fontRef idx="minor"/>
+        </p:style>
         <p:txBody>
-          <a:bodyPr/>
+          <a:bodyPr lIns="170640" tIns="170640" rIns="170640" bIns="170640" anchor="ctr"/>
           <a:lstStyle/>
           <a:p>
-            <a:pPr marL="283320" indent="-282960">
+            <a:pPr>
               <a:lnSpc>
-                <a:spcPct val="112000"/>
+                <a:spcPct val="90000"/>
               </a:lnSpc>
-              <a:buClr>
-                <a:srgbClr val="262626"/>
-              </a:buClr>
-              <a:buFont typeface="Arial"/>
-              <a:buChar char="•"/>
             </a:pPr>
             <a:r>
-              <a:rPr lang="en-US" sz="2000" b="0" strike="noStrike" spc="-1">
-                <a:solidFill>
-                  <a:srgbClr val="262626"/>
+              <a:rPr lang="en-US" sz="2400" b="0" strike="noStrike" spc="-1">
+                <a:solidFill>
+                  <a:srgbClr val="000000"/>
                 </a:solidFill>
                 <a:uFill>
                   <a:solidFill>
@@ -8451,24 +7288,76 @@
                 </a:uFill>
                 <a:latin typeface="Corbel"/>
               </a:rPr>
-              <a:t>Four regions (one for each corner) randomly selected:</a:t>
+              <a:t>Late Game</a:t>
             </a:r>
-          </a:p>
-          <a:p>
-            <a:pPr marL="685800" lvl="1" indent="-282960">
+            <a:endParaRPr lang="en-US" sz="1800" b="0" strike="noStrike" spc="-1">
+              <a:solidFill>
+                <a:srgbClr val="000000"/>
+              </a:solidFill>
+              <a:uFill>
+                <a:solidFill>
+                  <a:srgbClr val="FFFFFF"/>
+                </a:solidFill>
+              </a:uFill>
+              <a:latin typeface="Arial"/>
+            </a:endParaRPr>
+          </a:p>
+        </p:txBody>
+      </p:sp>
+      <p:sp>
+        <p:nvSpPr>
+          <p:cNvPr id="94" name="CustomShape 3"/>
+          <p:cNvSpPr/>
+          <p:nvPr/>
+        </p:nvSpPr>
+        <p:spPr>
+          <a:xfrm>
+            <a:off x="5181480" y="3022560"/>
+            <a:ext cx="6248160" cy="1556640"/>
+          </a:xfrm>
+          <a:prstGeom prst="roundRect">
+            <a:avLst>
+              <a:gd name="adj" fmla="val 10000"/>
+            </a:avLst>
+          </a:prstGeom>
+          <a:solidFill>
+            <a:schemeClr val="accent2">
+              <a:tint val="40000"/>
+              <a:hueOff val="0"/>
+              <a:satOff val="0"/>
+              <a:lumOff val="0"/>
+              <a:alphaOff val="0"/>
+            </a:schemeClr>
+          </a:solidFill>
+          <a:ln>
+            <a:noFill/>
+          </a:ln>
+        </p:spPr>
+        <p:style>
+          <a:lnRef idx="0">
+            <a:scrgbClr r="0" g="0" b="0"/>
+          </a:lnRef>
+          <a:fillRef idx="0">
+            <a:scrgbClr r="0" g="0" b="0"/>
+          </a:fillRef>
+          <a:effectRef idx="0">
+            <a:scrgbClr r="0" g="0" b="0"/>
+          </a:effectRef>
+          <a:fontRef idx="minor"/>
+        </p:style>
+        <p:txBody>
+          <a:bodyPr lIns="170640" tIns="170640" rIns="170640" bIns="170640" anchor="ctr"/>
+          <a:lstStyle/>
+          <a:p>
+            <a:pPr>
               <a:lnSpc>
-                <a:spcPct val="100000"/>
+                <a:spcPct val="90000"/>
               </a:lnSpc>
-              <a:buClr>
-                <a:srgbClr val="262626"/>
-              </a:buClr>
-              <a:buFont typeface="Corbel"/>
-              <a:buChar char="–"/>
             </a:pPr>
             <a:r>
-              <a:rPr lang="en-US" sz="1800" b="0" strike="noStrike" spc="-1">
-                <a:solidFill>
-                  <a:srgbClr val="262626"/>
+              <a:rPr lang="en-US" sz="2400" b="0" strike="noStrike" spc="-1" dirty="0">
+                <a:solidFill>
+                  <a:srgbClr val="000000"/>
                 </a:solidFill>
                 <a:uFill>
                   <a:solidFill>
@@ -8477,35 +7366,76 @@
                 </a:uFill>
                 <a:latin typeface="Corbel"/>
               </a:rPr>
-              <a:t>Mountains</a:t>
+              <a:t>Early Game</a:t>
             </a:r>
-            <a:endParaRPr lang="en-US" sz="1600" b="0" strike="noStrike" spc="-1">
+            <a:endParaRPr lang="en-US" sz="1800" b="0" strike="noStrike" spc="-1" dirty="0">
               <a:solidFill>
-                <a:srgbClr val="262626"/>
+                <a:srgbClr val="000000"/>
               </a:solidFill>
               <a:uFill>
                 <a:solidFill>
                   <a:srgbClr val="FFFFFF"/>
                 </a:solidFill>
               </a:uFill>
-              <a:latin typeface="Corbel"/>
+              <a:latin typeface="Arial"/>
             </a:endParaRPr>
           </a:p>
-          <a:p>
-            <a:pPr marL="685800" lvl="1" indent="-282960">
+        </p:txBody>
+      </p:sp>
+      <p:sp>
+        <p:nvSpPr>
+          <p:cNvPr id="95" name="CustomShape 4"/>
+          <p:cNvSpPr/>
+          <p:nvPr/>
+        </p:nvSpPr>
+        <p:spPr>
+          <a:xfrm>
+            <a:off x="5181480" y="1404720"/>
+            <a:ext cx="6248160" cy="1501920"/>
+          </a:xfrm>
+          <a:prstGeom prst="roundRect">
+            <a:avLst>
+              <a:gd name="adj" fmla="val 10000"/>
+            </a:avLst>
+          </a:prstGeom>
+          <a:solidFill>
+            <a:schemeClr val="accent2">
+              <a:tint val="40000"/>
+              <a:hueOff val="0"/>
+              <a:satOff val="0"/>
+              <a:lumOff val="0"/>
+              <a:alphaOff val="0"/>
+            </a:schemeClr>
+          </a:solidFill>
+          <a:ln>
+            <a:noFill/>
+          </a:ln>
+        </p:spPr>
+        <p:style>
+          <a:lnRef idx="0">
+            <a:scrgbClr r="0" g="0" b="0"/>
+          </a:lnRef>
+          <a:fillRef idx="0">
+            <a:scrgbClr r="0" g="0" b="0"/>
+          </a:fillRef>
+          <a:effectRef idx="0">
+            <a:scrgbClr r="0" g="0" b="0"/>
+          </a:effectRef>
+          <a:fontRef idx="minor"/>
+        </p:style>
+        <p:txBody>
+          <a:bodyPr lIns="170640" tIns="170640" rIns="170640" bIns="170640" anchor="ctr"/>
+          <a:lstStyle/>
+          <a:p>
+            <a:pPr>
               <a:lnSpc>
-                <a:spcPct val="100000"/>
+                <a:spcPct val="90000"/>
               </a:lnSpc>
-              <a:buClr>
-                <a:srgbClr val="262626"/>
-              </a:buClr>
-              <a:buFont typeface="Corbel"/>
-              <a:buChar char="–"/>
             </a:pPr>
             <a:r>
-              <a:rPr lang="en-US" sz="1800" b="0" strike="noStrike" spc="-1">
-                <a:solidFill>
-                  <a:srgbClr val="262626"/>
+              <a:rPr lang="en-US" sz="2400" b="0" strike="noStrike" spc="-1">
+                <a:solidFill>
+                  <a:srgbClr val="000000"/>
                 </a:solidFill>
                 <a:uFill>
                   <a:solidFill>
@@ -8514,35 +7444,83 @@
                 </a:uFill>
                 <a:latin typeface="Corbel"/>
               </a:rPr>
-              <a:t>Forest</a:t>
+              <a:t>Pre-Game</a:t>
             </a:r>
-            <a:endParaRPr lang="en-US" sz="1600" b="0" strike="noStrike" spc="-1">
+            <a:endParaRPr lang="en-US" sz="1800" b="0" strike="noStrike" spc="-1">
               <a:solidFill>
-                <a:srgbClr val="262626"/>
+                <a:srgbClr val="000000"/>
               </a:solidFill>
               <a:uFill>
                 <a:solidFill>
                   <a:srgbClr val="FFFFFF"/>
                 </a:solidFill>
               </a:uFill>
-              <a:latin typeface="Corbel"/>
+              <a:latin typeface="Arial"/>
             </a:endParaRPr>
           </a:p>
-          <a:p>
-            <a:pPr marL="685800" lvl="1" indent="-282960">
+        </p:txBody>
+      </p:sp>
+      <p:sp>
+        <p:nvSpPr>
+          <p:cNvPr id="96" name="CustomShape 5"/>
+          <p:cNvSpPr/>
+          <p:nvPr/>
+        </p:nvSpPr>
+        <p:spPr>
+          <a:xfrm>
+            <a:off x="8747280" y="1462320"/>
+            <a:ext cx="980640" cy="577440"/>
+          </a:xfrm>
+          <a:prstGeom prst="roundRect">
+            <a:avLst>
+              <a:gd name="adj" fmla="val 10000"/>
+            </a:avLst>
+          </a:prstGeom>
+          <a:solidFill>
+            <a:schemeClr val="accent1">
+              <a:hueOff val="0"/>
+              <a:satOff val="0"/>
+              <a:lumOff val="0"/>
+              <a:alphaOff val="0"/>
+            </a:schemeClr>
+          </a:solidFill>
+          <a:ln>
+            <a:solidFill>
+              <a:schemeClr val="lt1">
+                <a:hueOff val="0"/>
+                <a:satOff val="0"/>
+                <a:lumOff val="0"/>
+                <a:alphaOff val="0"/>
+              </a:schemeClr>
+            </a:solidFill>
+            <a:round/>
+          </a:ln>
+        </p:spPr>
+        <p:style>
+          <a:lnRef idx="2">
+            <a:scrgbClr r="0" g="0" b="0"/>
+          </a:lnRef>
+          <a:fillRef idx="0">
+            <a:scrgbClr r="0" g="0" b="0"/>
+          </a:fillRef>
+          <a:effectRef idx="0">
+            <a:scrgbClr r="0" g="0" b="0"/>
+          </a:effectRef>
+          <a:fontRef idx="minor"/>
+        </p:style>
+        <p:txBody>
+          <a:bodyPr lIns="58680" tIns="58680" rIns="41760" bIns="58680" anchor="ctr"/>
+          <a:lstStyle/>
+          <a:p>
+            <a:pPr algn="ctr">
               <a:lnSpc>
-                <a:spcPct val="100000"/>
+                <a:spcPct val="90000"/>
               </a:lnSpc>
-              <a:buClr>
-                <a:srgbClr val="262626"/>
-              </a:buClr>
-              <a:buFont typeface="Corbel"/>
-              <a:buChar char="–"/>
             </a:pPr>
             <a:r>
-              <a:rPr lang="en-US" sz="1800" b="0" strike="noStrike" spc="-1">
-                <a:solidFill>
-                  <a:srgbClr val="262626"/>
+              <a:rPr lang="en-US" sz="1100" b="0" strike="noStrike" spc="-1">
+                <a:solidFill>
+                  <a:srgbClr val="FFFFFF"/>
                 </a:solidFill>
                 <a:uFill>
                   <a:solidFill>
@@ -8551,35 +7529,137 @@
                 </a:uFill>
                 <a:latin typeface="Corbel"/>
               </a:rPr>
-              <a:t>Desert</a:t>
+              <a:t>Team Composition</a:t>
             </a:r>
-            <a:endParaRPr lang="en-US" sz="1600" b="0" strike="noStrike" spc="-1">
+            <a:endParaRPr lang="en-US" sz="1800" b="0" strike="noStrike" spc="-1">
               <a:solidFill>
-                <a:srgbClr val="262626"/>
+                <a:srgbClr val="000000"/>
               </a:solidFill>
               <a:uFill>
                 <a:solidFill>
                   <a:srgbClr val="FFFFFF"/>
                 </a:solidFill>
               </a:uFill>
-              <a:latin typeface="Corbel"/>
+              <a:latin typeface="Arial"/>
             </a:endParaRPr>
           </a:p>
-          <a:p>
-            <a:pPr marL="685800" lvl="1" indent="-282960">
+        </p:txBody>
+      </p:sp>
+      <p:sp>
+        <p:nvSpPr>
+          <p:cNvPr id="97" name="CustomShape 6"/>
+          <p:cNvSpPr/>
+          <p:nvPr/>
+        </p:nvSpPr>
+        <p:spPr>
+          <a:xfrm>
+            <a:off x="9135000" y="2040120"/>
+            <a:ext cx="91080" cy="230760"/>
+          </a:xfrm>
+          <a:custGeom>
+            <a:avLst/>
+            <a:gdLst/>
+            <a:ahLst/>
+            <a:cxnLst/>
+            <a:rect l="l" t="t" r="r" b="b"/>
+            <a:pathLst>
+              <a:path h="231060">
+                <a:moveTo>
+                  <a:pt x="45720" y="0"/>
+                </a:moveTo>
+                <a:lnTo>
+                  <a:pt x="45720" y="231060"/>
+                </a:lnTo>
+              </a:path>
+            </a:pathLst>
+          </a:custGeom>
+          <a:noFill/>
+          <a:ln>
+            <a:solidFill>
+              <a:schemeClr val="accent2">
+                <a:hueOff val="0"/>
+                <a:satOff val="0"/>
+                <a:lumOff val="0"/>
+                <a:alphaOff val="0"/>
+              </a:schemeClr>
+            </a:solidFill>
+            <a:round/>
+          </a:ln>
+        </p:spPr>
+        <p:style>
+          <a:lnRef idx="2">
+            <a:scrgbClr r="0" g="0" b="0"/>
+          </a:lnRef>
+          <a:fillRef idx="0">
+            <a:scrgbClr r="0" g="0" b="0"/>
+          </a:fillRef>
+          <a:effectRef idx="0">
+            <a:scrgbClr r="0" g="0" b="0"/>
+          </a:effectRef>
+          <a:fontRef idx="minor"/>
+        </p:style>
+      </p:sp>
+      <p:sp>
+        <p:nvSpPr>
+          <p:cNvPr id="98" name="CustomShape 7"/>
+          <p:cNvSpPr/>
+          <p:nvPr/>
+        </p:nvSpPr>
+        <p:spPr>
+          <a:xfrm>
+            <a:off x="8747280" y="2271240"/>
+            <a:ext cx="866160" cy="577440"/>
+          </a:xfrm>
+          <a:prstGeom prst="roundRect">
+            <a:avLst>
+              <a:gd name="adj" fmla="val 10000"/>
+            </a:avLst>
+          </a:prstGeom>
+          <a:solidFill>
+            <a:schemeClr val="accent2">
+              <a:hueOff val="0"/>
+              <a:satOff val="0"/>
+              <a:lumOff val="0"/>
+              <a:alphaOff val="0"/>
+            </a:schemeClr>
+          </a:solidFill>
+          <a:ln>
+            <a:solidFill>
+              <a:schemeClr val="lt1">
+                <a:hueOff val="0"/>
+                <a:satOff val="0"/>
+                <a:lumOff val="0"/>
+                <a:alphaOff val="0"/>
+              </a:schemeClr>
+            </a:solidFill>
+            <a:round/>
+          </a:ln>
+        </p:spPr>
+        <p:style>
+          <a:lnRef idx="2">
+            <a:scrgbClr r="0" g="0" b="0"/>
+          </a:lnRef>
+          <a:fillRef idx="0">
+            <a:scrgbClr r="0" g="0" b="0"/>
+          </a:fillRef>
+          <a:effectRef idx="0">
+            <a:scrgbClr r="0" g="0" b="0"/>
+          </a:effectRef>
+          <a:fontRef idx="minor"/>
+        </p:style>
+        <p:txBody>
+          <a:bodyPr lIns="58680" tIns="58680" rIns="41760" bIns="58680" anchor="ctr"/>
+          <a:lstStyle/>
+          <a:p>
+            <a:pPr algn="ctr">
               <a:lnSpc>
-                <a:spcPct val="100000"/>
+                <a:spcPct val="90000"/>
               </a:lnSpc>
-              <a:buClr>
-                <a:srgbClr val="262626"/>
-              </a:buClr>
-              <a:buFont typeface="Corbel"/>
-              <a:buChar char="–"/>
             </a:pPr>
             <a:r>
-              <a:rPr lang="en-US" sz="1800" b="0" strike="noStrike" spc="-1">
-                <a:solidFill>
-                  <a:srgbClr val="262626"/>
+              <a:rPr lang="en-US" sz="1100" b="0" strike="noStrike" spc="-1">
+                <a:solidFill>
+                  <a:srgbClr val="FFFFFF"/>
                 </a:solidFill>
                 <a:uFill>
                   <a:solidFill>
@@ -8588,35 +7668,143 @@
                 </a:uFill>
                 <a:latin typeface="Corbel"/>
               </a:rPr>
-              <a:t>Swamp</a:t>
+              <a:t>Character Selection</a:t>
             </a:r>
-            <a:endParaRPr lang="en-US" sz="1600" b="0" strike="noStrike" spc="-1">
+            <a:endParaRPr lang="en-US" sz="1800" b="0" strike="noStrike" spc="-1">
               <a:solidFill>
-                <a:srgbClr val="262626"/>
+                <a:srgbClr val="000000"/>
               </a:solidFill>
               <a:uFill>
                 <a:solidFill>
                   <a:srgbClr val="FFFFFF"/>
                 </a:solidFill>
               </a:uFill>
-              <a:latin typeface="Corbel"/>
+              <a:latin typeface="Arial"/>
             </a:endParaRPr>
           </a:p>
-          <a:p>
-            <a:pPr marL="685800" lvl="1" indent="-282960">
+        </p:txBody>
+      </p:sp>
+      <p:sp>
+        <p:nvSpPr>
+          <p:cNvPr id="99" name="CustomShape 8"/>
+          <p:cNvSpPr/>
+          <p:nvPr/>
+        </p:nvSpPr>
+        <p:spPr>
+          <a:xfrm>
+            <a:off x="8054280" y="2848680"/>
+            <a:ext cx="1126080" cy="230760"/>
+          </a:xfrm>
+          <a:custGeom>
+            <a:avLst/>
+            <a:gdLst/>
+            <a:ahLst/>
+            <a:cxnLst/>
+            <a:rect l="l" t="t" r="r" b="b"/>
+            <a:pathLst>
+              <a:path w="1126420" h="231060">
+                <a:moveTo>
+                  <a:pt x="1126420" y="0"/>
+                </a:moveTo>
+                <a:lnTo>
+                  <a:pt x="1126420" y="115530"/>
+                </a:lnTo>
+                <a:lnTo>
+                  <a:pt x="0" y="115530"/>
+                </a:lnTo>
+                <a:lnTo>
+                  <a:pt x="0" y="231060"/>
+                </a:lnTo>
+              </a:path>
+            </a:pathLst>
+          </a:custGeom>
+          <a:noFill/>
+          <a:ln>
+            <a:solidFill>
+              <a:schemeClr val="accent3">
+                <a:hueOff val="0"/>
+                <a:satOff val="0"/>
+                <a:lumOff val="0"/>
+                <a:alphaOff val="0"/>
+              </a:schemeClr>
+            </a:solidFill>
+            <a:round/>
+          </a:ln>
+        </p:spPr>
+        <p:style>
+          <a:lnRef idx="2">
+            <a:scrgbClr r="0" g="0" b="0"/>
+          </a:lnRef>
+          <a:fillRef idx="0">
+            <a:scrgbClr r="0" g="0" b="0"/>
+          </a:fillRef>
+          <a:effectRef idx="0">
+            <a:scrgbClr r="0" g="0" b="0"/>
+          </a:effectRef>
+          <a:fontRef idx="minor"/>
+        </p:style>
+      </p:sp>
+      <p:sp>
+        <p:nvSpPr>
+          <p:cNvPr id="100" name="CustomShape 9"/>
+          <p:cNvSpPr/>
+          <p:nvPr/>
+        </p:nvSpPr>
+        <p:spPr>
+          <a:xfrm>
+            <a:off x="7620840" y="3079800"/>
+            <a:ext cx="866160" cy="577440"/>
+          </a:xfrm>
+          <a:prstGeom prst="roundRect">
+            <a:avLst>
+              <a:gd name="adj" fmla="val 10000"/>
+            </a:avLst>
+          </a:prstGeom>
+          <a:solidFill>
+            <a:schemeClr val="accent3">
+              <a:hueOff val="0"/>
+              <a:satOff val="0"/>
+              <a:lumOff val="0"/>
+              <a:alphaOff val="0"/>
+            </a:schemeClr>
+          </a:solidFill>
+          <a:ln>
+            <a:solidFill>
+              <a:schemeClr val="lt1">
+                <a:hueOff val="0"/>
+                <a:satOff val="0"/>
+                <a:lumOff val="0"/>
+                <a:alphaOff val="0"/>
+              </a:schemeClr>
+            </a:solidFill>
+            <a:round/>
+          </a:ln>
+        </p:spPr>
+        <p:style>
+          <a:lnRef idx="2">
+            <a:scrgbClr r="0" g="0" b="0"/>
+          </a:lnRef>
+          <a:fillRef idx="0">
+            <a:scrgbClr r="0" g="0" b="0"/>
+          </a:fillRef>
+          <a:effectRef idx="0">
+            <a:scrgbClr r="0" g="0" b="0"/>
+          </a:effectRef>
+          <a:fontRef idx="minor"/>
+        </p:style>
+        <p:txBody>
+          <a:bodyPr lIns="58680" tIns="58680" rIns="41760" bIns="58680" anchor="ctr"/>
+          <a:lstStyle/>
+          <a:p>
+            <a:pPr algn="ctr">
               <a:lnSpc>
-                <a:spcPct val="100000"/>
+                <a:spcPct val="90000"/>
               </a:lnSpc>
-              <a:buClr>
-                <a:srgbClr val="262626"/>
-              </a:buClr>
-              <a:buFont typeface="Corbel"/>
-              <a:buChar char="–"/>
             </a:pPr>
             <a:r>
-              <a:rPr lang="en-US" sz="1800" b="0" strike="noStrike" spc="-1">
-                <a:solidFill>
-                  <a:srgbClr val="262626"/>
+              <a:rPr lang="en-US" sz="1100" b="0" strike="noStrike" spc="-1">
+                <a:solidFill>
+                  <a:srgbClr val="FFFFFF"/>
                 </a:solidFill>
                 <a:uFill>
                   <a:solidFill>
@@ -8625,35 +7813,143 @@
                 </a:uFill>
                 <a:latin typeface="Corbel"/>
               </a:rPr>
-              <a:t>Coast</a:t>
+              <a:t>Abilities</a:t>
             </a:r>
-            <a:endParaRPr lang="en-US" sz="1600" b="0" strike="noStrike" spc="-1">
+            <a:endParaRPr lang="en-US" sz="1800" b="0" strike="noStrike" spc="-1">
               <a:solidFill>
-                <a:srgbClr val="262626"/>
+                <a:srgbClr val="000000"/>
               </a:solidFill>
               <a:uFill>
                 <a:solidFill>
                   <a:srgbClr val="FFFFFF"/>
                 </a:solidFill>
               </a:uFill>
-              <a:latin typeface="Corbel"/>
+              <a:latin typeface="Arial"/>
             </a:endParaRPr>
           </a:p>
-          <a:p>
-            <a:pPr marL="283320" indent="-282960">
+        </p:txBody>
+      </p:sp>
+      <p:sp>
+        <p:nvSpPr>
+          <p:cNvPr id="101" name="CustomShape 10"/>
+          <p:cNvSpPr/>
+          <p:nvPr/>
+        </p:nvSpPr>
+        <p:spPr>
+          <a:xfrm>
+            <a:off x="7490880" y="3657600"/>
+            <a:ext cx="562680" cy="230760"/>
+          </a:xfrm>
+          <a:custGeom>
+            <a:avLst/>
+            <a:gdLst/>
+            <a:ahLst/>
+            <a:cxnLst/>
+            <a:rect l="l" t="t" r="r" b="b"/>
+            <a:pathLst>
+              <a:path w="563210" h="231060">
+                <a:moveTo>
+                  <a:pt x="563210" y="0"/>
+                </a:moveTo>
+                <a:lnTo>
+                  <a:pt x="563210" y="115530"/>
+                </a:lnTo>
+                <a:lnTo>
+                  <a:pt x="0" y="115530"/>
+                </a:lnTo>
+                <a:lnTo>
+                  <a:pt x="0" y="231060"/>
+                </a:lnTo>
+              </a:path>
+            </a:pathLst>
+          </a:custGeom>
+          <a:noFill/>
+          <a:ln>
+            <a:solidFill>
+              <a:schemeClr val="accent4">
+                <a:hueOff val="0"/>
+                <a:satOff val="0"/>
+                <a:lumOff val="0"/>
+                <a:alphaOff val="0"/>
+              </a:schemeClr>
+            </a:solidFill>
+            <a:round/>
+          </a:ln>
+        </p:spPr>
+        <p:style>
+          <a:lnRef idx="2">
+            <a:scrgbClr r="0" g="0" b="0"/>
+          </a:lnRef>
+          <a:fillRef idx="0">
+            <a:scrgbClr r="0" g="0" b="0"/>
+          </a:fillRef>
+          <a:effectRef idx="0">
+            <a:scrgbClr r="0" g="0" b="0"/>
+          </a:effectRef>
+          <a:fontRef idx="minor"/>
+        </p:style>
+      </p:sp>
+      <p:sp>
+        <p:nvSpPr>
+          <p:cNvPr id="102" name="CustomShape 11"/>
+          <p:cNvSpPr/>
+          <p:nvPr/>
+        </p:nvSpPr>
+        <p:spPr>
+          <a:xfrm>
+            <a:off x="7057800" y="3888720"/>
+            <a:ext cx="866160" cy="577440"/>
+          </a:xfrm>
+          <a:prstGeom prst="roundRect">
+            <a:avLst>
+              <a:gd name="adj" fmla="val 10000"/>
+            </a:avLst>
+          </a:prstGeom>
+          <a:solidFill>
+            <a:schemeClr val="accent4">
+              <a:hueOff val="0"/>
+              <a:satOff val="0"/>
+              <a:lumOff val="0"/>
+              <a:alphaOff val="0"/>
+            </a:schemeClr>
+          </a:solidFill>
+          <a:ln>
+            <a:solidFill>
+              <a:schemeClr val="lt1">
+                <a:hueOff val="0"/>
+                <a:satOff val="0"/>
+                <a:lumOff val="0"/>
+                <a:alphaOff val="0"/>
+              </a:schemeClr>
+            </a:solidFill>
+            <a:round/>
+          </a:ln>
+        </p:spPr>
+        <p:style>
+          <a:lnRef idx="2">
+            <a:scrgbClr r="0" g="0" b="0"/>
+          </a:lnRef>
+          <a:fillRef idx="0">
+            <a:scrgbClr r="0" g="0" b="0"/>
+          </a:fillRef>
+          <a:effectRef idx="0">
+            <a:scrgbClr r="0" g="0" b="0"/>
+          </a:effectRef>
+          <a:fontRef idx="minor"/>
+        </p:style>
+        <p:txBody>
+          <a:bodyPr lIns="58680" tIns="58680" rIns="41760" bIns="58680" anchor="ctr"/>
+          <a:lstStyle/>
+          <a:p>
+            <a:pPr algn="ctr">
               <a:lnSpc>
-                <a:spcPct val="112000"/>
+                <a:spcPct val="90000"/>
               </a:lnSpc>
-              <a:buClr>
-                <a:srgbClr val="262626"/>
-              </a:buClr>
-              <a:buFont typeface="Arial"/>
-              <a:buChar char="•"/>
             </a:pPr>
             <a:r>
-              <a:rPr lang="en-US" sz="2000" b="0" strike="noStrike" spc="-1">
-                <a:solidFill>
-                  <a:srgbClr val="262626"/>
+              <a:rPr lang="en-US" sz="1100" b="0" strike="noStrike" spc="-1">
+                <a:solidFill>
+                  <a:srgbClr val="FFFFFF"/>
                 </a:solidFill>
                 <a:uFill>
                   <a:solidFill>
@@ -8662,24 +7958,143 @@
                 </a:uFill>
                 <a:latin typeface="Corbel"/>
               </a:rPr>
-              <a:t>The center is open grassland</a:t>
+              <a:t>Personal Goal</a:t>
             </a:r>
-          </a:p>
-          <a:p>
-            <a:pPr marL="685800" lvl="1" indent="-282960">
+            <a:endParaRPr lang="en-US" sz="1800" b="0" strike="noStrike" spc="-1">
+              <a:solidFill>
+                <a:srgbClr val="000000"/>
+              </a:solidFill>
+              <a:uFill>
+                <a:solidFill>
+                  <a:srgbClr val="FFFFFF"/>
+                </a:solidFill>
+              </a:uFill>
+              <a:latin typeface="Arial"/>
+            </a:endParaRPr>
+          </a:p>
+        </p:txBody>
+      </p:sp>
+      <p:sp>
+        <p:nvSpPr>
+          <p:cNvPr id="103" name="CustomShape 12"/>
+          <p:cNvSpPr/>
+          <p:nvPr/>
+        </p:nvSpPr>
+        <p:spPr>
+          <a:xfrm>
+            <a:off x="8054280" y="3657600"/>
+            <a:ext cx="562680" cy="230760"/>
+          </a:xfrm>
+          <a:custGeom>
+            <a:avLst/>
+            <a:gdLst/>
+            <a:ahLst/>
+            <a:cxnLst/>
+            <a:rect l="l" t="t" r="r" b="b"/>
+            <a:pathLst>
+              <a:path w="563210" h="231060">
+                <a:moveTo>
+                  <a:pt x="0" y="0"/>
+                </a:moveTo>
+                <a:lnTo>
+                  <a:pt x="0" y="115530"/>
+                </a:lnTo>
+                <a:lnTo>
+                  <a:pt x="563210" y="115530"/>
+                </a:lnTo>
+                <a:lnTo>
+                  <a:pt x="563210" y="231060"/>
+                </a:lnTo>
+              </a:path>
+            </a:pathLst>
+          </a:custGeom>
+          <a:noFill/>
+          <a:ln>
+            <a:solidFill>
+              <a:schemeClr val="accent4">
+                <a:hueOff val="0"/>
+                <a:satOff val="0"/>
+                <a:lumOff val="0"/>
+                <a:alphaOff val="0"/>
+              </a:schemeClr>
+            </a:solidFill>
+            <a:round/>
+          </a:ln>
+        </p:spPr>
+        <p:style>
+          <a:lnRef idx="2">
+            <a:scrgbClr r="0" g="0" b="0"/>
+          </a:lnRef>
+          <a:fillRef idx="0">
+            <a:scrgbClr r="0" g="0" b="0"/>
+          </a:fillRef>
+          <a:effectRef idx="0">
+            <a:scrgbClr r="0" g="0" b="0"/>
+          </a:effectRef>
+          <a:fontRef idx="minor"/>
+        </p:style>
+      </p:sp>
+      <p:sp>
+        <p:nvSpPr>
+          <p:cNvPr id="104" name="CustomShape 13"/>
+          <p:cNvSpPr/>
+          <p:nvPr/>
+        </p:nvSpPr>
+        <p:spPr>
+          <a:xfrm>
+            <a:off x="8184240" y="3888720"/>
+            <a:ext cx="866160" cy="577440"/>
+          </a:xfrm>
+          <a:prstGeom prst="roundRect">
+            <a:avLst>
+              <a:gd name="adj" fmla="val 10000"/>
+            </a:avLst>
+          </a:prstGeom>
+          <a:solidFill>
+            <a:schemeClr val="accent4">
+              <a:hueOff val="0"/>
+              <a:satOff val="0"/>
+              <a:lumOff val="0"/>
+              <a:alphaOff val="0"/>
+            </a:schemeClr>
+          </a:solidFill>
+          <a:ln>
+            <a:solidFill>
+              <a:schemeClr val="lt1">
+                <a:hueOff val="0"/>
+                <a:satOff val="0"/>
+                <a:lumOff val="0"/>
+                <a:alphaOff val="0"/>
+              </a:schemeClr>
+            </a:solidFill>
+            <a:round/>
+          </a:ln>
+        </p:spPr>
+        <p:style>
+          <a:lnRef idx="2">
+            <a:scrgbClr r="0" g="0" b="0"/>
+          </a:lnRef>
+          <a:fillRef idx="0">
+            <a:scrgbClr r="0" g="0" b="0"/>
+          </a:fillRef>
+          <a:effectRef idx="0">
+            <a:scrgbClr r="0" g="0" b="0"/>
+          </a:effectRef>
+          <a:fontRef idx="minor"/>
+        </p:style>
+        <p:txBody>
+          <a:bodyPr lIns="58680" tIns="58680" rIns="41760" bIns="58680" anchor="ctr"/>
+          <a:lstStyle/>
+          <a:p>
+            <a:pPr algn="ctr">
               <a:lnSpc>
-                <a:spcPct val="100000"/>
+                <a:spcPct val="90000"/>
               </a:lnSpc>
-              <a:buClr>
-                <a:srgbClr val="262626"/>
-              </a:buClr>
-              <a:buFont typeface="Corbel"/>
-              <a:buChar char="–"/>
             </a:pPr>
             <a:r>
-              <a:rPr lang="en-US" sz="1800" b="0" strike="noStrike" spc="-1">
-                <a:solidFill>
-                  <a:srgbClr val="262626"/>
+              <a:rPr lang="en-US" sz="1100" b="0" strike="noStrike" spc="-1">
+                <a:solidFill>
+                  <a:srgbClr val="FFFFFF"/>
                 </a:solidFill>
                 <a:uFill>
                   <a:solidFill>
@@ -8688,35 +8103,138 @@
                 </a:uFill>
                 <a:latin typeface="Corbel"/>
               </a:rPr>
-              <a:t>“No man’s land”</a:t>
+              <a:t>Regions</a:t>
             </a:r>
-            <a:endParaRPr lang="en-US" sz="1600" b="0" strike="noStrike" spc="-1">
+            <a:endParaRPr lang="en-US" sz="1800" b="0" strike="noStrike" spc="-1">
               <a:solidFill>
-                <a:srgbClr val="262626"/>
+                <a:srgbClr val="000000"/>
               </a:solidFill>
               <a:uFill>
                 <a:solidFill>
                   <a:srgbClr val="FFFFFF"/>
                 </a:solidFill>
               </a:uFill>
-              <a:latin typeface="Corbel"/>
+              <a:latin typeface="Arial"/>
             </a:endParaRPr>
           </a:p>
-          <a:p>
-            <a:pPr marL="283320" indent="-282960">
+        </p:txBody>
+      </p:sp>
+      <p:sp>
+        <p:nvSpPr>
+          <p:cNvPr id="105" name="CustomShape 14"/>
+          <p:cNvSpPr/>
+          <p:nvPr/>
+        </p:nvSpPr>
+        <p:spPr>
+          <a:xfrm>
+            <a:off x="8617320" y="4466160"/>
+            <a:ext cx="642600" cy="272520"/>
+          </a:xfrm>
+          <a:custGeom>
+            <a:avLst/>
+            <a:gdLst/>
+            <a:ahLst/>
+            <a:cxnLst/>
+            <a:rect l="l" t="t" r="r" b="b"/>
+            <a:pathLst>
+              <a:path w="642856" h="272940">
+                <a:moveTo>
+                  <a:pt x="0" y="0"/>
+                </a:moveTo>
+                <a:lnTo>
+                  <a:pt x="0" y="136470"/>
+                </a:lnTo>
+                <a:lnTo>
+                  <a:pt x="642856" y="136470"/>
+                </a:lnTo>
+                <a:lnTo>
+                  <a:pt x="642856" y="272940"/>
+                </a:lnTo>
+              </a:path>
+            </a:pathLst>
+          </a:custGeom>
+          <a:noFill/>
+          <a:ln>
+            <a:solidFill>
+              <a:schemeClr val="accent4">
+                <a:hueOff val="0"/>
+                <a:satOff val="0"/>
+                <a:lumOff val="0"/>
+                <a:alphaOff val="0"/>
+              </a:schemeClr>
+            </a:solidFill>
+            <a:round/>
+          </a:ln>
+        </p:spPr>
+        <p:style>
+          <a:lnRef idx="2">
+            <a:scrgbClr r="0" g="0" b="0"/>
+          </a:lnRef>
+          <a:fillRef idx="0">
+            <a:scrgbClr r="0" g="0" b="0"/>
+          </a:fillRef>
+          <a:effectRef idx="0">
+            <a:scrgbClr r="0" g="0" b="0"/>
+          </a:effectRef>
+          <a:fontRef idx="minor"/>
+        </p:style>
+      </p:sp>
+      <p:sp>
+        <p:nvSpPr>
+          <p:cNvPr id="106" name="CustomShape 15"/>
+          <p:cNvSpPr/>
+          <p:nvPr/>
+        </p:nvSpPr>
+        <p:spPr>
+          <a:xfrm>
+            <a:off x="8265600" y="4739040"/>
+            <a:ext cx="1989360" cy="577440"/>
+          </a:xfrm>
+          <a:prstGeom prst="roundRect">
+            <a:avLst>
+              <a:gd name="adj" fmla="val 10000"/>
+            </a:avLst>
+          </a:prstGeom>
+          <a:solidFill>
+            <a:schemeClr val="accent5"/>
+          </a:solidFill>
+          <a:ln>
+            <a:solidFill>
+              <a:schemeClr val="lt1">
+                <a:hueOff val="0"/>
+                <a:satOff val="0"/>
+                <a:lumOff val="0"/>
+                <a:alphaOff val="0"/>
+              </a:schemeClr>
+            </a:solidFill>
+            <a:round/>
+          </a:ln>
+        </p:spPr>
+        <p:style>
+          <a:lnRef idx="2">
+            <a:scrgbClr r="0" g="0" b="0"/>
+          </a:lnRef>
+          <a:fillRef idx="0">
+            <a:scrgbClr r="0" g="0" b="0"/>
+          </a:fillRef>
+          <a:effectRef idx="0">
+            <a:scrgbClr r="0" g="0" b="0"/>
+          </a:effectRef>
+          <a:fontRef idx="minor"/>
+        </p:style>
+        <p:txBody>
+          <a:bodyPr lIns="58680" tIns="58680" rIns="41760" bIns="58680" anchor="ctr"/>
+          <a:lstStyle/>
+          <a:p>
+            <a:pPr algn="ctr">
               <a:lnSpc>
-                <a:spcPct val="112000"/>
+                <a:spcPct val="90000"/>
               </a:lnSpc>
-              <a:buClr>
-                <a:srgbClr val="262626"/>
-              </a:buClr>
-              <a:buFont typeface="Arial"/>
-              <a:buChar char="•"/>
             </a:pPr>
             <a:r>
-              <a:rPr lang="en-US" sz="2000" b="0" strike="noStrike" spc="-1">
-                <a:solidFill>
-                  <a:srgbClr val="262626"/>
+              <a:rPr lang="en-US" sz="1100" b="0" strike="noStrike" spc="-1">
+                <a:solidFill>
+                  <a:srgbClr val="FFFFFF"/>
                 </a:solidFill>
                 <a:uFill>
                   <a:solidFill>
@@ -8725,24 +8243,143 @@
                 </a:uFill>
                 <a:latin typeface="Corbel"/>
               </a:rPr>
-              <a:t>The configuration of the map and each region will be generated each match</a:t>
+              <a:t>Team Objective</a:t>
             </a:r>
-          </a:p>
-          <a:p>
-            <a:pPr marL="283320" indent="-282960">
+            <a:endParaRPr lang="en-US" sz="1800" b="0" strike="noStrike" spc="-1">
+              <a:solidFill>
+                <a:srgbClr val="000000"/>
+              </a:solidFill>
+              <a:uFill>
+                <a:solidFill>
+                  <a:srgbClr val="FFFFFF"/>
+                </a:solidFill>
+              </a:uFill>
+              <a:latin typeface="Arial"/>
+            </a:endParaRPr>
+          </a:p>
+        </p:txBody>
+      </p:sp>
+      <p:sp>
+        <p:nvSpPr>
+          <p:cNvPr id="107" name="CustomShape 16"/>
+          <p:cNvSpPr/>
+          <p:nvPr/>
+        </p:nvSpPr>
+        <p:spPr>
+          <a:xfrm>
+            <a:off x="9180720" y="2848680"/>
+            <a:ext cx="1126080" cy="230760"/>
+          </a:xfrm>
+          <a:custGeom>
+            <a:avLst/>
+            <a:gdLst/>
+            <a:ahLst/>
+            <a:cxnLst/>
+            <a:rect l="l" t="t" r="r" b="b"/>
+            <a:pathLst>
+              <a:path w="1126420" h="231060">
+                <a:moveTo>
+                  <a:pt x="0" y="0"/>
+                </a:moveTo>
+                <a:lnTo>
+                  <a:pt x="0" y="115530"/>
+                </a:lnTo>
+                <a:lnTo>
+                  <a:pt x="1126420" y="115530"/>
+                </a:lnTo>
+                <a:lnTo>
+                  <a:pt x="1126420" y="231060"/>
+                </a:lnTo>
+              </a:path>
+            </a:pathLst>
+          </a:custGeom>
+          <a:noFill/>
+          <a:ln>
+            <a:solidFill>
+              <a:schemeClr val="accent3">
+                <a:hueOff val="0"/>
+                <a:satOff val="0"/>
+                <a:lumOff val="0"/>
+                <a:alphaOff val="0"/>
+              </a:schemeClr>
+            </a:solidFill>
+            <a:round/>
+          </a:ln>
+        </p:spPr>
+        <p:style>
+          <a:lnRef idx="2">
+            <a:scrgbClr r="0" g="0" b="0"/>
+          </a:lnRef>
+          <a:fillRef idx="0">
+            <a:scrgbClr r="0" g="0" b="0"/>
+          </a:fillRef>
+          <a:effectRef idx="0">
+            <a:scrgbClr r="0" g="0" b="0"/>
+          </a:effectRef>
+          <a:fontRef idx="minor"/>
+        </p:style>
+      </p:sp>
+      <p:sp>
+        <p:nvSpPr>
+          <p:cNvPr id="108" name="CustomShape 17"/>
+          <p:cNvSpPr/>
+          <p:nvPr/>
+        </p:nvSpPr>
+        <p:spPr>
+          <a:xfrm>
+            <a:off x="9873720" y="3079800"/>
+            <a:ext cx="996120" cy="577440"/>
+          </a:xfrm>
+          <a:prstGeom prst="roundRect">
+            <a:avLst>
+              <a:gd name="adj" fmla="val 10000"/>
+            </a:avLst>
+          </a:prstGeom>
+          <a:solidFill>
+            <a:schemeClr val="accent3">
+              <a:hueOff val="0"/>
+              <a:satOff val="0"/>
+              <a:lumOff val="0"/>
+              <a:alphaOff val="0"/>
+            </a:schemeClr>
+          </a:solidFill>
+          <a:ln>
+            <a:solidFill>
+              <a:schemeClr val="lt1">
+                <a:hueOff val="0"/>
+                <a:satOff val="0"/>
+                <a:lumOff val="0"/>
+                <a:alphaOff val="0"/>
+              </a:schemeClr>
+            </a:solidFill>
+            <a:round/>
+          </a:ln>
+        </p:spPr>
+        <p:style>
+          <a:lnRef idx="2">
+            <a:scrgbClr r="0" g="0" b="0"/>
+          </a:lnRef>
+          <a:fillRef idx="0">
+            <a:scrgbClr r="0" g="0" b="0"/>
+          </a:fillRef>
+          <a:effectRef idx="0">
+            <a:scrgbClr r="0" g="0" b="0"/>
+          </a:effectRef>
+          <a:fontRef idx="minor"/>
+        </p:style>
+        <p:txBody>
+          <a:bodyPr lIns="58680" tIns="58680" rIns="41760" bIns="58680" anchor="ctr"/>
+          <a:lstStyle/>
+          <a:p>
+            <a:pPr algn="ctr">
               <a:lnSpc>
-                <a:spcPct val="112000"/>
+                <a:spcPct val="90000"/>
               </a:lnSpc>
-              <a:buClr>
-                <a:srgbClr val="262626"/>
-              </a:buClr>
-              <a:buFont typeface="Arial"/>
-              <a:buChar char="•"/>
             </a:pPr>
             <a:r>
-              <a:rPr lang="en-US" sz="2000" b="0" strike="noStrike" spc="-1">
-                <a:solidFill>
-                  <a:srgbClr val="262626"/>
+              <a:rPr lang="en-US" sz="1100" b="0" strike="noStrike" spc="-1" dirty="0">
+                <a:solidFill>
+                  <a:srgbClr val="FFFFFF"/>
                 </a:solidFill>
                 <a:uFill>
                   <a:solidFill>
@@ -8751,24 +8388,143 @@
                 </a:uFill>
                 <a:latin typeface="Corbel"/>
               </a:rPr>
-              <a:t>Resources and enemies will be region specific</a:t>
+              <a:t>Components</a:t>
             </a:r>
-          </a:p>
-          <a:p>
-            <a:pPr marL="685800" lvl="1" indent="-282960">
+            <a:endParaRPr lang="en-US" sz="1800" b="0" strike="noStrike" spc="-1" dirty="0">
+              <a:solidFill>
+                <a:srgbClr val="000000"/>
+              </a:solidFill>
+              <a:uFill>
+                <a:solidFill>
+                  <a:srgbClr val="FFFFFF"/>
+                </a:solidFill>
+              </a:uFill>
+              <a:latin typeface="Arial"/>
+            </a:endParaRPr>
+          </a:p>
+        </p:txBody>
+      </p:sp>
+      <p:sp>
+        <p:nvSpPr>
+          <p:cNvPr id="109" name="CustomShape 18"/>
+          <p:cNvSpPr/>
+          <p:nvPr/>
+        </p:nvSpPr>
+        <p:spPr>
+          <a:xfrm>
+            <a:off x="9743760" y="3657600"/>
+            <a:ext cx="562680" cy="230760"/>
+          </a:xfrm>
+          <a:custGeom>
+            <a:avLst/>
+            <a:gdLst/>
+            <a:ahLst/>
+            <a:cxnLst/>
+            <a:rect l="l" t="t" r="r" b="b"/>
+            <a:pathLst>
+              <a:path w="563210" h="231060">
+                <a:moveTo>
+                  <a:pt x="563210" y="0"/>
+                </a:moveTo>
+                <a:lnTo>
+                  <a:pt x="563210" y="115530"/>
+                </a:lnTo>
+                <a:lnTo>
+                  <a:pt x="0" y="115530"/>
+                </a:lnTo>
+                <a:lnTo>
+                  <a:pt x="0" y="231060"/>
+                </a:lnTo>
+              </a:path>
+            </a:pathLst>
+          </a:custGeom>
+          <a:noFill/>
+          <a:ln>
+            <a:solidFill>
+              <a:schemeClr val="accent4">
+                <a:hueOff val="0"/>
+                <a:satOff val="0"/>
+                <a:lumOff val="0"/>
+                <a:alphaOff val="0"/>
+              </a:schemeClr>
+            </a:solidFill>
+            <a:round/>
+          </a:ln>
+        </p:spPr>
+        <p:style>
+          <a:lnRef idx="2">
+            <a:scrgbClr r="0" g="0" b="0"/>
+          </a:lnRef>
+          <a:fillRef idx="0">
+            <a:scrgbClr r="0" g="0" b="0"/>
+          </a:fillRef>
+          <a:effectRef idx="0">
+            <a:scrgbClr r="0" g="0" b="0"/>
+          </a:effectRef>
+          <a:fontRef idx="minor"/>
+        </p:style>
+      </p:sp>
+      <p:sp>
+        <p:nvSpPr>
+          <p:cNvPr id="110" name="CustomShape 19"/>
+          <p:cNvSpPr/>
+          <p:nvPr/>
+        </p:nvSpPr>
+        <p:spPr>
+          <a:xfrm>
+            <a:off x="9310680" y="3888720"/>
+            <a:ext cx="866160" cy="577440"/>
+          </a:xfrm>
+          <a:prstGeom prst="roundRect">
+            <a:avLst>
+              <a:gd name="adj" fmla="val 10000"/>
+            </a:avLst>
+          </a:prstGeom>
+          <a:solidFill>
+            <a:schemeClr val="accent4">
+              <a:hueOff val="0"/>
+              <a:satOff val="0"/>
+              <a:lumOff val="0"/>
+              <a:alphaOff val="0"/>
+            </a:schemeClr>
+          </a:solidFill>
+          <a:ln>
+            <a:solidFill>
+              <a:schemeClr val="lt1">
+                <a:hueOff val="0"/>
+                <a:satOff val="0"/>
+                <a:lumOff val="0"/>
+                <a:alphaOff val="0"/>
+              </a:schemeClr>
+            </a:solidFill>
+            <a:round/>
+          </a:ln>
+        </p:spPr>
+        <p:style>
+          <a:lnRef idx="2">
+            <a:scrgbClr r="0" g="0" b="0"/>
+          </a:lnRef>
+          <a:fillRef idx="0">
+            <a:scrgbClr r="0" g="0" b="0"/>
+          </a:fillRef>
+          <a:effectRef idx="0">
+            <a:scrgbClr r="0" g="0" b="0"/>
+          </a:effectRef>
+          <a:fontRef idx="minor"/>
+        </p:style>
+        <p:txBody>
+          <a:bodyPr lIns="58680" tIns="58680" rIns="41760" bIns="58680" anchor="ctr"/>
+          <a:lstStyle/>
+          <a:p>
+            <a:pPr algn="ctr">
               <a:lnSpc>
-                <a:spcPct val="100000"/>
+                <a:spcPct val="90000"/>
               </a:lnSpc>
-              <a:buClr>
-                <a:srgbClr val="262626"/>
-              </a:buClr>
-              <a:buFont typeface="Corbel"/>
-              <a:buChar char="–"/>
             </a:pPr>
             <a:r>
-              <a:rPr lang="en-US" sz="1800" b="0" strike="noStrike" spc="-1">
-                <a:solidFill>
-                  <a:srgbClr val="262626"/>
+              <a:rPr lang="en-US" sz="1100" b="0" strike="noStrike" spc="-1">
+                <a:solidFill>
+                  <a:srgbClr val="FFFFFF"/>
                 </a:solidFill>
                 <a:uFill>
                   <a:solidFill>
@@ -8777,45 +8533,294 @@
                 </a:uFill>
                 <a:latin typeface="Corbel"/>
               </a:rPr>
-              <a:t>Excluding generic (common) resources that might appear in multiple regions at varying percentages (wood, rocks, etc.)</a:t>
+              <a:t>Resources</a:t>
             </a:r>
-            <a:endParaRPr lang="en-US" sz="1600" b="0" strike="noStrike" spc="-1">
+            <a:endParaRPr lang="en-US" sz="1800" b="0" strike="noStrike" spc="-1">
               <a:solidFill>
-                <a:srgbClr val="262626"/>
+                <a:srgbClr val="000000"/>
               </a:solidFill>
               <a:uFill>
                 <a:solidFill>
                   <a:srgbClr val="FFFFFF"/>
                 </a:solidFill>
               </a:uFill>
-              <a:latin typeface="Corbel"/>
+              <a:latin typeface="Arial"/>
             </a:endParaRPr>
           </a:p>
         </p:txBody>
       </p:sp>
-      <p:pic>
-        <p:nvPicPr>
-          <p:cNvPr id="119" name="Picture 4"/>
-          <p:cNvPicPr/>
+      <p:sp>
+        <p:nvSpPr>
+          <p:cNvPr id="111" name="CustomShape 20"/>
+          <p:cNvSpPr/>
           <p:nvPr/>
-        </p:nvPicPr>
-        <p:blipFill>
-          <a:blip r:embed="rId2"/>
-          <a:stretch/>
-        </p:blipFill>
-        <p:spPr>
-          <a:xfrm>
-            <a:off x="7300080" y="1121040"/>
-            <a:ext cx="2297520" cy="1893240"/>
-          </a:xfrm>
-          <a:prstGeom prst="rect">
+        </p:nvSpPr>
+        <p:spPr>
+          <a:xfrm>
+            <a:off x="10307160" y="3657600"/>
+            <a:ext cx="562680" cy="230760"/>
+          </a:xfrm>
+          <a:custGeom>
+            <a:avLst/>
+            <a:gdLst/>
+            <a:ahLst/>
+            <a:cxnLst/>
+            <a:rect l="l" t="t" r="r" b="b"/>
+            <a:pathLst>
+              <a:path w="563210" h="231060">
+                <a:moveTo>
+                  <a:pt x="0" y="0"/>
+                </a:moveTo>
+                <a:lnTo>
+                  <a:pt x="0" y="115530"/>
+                </a:lnTo>
+                <a:lnTo>
+                  <a:pt x="563210" y="115530"/>
+                </a:lnTo>
+                <a:lnTo>
+                  <a:pt x="563210" y="231060"/>
+                </a:lnTo>
+              </a:path>
+            </a:pathLst>
+          </a:custGeom>
+          <a:noFill/>
+          <a:ln>
+            <a:solidFill>
+              <a:schemeClr val="accent4">
+                <a:hueOff val="0"/>
+                <a:satOff val="0"/>
+                <a:lumOff val="0"/>
+                <a:alphaOff val="0"/>
+              </a:schemeClr>
+            </a:solidFill>
+            <a:round/>
+          </a:ln>
+        </p:spPr>
+        <p:style>
+          <a:lnRef idx="2">
+            <a:scrgbClr r="0" g="0" b="0"/>
+          </a:lnRef>
+          <a:fillRef idx="0">
+            <a:scrgbClr r="0" g="0" b="0"/>
+          </a:fillRef>
+          <a:effectRef idx="0">
+            <a:scrgbClr r="0" g="0" b="0"/>
+          </a:effectRef>
+          <a:fontRef idx="minor"/>
+        </p:style>
+      </p:sp>
+      <p:sp>
+        <p:nvSpPr>
+          <p:cNvPr id="112" name="CustomShape 21"/>
+          <p:cNvSpPr/>
+          <p:nvPr/>
+        </p:nvSpPr>
+        <p:spPr>
+          <a:xfrm>
+            <a:off x="10437120" y="3888720"/>
+            <a:ext cx="992520" cy="577440"/>
+          </a:xfrm>
+          <a:prstGeom prst="roundRect">
+            <a:avLst>
+              <a:gd name="adj" fmla="val 10000"/>
+            </a:avLst>
+          </a:prstGeom>
+          <a:solidFill>
+            <a:schemeClr val="accent4">
+              <a:hueOff val="0"/>
+              <a:satOff val="0"/>
+              <a:lumOff val="0"/>
+              <a:alphaOff val="0"/>
+            </a:schemeClr>
+          </a:solidFill>
+          <a:ln>
+            <a:solidFill>
+              <a:schemeClr val="lt1">
+                <a:hueOff val="0"/>
+                <a:satOff val="0"/>
+                <a:lumOff val="0"/>
+                <a:alphaOff val="0"/>
+              </a:schemeClr>
+            </a:solidFill>
+            <a:round/>
+          </a:ln>
+        </p:spPr>
+        <p:style>
+          <a:lnRef idx="2">
+            <a:scrgbClr r="0" g="0" b="0"/>
+          </a:lnRef>
+          <a:fillRef idx="0">
+            <a:scrgbClr r="0" g="0" b="0"/>
+          </a:fillRef>
+          <a:effectRef idx="0">
+            <a:scrgbClr r="0" g="0" b="0"/>
+          </a:effectRef>
+          <a:fontRef idx="minor"/>
+        </p:style>
+        <p:txBody>
+          <a:bodyPr lIns="58680" tIns="58680" rIns="41760" bIns="58680" anchor="ctr"/>
+          <a:lstStyle/>
+          <a:p>
+            <a:pPr algn="ctr">
+              <a:lnSpc>
+                <a:spcPct val="90000"/>
+              </a:lnSpc>
+            </a:pPr>
+            <a:r>
+              <a:rPr lang="en-US" sz="1100" b="0" strike="noStrike" spc="-1">
+                <a:solidFill>
+                  <a:srgbClr val="FFFFFF"/>
+                </a:solidFill>
+                <a:uFill>
+                  <a:solidFill>
+                    <a:srgbClr val="FFFFFF"/>
+                  </a:solidFill>
+                </a:uFill>
+                <a:latin typeface="Corbel"/>
+              </a:rPr>
+              <a:t>Enemy Composition</a:t>
+            </a:r>
+            <a:endParaRPr lang="en-US" sz="1800" b="0" strike="noStrike" spc="-1">
+              <a:solidFill>
+                <a:srgbClr val="000000"/>
+              </a:solidFill>
+              <a:uFill>
+                <a:solidFill>
+                  <a:srgbClr val="FFFFFF"/>
+                </a:solidFill>
+              </a:uFill>
+              <a:latin typeface="Arial"/>
+            </a:endParaRPr>
+          </a:p>
+        </p:txBody>
+      </p:sp>
+      <p:sp>
+        <p:nvSpPr>
+          <p:cNvPr id="113" name="Line 22"/>
+          <p:cNvSpPr/>
+          <p:nvPr/>
+        </p:nvSpPr>
+        <p:spPr>
+          <a:xfrm>
+            <a:off x="7462440" y="4498200"/>
+            <a:ext cx="360" cy="122040"/>
+          </a:xfrm>
+          <a:prstGeom prst="line">
             <a:avLst/>
           </a:prstGeom>
           <a:ln>
-            <a:noFill/>
+            <a:round/>
           </a:ln>
         </p:spPr>
-      </p:pic>
+        <p:style>
+          <a:lnRef idx="1">
+            <a:schemeClr val="accent1"/>
+          </a:lnRef>
+          <a:fillRef idx="0">
+            <a:schemeClr val="accent1"/>
+          </a:fillRef>
+          <a:effectRef idx="0">
+            <a:schemeClr val="accent1"/>
+          </a:effectRef>
+          <a:fontRef idx="minor"/>
+        </p:style>
+      </p:sp>
+      <p:sp>
+        <p:nvSpPr>
+          <p:cNvPr id="114" name="Line 23"/>
+          <p:cNvSpPr/>
+          <p:nvPr/>
+        </p:nvSpPr>
+        <p:spPr>
+          <a:xfrm flipH="1" flipV="1">
+            <a:off x="7459920" y="4620240"/>
+            <a:ext cx="3472200" cy="2520"/>
+          </a:xfrm>
+          <a:prstGeom prst="line">
+            <a:avLst/>
+          </a:prstGeom>
+          <a:ln w="19080">
+            <a:solidFill>
+              <a:schemeClr val="accent4"/>
+            </a:solidFill>
+            <a:round/>
+          </a:ln>
+        </p:spPr>
+        <p:style>
+          <a:lnRef idx="1">
+            <a:schemeClr val="accent1"/>
+          </a:lnRef>
+          <a:fillRef idx="0">
+            <a:schemeClr val="accent1"/>
+          </a:fillRef>
+          <a:effectRef idx="0">
+            <a:schemeClr val="accent1"/>
+          </a:effectRef>
+          <a:fontRef idx="minor"/>
+        </p:style>
+      </p:sp>
+      <p:sp>
+        <p:nvSpPr>
+          <p:cNvPr id="115" name="Line 24"/>
+          <p:cNvSpPr/>
+          <p:nvPr/>
+        </p:nvSpPr>
+        <p:spPr>
+          <a:xfrm>
+            <a:off x="10932120" y="4498200"/>
+            <a:ext cx="360" cy="122040"/>
+          </a:xfrm>
+          <a:prstGeom prst="line">
+            <a:avLst/>
+          </a:prstGeom>
+          <a:ln>
+            <a:round/>
+          </a:ln>
+        </p:spPr>
+        <p:style>
+          <a:lnRef idx="1">
+            <a:schemeClr val="accent1"/>
+          </a:lnRef>
+          <a:fillRef idx="0">
+            <a:schemeClr val="accent1"/>
+          </a:fillRef>
+          <a:effectRef idx="0">
+            <a:schemeClr val="accent1"/>
+          </a:effectRef>
+          <a:fontRef idx="minor"/>
+        </p:style>
+      </p:sp>
+      <p:sp>
+        <p:nvSpPr>
+          <p:cNvPr id="116" name="Line 25"/>
+          <p:cNvSpPr/>
+          <p:nvPr/>
+        </p:nvSpPr>
+        <p:spPr>
+          <a:xfrm>
+            <a:off x="9727920" y="4498200"/>
+            <a:ext cx="360" cy="119520"/>
+          </a:xfrm>
+          <a:prstGeom prst="line">
+            <a:avLst/>
+          </a:prstGeom>
+          <a:ln>
+            <a:round/>
+          </a:ln>
+        </p:spPr>
+        <p:style>
+          <a:lnRef idx="1">
+            <a:schemeClr val="accent1"/>
+          </a:lnRef>
+          <a:fillRef idx="0">
+            <a:schemeClr val="accent1"/>
+          </a:fillRef>
+          <a:effectRef idx="0">
+            <a:schemeClr val="accent1"/>
+          </a:effectRef>
+          <a:fontRef idx="minor"/>
+        </p:style>
+      </p:sp>
     </p:spTree>
   </p:cSld>
   <p:clrMapOvr>
@@ -8852,6 +8857,432 @@
 </file>
 
 <file path=ppt/slides/slide7.xml><?xml version="1.0" encoding="utf-8"?>
+<p:sld xmlns:a="http://schemas.openxmlformats.org/drawingml/2006/main" xmlns:r="http://schemas.openxmlformats.org/officeDocument/2006/relationships" xmlns:p="http://schemas.openxmlformats.org/presentationml/2006/main">
+  <p:cSld>
+    <p:spTree>
+      <p:nvGrpSpPr>
+        <p:cNvPr id="1" name=""/>
+        <p:cNvGrpSpPr/>
+        <p:nvPr/>
+      </p:nvGrpSpPr>
+      <p:grpSpPr>
+        <a:xfrm>
+          <a:off x="0" y="0"/>
+          <a:ext cx="0" cy="0"/>
+          <a:chOff x="0" y="0"/>
+          <a:chExt cx="0" cy="0"/>
+        </a:xfrm>
+      </p:grpSpPr>
+      <p:sp>
+        <p:nvSpPr>
+          <p:cNvPr id="124" name="TextShape 1"/>
+          <p:cNvSpPr txBox="1"/>
+          <p:nvPr/>
+        </p:nvSpPr>
+        <p:spPr>
+          <a:xfrm>
+            <a:off x="762120" y="559800"/>
+            <a:ext cx="3833640" cy="4952160"/>
+          </a:xfrm>
+          <a:prstGeom prst="rect">
+            <a:avLst/>
+          </a:prstGeom>
+          <a:noFill/>
+          <a:ln>
+            <a:noFill/>
+          </a:ln>
+        </p:spPr>
+        <p:txBody>
+          <a:bodyPr lIns="0" tIns="0" rIns="0" bIns="0" anchor="t"/>
+          <a:lstStyle/>
+          <a:p>
+            <a:pPr algn="r"/>
+            <a:r>
+              <a:rPr lang="en-US" sz="5000" b="0" i="1" strike="noStrike" spc="-1" dirty="0">
+                <a:solidFill>
+                  <a:srgbClr val="000000"/>
+                </a:solidFill>
+                <a:uFill>
+                  <a:solidFill>
+                    <a:srgbClr val="FFFFFF"/>
+                  </a:solidFill>
+                </a:uFill>
+                <a:latin typeface="Century Schoolbook" panose="02040604050505020304" pitchFamily="18" charset="0"/>
+              </a:rPr>
+              <a:t>Networking</a:t>
+            </a:r>
+          </a:p>
+        </p:txBody>
+      </p:sp>
+      <p:sp>
+        <p:nvSpPr>
+          <p:cNvPr id="125" name="TextShape 2"/>
+          <p:cNvSpPr txBox="1"/>
+          <p:nvPr/>
+        </p:nvSpPr>
+        <p:spPr>
+          <a:xfrm>
+            <a:off x="4595760" y="1772587"/>
+            <a:ext cx="6766560" cy="2526585"/>
+          </a:xfrm>
+          <a:prstGeom prst="rect">
+            <a:avLst/>
+          </a:prstGeom>
+          <a:noFill/>
+          <a:ln>
+            <a:noFill/>
+          </a:ln>
+        </p:spPr>
+        <p:txBody>
+          <a:bodyPr lIns="90000" tIns="45000" rIns="90000" bIns="45000"/>
+          <a:lstStyle/>
+          <a:p>
+            <a:pPr marL="216000" indent="-216000">
+              <a:buClr>
+                <a:srgbClr val="000000"/>
+              </a:buClr>
+              <a:buSzPct val="45000"/>
+              <a:buFont typeface="Wingdings" charset="2"/>
+              <a:buChar char=""/>
+            </a:pPr>
+            <a:r>
+              <a:rPr lang="en-US" sz="2000" b="0" strike="noStrike" spc="-1" dirty="0">
+                <a:solidFill>
+                  <a:srgbClr val="000000"/>
+                </a:solidFill>
+                <a:uFill>
+                  <a:solidFill>
+                    <a:srgbClr val="FFFFFF"/>
+                  </a:solidFill>
+                </a:uFill>
+                <a:latin typeface="Corbel" panose="020B0503020204020204" pitchFamily="34" charset="0"/>
+              </a:rPr>
+              <a:t>One player will host the game (act as a server), other players will act as clients</a:t>
+            </a:r>
+          </a:p>
+          <a:p>
+            <a:pPr marL="216000" indent="-216000">
+              <a:buClr>
+                <a:srgbClr val="000000"/>
+              </a:buClr>
+              <a:buSzPct val="45000"/>
+              <a:buFont typeface="Wingdings" charset="2"/>
+              <a:buChar char=""/>
+            </a:pPr>
+            <a:r>
+              <a:rPr lang="en-US" sz="2000" b="0" strike="noStrike" spc="-1" dirty="0">
+                <a:solidFill>
+                  <a:srgbClr val="000000"/>
+                </a:solidFill>
+                <a:uFill>
+                  <a:solidFill>
+                    <a:srgbClr val="FFFFFF"/>
+                  </a:solidFill>
+                </a:uFill>
+                <a:latin typeface="Corbel" panose="020B0503020204020204" pitchFamily="34" charset="0"/>
+              </a:rPr>
+              <a:t>Computer-Controlled Players (AI), Field Layout, and Items on the field will be controlled by the server</a:t>
+            </a:r>
+          </a:p>
+          <a:p>
+            <a:pPr marL="216000" indent="-216000">
+              <a:buClr>
+                <a:srgbClr val="000000"/>
+              </a:buClr>
+              <a:buSzPct val="45000"/>
+              <a:buFont typeface="Wingdings" charset="2"/>
+              <a:buChar char=""/>
+            </a:pPr>
+            <a:r>
+              <a:rPr lang="en-US" sz="2000" b="0" strike="noStrike" spc="-1" dirty="0">
+                <a:solidFill>
+                  <a:srgbClr val="000000"/>
+                </a:solidFill>
+                <a:uFill>
+                  <a:solidFill>
+                    <a:srgbClr val="FFFFFF"/>
+                  </a:solidFill>
+                </a:uFill>
+                <a:latin typeface="Corbel" panose="020B0503020204020204" pitchFamily="34" charset="0"/>
+              </a:rPr>
+              <a:t>Clients will only control their player and view the Game around them</a:t>
+            </a:r>
+          </a:p>
+          <a:p>
+            <a:pPr marL="216000" indent="-216000">
+              <a:buClr>
+                <a:srgbClr val="000000"/>
+              </a:buClr>
+              <a:buSzPct val="45000"/>
+              <a:buFont typeface="Wingdings" charset="2"/>
+              <a:buChar char=""/>
+            </a:pPr>
+            <a:r>
+              <a:rPr lang="en-US" sz="2000" b="0" strike="noStrike" spc="-1" dirty="0">
+                <a:solidFill>
+                  <a:srgbClr val="000000"/>
+                </a:solidFill>
+                <a:uFill>
+                  <a:solidFill>
+                    <a:srgbClr val="FFFFFF"/>
+                  </a:solidFill>
+                </a:uFill>
+                <a:latin typeface="Corbel" panose="020B0503020204020204" pitchFamily="34" charset="0"/>
+              </a:rPr>
+              <a:t>If in a single-player mode, Client and server will run on the same computer, and all other players will be controlled by AI</a:t>
+            </a:r>
+          </a:p>
+        </p:txBody>
+      </p:sp>
+    </p:spTree>
+  </p:cSld>
+  <p:clrMapOvr>
+    <a:masterClrMapping/>
+  </p:clrMapOvr>
+  <p:timing>
+    <p:tnLst>
+      <p:par>
+        <p:cTn id="1" dur="indefinite" restart="never" nodeType="tmRoot">
+          <p:childTnLst>
+            <p:seq>
+              <p:cTn id="2" nodeType="mainSeq"/>
+              <p:prevCondLst>
+                <p:cond evt="onPrev" delay="0">
+                  <p:tgtEl>
+                    <p:sldTgt/>
+                  </p:tgtEl>
+                </p:cond>
+              </p:prevCondLst>
+              <p:nextCondLst>
+                <p:cond evt="onNext" delay="0">
+                  <p:tgtEl>
+                    <p:sldTgt/>
+                  </p:tgtEl>
+                </p:cond>
+              </p:nextCondLst>
+            </p:seq>
+          </p:childTnLst>
+        </p:cTn>
+      </p:par>
+    </p:tnLst>
+  </p:timing>
+</p:sld>
+</file>
+
+<file path=ppt/slides/slide8.xml><?xml version="1.0" encoding="utf-8"?>
+<p:sld xmlns:a="http://schemas.openxmlformats.org/drawingml/2006/main" xmlns:r="http://schemas.openxmlformats.org/officeDocument/2006/relationships" xmlns:p="http://schemas.openxmlformats.org/presentationml/2006/main">
+  <p:cSld>
+    <p:spTree>
+      <p:nvGrpSpPr>
+        <p:cNvPr id="1" name=""/>
+        <p:cNvGrpSpPr/>
+        <p:nvPr/>
+      </p:nvGrpSpPr>
+      <p:grpSpPr>
+        <a:xfrm>
+          <a:off x="0" y="0"/>
+          <a:ext cx="0" cy="0"/>
+          <a:chOff x="0" y="0"/>
+          <a:chExt cx="0" cy="0"/>
+        </a:xfrm>
+      </p:grpSpPr>
+      <p:sp>
+        <p:nvSpPr>
+          <p:cNvPr id="122" name="TextShape 1"/>
+          <p:cNvSpPr txBox="1"/>
+          <p:nvPr/>
+        </p:nvSpPr>
+        <p:spPr>
+          <a:xfrm>
+            <a:off x="762120" y="559800"/>
+            <a:ext cx="3833640" cy="4952160"/>
+          </a:xfrm>
+          <a:prstGeom prst="rect">
+            <a:avLst/>
+          </a:prstGeom>
+          <a:noFill/>
+          <a:ln>
+            <a:noFill/>
+          </a:ln>
+        </p:spPr>
+        <p:txBody>
+          <a:bodyPr lIns="0" tIns="0" rIns="0" bIns="0" anchor="t"/>
+          <a:lstStyle/>
+          <a:p>
+            <a:pPr algn="r"/>
+            <a:r>
+              <a:rPr lang="en-US" sz="5000" b="0" i="1" strike="noStrike" spc="-1" dirty="0">
+                <a:solidFill>
+                  <a:srgbClr val="000000"/>
+                </a:solidFill>
+                <a:uFill>
+                  <a:solidFill>
+                    <a:srgbClr val="FFFFFF"/>
+                  </a:solidFill>
+                </a:uFill>
+                <a:latin typeface="Century Schoolbook" panose="02040604050505020304" pitchFamily="18" charset="0"/>
+              </a:rPr>
+              <a:t>Audio Design</a:t>
+            </a:r>
+          </a:p>
+        </p:txBody>
+      </p:sp>
+      <p:sp>
+        <p:nvSpPr>
+          <p:cNvPr id="123" name="TextShape 2"/>
+          <p:cNvSpPr txBox="1"/>
+          <p:nvPr/>
+        </p:nvSpPr>
+        <p:spPr>
+          <a:xfrm>
+            <a:off x="5128214" y="1766868"/>
+            <a:ext cx="6248160" cy="2538024"/>
+          </a:xfrm>
+          <a:prstGeom prst="rect">
+            <a:avLst/>
+          </a:prstGeom>
+          <a:noFill/>
+          <a:ln>
+            <a:noFill/>
+          </a:ln>
+        </p:spPr>
+        <p:txBody>
+          <a:bodyPr lIns="0" tIns="0" rIns="0" bIns="0" anchor="ctr"/>
+          <a:lstStyle/>
+          <a:p>
+            <a:pPr marL="432000" indent="-324000">
+              <a:buClr>
+                <a:srgbClr val="000000"/>
+              </a:buClr>
+              <a:buSzPct val="45000"/>
+              <a:buFont typeface="Wingdings" charset="2"/>
+              <a:buChar char=""/>
+            </a:pPr>
+            <a:r>
+              <a:rPr lang="en-US" sz="2000" b="0" strike="noStrike" spc="-1" dirty="0">
+                <a:solidFill>
+                  <a:srgbClr val="262626"/>
+                </a:solidFill>
+                <a:uFill>
+                  <a:solidFill>
+                    <a:srgbClr val="FFFFFF"/>
+                  </a:solidFill>
+                </a:uFill>
+                <a:latin typeface="Corbel"/>
+              </a:rPr>
+              <a:t>During the Battle Sequences, the focus will be on gameplay</a:t>
+            </a:r>
+          </a:p>
+          <a:p>
+            <a:pPr marL="432000" indent="-324000">
+              <a:buClr>
+                <a:srgbClr val="000000"/>
+              </a:buClr>
+              <a:buSzPct val="45000"/>
+              <a:buFont typeface="Wingdings" charset="2"/>
+              <a:buChar char=""/>
+            </a:pPr>
+            <a:r>
+              <a:rPr lang="en-US" sz="2000" b="0" strike="noStrike" spc="-1" dirty="0">
+                <a:solidFill>
+                  <a:srgbClr val="262626"/>
+                </a:solidFill>
+                <a:uFill>
+                  <a:solidFill>
+                    <a:srgbClr val="FFFFFF"/>
+                  </a:solidFill>
+                </a:uFill>
+                <a:latin typeface="Corbel"/>
+              </a:rPr>
+              <a:t>Sound Effects will be louder, music will be in the background</a:t>
+            </a:r>
+          </a:p>
+          <a:p>
+            <a:pPr marL="864000" lvl="1" indent="-324000">
+              <a:buClr>
+                <a:srgbClr val="000000"/>
+              </a:buClr>
+              <a:buSzPct val="75000"/>
+              <a:buFont typeface="Symbol" charset="2"/>
+              <a:buChar char=""/>
+            </a:pPr>
+            <a:r>
+              <a:rPr lang="en-US" sz="2000" b="0" strike="noStrike" spc="-1" dirty="0">
+                <a:solidFill>
+                  <a:srgbClr val="262626"/>
+                </a:solidFill>
+                <a:uFill>
+                  <a:solidFill>
+                    <a:srgbClr val="FFFFFF"/>
+                  </a:solidFill>
+                </a:uFill>
+                <a:latin typeface="Corbel"/>
+              </a:rPr>
+              <a:t>Battlefields are usually noisy with the sound effects</a:t>
+            </a:r>
+          </a:p>
+          <a:p>
+            <a:pPr marL="432000" indent="-324000">
+              <a:buClr>
+                <a:srgbClr val="000000"/>
+              </a:buClr>
+              <a:buSzPct val="45000"/>
+              <a:buFont typeface="Wingdings" charset="2"/>
+              <a:buChar char=""/>
+            </a:pPr>
+            <a:r>
+              <a:rPr lang="en-US" sz="2000" b="0" strike="noStrike" spc="-1" dirty="0">
+                <a:solidFill>
+                  <a:srgbClr val="262626"/>
+                </a:solidFill>
+                <a:uFill>
+                  <a:solidFill>
+                    <a:srgbClr val="FFFFFF"/>
+                  </a:solidFill>
+                </a:uFill>
+                <a:latin typeface="Corbel"/>
+              </a:rPr>
+              <a:t>Music will be more minimal and syncopated, but can swell when the player is close to an enemy or the match is about over or during other tense moments</a:t>
+            </a:r>
+          </a:p>
+        </p:txBody>
+      </p:sp>
+    </p:spTree>
+  </p:cSld>
+  <p:clrMapOvr>
+    <a:masterClrMapping/>
+  </p:clrMapOvr>
+  <p:timing>
+    <p:tnLst>
+      <p:par>
+        <p:cTn id="1" dur="indefinite" restart="never" nodeType="tmRoot">
+          <p:childTnLst>
+            <p:seq>
+              <p:cTn id="2" nodeType="mainSeq"/>
+              <p:prevCondLst>
+                <p:cond evt="onPrev" delay="0">
+                  <p:tgtEl>
+                    <p:sldTgt/>
+                  </p:tgtEl>
+                </p:cond>
+              </p:prevCondLst>
+              <p:nextCondLst>
+                <p:cond evt="onNext" delay="0">
+                  <p:tgtEl>
+                    <p:sldTgt/>
+                  </p:tgtEl>
+                </p:cond>
+              </p:nextCondLst>
+            </p:seq>
+          </p:childTnLst>
+        </p:cTn>
+      </p:par>
+    </p:tnLst>
+  </p:timing>
+</p:sld>
+</file>
+
+<file path=ppt/slides/slide9.xml><?xml version="1.0" encoding="utf-8"?>
 <p:sld xmlns:a="http://schemas.openxmlformats.org/drawingml/2006/main" xmlns:r="http://schemas.openxmlformats.org/officeDocument/2006/relationships" xmlns:p="http://schemas.openxmlformats.org/presentationml/2006/main">
   <p:cSld>
     <p:spTree>
@@ -10674,7 +11105,7 @@
                         </a:lnSpc>
                       </a:pPr>
                       <a:r>
-                        <a:rPr lang="en-US" sz="1800" b="0" strike="noStrike" spc="-1">
+                        <a:rPr lang="en-US" sz="1800" b="0" strike="noStrike" spc="-1" dirty="0">
                           <a:solidFill>
                             <a:srgbClr val="000000"/>
                           </a:solidFill>
@@ -10687,7 +11118,7 @@
                         </a:rPr>
                         <a:t>Phase 6</a:t>
                       </a:r>
-                      <a:endParaRPr lang="en-US" sz="1800" b="0" strike="noStrike" spc="-1">
+                      <a:endParaRPr lang="en-US" sz="1800" b="0" strike="noStrike" spc="-1" dirty="0">
                         <a:solidFill>
                           <a:srgbClr val="000000"/>
                         </a:solidFill>
@@ -10891,7 +11322,7 @@
                         </a:lnSpc>
                       </a:pPr>
                       <a:r>
-                        <a:rPr lang="en-US" sz="1800" b="0" strike="noStrike" spc="-1">
+                        <a:rPr lang="en-US" sz="1800" b="0" strike="noStrike" spc="-1" dirty="0">
                           <a:solidFill>
                             <a:srgbClr val="000000"/>
                           </a:solidFill>
@@ -10904,7 +11335,7 @@
                         </a:rPr>
                         <a:t>Refine</a:t>
                       </a:r>
-                      <a:endParaRPr lang="en-US" sz="1800" b="0" strike="noStrike" spc="-1">
+                      <a:endParaRPr lang="en-US" sz="1800" b="0" strike="noStrike" spc="-1" dirty="0">
                         <a:solidFill>
                           <a:srgbClr val="000000"/>
                         </a:solidFill>
@@ -10953,432 +11384,6 @@
           </a:graphicData>
         </a:graphic>
       </p:graphicFrame>
-    </p:spTree>
-  </p:cSld>
-  <p:clrMapOvr>
-    <a:masterClrMapping/>
-  </p:clrMapOvr>
-  <p:timing>
-    <p:tnLst>
-      <p:par>
-        <p:cTn id="1" dur="indefinite" restart="never" nodeType="tmRoot">
-          <p:childTnLst>
-            <p:seq>
-              <p:cTn id="2" nodeType="mainSeq"/>
-              <p:prevCondLst>
-                <p:cond evt="onPrev" delay="0">
-                  <p:tgtEl>
-                    <p:sldTgt/>
-                  </p:tgtEl>
-                </p:cond>
-              </p:prevCondLst>
-              <p:nextCondLst>
-                <p:cond evt="onNext" delay="0">
-                  <p:tgtEl>
-                    <p:sldTgt/>
-                  </p:tgtEl>
-                </p:cond>
-              </p:nextCondLst>
-            </p:seq>
-          </p:childTnLst>
-        </p:cTn>
-      </p:par>
-    </p:tnLst>
-  </p:timing>
-</p:sld>
-</file>
-
-<file path=ppt/slides/slide8.xml><?xml version="1.0" encoding="utf-8"?>
-<p:sld xmlns:a="http://schemas.openxmlformats.org/drawingml/2006/main" xmlns:r="http://schemas.openxmlformats.org/officeDocument/2006/relationships" xmlns:p="http://schemas.openxmlformats.org/presentationml/2006/main">
-  <p:cSld>
-    <p:spTree>
-      <p:nvGrpSpPr>
-        <p:cNvPr id="1" name=""/>
-        <p:cNvGrpSpPr/>
-        <p:nvPr/>
-      </p:nvGrpSpPr>
-      <p:grpSpPr>
-        <a:xfrm>
-          <a:off x="0" y="0"/>
-          <a:ext cx="0" cy="0"/>
-          <a:chOff x="0" y="0"/>
-          <a:chExt cx="0" cy="0"/>
-        </a:xfrm>
-      </p:grpSpPr>
-      <p:sp>
-        <p:nvSpPr>
-          <p:cNvPr id="122" name="TextShape 1"/>
-          <p:cNvSpPr txBox="1"/>
-          <p:nvPr/>
-        </p:nvSpPr>
-        <p:spPr>
-          <a:xfrm>
-            <a:off x="762120" y="559800"/>
-            <a:ext cx="3833640" cy="4952160"/>
-          </a:xfrm>
-          <a:prstGeom prst="rect">
-            <a:avLst/>
-          </a:prstGeom>
-          <a:noFill/>
-          <a:ln>
-            <a:noFill/>
-          </a:ln>
-        </p:spPr>
-        <p:txBody>
-          <a:bodyPr lIns="0" tIns="0" rIns="0" bIns="0" anchor="t"/>
-          <a:lstStyle/>
-          <a:p>
-            <a:pPr algn="r"/>
-            <a:r>
-              <a:rPr lang="en-US" sz="5000" b="0" i="1" strike="noStrike" spc="-1" dirty="0">
-                <a:solidFill>
-                  <a:srgbClr val="000000"/>
-                </a:solidFill>
-                <a:uFill>
-                  <a:solidFill>
-                    <a:srgbClr val="FFFFFF"/>
-                  </a:solidFill>
-                </a:uFill>
-                <a:latin typeface="Century Schoolbook" panose="02040604050505020304" pitchFamily="18" charset="0"/>
-              </a:rPr>
-              <a:t>Audio Design</a:t>
-            </a:r>
-          </a:p>
-        </p:txBody>
-      </p:sp>
-      <p:sp>
-        <p:nvSpPr>
-          <p:cNvPr id="123" name="TextShape 2"/>
-          <p:cNvSpPr txBox="1"/>
-          <p:nvPr/>
-        </p:nvSpPr>
-        <p:spPr>
-          <a:xfrm>
-            <a:off x="5128214" y="1766868"/>
-            <a:ext cx="6248160" cy="2538024"/>
-          </a:xfrm>
-          <a:prstGeom prst="rect">
-            <a:avLst/>
-          </a:prstGeom>
-          <a:noFill/>
-          <a:ln>
-            <a:noFill/>
-          </a:ln>
-        </p:spPr>
-        <p:txBody>
-          <a:bodyPr lIns="0" tIns="0" rIns="0" bIns="0" anchor="ctr"/>
-          <a:lstStyle/>
-          <a:p>
-            <a:pPr marL="432000" indent="-324000">
-              <a:buClr>
-                <a:srgbClr val="000000"/>
-              </a:buClr>
-              <a:buSzPct val="45000"/>
-              <a:buFont typeface="Wingdings" charset="2"/>
-              <a:buChar char=""/>
-            </a:pPr>
-            <a:r>
-              <a:rPr lang="en-US" sz="2000" b="0" strike="noStrike" spc="-1" dirty="0">
-                <a:solidFill>
-                  <a:srgbClr val="262626"/>
-                </a:solidFill>
-                <a:uFill>
-                  <a:solidFill>
-                    <a:srgbClr val="FFFFFF"/>
-                  </a:solidFill>
-                </a:uFill>
-                <a:latin typeface="Corbel"/>
-              </a:rPr>
-              <a:t>During the Battle Sequences, the focus will be on gameplay</a:t>
-            </a:r>
-          </a:p>
-          <a:p>
-            <a:pPr marL="432000" indent="-324000">
-              <a:buClr>
-                <a:srgbClr val="000000"/>
-              </a:buClr>
-              <a:buSzPct val="45000"/>
-              <a:buFont typeface="Wingdings" charset="2"/>
-              <a:buChar char=""/>
-            </a:pPr>
-            <a:r>
-              <a:rPr lang="en-US" sz="2000" b="0" strike="noStrike" spc="-1" dirty="0">
-                <a:solidFill>
-                  <a:srgbClr val="262626"/>
-                </a:solidFill>
-                <a:uFill>
-                  <a:solidFill>
-                    <a:srgbClr val="FFFFFF"/>
-                  </a:solidFill>
-                </a:uFill>
-                <a:latin typeface="Corbel"/>
-              </a:rPr>
-              <a:t>Sound Effects will be louder, music will be in the background</a:t>
-            </a:r>
-          </a:p>
-          <a:p>
-            <a:pPr marL="864000" lvl="1" indent="-324000">
-              <a:buClr>
-                <a:srgbClr val="000000"/>
-              </a:buClr>
-              <a:buSzPct val="75000"/>
-              <a:buFont typeface="Symbol" charset="2"/>
-              <a:buChar char=""/>
-            </a:pPr>
-            <a:r>
-              <a:rPr lang="en-US" sz="2000" b="0" strike="noStrike" spc="-1" dirty="0">
-                <a:solidFill>
-                  <a:srgbClr val="262626"/>
-                </a:solidFill>
-                <a:uFill>
-                  <a:solidFill>
-                    <a:srgbClr val="FFFFFF"/>
-                  </a:solidFill>
-                </a:uFill>
-                <a:latin typeface="Corbel"/>
-              </a:rPr>
-              <a:t>Battlefields are usually noisy with the sound effects</a:t>
-            </a:r>
-          </a:p>
-          <a:p>
-            <a:pPr marL="432000" indent="-324000">
-              <a:buClr>
-                <a:srgbClr val="000000"/>
-              </a:buClr>
-              <a:buSzPct val="45000"/>
-              <a:buFont typeface="Wingdings" charset="2"/>
-              <a:buChar char=""/>
-            </a:pPr>
-            <a:r>
-              <a:rPr lang="en-US" sz="2000" b="0" strike="noStrike" spc="-1" dirty="0">
-                <a:solidFill>
-                  <a:srgbClr val="262626"/>
-                </a:solidFill>
-                <a:uFill>
-                  <a:solidFill>
-                    <a:srgbClr val="FFFFFF"/>
-                  </a:solidFill>
-                </a:uFill>
-                <a:latin typeface="Corbel"/>
-              </a:rPr>
-              <a:t>Music will be more minimal and syncopated, but can swell when the player is close to an enemy or the match is about over or during other tense moments</a:t>
-            </a:r>
-          </a:p>
-        </p:txBody>
-      </p:sp>
-    </p:spTree>
-  </p:cSld>
-  <p:clrMapOvr>
-    <a:masterClrMapping/>
-  </p:clrMapOvr>
-  <p:timing>
-    <p:tnLst>
-      <p:par>
-        <p:cTn id="1" dur="indefinite" restart="never" nodeType="tmRoot">
-          <p:childTnLst>
-            <p:seq>
-              <p:cTn id="2" nodeType="mainSeq"/>
-              <p:prevCondLst>
-                <p:cond evt="onPrev" delay="0">
-                  <p:tgtEl>
-                    <p:sldTgt/>
-                  </p:tgtEl>
-                </p:cond>
-              </p:prevCondLst>
-              <p:nextCondLst>
-                <p:cond evt="onNext" delay="0">
-                  <p:tgtEl>
-                    <p:sldTgt/>
-                  </p:tgtEl>
-                </p:cond>
-              </p:nextCondLst>
-            </p:seq>
-          </p:childTnLst>
-        </p:cTn>
-      </p:par>
-    </p:tnLst>
-  </p:timing>
-</p:sld>
-</file>
-
-<file path=ppt/slides/slide9.xml><?xml version="1.0" encoding="utf-8"?>
-<p:sld xmlns:a="http://schemas.openxmlformats.org/drawingml/2006/main" xmlns:r="http://schemas.openxmlformats.org/officeDocument/2006/relationships" xmlns:p="http://schemas.openxmlformats.org/presentationml/2006/main">
-  <p:cSld>
-    <p:spTree>
-      <p:nvGrpSpPr>
-        <p:cNvPr id="1" name=""/>
-        <p:cNvGrpSpPr/>
-        <p:nvPr/>
-      </p:nvGrpSpPr>
-      <p:grpSpPr>
-        <a:xfrm>
-          <a:off x="0" y="0"/>
-          <a:ext cx="0" cy="0"/>
-          <a:chOff x="0" y="0"/>
-          <a:chExt cx="0" cy="0"/>
-        </a:xfrm>
-      </p:grpSpPr>
-      <p:sp>
-        <p:nvSpPr>
-          <p:cNvPr id="124" name="TextShape 1"/>
-          <p:cNvSpPr txBox="1"/>
-          <p:nvPr/>
-        </p:nvSpPr>
-        <p:spPr>
-          <a:xfrm>
-            <a:off x="762120" y="559800"/>
-            <a:ext cx="3833640" cy="4952160"/>
-          </a:xfrm>
-          <a:prstGeom prst="rect">
-            <a:avLst/>
-          </a:prstGeom>
-          <a:noFill/>
-          <a:ln>
-            <a:noFill/>
-          </a:ln>
-        </p:spPr>
-        <p:txBody>
-          <a:bodyPr lIns="0" tIns="0" rIns="0" bIns="0" anchor="t"/>
-          <a:lstStyle/>
-          <a:p>
-            <a:pPr algn="r"/>
-            <a:r>
-              <a:rPr lang="en-US" sz="5000" b="0" i="1" strike="noStrike" spc="-1" dirty="0">
-                <a:solidFill>
-                  <a:srgbClr val="000000"/>
-                </a:solidFill>
-                <a:uFill>
-                  <a:solidFill>
-                    <a:srgbClr val="FFFFFF"/>
-                  </a:solidFill>
-                </a:uFill>
-                <a:latin typeface="Century Schoolbook" panose="02040604050505020304" pitchFamily="18" charset="0"/>
-              </a:rPr>
-              <a:t>Networking</a:t>
-            </a:r>
-          </a:p>
-        </p:txBody>
-      </p:sp>
-      <p:sp>
-        <p:nvSpPr>
-          <p:cNvPr id="125" name="TextShape 2"/>
-          <p:cNvSpPr txBox="1"/>
-          <p:nvPr/>
-        </p:nvSpPr>
-        <p:spPr>
-          <a:xfrm>
-            <a:off x="4595760" y="1772587"/>
-            <a:ext cx="6766560" cy="2526585"/>
-          </a:xfrm>
-          <a:prstGeom prst="rect">
-            <a:avLst/>
-          </a:prstGeom>
-          <a:noFill/>
-          <a:ln>
-            <a:noFill/>
-          </a:ln>
-        </p:spPr>
-        <p:txBody>
-          <a:bodyPr lIns="90000" tIns="45000" rIns="90000" bIns="45000"/>
-          <a:lstStyle/>
-          <a:p>
-            <a:pPr marL="216000" indent="-216000">
-              <a:buClr>
-                <a:srgbClr val="000000"/>
-              </a:buClr>
-              <a:buSzPct val="45000"/>
-              <a:buFont typeface="Wingdings" charset="2"/>
-              <a:buChar char=""/>
-            </a:pPr>
-            <a:r>
-              <a:rPr lang="en-US" sz="2000" b="0" strike="noStrike" spc="-1" dirty="0">
-                <a:solidFill>
-                  <a:srgbClr val="000000"/>
-                </a:solidFill>
-                <a:uFill>
-                  <a:solidFill>
-                    <a:srgbClr val="FFFFFF"/>
-                  </a:solidFill>
-                </a:uFill>
-                <a:latin typeface="Corbel" panose="020B0503020204020204" pitchFamily="34" charset="0"/>
-              </a:rPr>
-              <a:t>One player will host the game (act as a server), other players will act as clients</a:t>
-            </a:r>
-          </a:p>
-          <a:p>
-            <a:pPr marL="216000" indent="-216000">
-              <a:buClr>
-                <a:srgbClr val="000000"/>
-              </a:buClr>
-              <a:buSzPct val="45000"/>
-              <a:buFont typeface="Wingdings" charset="2"/>
-              <a:buChar char=""/>
-            </a:pPr>
-            <a:r>
-              <a:rPr lang="en-US" sz="2000" b="0" strike="noStrike" spc="-1" dirty="0">
-                <a:solidFill>
-                  <a:srgbClr val="000000"/>
-                </a:solidFill>
-                <a:uFill>
-                  <a:solidFill>
-                    <a:srgbClr val="FFFFFF"/>
-                  </a:solidFill>
-                </a:uFill>
-                <a:latin typeface="Corbel" panose="020B0503020204020204" pitchFamily="34" charset="0"/>
-              </a:rPr>
-              <a:t>Computer-Controlled Players (AI), Field Layout, and Items on the field will be controlled by the server</a:t>
-            </a:r>
-          </a:p>
-          <a:p>
-            <a:pPr marL="216000" indent="-216000">
-              <a:buClr>
-                <a:srgbClr val="000000"/>
-              </a:buClr>
-              <a:buSzPct val="45000"/>
-              <a:buFont typeface="Wingdings" charset="2"/>
-              <a:buChar char=""/>
-            </a:pPr>
-            <a:r>
-              <a:rPr lang="en-US" sz="2000" b="0" strike="noStrike" spc="-1" dirty="0">
-                <a:solidFill>
-                  <a:srgbClr val="000000"/>
-                </a:solidFill>
-                <a:uFill>
-                  <a:solidFill>
-                    <a:srgbClr val="FFFFFF"/>
-                  </a:solidFill>
-                </a:uFill>
-                <a:latin typeface="Corbel" panose="020B0503020204020204" pitchFamily="34" charset="0"/>
-              </a:rPr>
-              <a:t>Clients will only control their player and view the Game around them</a:t>
-            </a:r>
-          </a:p>
-          <a:p>
-            <a:pPr marL="216000" indent="-216000">
-              <a:buClr>
-                <a:srgbClr val="000000"/>
-              </a:buClr>
-              <a:buSzPct val="45000"/>
-              <a:buFont typeface="Wingdings" charset="2"/>
-              <a:buChar char=""/>
-            </a:pPr>
-            <a:r>
-              <a:rPr lang="en-US" sz="2000" b="0" strike="noStrike" spc="-1" dirty="0">
-                <a:solidFill>
-                  <a:srgbClr val="000000"/>
-                </a:solidFill>
-                <a:uFill>
-                  <a:solidFill>
-                    <a:srgbClr val="FFFFFF"/>
-                  </a:solidFill>
-                </a:uFill>
-                <a:latin typeface="Corbel" panose="020B0503020204020204" pitchFamily="34" charset="0"/>
-              </a:rPr>
-              <a:t>If in a single-player mode, Client and server will run on the same computer, and all other players will be controlled by AI</a:t>
-            </a:r>
-          </a:p>
-        </p:txBody>
-      </p:sp>
     </p:spTree>
   </p:cSld>
   <p:clrMapOvr>
